--- a/Predicting Winner of LOL Match(final).pptx
+++ b/Predicting Winner of LOL Match(final).pptx
@@ -5,18 +5,24 @@
     <p:sldMasterId id="2147483648" r:id="rId1"/>
   </p:sldMasterIdLst>
   <p:sldIdLst>
-    <p:sldId id="256" r:id="rId3"/>
-    <p:sldId id="265" r:id="rId4"/>
-    <p:sldId id="266" r:id="rId5"/>
-    <p:sldId id="259" r:id="rId6"/>
-    <p:sldId id="261" r:id="rId7"/>
-    <p:sldId id="260" r:id="rId8"/>
-    <p:sldId id="258" r:id="rId9"/>
+    <p:sldId id="256" r:id="rId2"/>
+    <p:sldId id="266" r:id="rId3"/>
+    <p:sldId id="259" r:id="rId4"/>
+    <p:sldId id="282" r:id="rId5"/>
+    <p:sldId id="261" r:id="rId6"/>
+    <p:sldId id="260" r:id="rId7"/>
+    <p:sldId id="258" r:id="rId8"/>
+    <p:sldId id="279" r:id="rId9"/>
     <p:sldId id="275" r:id="rId10"/>
     <p:sldId id="262" r:id="rId11"/>
-    <p:sldId id="263" r:id="rId12"/>
-    <p:sldId id="257" r:id="rId13"/>
-    <p:sldId id="264" r:id="rId14"/>
+    <p:sldId id="276" r:id="rId12"/>
+    <p:sldId id="277" r:id="rId13"/>
+    <p:sldId id="278" r:id="rId14"/>
+    <p:sldId id="257" r:id="rId15"/>
+    <p:sldId id="263" r:id="rId16"/>
+    <p:sldId id="280" r:id="rId17"/>
+    <p:sldId id="281" r:id="rId18"/>
+    <p:sldId id="264" r:id="rId19"/>
   </p:sldIdLst>
   <p:sldSz cx="12192000" cy="6858000"/>
   <p:notesSz cx="6858000" cy="9144000"/>
@@ -115,6 +121,11 @@
       </a:defRPr>
     </a:lvl9pPr>
   </p:defaultTextStyle>
+  <p:extLst>
+    <p:ext uri="{EFAFB233-063F-42B5-8137-9DF3F51BA10A}">
+      <p15:sldGuideLst xmlns:p15="http://schemas.microsoft.com/office/powerpoint/2012/main"/>
+    </p:ext>
+  </p:extLst>
 </p:presentation>
 </file>
 
@@ -122,6 +133,551 @@
 <p:cmAuthorLst xmlns:a="http://schemas.openxmlformats.org/drawingml/2006/main" xmlns:r="http://schemas.openxmlformats.org/officeDocument/2006/relationships" xmlns:p="http://schemas.openxmlformats.org/presentationml/2006/main">
   <p:cmAuthor id="1" name="Gu Yihao" initials="GY" lastIdx="1" clrIdx="0"/>
 </p:cmAuthorLst>
+</file>
+
+<file path=ppt/revisionInfo.xml><?xml version="1.0" encoding="utf-8"?>
+<p1510:revInfo xmlns:a="http://schemas.openxmlformats.org/drawingml/2006/main" xmlns:r="http://schemas.openxmlformats.org/officeDocument/2006/relationships" xmlns:p1510="http://schemas.microsoft.com/office/powerpoint/2015/10/main">
+  <p1510:revLst>
+    <p1510:client id="{D167D064-5530-4E5F-9141-F118A2C4BDB6}" v="26" dt="2021-04-21T23:04:48.416"/>
+  </p1510:revLst>
+</p1510:revInfo>
+</file>
+
+<file path=ppt/changesInfos/changesInfo1.xml><?xml version="1.0" encoding="utf-8"?>
+<pc:chgInfo xmlns:a="http://schemas.openxmlformats.org/drawingml/2006/main" xmlns:r="http://schemas.openxmlformats.org/officeDocument/2006/relationships" xmlns:ac="http://schemas.microsoft.com/office/drawing/2013/main/command" xmlns:pc="http://schemas.microsoft.com/office/powerpoint/2013/main/command">
+  <pc:docChgLst>
+    <pc:chgData name="Yihao Gu" userId="5bd5137a74433959" providerId="LiveId" clId="{D167D064-5530-4E5F-9141-F118A2C4BDB6}"/>
+    <pc:docChg chg="undo redo custSel addSld delSld modSld sldOrd">
+      <pc:chgData name="Yihao Gu" userId="5bd5137a74433959" providerId="LiveId" clId="{D167D064-5530-4E5F-9141-F118A2C4BDB6}" dt="2021-04-21T23:11:59.645" v="2895" actId="207"/>
+      <pc:docMkLst>
+        <pc:docMk/>
+      </pc:docMkLst>
+      <pc:sldChg chg="modSp mod ord">
+        <pc:chgData name="Yihao Gu" userId="5bd5137a74433959" providerId="LiveId" clId="{D167D064-5530-4E5F-9141-F118A2C4BDB6}" dt="2021-04-21T22:41:15.600" v="2374"/>
+        <pc:sldMkLst>
+          <pc:docMk/>
+          <pc:sldMk cId="0" sldId="257"/>
+        </pc:sldMkLst>
+        <pc:spChg chg="mod">
+          <ac:chgData name="Yihao Gu" userId="5bd5137a74433959" providerId="LiveId" clId="{D167D064-5530-4E5F-9141-F118A2C4BDB6}" dt="2021-04-21T22:24:05.218" v="2309" actId="20577"/>
+          <ac:spMkLst>
+            <pc:docMk/>
+            <pc:sldMk cId="0" sldId="257"/>
+            <ac:spMk id="6" creationId="{00000000-0000-0000-0000-000000000000}"/>
+          </ac:spMkLst>
+        </pc:spChg>
+      </pc:sldChg>
+      <pc:sldChg chg="addSp delSp modSp mod">
+        <pc:chgData name="Yihao Gu" userId="5bd5137a74433959" providerId="LiveId" clId="{D167D064-5530-4E5F-9141-F118A2C4BDB6}" dt="2021-04-21T22:19:23.447" v="2123" actId="1076"/>
+        <pc:sldMkLst>
+          <pc:docMk/>
+          <pc:sldMk cId="0" sldId="258"/>
+        </pc:sldMkLst>
+        <pc:spChg chg="mod">
+          <ac:chgData name="Yihao Gu" userId="5bd5137a74433959" providerId="LiveId" clId="{D167D064-5530-4E5F-9141-F118A2C4BDB6}" dt="2021-04-21T22:19:23.447" v="2123" actId="1076"/>
+          <ac:spMkLst>
+            <pc:docMk/>
+            <pc:sldMk cId="0" sldId="258"/>
+            <ac:spMk id="6" creationId="{00000000-0000-0000-0000-000000000000}"/>
+          </ac:spMkLst>
+        </pc:spChg>
+        <pc:picChg chg="add del mod">
+          <ac:chgData name="Yihao Gu" userId="5bd5137a74433959" providerId="LiveId" clId="{D167D064-5530-4E5F-9141-F118A2C4BDB6}" dt="2021-04-21T22:18:42.173" v="2115" actId="478"/>
+          <ac:picMkLst>
+            <pc:docMk/>
+            <pc:sldMk cId="0" sldId="258"/>
+            <ac:picMk id="3" creationId="{00000000-0000-0000-0000-000000000000}"/>
+          </ac:picMkLst>
+        </pc:picChg>
+      </pc:sldChg>
+      <pc:sldChg chg="modSp mod">
+        <pc:chgData name="Yihao Gu" userId="5bd5137a74433959" providerId="LiveId" clId="{D167D064-5530-4E5F-9141-F118A2C4BDB6}" dt="2021-04-21T19:34:18.534" v="5" actId="20577"/>
+        <pc:sldMkLst>
+          <pc:docMk/>
+          <pc:sldMk cId="0" sldId="261"/>
+        </pc:sldMkLst>
+        <pc:spChg chg="mod">
+          <ac:chgData name="Yihao Gu" userId="5bd5137a74433959" providerId="LiveId" clId="{D167D064-5530-4E5F-9141-F118A2C4BDB6}" dt="2021-04-21T19:34:18.534" v="5" actId="20577"/>
+          <ac:spMkLst>
+            <pc:docMk/>
+            <pc:sldMk cId="0" sldId="261"/>
+            <ac:spMk id="6" creationId="{00000000-0000-0000-0000-000000000000}"/>
+          </ac:spMkLst>
+        </pc:spChg>
+      </pc:sldChg>
+      <pc:sldChg chg="modSp mod">
+        <pc:chgData name="Yihao Gu" userId="5bd5137a74433959" providerId="LiveId" clId="{D167D064-5530-4E5F-9141-F118A2C4BDB6}" dt="2021-04-21T19:37:18.301" v="131" actId="20577"/>
+        <pc:sldMkLst>
+          <pc:docMk/>
+          <pc:sldMk cId="0" sldId="262"/>
+        </pc:sldMkLst>
+        <pc:spChg chg="mod">
+          <ac:chgData name="Yihao Gu" userId="5bd5137a74433959" providerId="LiveId" clId="{D167D064-5530-4E5F-9141-F118A2C4BDB6}" dt="2021-04-21T19:37:18.301" v="131" actId="20577"/>
+          <ac:spMkLst>
+            <pc:docMk/>
+            <pc:sldMk cId="0" sldId="262"/>
+            <ac:spMk id="5" creationId="{00000000-0000-0000-0000-000000000000}"/>
+          </ac:spMkLst>
+        </pc:spChg>
+      </pc:sldChg>
+      <pc:sldChg chg="del">
+        <pc:chgData name="Yihao Gu" userId="5bd5137a74433959" providerId="LiveId" clId="{D167D064-5530-4E5F-9141-F118A2C4BDB6}" dt="2021-04-21T20:11:42.883" v="1040" actId="2696"/>
+        <pc:sldMkLst>
+          <pc:docMk/>
+          <pc:sldMk cId="0" sldId="265"/>
+        </pc:sldMkLst>
+      </pc:sldChg>
+      <pc:sldChg chg="addSp delSp modSp mod">
+        <pc:chgData name="Yihao Gu" userId="5bd5137a74433959" providerId="LiveId" clId="{D167D064-5530-4E5F-9141-F118A2C4BDB6}" dt="2021-04-21T22:12:56.375" v="1912" actId="14100"/>
+        <pc:sldMkLst>
+          <pc:docMk/>
+          <pc:sldMk cId="0" sldId="275"/>
+        </pc:sldMkLst>
+        <pc:spChg chg="add del mod">
+          <ac:chgData name="Yihao Gu" userId="5bd5137a74433959" providerId="LiveId" clId="{D167D064-5530-4E5F-9141-F118A2C4BDB6}" dt="2021-04-21T19:36:48.439" v="123" actId="478"/>
+          <ac:spMkLst>
+            <pc:docMk/>
+            <pc:sldMk cId="0" sldId="275"/>
+            <ac:spMk id="2" creationId="{0A03A93C-14FE-4135-BB90-914E4D84680B}"/>
+          </ac:spMkLst>
+        </pc:spChg>
+        <pc:picChg chg="mod">
+          <ac:chgData name="Yihao Gu" userId="5bd5137a74433959" providerId="LiveId" clId="{D167D064-5530-4E5F-9141-F118A2C4BDB6}" dt="2021-04-21T22:12:56.375" v="1912" actId="14100"/>
+          <ac:picMkLst>
+            <pc:docMk/>
+            <pc:sldMk cId="0" sldId="275"/>
+            <ac:picMk id="8" creationId="{00000000-0000-0000-0000-000000000000}"/>
+          </ac:picMkLst>
+        </pc:picChg>
+      </pc:sldChg>
+      <pc:sldChg chg="addSp delSp modSp add mod">
+        <pc:chgData name="Yihao Gu" userId="5bd5137a74433959" providerId="LiveId" clId="{D167D064-5530-4E5F-9141-F118A2C4BDB6}" dt="2021-04-21T22:21:47.877" v="2155" actId="20577"/>
+        <pc:sldMkLst>
+          <pc:docMk/>
+          <pc:sldMk cId="751597545" sldId="276"/>
+        </pc:sldMkLst>
+        <pc:spChg chg="del">
+          <ac:chgData name="Yihao Gu" userId="5bd5137a74433959" providerId="LiveId" clId="{D167D064-5530-4E5F-9141-F118A2C4BDB6}" dt="2021-04-21T19:38:39.351" v="143" actId="478"/>
+          <ac:spMkLst>
+            <pc:docMk/>
+            <pc:sldMk cId="751597545" sldId="276"/>
+            <ac:spMk id="3" creationId="{00000000-0000-0000-0000-000000000000}"/>
+          </ac:spMkLst>
+        </pc:spChg>
+        <pc:spChg chg="del">
+          <ac:chgData name="Yihao Gu" userId="5bd5137a74433959" providerId="LiveId" clId="{D167D064-5530-4E5F-9141-F118A2C4BDB6}" dt="2021-04-21T19:38:42.037" v="144" actId="478"/>
+          <ac:spMkLst>
+            <pc:docMk/>
+            <pc:sldMk cId="751597545" sldId="276"/>
+            <ac:spMk id="5" creationId="{00000000-0000-0000-0000-000000000000}"/>
+          </ac:spMkLst>
+        </pc:spChg>
+        <pc:spChg chg="del mod">
+          <ac:chgData name="Yihao Gu" userId="5bd5137a74433959" providerId="LiveId" clId="{D167D064-5530-4E5F-9141-F118A2C4BDB6}" dt="2021-04-21T19:57:00.534" v="519" actId="478"/>
+          <ac:spMkLst>
+            <pc:docMk/>
+            <pc:sldMk cId="751597545" sldId="276"/>
+            <ac:spMk id="6" creationId="{00000000-0000-0000-0000-000000000000}"/>
+          </ac:spMkLst>
+        </pc:spChg>
+        <pc:spChg chg="add del mod">
+          <ac:chgData name="Yihao Gu" userId="5bd5137a74433959" providerId="LiveId" clId="{D167D064-5530-4E5F-9141-F118A2C4BDB6}" dt="2021-04-21T19:57:00.549" v="521"/>
+          <ac:spMkLst>
+            <pc:docMk/>
+            <pc:sldMk cId="751597545" sldId="276"/>
+            <ac:spMk id="9" creationId="{B9452366-1A46-462F-B7E1-FE486526A3DA}"/>
+          </ac:spMkLst>
+        </pc:spChg>
+        <pc:spChg chg="add mod">
+          <ac:chgData name="Yihao Gu" userId="5bd5137a74433959" providerId="LiveId" clId="{D167D064-5530-4E5F-9141-F118A2C4BDB6}" dt="2021-04-21T22:21:08.656" v="2136" actId="20577"/>
+          <ac:spMkLst>
+            <pc:docMk/>
+            <pc:sldMk cId="751597545" sldId="276"/>
+            <ac:spMk id="10" creationId="{673B967E-4426-4900-9CCB-159FEBAE7455}"/>
+          </ac:spMkLst>
+        </pc:spChg>
+        <pc:spChg chg="add mod">
+          <ac:chgData name="Yihao Gu" userId="5bd5137a74433959" providerId="LiveId" clId="{D167D064-5530-4E5F-9141-F118A2C4BDB6}" dt="2021-04-21T22:21:47.877" v="2155" actId="20577"/>
+          <ac:spMkLst>
+            <pc:docMk/>
+            <pc:sldMk cId="751597545" sldId="276"/>
+            <ac:spMk id="11" creationId="{F7D2B3B2-1D3E-43D4-8CCD-B5EE6A53F70C}"/>
+          </ac:spMkLst>
+        </pc:spChg>
+        <pc:graphicFrameChg chg="del">
+          <ac:chgData name="Yihao Gu" userId="5bd5137a74433959" providerId="LiveId" clId="{D167D064-5530-4E5F-9141-F118A2C4BDB6}" dt="2021-04-21T19:38:35.070" v="142" actId="478"/>
+          <ac:graphicFrameMkLst>
+            <pc:docMk/>
+            <pc:sldMk cId="751597545" sldId="276"/>
+            <ac:graphicFrameMk id="2" creationId="{00000000-0000-0000-0000-000000000000}"/>
+          </ac:graphicFrameMkLst>
+        </pc:graphicFrameChg>
+        <pc:graphicFrameChg chg="add del mod modGraphic">
+          <ac:chgData name="Yihao Gu" userId="5bd5137a74433959" providerId="LiveId" clId="{D167D064-5530-4E5F-9141-F118A2C4BDB6}" dt="2021-04-21T19:40:38.880" v="197" actId="3680"/>
+          <ac:graphicFrameMkLst>
+            <pc:docMk/>
+            <pc:sldMk cId="751597545" sldId="276"/>
+            <ac:graphicFrameMk id="7" creationId="{F46254BA-98C0-4D98-AD56-3CAC4A34E6A3}"/>
+          </ac:graphicFrameMkLst>
+        </pc:graphicFrameChg>
+        <pc:graphicFrameChg chg="add mod modGraphic">
+          <ac:chgData name="Yihao Gu" userId="5bd5137a74433959" providerId="LiveId" clId="{D167D064-5530-4E5F-9141-F118A2C4BDB6}" dt="2021-04-21T20:04:23.414" v="999" actId="1076"/>
+          <ac:graphicFrameMkLst>
+            <pc:docMk/>
+            <pc:sldMk cId="751597545" sldId="276"/>
+            <ac:graphicFrameMk id="8" creationId="{93F66002-DFAB-4461-9287-373BD108079A}"/>
+          </ac:graphicFrameMkLst>
+        </pc:graphicFrameChg>
+      </pc:sldChg>
+      <pc:sldChg chg="addSp delSp modSp add mod">
+        <pc:chgData name="Yihao Gu" userId="5bd5137a74433959" providerId="LiveId" clId="{D167D064-5530-4E5F-9141-F118A2C4BDB6}" dt="2021-04-21T20:38:59.369" v="1768" actId="20577"/>
+        <pc:sldMkLst>
+          <pc:docMk/>
+          <pc:sldMk cId="754213700" sldId="277"/>
+        </pc:sldMkLst>
+        <pc:spChg chg="del">
+          <ac:chgData name="Yihao Gu" userId="5bd5137a74433959" providerId="LiveId" clId="{D167D064-5530-4E5F-9141-F118A2C4BDB6}" dt="2021-04-21T20:19:13.762" v="1044" actId="478"/>
+          <ac:spMkLst>
+            <pc:docMk/>
+            <pc:sldMk cId="754213700" sldId="277"/>
+            <ac:spMk id="3" creationId="{00000000-0000-0000-0000-000000000000}"/>
+          </ac:spMkLst>
+        </pc:spChg>
+        <pc:spChg chg="mod">
+          <ac:chgData name="Yihao Gu" userId="5bd5137a74433959" providerId="LiveId" clId="{D167D064-5530-4E5F-9141-F118A2C4BDB6}" dt="2021-04-21T20:19:31.636" v="1069" actId="20577"/>
+          <ac:spMkLst>
+            <pc:docMk/>
+            <pc:sldMk cId="754213700" sldId="277"/>
+            <ac:spMk id="4" creationId="{00000000-0000-0000-0000-000000000000}"/>
+          </ac:spMkLst>
+        </pc:spChg>
+        <pc:spChg chg="del mod">
+          <ac:chgData name="Yihao Gu" userId="5bd5137a74433959" providerId="LiveId" clId="{D167D064-5530-4E5F-9141-F118A2C4BDB6}" dt="2021-04-21T20:19:11.047" v="1043" actId="478"/>
+          <ac:spMkLst>
+            <pc:docMk/>
+            <pc:sldMk cId="754213700" sldId="277"/>
+            <ac:spMk id="5" creationId="{00000000-0000-0000-0000-000000000000}"/>
+          </ac:spMkLst>
+        </pc:spChg>
+        <pc:spChg chg="del mod">
+          <ac:chgData name="Yihao Gu" userId="5bd5137a74433959" providerId="LiveId" clId="{D167D064-5530-4E5F-9141-F118A2C4BDB6}" dt="2021-04-21T20:19:19.042" v="1047" actId="478"/>
+          <ac:spMkLst>
+            <pc:docMk/>
+            <pc:sldMk cId="754213700" sldId="277"/>
+            <ac:spMk id="6" creationId="{00000000-0000-0000-0000-000000000000}"/>
+          </ac:spMkLst>
+        </pc:spChg>
+        <pc:spChg chg="add del mod">
+          <ac:chgData name="Yihao Gu" userId="5bd5137a74433959" providerId="LiveId" clId="{D167D064-5530-4E5F-9141-F118A2C4BDB6}" dt="2021-04-21T20:20:10.537" v="1073" actId="47"/>
+          <ac:spMkLst>
+            <pc:docMk/>
+            <pc:sldMk cId="754213700" sldId="277"/>
+            <ac:spMk id="7" creationId="{E5637DE3-3343-4154-B3EC-B760E5C8CBCC}"/>
+          </ac:spMkLst>
+        </pc:spChg>
+        <pc:spChg chg="add mod">
+          <ac:chgData name="Yihao Gu" userId="5bd5137a74433959" providerId="LiveId" clId="{D167D064-5530-4E5F-9141-F118A2C4BDB6}" dt="2021-04-21T20:38:59.369" v="1768" actId="20577"/>
+          <ac:spMkLst>
+            <pc:docMk/>
+            <pc:sldMk cId="754213700" sldId="277"/>
+            <ac:spMk id="8" creationId="{A25F863B-0D82-4C7E-BB0F-FED867268982}"/>
+          </ac:spMkLst>
+        </pc:spChg>
+        <pc:graphicFrameChg chg="del">
+          <ac:chgData name="Yihao Gu" userId="5bd5137a74433959" providerId="LiveId" clId="{D167D064-5530-4E5F-9141-F118A2C4BDB6}" dt="2021-04-21T20:19:15.949" v="1045" actId="478"/>
+          <ac:graphicFrameMkLst>
+            <pc:docMk/>
+            <pc:sldMk cId="754213700" sldId="277"/>
+            <ac:graphicFrameMk id="2" creationId="{00000000-0000-0000-0000-000000000000}"/>
+          </ac:graphicFrameMkLst>
+        </pc:graphicFrameChg>
+      </pc:sldChg>
+      <pc:sldChg chg="addSp delSp modSp add mod">
+        <pc:chgData name="Yihao Gu" userId="5bd5137a74433959" providerId="LiveId" clId="{D167D064-5530-4E5F-9141-F118A2C4BDB6}" dt="2021-04-21T22:04:29.361" v="1812" actId="14100"/>
+        <pc:sldMkLst>
+          <pc:docMk/>
+          <pc:sldMk cId="818400298" sldId="278"/>
+        </pc:sldMkLst>
+        <pc:spChg chg="del">
+          <ac:chgData name="Yihao Gu" userId="5bd5137a74433959" providerId="LiveId" clId="{D167D064-5530-4E5F-9141-F118A2C4BDB6}" dt="2021-04-21T20:32:54.085" v="1765" actId="478"/>
+          <ac:spMkLst>
+            <pc:docMk/>
+            <pc:sldMk cId="818400298" sldId="278"/>
+            <ac:spMk id="8" creationId="{A25F863B-0D82-4C7E-BB0F-FED867268982}"/>
+          </ac:spMkLst>
+        </pc:spChg>
+        <pc:picChg chg="add mod modCrop">
+          <ac:chgData name="Yihao Gu" userId="5bd5137a74433959" providerId="LiveId" clId="{D167D064-5530-4E5F-9141-F118A2C4BDB6}" dt="2021-04-21T22:04:29.361" v="1812" actId="14100"/>
+          <ac:picMkLst>
+            <pc:docMk/>
+            <pc:sldMk cId="818400298" sldId="278"/>
+            <ac:picMk id="3" creationId="{2C6EE98A-E649-4D9F-860A-F41D987B5595}"/>
+          </ac:picMkLst>
+        </pc:picChg>
+        <pc:picChg chg="add mod modCrop">
+          <ac:chgData name="Yihao Gu" userId="5bd5137a74433959" providerId="LiveId" clId="{D167D064-5530-4E5F-9141-F118A2C4BDB6}" dt="2021-04-21T22:04:25.898" v="1810" actId="1076"/>
+          <ac:picMkLst>
+            <pc:docMk/>
+            <pc:sldMk cId="818400298" sldId="278"/>
+            <ac:picMk id="6" creationId="{E2BFEB56-D394-407B-A7D5-C713B6C46362}"/>
+          </ac:picMkLst>
+        </pc:picChg>
+      </pc:sldChg>
+      <pc:sldChg chg="addSp delSp modSp add mod">
+        <pc:chgData name="Yihao Gu" userId="5bd5137a74433959" providerId="LiveId" clId="{D167D064-5530-4E5F-9141-F118A2C4BDB6}" dt="2021-04-21T22:18:50.775" v="2116" actId="1076"/>
+        <pc:sldMkLst>
+          <pc:docMk/>
+          <pc:sldMk cId="3360265177" sldId="279"/>
+        </pc:sldMkLst>
+        <pc:spChg chg="add del mod">
+          <ac:chgData name="Yihao Gu" userId="5bd5137a74433959" providerId="LiveId" clId="{D167D064-5530-4E5F-9141-F118A2C4BDB6}" dt="2021-04-21T22:18:36.617" v="2113" actId="20577"/>
+          <ac:spMkLst>
+            <pc:docMk/>
+            <pc:sldMk cId="3360265177" sldId="279"/>
+            <ac:spMk id="6" creationId="{00000000-0000-0000-0000-000000000000}"/>
+          </ac:spMkLst>
+        </pc:spChg>
+        <pc:picChg chg="mod">
+          <ac:chgData name="Yihao Gu" userId="5bd5137a74433959" providerId="LiveId" clId="{D167D064-5530-4E5F-9141-F118A2C4BDB6}" dt="2021-04-21T22:18:50.775" v="2116" actId="1076"/>
+          <ac:picMkLst>
+            <pc:docMk/>
+            <pc:sldMk cId="3360265177" sldId="279"/>
+            <ac:picMk id="3" creationId="{00000000-0000-0000-0000-000000000000}"/>
+          </ac:picMkLst>
+        </pc:picChg>
+      </pc:sldChg>
+      <pc:sldChg chg="addSp delSp modSp add mod">
+        <pc:chgData name="Yihao Gu" userId="5bd5137a74433959" providerId="LiveId" clId="{D167D064-5530-4E5F-9141-F118A2C4BDB6}" dt="2021-04-21T22:30:28.424" v="2358" actId="14100"/>
+        <pc:sldMkLst>
+          <pc:docMk/>
+          <pc:sldMk cId="3853130603" sldId="280"/>
+        </pc:sldMkLst>
+        <pc:spChg chg="mod">
+          <ac:chgData name="Yihao Gu" userId="5bd5137a74433959" providerId="LiveId" clId="{D167D064-5530-4E5F-9141-F118A2C4BDB6}" dt="2021-04-21T22:24:42.112" v="2323" actId="20577"/>
+          <ac:spMkLst>
+            <pc:docMk/>
+            <pc:sldMk cId="3853130603" sldId="280"/>
+            <ac:spMk id="4" creationId="{00000000-0000-0000-0000-000000000000}"/>
+          </ac:spMkLst>
+        </pc:spChg>
+        <pc:spChg chg="add mod">
+          <ac:chgData name="Yihao Gu" userId="5bd5137a74433959" providerId="LiveId" clId="{D167D064-5530-4E5F-9141-F118A2C4BDB6}" dt="2021-04-21T22:30:18.255" v="2356" actId="1076"/>
+          <ac:spMkLst>
+            <pc:docMk/>
+            <pc:sldMk cId="3853130603" sldId="280"/>
+            <ac:spMk id="5" creationId="{CFC3EC02-8104-4C09-BA56-6E8ABD67F132}"/>
+          </ac:spMkLst>
+        </pc:spChg>
+        <pc:spChg chg="del mod">
+          <ac:chgData name="Yihao Gu" userId="5bd5137a74433959" providerId="LiveId" clId="{D167D064-5530-4E5F-9141-F118A2C4BDB6}" dt="2021-04-21T22:25:51.577" v="2326"/>
+          <ac:spMkLst>
+            <pc:docMk/>
+            <pc:sldMk cId="3853130603" sldId="280"/>
+            <ac:spMk id="6" creationId="{00000000-0000-0000-0000-000000000000}"/>
+          </ac:spMkLst>
+        </pc:spChg>
+        <pc:picChg chg="add mod">
+          <ac:chgData name="Yihao Gu" userId="5bd5137a74433959" providerId="LiveId" clId="{D167D064-5530-4E5F-9141-F118A2C4BDB6}" dt="2021-04-21T22:30:28.424" v="2358" actId="14100"/>
+          <ac:picMkLst>
+            <pc:docMk/>
+            <pc:sldMk cId="3853130603" sldId="280"/>
+            <ac:picMk id="3" creationId="{07A3DB15-F4A4-4609-A845-2DF0DCA0128B}"/>
+          </ac:picMkLst>
+        </pc:picChg>
+      </pc:sldChg>
+      <pc:sldChg chg="addSp delSp modSp add mod">
+        <pc:chgData name="Yihao Gu" userId="5bd5137a74433959" providerId="LiveId" clId="{D167D064-5530-4E5F-9141-F118A2C4BDB6}" dt="2021-04-21T22:38:57.423" v="2372" actId="1076"/>
+        <pc:sldMkLst>
+          <pc:docMk/>
+          <pc:sldMk cId="4288410050" sldId="281"/>
+        </pc:sldMkLst>
+        <pc:spChg chg="mod">
+          <ac:chgData name="Yihao Gu" userId="5bd5137a74433959" providerId="LiveId" clId="{D167D064-5530-4E5F-9141-F118A2C4BDB6}" dt="2021-04-21T22:30:41.935" v="2366" actId="20577"/>
+          <ac:spMkLst>
+            <pc:docMk/>
+            <pc:sldMk cId="4288410050" sldId="281"/>
+            <ac:spMk id="5" creationId="{CFC3EC02-8104-4C09-BA56-6E8ABD67F132}"/>
+          </ac:spMkLst>
+        </pc:spChg>
+        <pc:picChg chg="del">
+          <ac:chgData name="Yihao Gu" userId="5bd5137a74433959" providerId="LiveId" clId="{D167D064-5530-4E5F-9141-F118A2C4BDB6}" dt="2021-04-21T22:30:43.555" v="2367" actId="478"/>
+          <ac:picMkLst>
+            <pc:docMk/>
+            <pc:sldMk cId="4288410050" sldId="281"/>
+            <ac:picMk id="3" creationId="{07A3DB15-F4A4-4609-A845-2DF0DCA0128B}"/>
+          </ac:picMkLst>
+        </pc:picChg>
+        <pc:picChg chg="add mod">
+          <ac:chgData name="Yihao Gu" userId="5bd5137a74433959" providerId="LiveId" clId="{D167D064-5530-4E5F-9141-F118A2C4BDB6}" dt="2021-04-21T22:38:57.423" v="2372" actId="1076"/>
+          <ac:picMkLst>
+            <pc:docMk/>
+            <pc:sldMk cId="4288410050" sldId="281"/>
+            <ac:picMk id="6" creationId="{91080BB1-657A-4744-8FA0-AB261E5B810B}"/>
+          </ac:picMkLst>
+        </pc:picChg>
+      </pc:sldChg>
+      <pc:sldChg chg="addSp delSp modSp add mod">
+        <pc:chgData name="Yihao Gu" userId="5bd5137a74433959" providerId="LiveId" clId="{D167D064-5530-4E5F-9141-F118A2C4BDB6}" dt="2021-04-21T23:11:59.645" v="2895" actId="207"/>
+        <pc:sldMkLst>
+          <pc:docMk/>
+          <pc:sldMk cId="0" sldId="282"/>
+        </pc:sldMkLst>
+        <pc:spChg chg="add mod">
+          <ac:chgData name="Yihao Gu" userId="5bd5137a74433959" providerId="LiveId" clId="{D167D064-5530-4E5F-9141-F118A2C4BDB6}" dt="2021-04-21T23:10:37.857" v="2892" actId="207"/>
+          <ac:spMkLst>
+            <pc:docMk/>
+            <pc:sldMk cId="0" sldId="282"/>
+            <ac:spMk id="2" creationId="{0E1990B7-6239-469B-A423-08292CBE968C}"/>
+          </ac:spMkLst>
+        </pc:spChg>
+        <pc:spChg chg="add mod">
+          <ac:chgData name="Yihao Gu" userId="5bd5137a74433959" providerId="LiveId" clId="{D167D064-5530-4E5F-9141-F118A2C4BDB6}" dt="2021-04-21T23:10:37.857" v="2892" actId="207"/>
+          <ac:spMkLst>
+            <pc:docMk/>
+            <pc:sldMk cId="0" sldId="282"/>
+            <ac:spMk id="3" creationId="{429FA8DF-5210-4DED-B03B-2212A32A7000}"/>
+          </ac:spMkLst>
+        </pc:spChg>
+        <pc:spChg chg="mod">
+          <ac:chgData name="Yihao Gu" userId="5bd5137a74433959" providerId="LiveId" clId="{D167D064-5530-4E5F-9141-F118A2C4BDB6}" dt="2021-04-21T23:02:40.932" v="2791" actId="1076"/>
+          <ac:spMkLst>
+            <pc:docMk/>
+            <pc:sldMk cId="0" sldId="282"/>
+            <ac:spMk id="4" creationId="{00000000-0000-0000-0000-000000000000}"/>
+          </ac:spMkLst>
+        </pc:spChg>
+        <pc:spChg chg="add del mod">
+          <ac:chgData name="Yihao Gu" userId="5bd5137a74433959" providerId="LiveId" clId="{D167D064-5530-4E5F-9141-F118A2C4BDB6}" dt="2021-04-21T22:57:31.170" v="2617" actId="478"/>
+          <ac:spMkLst>
+            <pc:docMk/>
+            <pc:sldMk cId="0" sldId="282"/>
+            <ac:spMk id="5" creationId="{E7C0AB7C-0276-441B-8C77-9F1E1A2F7FD8}"/>
+          </ac:spMkLst>
+        </pc:spChg>
+        <pc:spChg chg="del mod">
+          <ac:chgData name="Yihao Gu" userId="5bd5137a74433959" providerId="LiveId" clId="{D167D064-5530-4E5F-9141-F118A2C4BDB6}" dt="2021-04-21T22:43:07.808" v="2377" actId="478"/>
+          <ac:spMkLst>
+            <pc:docMk/>
+            <pc:sldMk cId="0" sldId="282"/>
+            <ac:spMk id="6" creationId="{00000000-0000-0000-0000-000000000000}"/>
+          </ac:spMkLst>
+        </pc:spChg>
+        <pc:spChg chg="add mod">
+          <ac:chgData name="Yihao Gu" userId="5bd5137a74433959" providerId="LiveId" clId="{D167D064-5530-4E5F-9141-F118A2C4BDB6}" dt="2021-04-21T23:10:37.857" v="2892" actId="207"/>
+          <ac:spMkLst>
+            <pc:docMk/>
+            <pc:sldMk cId="0" sldId="282"/>
+            <ac:spMk id="7" creationId="{78835783-FFC6-4811-A4B9-1748D1C27B8C}"/>
+          </ac:spMkLst>
+        </pc:spChg>
+        <pc:spChg chg="add del mod">
+          <ac:chgData name="Yihao Gu" userId="5bd5137a74433959" providerId="LiveId" clId="{D167D064-5530-4E5F-9141-F118A2C4BDB6}" dt="2021-04-21T22:53:01.228" v="2477" actId="478"/>
+          <ac:spMkLst>
+            <pc:docMk/>
+            <pc:sldMk cId="0" sldId="282"/>
+            <ac:spMk id="8" creationId="{27BF5B48-962F-43E6-8551-FC00D489919D}"/>
+          </ac:spMkLst>
+        </pc:spChg>
+        <pc:spChg chg="add mod">
+          <ac:chgData name="Yihao Gu" userId="5bd5137a74433959" providerId="LiveId" clId="{D167D064-5530-4E5F-9141-F118A2C4BDB6}" dt="2021-04-21T23:10:37.857" v="2892" actId="207"/>
+          <ac:spMkLst>
+            <pc:docMk/>
+            <pc:sldMk cId="0" sldId="282"/>
+            <ac:spMk id="9" creationId="{2AB72626-76D5-4D6E-9C6C-D96D5FC18029}"/>
+          </ac:spMkLst>
+        </pc:spChg>
+        <pc:spChg chg="add mod">
+          <ac:chgData name="Yihao Gu" userId="5bd5137a74433959" providerId="LiveId" clId="{D167D064-5530-4E5F-9141-F118A2C4BDB6}" dt="2021-04-21T23:10:37.857" v="2892" actId="207"/>
+          <ac:spMkLst>
+            <pc:docMk/>
+            <pc:sldMk cId="0" sldId="282"/>
+            <ac:spMk id="10" creationId="{7E8380D5-62CD-4467-AE26-CE29E0E53BF1}"/>
+          </ac:spMkLst>
+        </pc:spChg>
+        <pc:spChg chg="add del mod">
+          <ac:chgData name="Yihao Gu" userId="5bd5137a74433959" providerId="LiveId" clId="{D167D064-5530-4E5F-9141-F118A2C4BDB6}" dt="2021-04-21T22:56:58.248" v="2612" actId="478"/>
+          <ac:spMkLst>
+            <pc:docMk/>
+            <pc:sldMk cId="0" sldId="282"/>
+            <ac:spMk id="11" creationId="{EEB4D741-B75C-40D8-9E46-3729FE848108}"/>
+          </ac:spMkLst>
+        </pc:spChg>
+        <pc:spChg chg="add del mod">
+          <ac:chgData name="Yihao Gu" userId="5bd5137a74433959" providerId="LiveId" clId="{D167D064-5530-4E5F-9141-F118A2C4BDB6}" dt="2021-04-21T22:57:50.045" v="2620" actId="478"/>
+          <ac:spMkLst>
+            <pc:docMk/>
+            <pc:sldMk cId="0" sldId="282"/>
+            <ac:spMk id="12" creationId="{DD0A734D-8623-412D-BDCC-E7297E33766E}"/>
+          </ac:spMkLst>
+        </pc:spChg>
+        <pc:spChg chg="add mod">
+          <ac:chgData name="Yihao Gu" userId="5bd5137a74433959" providerId="LiveId" clId="{D167D064-5530-4E5F-9141-F118A2C4BDB6}" dt="2021-04-21T23:10:37.857" v="2892" actId="207"/>
+          <ac:spMkLst>
+            <pc:docMk/>
+            <pc:sldMk cId="0" sldId="282"/>
+            <ac:spMk id="13" creationId="{F25A1870-0629-4BF0-9D87-506F95B4705D}"/>
+          </ac:spMkLst>
+        </pc:spChg>
+        <pc:spChg chg="add mod">
+          <ac:chgData name="Yihao Gu" userId="5bd5137a74433959" providerId="LiveId" clId="{D167D064-5530-4E5F-9141-F118A2C4BDB6}" dt="2021-04-21T23:10:37.857" v="2892" actId="207"/>
+          <ac:spMkLst>
+            <pc:docMk/>
+            <pc:sldMk cId="0" sldId="282"/>
+            <ac:spMk id="14" creationId="{9950A4D4-7038-447B-8C1D-7771A7771B8F}"/>
+          </ac:spMkLst>
+        </pc:spChg>
+        <pc:spChg chg="add mod">
+          <ac:chgData name="Yihao Gu" userId="5bd5137a74433959" providerId="LiveId" clId="{D167D064-5530-4E5F-9141-F118A2C4BDB6}" dt="2021-04-21T23:10:37.857" v="2892" actId="207"/>
+          <ac:spMkLst>
+            <pc:docMk/>
+            <pc:sldMk cId="0" sldId="282"/>
+            <ac:spMk id="15" creationId="{2BC479DC-6E0E-42E2-9FA9-AC47FAE7D2AB}"/>
+          </ac:spMkLst>
+        </pc:spChg>
+        <pc:spChg chg="add mod">
+          <ac:chgData name="Yihao Gu" userId="5bd5137a74433959" providerId="LiveId" clId="{D167D064-5530-4E5F-9141-F118A2C4BDB6}" dt="2021-04-21T23:11:59.645" v="2895" actId="207"/>
+          <ac:spMkLst>
+            <pc:docMk/>
+            <pc:sldMk cId="0" sldId="282"/>
+            <ac:spMk id="16" creationId="{9760BC89-1C10-42ED-A1E6-AA943D516548}"/>
+          </ac:spMkLst>
+        </pc:spChg>
+        <pc:spChg chg="add mod">
+          <ac:chgData name="Yihao Gu" userId="5bd5137a74433959" providerId="LiveId" clId="{D167D064-5530-4E5F-9141-F118A2C4BDB6}" dt="2021-04-21T23:11:59.645" v="2895" actId="207"/>
+          <ac:spMkLst>
+            <pc:docMk/>
+            <pc:sldMk cId="0" sldId="282"/>
+            <ac:spMk id="17" creationId="{1AD0B773-70E0-4372-AC21-BF937D3B0955}"/>
+          </ac:spMkLst>
+        </pc:spChg>
+        <pc:spChg chg="add mod">
+          <ac:chgData name="Yihao Gu" userId="5bd5137a74433959" providerId="LiveId" clId="{D167D064-5530-4E5F-9141-F118A2C4BDB6}" dt="2021-04-21T23:11:59.645" v="2895" actId="207"/>
+          <ac:spMkLst>
+            <pc:docMk/>
+            <pc:sldMk cId="0" sldId="282"/>
+            <ac:spMk id="18" creationId="{4383F87D-36D2-44BB-9640-7DAB951480CB}"/>
+          </ac:spMkLst>
+        </pc:spChg>
+        <pc:spChg chg="add mod">
+          <ac:chgData name="Yihao Gu" userId="5bd5137a74433959" providerId="LiveId" clId="{D167D064-5530-4E5F-9141-F118A2C4BDB6}" dt="2021-04-21T23:11:59.645" v="2895" actId="207"/>
+          <ac:spMkLst>
+            <pc:docMk/>
+            <pc:sldMk cId="0" sldId="282"/>
+            <ac:spMk id="19" creationId="{27A49743-59D1-457F-B6D0-DA057D9B637E}"/>
+          </ac:spMkLst>
+        </pc:spChg>
+        <pc:spChg chg="add mod">
+          <ac:chgData name="Yihao Gu" userId="5bd5137a74433959" providerId="LiveId" clId="{D167D064-5530-4E5F-9141-F118A2C4BDB6}" dt="2021-04-21T23:10:37.857" v="2892" actId="207"/>
+          <ac:spMkLst>
+            <pc:docMk/>
+            <pc:sldMk cId="0" sldId="282"/>
+            <ac:spMk id="20" creationId="{3D59F0A5-5997-4AEA-AD7F-4C2FEC0F60CE}"/>
+          </ac:spMkLst>
+        </pc:spChg>
+      </pc:sldChg>
+    </pc:docChg>
+  </pc:docChgLst>
+</pc:chgInfo>
 </file>
 
 <file path=ppt/slideLayouts/slideLayout1.xml><?xml version="1.0" encoding="utf-8"?>
@@ -169,7 +725,6 @@
               <a:rPr lang="en-US"/>
               <a:t>Click to edit Master title style</a:t>
             </a:r>
-            <a:endParaRPr lang="en-US"/>
           </a:p>
         </p:txBody>
       </p:sp>
@@ -234,7 +789,6 @@
               <a:rPr lang="en-US"/>
               <a:t>Click to edit Master subtitle style</a:t>
             </a:r>
-            <a:endParaRPr lang="en-US"/>
           </a:p>
         </p:txBody>
       </p:sp>
@@ -255,6 +809,7 @@
           <a:p>
             <a:fld id="{4484884D-3559-46A8-B842-6095A8198B6D}" type="datetimeFigureOut">
               <a:rPr lang="en-US" smtClean="0"/>
+              <a:t>4/21/2021</a:t>
             </a:fld>
             <a:endParaRPr lang="en-US"/>
           </a:p>
@@ -296,6 +851,7 @@
           <a:p>
             <a:fld id="{4C0AF48E-BF5F-4A8F-B36A-A3883BBBC7BA}" type="slidenum">
               <a:rPr lang="en-US" smtClean="0"/>
+              <a:t>‹#›</a:t>
             </a:fld>
             <a:endParaRPr lang="en-US"/>
           </a:p>
@@ -345,7 +901,6 @@
               <a:rPr lang="en-US"/>
               <a:t>Click to edit Master title style</a:t>
             </a:r>
-            <a:endParaRPr lang="en-US"/>
           </a:p>
         </p:txBody>
       </p:sp>
@@ -369,7 +924,6 @@
               <a:rPr lang="en-US"/>
               <a:t>Click to edit Master text styles</a:t>
             </a:r>
-            <a:endParaRPr lang="en-US"/>
           </a:p>
           <a:p>
             <a:pPr lvl="1"/>
@@ -377,7 +931,6 @@
               <a:rPr lang="en-US"/>
               <a:t>Second level</a:t>
             </a:r>
-            <a:endParaRPr lang="en-US"/>
           </a:p>
           <a:p>
             <a:pPr lvl="2"/>
@@ -385,7 +938,6 @@
               <a:rPr lang="en-US"/>
               <a:t>Third level</a:t>
             </a:r>
-            <a:endParaRPr lang="en-US"/>
           </a:p>
           <a:p>
             <a:pPr lvl="3"/>
@@ -393,7 +945,6 @@
               <a:rPr lang="en-US"/>
               <a:t>Fourth level</a:t>
             </a:r>
-            <a:endParaRPr lang="en-US"/>
           </a:p>
           <a:p>
             <a:pPr lvl="4"/>
@@ -401,7 +952,6 @@
               <a:rPr lang="en-US"/>
               <a:t>Fifth level</a:t>
             </a:r>
-            <a:endParaRPr lang="en-US"/>
           </a:p>
         </p:txBody>
       </p:sp>
@@ -422,6 +972,7 @@
           <a:p>
             <a:fld id="{4484884D-3559-46A8-B842-6095A8198B6D}" type="datetimeFigureOut">
               <a:rPr lang="en-US" smtClean="0"/>
+              <a:t>4/21/2021</a:t>
             </a:fld>
             <a:endParaRPr lang="en-US"/>
           </a:p>
@@ -463,6 +1014,7 @@
           <a:p>
             <a:fld id="{4C0AF48E-BF5F-4A8F-B36A-A3883BBBC7BA}" type="slidenum">
               <a:rPr lang="en-US" smtClean="0"/>
+              <a:t>‹#›</a:t>
             </a:fld>
             <a:endParaRPr lang="en-US"/>
           </a:p>
@@ -517,7 +1069,6 @@
               <a:rPr lang="en-US"/>
               <a:t>Click to edit Master title style</a:t>
             </a:r>
-            <a:endParaRPr lang="en-US"/>
           </a:p>
         </p:txBody>
       </p:sp>
@@ -546,7 +1097,6 @@
               <a:rPr lang="en-US"/>
               <a:t>Click to edit Master text styles</a:t>
             </a:r>
-            <a:endParaRPr lang="en-US"/>
           </a:p>
           <a:p>
             <a:pPr lvl="1"/>
@@ -554,7 +1104,6 @@
               <a:rPr lang="en-US"/>
               <a:t>Second level</a:t>
             </a:r>
-            <a:endParaRPr lang="en-US"/>
           </a:p>
           <a:p>
             <a:pPr lvl="2"/>
@@ -562,7 +1111,6 @@
               <a:rPr lang="en-US"/>
               <a:t>Third level</a:t>
             </a:r>
-            <a:endParaRPr lang="en-US"/>
           </a:p>
           <a:p>
             <a:pPr lvl="3"/>
@@ -570,7 +1118,6 @@
               <a:rPr lang="en-US"/>
               <a:t>Fourth level</a:t>
             </a:r>
-            <a:endParaRPr lang="en-US"/>
           </a:p>
           <a:p>
             <a:pPr lvl="4"/>
@@ -578,7 +1125,6 @@
               <a:rPr lang="en-US"/>
               <a:t>Fifth level</a:t>
             </a:r>
-            <a:endParaRPr lang="en-US"/>
           </a:p>
         </p:txBody>
       </p:sp>
@@ -599,6 +1145,7 @@
           <a:p>
             <a:fld id="{4484884D-3559-46A8-B842-6095A8198B6D}" type="datetimeFigureOut">
               <a:rPr lang="en-US" smtClean="0"/>
+              <a:t>4/21/2021</a:t>
             </a:fld>
             <a:endParaRPr lang="en-US"/>
           </a:p>
@@ -640,6 +1187,7 @@
           <a:p>
             <a:fld id="{4C0AF48E-BF5F-4A8F-B36A-A3883BBBC7BA}" type="slidenum">
               <a:rPr lang="en-US" smtClean="0"/>
+              <a:t>‹#›</a:t>
             </a:fld>
             <a:endParaRPr lang="en-US"/>
           </a:p>
@@ -689,7 +1237,6 @@
               <a:rPr lang="en-US"/>
               <a:t>Click to edit Master title style</a:t>
             </a:r>
-            <a:endParaRPr lang="en-US"/>
           </a:p>
         </p:txBody>
       </p:sp>
@@ -713,7 +1260,6 @@
               <a:rPr lang="en-US"/>
               <a:t>Click to edit Master text styles</a:t>
             </a:r>
-            <a:endParaRPr lang="en-US"/>
           </a:p>
           <a:p>
             <a:pPr lvl="1"/>
@@ -721,7 +1267,6 @@
               <a:rPr lang="en-US"/>
               <a:t>Second level</a:t>
             </a:r>
-            <a:endParaRPr lang="en-US"/>
           </a:p>
           <a:p>
             <a:pPr lvl="2"/>
@@ -729,7 +1274,6 @@
               <a:rPr lang="en-US"/>
               <a:t>Third level</a:t>
             </a:r>
-            <a:endParaRPr lang="en-US"/>
           </a:p>
           <a:p>
             <a:pPr lvl="3"/>
@@ -737,7 +1281,6 @@
               <a:rPr lang="en-US"/>
               <a:t>Fourth level</a:t>
             </a:r>
-            <a:endParaRPr lang="en-US"/>
           </a:p>
           <a:p>
             <a:pPr lvl="4"/>
@@ -745,7 +1288,6 @@
               <a:rPr lang="en-US"/>
               <a:t>Fifth level</a:t>
             </a:r>
-            <a:endParaRPr lang="en-US"/>
           </a:p>
         </p:txBody>
       </p:sp>
@@ -766,6 +1308,7 @@
           <a:p>
             <a:fld id="{4484884D-3559-46A8-B842-6095A8198B6D}" type="datetimeFigureOut">
               <a:rPr lang="en-US" smtClean="0"/>
+              <a:t>4/21/2021</a:t>
             </a:fld>
             <a:endParaRPr lang="en-US"/>
           </a:p>
@@ -807,6 +1350,7 @@
           <a:p>
             <a:fld id="{4C0AF48E-BF5F-4A8F-B36A-A3883BBBC7BA}" type="slidenum">
               <a:rPr lang="en-US" smtClean="0"/>
+              <a:t>‹#›</a:t>
             </a:fld>
             <a:endParaRPr lang="en-US"/>
           </a:p>
@@ -865,7 +1409,6 @@
               <a:rPr lang="en-US"/>
               <a:t>Click to edit Master title style</a:t>
             </a:r>
-            <a:endParaRPr lang="en-US"/>
           </a:p>
         </p:txBody>
       </p:sp>
@@ -985,7 +1528,6 @@
               <a:rPr lang="en-US"/>
               <a:t>Click to edit Master text styles</a:t>
             </a:r>
-            <a:endParaRPr lang="en-US"/>
           </a:p>
         </p:txBody>
       </p:sp>
@@ -1006,6 +1548,7 @@
           <a:p>
             <a:fld id="{4484884D-3559-46A8-B842-6095A8198B6D}" type="datetimeFigureOut">
               <a:rPr lang="en-US" smtClean="0"/>
+              <a:t>4/21/2021</a:t>
             </a:fld>
             <a:endParaRPr lang="en-US"/>
           </a:p>
@@ -1047,6 +1590,7 @@
           <a:p>
             <a:fld id="{4C0AF48E-BF5F-4A8F-B36A-A3883BBBC7BA}" type="slidenum">
               <a:rPr lang="en-US" smtClean="0"/>
+              <a:t>‹#›</a:t>
             </a:fld>
             <a:endParaRPr lang="en-US"/>
           </a:p>
@@ -1096,7 +1640,6 @@
               <a:rPr lang="en-US"/>
               <a:t>Click to edit Master title style</a:t>
             </a:r>
-            <a:endParaRPr lang="en-US"/>
           </a:p>
         </p:txBody>
       </p:sp>
@@ -1125,7 +1668,6 @@
               <a:rPr lang="en-US"/>
               <a:t>Click to edit Master text styles</a:t>
             </a:r>
-            <a:endParaRPr lang="en-US"/>
           </a:p>
           <a:p>
             <a:pPr lvl="1"/>
@@ -1133,7 +1675,6 @@
               <a:rPr lang="en-US"/>
               <a:t>Second level</a:t>
             </a:r>
-            <a:endParaRPr lang="en-US"/>
           </a:p>
           <a:p>
             <a:pPr lvl="2"/>
@@ -1141,7 +1682,6 @@
               <a:rPr lang="en-US"/>
               <a:t>Third level</a:t>
             </a:r>
-            <a:endParaRPr lang="en-US"/>
           </a:p>
           <a:p>
             <a:pPr lvl="3"/>
@@ -1149,7 +1689,6 @@
               <a:rPr lang="en-US"/>
               <a:t>Fourth level</a:t>
             </a:r>
-            <a:endParaRPr lang="en-US"/>
           </a:p>
           <a:p>
             <a:pPr lvl="4"/>
@@ -1157,7 +1696,6 @@
               <a:rPr lang="en-US"/>
               <a:t>Fifth level</a:t>
             </a:r>
-            <a:endParaRPr lang="en-US"/>
           </a:p>
         </p:txBody>
       </p:sp>
@@ -1186,7 +1724,6 @@
               <a:rPr lang="en-US"/>
               <a:t>Click to edit Master text styles</a:t>
             </a:r>
-            <a:endParaRPr lang="en-US"/>
           </a:p>
           <a:p>
             <a:pPr lvl="1"/>
@@ -1194,7 +1731,6 @@
               <a:rPr lang="en-US"/>
               <a:t>Second level</a:t>
             </a:r>
-            <a:endParaRPr lang="en-US"/>
           </a:p>
           <a:p>
             <a:pPr lvl="2"/>
@@ -1202,7 +1738,6 @@
               <a:rPr lang="en-US"/>
               <a:t>Third level</a:t>
             </a:r>
-            <a:endParaRPr lang="en-US"/>
           </a:p>
           <a:p>
             <a:pPr lvl="3"/>
@@ -1210,7 +1745,6 @@
               <a:rPr lang="en-US"/>
               <a:t>Fourth level</a:t>
             </a:r>
-            <a:endParaRPr lang="en-US"/>
           </a:p>
           <a:p>
             <a:pPr lvl="4"/>
@@ -1218,7 +1752,6 @@
               <a:rPr lang="en-US"/>
               <a:t>Fifth level</a:t>
             </a:r>
-            <a:endParaRPr lang="en-US"/>
           </a:p>
         </p:txBody>
       </p:sp>
@@ -1239,6 +1772,7 @@
           <a:p>
             <a:fld id="{4484884D-3559-46A8-B842-6095A8198B6D}" type="datetimeFigureOut">
               <a:rPr lang="en-US" smtClean="0"/>
+              <a:t>4/21/2021</a:t>
             </a:fld>
             <a:endParaRPr lang="en-US"/>
           </a:p>
@@ -1280,6 +1814,7 @@
           <a:p>
             <a:fld id="{4C0AF48E-BF5F-4A8F-B36A-A3883BBBC7BA}" type="slidenum">
               <a:rPr lang="en-US" smtClean="0"/>
+              <a:t>‹#›</a:t>
             </a:fld>
             <a:endParaRPr lang="en-US"/>
           </a:p>
@@ -1334,7 +1869,6 @@
               <a:rPr lang="en-US"/>
               <a:t>Click to edit Master title style</a:t>
             </a:r>
-            <a:endParaRPr lang="en-US"/>
           </a:p>
         </p:txBody>
       </p:sp>
@@ -1400,7 +1934,6 @@
               <a:rPr lang="en-US"/>
               <a:t>Click to edit Master text styles</a:t>
             </a:r>
-            <a:endParaRPr lang="en-US"/>
           </a:p>
         </p:txBody>
       </p:sp>
@@ -1429,7 +1962,6 @@
               <a:rPr lang="en-US"/>
               <a:t>Click to edit Master text styles</a:t>
             </a:r>
-            <a:endParaRPr lang="en-US"/>
           </a:p>
           <a:p>
             <a:pPr lvl="1"/>
@@ -1437,7 +1969,6 @@
               <a:rPr lang="en-US"/>
               <a:t>Second level</a:t>
             </a:r>
-            <a:endParaRPr lang="en-US"/>
           </a:p>
           <a:p>
             <a:pPr lvl="2"/>
@@ -1445,7 +1976,6 @@
               <a:rPr lang="en-US"/>
               <a:t>Third level</a:t>
             </a:r>
-            <a:endParaRPr lang="en-US"/>
           </a:p>
           <a:p>
             <a:pPr lvl="3"/>
@@ -1453,7 +1983,6 @@
               <a:rPr lang="en-US"/>
               <a:t>Fourth level</a:t>
             </a:r>
-            <a:endParaRPr lang="en-US"/>
           </a:p>
           <a:p>
             <a:pPr lvl="4"/>
@@ -1461,7 +1990,6 @@
               <a:rPr lang="en-US"/>
               <a:t>Fifth level</a:t>
             </a:r>
-            <a:endParaRPr lang="en-US"/>
           </a:p>
         </p:txBody>
       </p:sp>
@@ -1527,7 +2055,6 @@
               <a:rPr lang="en-US"/>
               <a:t>Click to edit Master text styles</a:t>
             </a:r>
-            <a:endParaRPr lang="en-US"/>
           </a:p>
         </p:txBody>
       </p:sp>
@@ -1556,7 +2083,6 @@
               <a:rPr lang="en-US"/>
               <a:t>Click to edit Master text styles</a:t>
             </a:r>
-            <a:endParaRPr lang="en-US"/>
           </a:p>
           <a:p>
             <a:pPr lvl="1"/>
@@ -1564,7 +2090,6 @@
               <a:rPr lang="en-US"/>
               <a:t>Second level</a:t>
             </a:r>
-            <a:endParaRPr lang="en-US"/>
           </a:p>
           <a:p>
             <a:pPr lvl="2"/>
@@ -1572,7 +2097,6 @@
               <a:rPr lang="en-US"/>
               <a:t>Third level</a:t>
             </a:r>
-            <a:endParaRPr lang="en-US"/>
           </a:p>
           <a:p>
             <a:pPr lvl="3"/>
@@ -1580,7 +2104,6 @@
               <a:rPr lang="en-US"/>
               <a:t>Fourth level</a:t>
             </a:r>
-            <a:endParaRPr lang="en-US"/>
           </a:p>
           <a:p>
             <a:pPr lvl="4"/>
@@ -1588,7 +2111,6 @@
               <a:rPr lang="en-US"/>
               <a:t>Fifth level</a:t>
             </a:r>
-            <a:endParaRPr lang="en-US"/>
           </a:p>
         </p:txBody>
       </p:sp>
@@ -1609,6 +2131,7 @@
           <a:p>
             <a:fld id="{4484884D-3559-46A8-B842-6095A8198B6D}" type="datetimeFigureOut">
               <a:rPr lang="en-US" smtClean="0"/>
+              <a:t>4/21/2021</a:t>
             </a:fld>
             <a:endParaRPr lang="en-US"/>
           </a:p>
@@ -1650,6 +2173,7 @@
           <a:p>
             <a:fld id="{4C0AF48E-BF5F-4A8F-B36A-A3883BBBC7BA}" type="slidenum">
               <a:rPr lang="en-US" smtClean="0"/>
+              <a:t>‹#›</a:t>
             </a:fld>
             <a:endParaRPr lang="en-US"/>
           </a:p>
@@ -1699,7 +2223,6 @@
               <a:rPr lang="en-US"/>
               <a:t>Click to edit Master title style</a:t>
             </a:r>
-            <a:endParaRPr lang="en-US"/>
           </a:p>
         </p:txBody>
       </p:sp>
@@ -1720,6 +2243,7 @@
           <a:p>
             <a:fld id="{4484884D-3559-46A8-B842-6095A8198B6D}" type="datetimeFigureOut">
               <a:rPr lang="en-US" smtClean="0"/>
+              <a:t>4/21/2021</a:t>
             </a:fld>
             <a:endParaRPr lang="en-US"/>
           </a:p>
@@ -1761,6 +2285,7 @@
           <a:p>
             <a:fld id="{4C0AF48E-BF5F-4A8F-B36A-A3883BBBC7BA}" type="slidenum">
               <a:rPr lang="en-US" smtClean="0"/>
+              <a:t>‹#›</a:t>
             </a:fld>
             <a:endParaRPr lang="en-US"/>
           </a:p>
@@ -1808,6 +2333,7 @@
           <a:p>
             <a:fld id="{4484884D-3559-46A8-B842-6095A8198B6D}" type="datetimeFigureOut">
               <a:rPr lang="en-US" smtClean="0"/>
+              <a:t>4/21/2021</a:t>
             </a:fld>
             <a:endParaRPr lang="en-US"/>
           </a:p>
@@ -1849,6 +2375,7 @@
           <a:p>
             <a:fld id="{4C0AF48E-BF5F-4A8F-B36A-A3883BBBC7BA}" type="slidenum">
               <a:rPr lang="en-US" smtClean="0"/>
+              <a:t>‹#›</a:t>
             </a:fld>
             <a:endParaRPr lang="en-US"/>
           </a:p>
@@ -1907,7 +2434,6 @@
               <a:rPr lang="en-US"/>
               <a:t>Click to edit Master title style</a:t>
             </a:r>
-            <a:endParaRPr lang="en-US"/>
           </a:p>
         </p:txBody>
       </p:sp>
@@ -1964,7 +2490,6 @@
               <a:rPr lang="en-US"/>
               <a:t>Click to edit Master text styles</a:t>
             </a:r>
-            <a:endParaRPr lang="en-US"/>
           </a:p>
           <a:p>
             <a:pPr lvl="1"/>
@@ -1972,7 +2497,6 @@
               <a:rPr lang="en-US"/>
               <a:t>Second level</a:t>
             </a:r>
-            <a:endParaRPr lang="en-US"/>
           </a:p>
           <a:p>
             <a:pPr lvl="2"/>
@@ -1980,7 +2504,6 @@
               <a:rPr lang="en-US"/>
               <a:t>Third level</a:t>
             </a:r>
-            <a:endParaRPr lang="en-US"/>
           </a:p>
           <a:p>
             <a:pPr lvl="3"/>
@@ -1988,7 +2511,6 @@
               <a:rPr lang="en-US"/>
               <a:t>Fourth level</a:t>
             </a:r>
-            <a:endParaRPr lang="en-US"/>
           </a:p>
           <a:p>
             <a:pPr lvl="4"/>
@@ -1996,7 +2518,6 @@
               <a:rPr lang="en-US"/>
               <a:t>Fifth level</a:t>
             </a:r>
-            <a:endParaRPr lang="en-US"/>
           </a:p>
         </p:txBody>
       </p:sp>
@@ -2062,7 +2583,6 @@
               <a:rPr lang="en-US"/>
               <a:t>Click to edit Master text styles</a:t>
             </a:r>
-            <a:endParaRPr lang="en-US"/>
           </a:p>
         </p:txBody>
       </p:sp>
@@ -2083,6 +2603,7 @@
           <a:p>
             <a:fld id="{4484884D-3559-46A8-B842-6095A8198B6D}" type="datetimeFigureOut">
               <a:rPr lang="en-US" smtClean="0"/>
+              <a:t>4/21/2021</a:t>
             </a:fld>
             <a:endParaRPr lang="en-US"/>
           </a:p>
@@ -2124,6 +2645,7 @@
           <a:p>
             <a:fld id="{4C0AF48E-BF5F-4A8F-B36A-A3883BBBC7BA}" type="slidenum">
               <a:rPr lang="en-US" smtClean="0"/>
+              <a:t>‹#›</a:t>
             </a:fld>
             <a:endParaRPr lang="en-US"/>
           </a:p>
@@ -2182,7 +2704,6 @@
               <a:rPr lang="en-US"/>
               <a:t>Click to edit Master title style</a:t>
             </a:r>
-            <a:endParaRPr lang="en-US"/>
           </a:p>
         </p:txBody>
       </p:sp>
@@ -2309,7 +2830,6 @@
               <a:rPr lang="en-US"/>
               <a:t>Click to edit Master text styles</a:t>
             </a:r>
-            <a:endParaRPr lang="en-US"/>
           </a:p>
         </p:txBody>
       </p:sp>
@@ -2330,6 +2850,7 @@
           <a:p>
             <a:fld id="{4484884D-3559-46A8-B842-6095A8198B6D}" type="datetimeFigureOut">
               <a:rPr lang="en-US" smtClean="0"/>
+              <a:t>4/21/2021</a:t>
             </a:fld>
             <a:endParaRPr lang="en-US"/>
           </a:p>
@@ -2371,6 +2892,7 @@
           <a:p>
             <a:fld id="{4C0AF48E-BF5F-4A8F-B36A-A3883BBBC7BA}" type="slidenum">
               <a:rPr lang="en-US" smtClean="0"/>
+              <a:t>‹#›</a:t>
             </a:fld>
             <a:endParaRPr lang="en-US"/>
           </a:p>
@@ -2435,7 +2957,6 @@
               <a:rPr lang="en-US"/>
               <a:t>Click to edit Master title style</a:t>
             </a:r>
-            <a:endParaRPr lang="en-US"/>
           </a:p>
         </p:txBody>
       </p:sp>
@@ -2469,7 +2990,6 @@
               <a:rPr lang="en-US"/>
               <a:t>Click to edit Master text styles</a:t>
             </a:r>
-            <a:endParaRPr lang="en-US"/>
           </a:p>
           <a:p>
             <a:pPr lvl="1"/>
@@ -2477,7 +2997,6 @@
               <a:rPr lang="en-US"/>
               <a:t>Second level</a:t>
             </a:r>
-            <a:endParaRPr lang="en-US"/>
           </a:p>
           <a:p>
             <a:pPr lvl="2"/>
@@ -2485,7 +3004,6 @@
               <a:rPr lang="en-US"/>
               <a:t>Third level</a:t>
             </a:r>
-            <a:endParaRPr lang="en-US"/>
           </a:p>
           <a:p>
             <a:pPr lvl="3"/>
@@ -2493,7 +3011,6 @@
               <a:rPr lang="en-US"/>
               <a:t>Fourth level</a:t>
             </a:r>
-            <a:endParaRPr lang="en-US"/>
           </a:p>
           <a:p>
             <a:pPr lvl="4"/>
@@ -2501,7 +3018,6 @@
               <a:rPr lang="en-US"/>
               <a:t>Fifth level</a:t>
             </a:r>
-            <a:endParaRPr lang="en-US"/>
           </a:p>
         </p:txBody>
       </p:sp>
@@ -2540,6 +3056,7 @@
           <a:p>
             <a:fld id="{4484884D-3559-46A8-B842-6095A8198B6D}" type="datetimeFigureOut">
               <a:rPr lang="en-US" smtClean="0"/>
+              <a:t>4/21/2021</a:t>
             </a:fld>
             <a:endParaRPr lang="en-US"/>
           </a:p>
@@ -2617,6 +3134,7 @@
           <a:p>
             <a:fld id="{4C0AF48E-BF5F-4A8F-B36A-A3883BBBC7BA}" type="slidenum">
               <a:rPr lang="en-US" smtClean="0"/>
+              <a:t>‹#›</a:t>
             </a:fld>
             <a:endParaRPr lang="en-US"/>
           </a:p>
@@ -2957,7 +3475,6 @@
               <a:rPr lang="en-US" dirty="0"/>
               <a:t>Predicting Winner of LOL Match</a:t>
             </a:r>
-            <a:endParaRPr lang="en-US" dirty="0"/>
           </a:p>
         </p:txBody>
       </p:sp>
@@ -2982,7 +3499,6 @@
               <a:rPr lang="en-US" dirty="0"/>
               <a:t>Team 7</a:t>
             </a:r>
-            <a:endParaRPr lang="en-US" dirty="0"/>
           </a:p>
           <a:p>
             <a:r>
@@ -3082,8 +3598,8 @@
         </p:nvSpPr>
         <p:spPr>
           <a:xfrm>
-            <a:off x="790573" y="685800"/>
-            <a:ext cx="6677027" cy="923330"/>
+            <a:off x="790575" y="685800"/>
+            <a:ext cx="8916670" cy="922020"/>
           </a:xfrm>
           <a:prstGeom prst="rect">
             <a:avLst/>
@@ -3103,7 +3619,7 @@
                 </a:solidFill>
                 <a:latin typeface="Lato Extended"/>
               </a:rPr>
-              <a:t>Goals of Project</a:t>
+              <a:t>Acceptance Criteria</a:t>
             </a:r>
             <a:endParaRPr lang="en-US" sz="5400" dirty="0"/>
           </a:p>
@@ -3117,8 +3633,8 @@
         </p:nvSpPr>
         <p:spPr>
           <a:xfrm>
-            <a:off x="790573" y="1843087"/>
-            <a:ext cx="10515601" cy="4031873"/>
+            <a:off x="790574" y="1843087"/>
+            <a:ext cx="10515601" cy="1877437"/>
           </a:xfrm>
           <a:prstGeom prst="rect">
             <a:avLst/>
@@ -3133,29 +3649,320 @@
           <a:p>
             <a:r>
               <a:rPr lang="en-US" sz="3200" dirty="0"/>
-              <a:t>Design a completed predicting system based on match histories. </a:t>
-            </a:r>
-            <a:endParaRPr lang="en-US" sz="3200" dirty="0"/>
-          </a:p>
-          <a:p>
-            <a:endParaRPr lang="en-US" sz="3200" dirty="0"/>
-          </a:p>
+              <a:t>Confusion Matrix:</a:t>
+            </a:r>
+          </a:p>
+          <a:p>
+            <a:endParaRPr lang="en-US" sz="2800" dirty="0"/>
+          </a:p>
+          <a:p>
+            <a:endParaRPr lang="en-US" sz="2800" dirty="0"/>
+          </a:p>
+          <a:p>
+            <a:endParaRPr lang="en-US" sz="2800" dirty="0"/>
+          </a:p>
+        </p:txBody>
+      </p:sp>
+      <p:graphicFrame>
+        <p:nvGraphicFramePr>
+          <p:cNvPr id="2" name="Table 2"/>
+          <p:cNvGraphicFramePr>
+            <a:graphicFrameLocks noGrp="1"/>
+          </p:cNvGraphicFramePr>
+          <p:nvPr/>
+        </p:nvGraphicFramePr>
+        <p:xfrm>
+          <a:off x="885825" y="2687320"/>
+          <a:ext cx="8127999" cy="1483360"/>
+        </p:xfrm>
+        <a:graphic>
+          <a:graphicData uri="http://schemas.openxmlformats.org/drawingml/2006/table">
+            <a:tbl>
+              <a:tblPr firstRow="1" bandRow="1">
+                <a:tableStyleId>{5940675A-B579-460E-94D1-54222C63F5DA}</a:tableStyleId>
+              </a:tblPr>
+              <a:tblGrid>
+                <a:gridCol w="2709333">
+                  <a:extLst>
+                    <a:ext uri="{9D8B030D-6E8A-4147-A177-3AD203B41FA5}">
+                      <a16:colId xmlns:a16="http://schemas.microsoft.com/office/drawing/2014/main" val="20000"/>
+                    </a:ext>
+                  </a:extLst>
+                </a:gridCol>
+                <a:gridCol w="2709333">
+                  <a:extLst>
+                    <a:ext uri="{9D8B030D-6E8A-4147-A177-3AD203B41FA5}">
+                      <a16:colId xmlns:a16="http://schemas.microsoft.com/office/drawing/2014/main" val="20001"/>
+                    </a:ext>
+                  </a:extLst>
+                </a:gridCol>
+                <a:gridCol w="2709333">
+                  <a:extLst>
+                    <a:ext uri="{9D8B030D-6E8A-4147-A177-3AD203B41FA5}">
+                      <a16:colId xmlns:a16="http://schemas.microsoft.com/office/drawing/2014/main" val="20002"/>
+                    </a:ext>
+                  </a:extLst>
+                </a:gridCol>
+              </a:tblGrid>
+              <a:tr h="370840">
+                <a:tc>
+                  <a:txBody>
+                    <a:bodyPr/>
+                    <a:lstStyle/>
+                    <a:p>
+                      <a:pPr algn="ctr"/>
+                      <a:endParaRPr lang="en-US" dirty="0"/>
+                    </a:p>
+                  </a:txBody>
+                  <a:tcPr/>
+                </a:tc>
+                <a:tc gridSpan="2">
+                  <a:txBody>
+                    <a:bodyPr/>
+                    <a:lstStyle/>
+                    <a:p>
+                      <a:pPr algn="ctr"/>
+                      <a:r>
+                        <a:rPr lang="en-US" b="1" dirty="0"/>
+                        <a:t>True Class</a:t>
+                      </a:r>
+                    </a:p>
+                  </a:txBody>
+                  <a:tcPr/>
+                </a:tc>
+                <a:tc hMerge="1">
+                  <a:txBody>
+                    <a:bodyPr/>
+                    <a:lstStyle/>
+                    <a:p>
+                      <a:endParaRPr lang="en-US"/>
+                    </a:p>
+                  </a:txBody>
+                  <a:tcPr/>
+                </a:tc>
+                <a:extLst>
+                  <a:ext uri="{0D108BD9-81ED-4DB2-BD59-A6C34878D82A}">
+                    <a16:rowId xmlns:a16="http://schemas.microsoft.com/office/drawing/2014/main" val="10000"/>
+                  </a:ext>
+                </a:extLst>
+              </a:tr>
+              <a:tr h="370840">
+                <a:tc>
+                  <a:txBody>
+                    <a:bodyPr/>
+                    <a:lstStyle/>
+                    <a:p>
+                      <a:pPr algn="ctr"/>
+                      <a:r>
+                        <a:rPr lang="en-US" b="1" dirty="0"/>
+                        <a:t>Predicted Class</a:t>
+                      </a:r>
+                    </a:p>
+                  </a:txBody>
+                  <a:tcPr/>
+                </a:tc>
+                <a:tc>
+                  <a:txBody>
+                    <a:bodyPr/>
+                    <a:lstStyle/>
+                    <a:p>
+                      <a:pPr algn="ctr"/>
+                      <a:r>
+                        <a:rPr lang="en-US" i="1" dirty="0"/>
+                        <a:t>Positive</a:t>
+                      </a:r>
+                    </a:p>
+                  </a:txBody>
+                  <a:tcPr/>
+                </a:tc>
+                <a:tc>
+                  <a:txBody>
+                    <a:bodyPr/>
+                    <a:lstStyle/>
+                    <a:p>
+                      <a:pPr algn="ctr"/>
+                      <a:r>
+                        <a:rPr lang="en-US" i="1" dirty="0"/>
+                        <a:t>Negative</a:t>
+                      </a:r>
+                    </a:p>
+                  </a:txBody>
+                  <a:tcPr/>
+                </a:tc>
+                <a:extLst>
+                  <a:ext uri="{0D108BD9-81ED-4DB2-BD59-A6C34878D82A}">
+                    <a16:rowId xmlns:a16="http://schemas.microsoft.com/office/drawing/2014/main" val="10001"/>
+                  </a:ext>
+                </a:extLst>
+              </a:tr>
+              <a:tr h="370840">
+                <a:tc>
+                  <a:txBody>
+                    <a:bodyPr/>
+                    <a:lstStyle/>
+                    <a:p>
+                      <a:pPr algn="ctr"/>
+                      <a:r>
+                        <a:rPr lang="en-US" i="1" dirty="0"/>
+                        <a:t>Positive</a:t>
+                      </a:r>
+                    </a:p>
+                  </a:txBody>
+                  <a:tcPr/>
+                </a:tc>
+                <a:tc>
+                  <a:txBody>
+                    <a:bodyPr/>
+                    <a:lstStyle/>
+                    <a:p>
+                      <a:pPr algn="ctr"/>
+                      <a:r>
+                        <a:rPr lang="en-US" dirty="0"/>
+                        <a:t>True Positive(TP)</a:t>
+                      </a:r>
+                    </a:p>
+                  </a:txBody>
+                  <a:tcPr/>
+                </a:tc>
+                <a:tc>
+                  <a:txBody>
+                    <a:bodyPr/>
+                    <a:lstStyle/>
+                    <a:p>
+                      <a:pPr algn="ctr"/>
+                      <a:r>
+                        <a:rPr lang="en-US" dirty="0"/>
+                        <a:t>False Positive(FP)</a:t>
+                      </a:r>
+                    </a:p>
+                  </a:txBody>
+                  <a:tcPr/>
+                </a:tc>
+                <a:extLst>
+                  <a:ext uri="{0D108BD9-81ED-4DB2-BD59-A6C34878D82A}">
+                    <a16:rowId xmlns:a16="http://schemas.microsoft.com/office/drawing/2014/main" val="10002"/>
+                  </a:ext>
+                </a:extLst>
+              </a:tr>
+              <a:tr h="370840">
+                <a:tc>
+                  <a:txBody>
+                    <a:bodyPr/>
+                    <a:lstStyle/>
+                    <a:p>
+                      <a:pPr algn="ctr"/>
+                      <a:r>
+                        <a:rPr lang="en-US" i="1" dirty="0"/>
+                        <a:t>Negative</a:t>
+                      </a:r>
+                    </a:p>
+                  </a:txBody>
+                  <a:tcPr/>
+                </a:tc>
+                <a:tc>
+                  <a:txBody>
+                    <a:bodyPr/>
+                    <a:lstStyle/>
+                    <a:p>
+                      <a:pPr algn="ctr"/>
+                      <a:r>
+                        <a:rPr lang="en-US" dirty="0"/>
+                        <a:t>False Negative(FN)</a:t>
+                      </a:r>
+                    </a:p>
+                  </a:txBody>
+                  <a:tcPr/>
+                </a:tc>
+                <a:tc>
+                  <a:txBody>
+                    <a:bodyPr/>
+                    <a:lstStyle/>
+                    <a:p>
+                      <a:pPr algn="ctr"/>
+                      <a:r>
+                        <a:rPr lang="en-US" dirty="0"/>
+                        <a:t>True Negative(TN)</a:t>
+                      </a:r>
+                    </a:p>
+                  </a:txBody>
+                  <a:tcPr/>
+                </a:tc>
+                <a:extLst>
+                  <a:ext uri="{0D108BD9-81ED-4DB2-BD59-A6C34878D82A}">
+                    <a16:rowId xmlns:a16="http://schemas.microsoft.com/office/drawing/2014/main" val="10003"/>
+                  </a:ext>
+                </a:extLst>
+              </a:tr>
+            </a:tbl>
+          </a:graphicData>
+        </a:graphic>
+      </p:graphicFrame>
+      <p:sp>
+        <p:nvSpPr>
+          <p:cNvPr id="3" name="TextBox 2"/>
+          <p:cNvSpPr txBox="1"/>
+          <p:nvPr/>
+        </p:nvSpPr>
+        <p:spPr>
+          <a:xfrm>
+            <a:off x="885825" y="4586089"/>
+            <a:ext cx="5886452" cy="461665"/>
+          </a:xfrm>
+          <a:prstGeom prst="rect">
+            <a:avLst/>
+          </a:prstGeom>
+          <a:noFill/>
+        </p:spPr>
+        <p:txBody>
+          <a:bodyPr wrap="square" rtlCol="0">
+            <a:spAutoFit/>
+          </a:bodyPr>
+          <a:lstStyle/>
+          <a:p>
+            <a:r>
+              <a:rPr lang="en-US" sz="2400" b="1" dirty="0"/>
+              <a:t>Accuracy = </a:t>
+            </a:r>
+            <a:r>
+              <a:rPr lang="en-US" sz="2400" dirty="0"/>
+              <a:t>(TP + TN)/(P + N)</a:t>
+            </a:r>
+            <a:endParaRPr lang="en-US" sz="2400" b="1" dirty="0"/>
+          </a:p>
+        </p:txBody>
+      </p:sp>
+      <p:sp>
+        <p:nvSpPr>
+          <p:cNvPr id="5" name="TextBox 4"/>
+          <p:cNvSpPr txBox="1"/>
+          <p:nvPr/>
+        </p:nvSpPr>
+        <p:spPr>
+          <a:xfrm>
+            <a:off x="885825" y="5389881"/>
+            <a:ext cx="10953750" cy="1077218"/>
+          </a:xfrm>
+          <a:prstGeom prst="rect">
+            <a:avLst/>
+          </a:prstGeom>
+          <a:noFill/>
+        </p:spPr>
+        <p:txBody>
+          <a:bodyPr wrap="square" rtlCol="0">
+            <a:spAutoFit/>
+          </a:bodyPr>
+          <a:lstStyle/>
           <a:p>
             <a:r>
               <a:rPr lang="en-US" sz="3200" dirty="0"/>
-              <a:t>Use information of first 15 minutes in the match to predict the final winner. </a:t>
-            </a:r>
-            <a:endParaRPr lang="en-US" sz="3200" dirty="0"/>
-          </a:p>
-          <a:p>
-            <a:endParaRPr lang="en-US" sz="3200" dirty="0"/>
+              <a:t>Accuracy &gt; 70%</a:t>
+            </a:r>
           </a:p>
           <a:p>
             <a:r>
               <a:rPr lang="en-US" sz="3200" dirty="0"/>
-              <a:t>Learn related knowledge about Scala, Spark, Machine learning and Big data.</a:t>
-            </a:r>
-            <a:endParaRPr lang="en-US" sz="3200" dirty="0"/>
+              <a:t>Response Time &lt; 2 seconds</a:t>
+            </a:r>
           </a:p>
         </p:txBody>
       </p:sp>
@@ -3192,8 +3999,8 @@
         </p:nvSpPr>
         <p:spPr>
           <a:xfrm>
-            <a:off x="790574" y="685800"/>
-            <a:ext cx="3724276" cy="923330"/>
+            <a:off x="790575" y="685800"/>
+            <a:ext cx="8916670" cy="922020"/>
           </a:xfrm>
           <a:prstGeom prst="rect">
             <a:avLst/>
@@ -3209,29 +4016,362 @@
             <a:r>
               <a:rPr lang="en-US" sz="5400" dirty="0">
                 <a:solidFill>
-                  <a:srgbClr val="50575C"/>
+                  <a:srgbClr val="2D3B45"/>
                 </a:solidFill>
+                <a:latin typeface="Lato Extended"/>
               </a:rPr>
-              <a:t>Use Cases</a:t>
-            </a:r>
-            <a:endParaRPr lang="en-US" sz="5400" dirty="0">
-              <a:solidFill>
-                <a:srgbClr val="50575C"/>
-              </a:solidFill>
-            </a:endParaRPr>
-          </a:p>
-        </p:txBody>
-      </p:sp>
-      <p:sp>
-        <p:nvSpPr>
-          <p:cNvPr id="6" name="TextBox 5"/>
+              <a:t>Acceptance Criteria</a:t>
+            </a:r>
+            <a:endParaRPr lang="en-US" sz="5400" dirty="0"/>
+          </a:p>
+        </p:txBody>
+      </p:sp>
+      <p:graphicFrame>
+        <p:nvGraphicFramePr>
+          <p:cNvPr id="8" name="Table 8">
+            <a:extLst>
+              <a:ext uri="{FF2B5EF4-FFF2-40B4-BE49-F238E27FC236}">
+                <a16:creationId xmlns:a16="http://schemas.microsoft.com/office/drawing/2014/main" id="{93F66002-DFAB-4461-9287-373BD108079A}"/>
+              </a:ext>
+            </a:extLst>
+          </p:cNvPr>
+          <p:cNvGraphicFramePr>
+            <a:graphicFrameLocks noGrp="1"/>
+          </p:cNvGraphicFramePr>
+          <p:nvPr>
+            <p:extLst>
+              <p:ext uri="{D42A27DB-BD31-4B8C-83A1-F6EECF244321}">
+                <p14:modId xmlns:p14="http://schemas.microsoft.com/office/powerpoint/2010/main" val="4083340670"/>
+              </p:ext>
+            </p:extLst>
+          </p:nvPr>
+        </p:nvGraphicFramePr>
+        <p:xfrm>
+          <a:off x="790575" y="2175520"/>
+          <a:ext cx="6048376" cy="2961640"/>
+        </p:xfrm>
+        <a:graphic>
+          <a:graphicData uri="http://schemas.openxmlformats.org/drawingml/2006/table">
+            <a:tbl>
+              <a:tblPr firstRow="1" bandRow="1">
+                <a:tableStyleId>{F5AB1C69-6EDB-4FF4-983F-18BD219EF322}</a:tableStyleId>
+              </a:tblPr>
+              <a:tblGrid>
+                <a:gridCol w="3876676">
+                  <a:extLst>
+                    <a:ext uri="{9D8B030D-6E8A-4147-A177-3AD203B41FA5}">
+                      <a16:colId xmlns:a16="http://schemas.microsoft.com/office/drawing/2014/main" val="1747919265"/>
+                    </a:ext>
+                  </a:extLst>
+                </a:gridCol>
+                <a:gridCol w="2171700">
+                  <a:extLst>
+                    <a:ext uri="{9D8B030D-6E8A-4147-A177-3AD203B41FA5}">
+                      <a16:colId xmlns:a16="http://schemas.microsoft.com/office/drawing/2014/main" val="4083507058"/>
+                    </a:ext>
+                  </a:extLst>
+                </a:gridCol>
+              </a:tblGrid>
+              <a:tr h="370840">
+                <a:tc>
+                  <a:txBody>
+                    <a:bodyPr/>
+                    <a:lstStyle/>
+                    <a:p>
+                      <a:pPr algn="ctr"/>
+                      <a:r>
+                        <a:rPr lang="en-US" b="1" dirty="0"/>
+                        <a:t>Model</a:t>
+                      </a:r>
+                    </a:p>
+                  </a:txBody>
+                  <a:tcPr/>
+                </a:tc>
+                <a:tc>
+                  <a:txBody>
+                    <a:bodyPr/>
+                    <a:lstStyle/>
+                    <a:p>
+                      <a:pPr algn="ctr"/>
+                      <a:r>
+                        <a:rPr lang="en-US" b="1" dirty="0"/>
+                        <a:t>Validation Accuracy</a:t>
+                      </a:r>
+                    </a:p>
+                  </a:txBody>
+                  <a:tcPr/>
+                </a:tc>
+                <a:extLst>
+                  <a:ext uri="{0D108BD9-81ED-4DB2-BD59-A6C34878D82A}">
+                    <a16:rowId xmlns:a16="http://schemas.microsoft.com/office/drawing/2014/main" val="1332221558"/>
+                  </a:ext>
+                </a:extLst>
+              </a:tr>
+              <a:tr h="370840">
+                <a:tc>
+                  <a:txBody>
+                    <a:bodyPr/>
+                    <a:lstStyle/>
+                    <a:p>
+                      <a:pPr algn="ctr"/>
+                      <a:r>
+                        <a:rPr lang="en-US" b="1" dirty="0"/>
+                        <a:t>Decision Tree</a:t>
+                      </a:r>
+                    </a:p>
+                  </a:txBody>
+                  <a:tcPr/>
+                </a:tc>
+                <a:tc>
+                  <a:txBody>
+                    <a:bodyPr/>
+                    <a:lstStyle/>
+                    <a:p>
+                      <a:pPr algn="ctr"/>
+                      <a:r>
+                        <a:rPr lang="en-US" b="0" dirty="0"/>
+                        <a:t>0.7256</a:t>
+                      </a:r>
+                    </a:p>
+                  </a:txBody>
+                  <a:tcPr/>
+                </a:tc>
+                <a:extLst>
+                  <a:ext uri="{0D108BD9-81ED-4DB2-BD59-A6C34878D82A}">
+                    <a16:rowId xmlns:a16="http://schemas.microsoft.com/office/drawing/2014/main" val="1034458007"/>
+                  </a:ext>
+                </a:extLst>
+              </a:tr>
+              <a:tr h="370840">
+                <a:tc>
+                  <a:txBody>
+                    <a:bodyPr/>
+                    <a:lstStyle/>
+                    <a:p>
+                      <a:pPr algn="ctr"/>
+                      <a:r>
+                        <a:rPr lang="en-US" b="1" dirty="0"/>
+                        <a:t>Support Vector Machine(Linear)</a:t>
+                      </a:r>
+                    </a:p>
+                  </a:txBody>
+                  <a:tcPr/>
+                </a:tc>
+                <a:tc>
+                  <a:txBody>
+                    <a:bodyPr/>
+                    <a:lstStyle/>
+                    <a:p>
+                      <a:pPr algn="ctr"/>
+                      <a:r>
+                        <a:rPr lang="en-US" b="0" dirty="0"/>
+                        <a:t>0.7930</a:t>
+                      </a:r>
+                    </a:p>
+                  </a:txBody>
+                  <a:tcPr/>
+                </a:tc>
+                <a:extLst>
+                  <a:ext uri="{0D108BD9-81ED-4DB2-BD59-A6C34878D82A}">
+                    <a16:rowId xmlns:a16="http://schemas.microsoft.com/office/drawing/2014/main" val="1453207067"/>
+                  </a:ext>
+                </a:extLst>
+              </a:tr>
+              <a:tr h="370840">
+                <a:tc>
+                  <a:txBody>
+                    <a:bodyPr/>
+                    <a:lstStyle/>
+                    <a:p>
+                      <a:pPr algn="ctr"/>
+                      <a:r>
+                        <a:rPr lang="en-US" b="1" dirty="0"/>
+                        <a:t>Random Forest</a:t>
+                      </a:r>
+                    </a:p>
+                  </a:txBody>
+                  <a:tcPr/>
+                </a:tc>
+                <a:tc>
+                  <a:txBody>
+                    <a:bodyPr/>
+                    <a:lstStyle/>
+                    <a:p>
+                      <a:pPr algn="ctr"/>
+                      <a:r>
+                        <a:rPr lang="en-US" b="0" dirty="0"/>
+                        <a:t>0.7867</a:t>
+                      </a:r>
+                    </a:p>
+                  </a:txBody>
+                  <a:tcPr/>
+                </a:tc>
+                <a:extLst>
+                  <a:ext uri="{0D108BD9-81ED-4DB2-BD59-A6C34878D82A}">
+                    <a16:rowId xmlns:a16="http://schemas.microsoft.com/office/drawing/2014/main" val="308964039"/>
+                  </a:ext>
+                </a:extLst>
+              </a:tr>
+              <a:tr h="370840">
+                <a:tc>
+                  <a:txBody>
+                    <a:bodyPr/>
+                    <a:lstStyle/>
+                    <a:p>
+                      <a:pPr algn="ctr"/>
+                      <a:r>
+                        <a:rPr lang="en-US" b="1" dirty="0"/>
+                        <a:t>Multilayer Perceptron(3 layers)</a:t>
+                      </a:r>
+                    </a:p>
+                  </a:txBody>
+                  <a:tcPr/>
+                </a:tc>
+                <a:tc>
+                  <a:txBody>
+                    <a:bodyPr/>
+                    <a:lstStyle/>
+                    <a:p>
+                      <a:pPr algn="ctr"/>
+                      <a:r>
+                        <a:rPr lang="en-US" b="0" dirty="0"/>
+                        <a:t>0.7472</a:t>
+                      </a:r>
+                    </a:p>
+                  </a:txBody>
+                  <a:tcPr/>
+                </a:tc>
+                <a:extLst>
+                  <a:ext uri="{0D108BD9-81ED-4DB2-BD59-A6C34878D82A}">
+                    <a16:rowId xmlns:a16="http://schemas.microsoft.com/office/drawing/2014/main" val="3221229426"/>
+                  </a:ext>
+                </a:extLst>
+              </a:tr>
+              <a:tr h="370840">
+                <a:tc>
+                  <a:txBody>
+                    <a:bodyPr/>
+                    <a:lstStyle/>
+                    <a:p>
+                      <a:pPr algn="ctr"/>
+                      <a:r>
+                        <a:rPr lang="en-US" b="1" dirty="0"/>
+                        <a:t>Logistic Regression(No Regularization)</a:t>
+                      </a:r>
+                    </a:p>
+                  </a:txBody>
+                  <a:tcPr/>
+                </a:tc>
+                <a:tc>
+                  <a:txBody>
+                    <a:bodyPr/>
+                    <a:lstStyle/>
+                    <a:p>
+                      <a:pPr algn="ctr"/>
+                      <a:r>
+                        <a:rPr lang="en-US" b="0" dirty="0"/>
+                        <a:t>0.7926</a:t>
+                      </a:r>
+                    </a:p>
+                  </a:txBody>
+                  <a:tcPr/>
+                </a:tc>
+                <a:extLst>
+                  <a:ext uri="{0D108BD9-81ED-4DB2-BD59-A6C34878D82A}">
+                    <a16:rowId xmlns:a16="http://schemas.microsoft.com/office/drawing/2014/main" val="3194805061"/>
+                  </a:ext>
+                </a:extLst>
+              </a:tr>
+              <a:tr h="0">
+                <a:tc>
+                  <a:txBody>
+                    <a:bodyPr/>
+                    <a:lstStyle/>
+                    <a:p>
+                      <a:pPr algn="ctr"/>
+                      <a:r>
+                        <a:rPr lang="en-US" b="1" dirty="0"/>
+                        <a:t>Gradient-boosted Tree</a:t>
+                      </a:r>
+                    </a:p>
+                  </a:txBody>
+                  <a:tcPr/>
+                </a:tc>
+                <a:tc>
+                  <a:txBody>
+                    <a:bodyPr/>
+                    <a:lstStyle/>
+                    <a:p>
+                      <a:pPr algn="ctr"/>
+                      <a:r>
+                        <a:rPr lang="en-US" b="0" dirty="0"/>
+                        <a:t>0.7832</a:t>
+                      </a:r>
+                    </a:p>
+                  </a:txBody>
+                  <a:tcPr/>
+                </a:tc>
+                <a:extLst>
+                  <a:ext uri="{0D108BD9-81ED-4DB2-BD59-A6C34878D82A}">
+                    <a16:rowId xmlns:a16="http://schemas.microsoft.com/office/drawing/2014/main" val="3081728097"/>
+                  </a:ext>
+                </a:extLst>
+              </a:tr>
+              <a:tr h="370840">
+                <a:tc>
+                  <a:txBody>
+                    <a:bodyPr/>
+                    <a:lstStyle/>
+                    <a:p>
+                      <a:pPr algn="ctr"/>
+                      <a:r>
+                        <a:rPr lang="en-US" b="1" dirty="0"/>
+                        <a:t>Factorization Machines</a:t>
+                      </a:r>
+                    </a:p>
+                  </a:txBody>
+                  <a:tcPr/>
+                </a:tc>
+                <a:tc>
+                  <a:txBody>
+                    <a:bodyPr/>
+                    <a:lstStyle/>
+                    <a:p>
+                      <a:pPr algn="ctr"/>
+                      <a:r>
+                        <a:rPr lang="en-US" b="0" dirty="0"/>
+                        <a:t>0.7854</a:t>
+                      </a:r>
+                    </a:p>
+                  </a:txBody>
+                  <a:tcPr/>
+                </a:tc>
+                <a:extLst>
+                  <a:ext uri="{0D108BD9-81ED-4DB2-BD59-A6C34878D82A}">
+                    <a16:rowId xmlns:a16="http://schemas.microsoft.com/office/drawing/2014/main" val="456152704"/>
+                  </a:ext>
+                </a:extLst>
+              </a:tr>
+            </a:tbl>
+          </a:graphicData>
+        </a:graphic>
+      </p:graphicFrame>
+      <p:sp>
+        <p:nvSpPr>
+          <p:cNvPr id="10" name="TextBox 9">
+            <a:extLst>
+              <a:ext uri="{FF2B5EF4-FFF2-40B4-BE49-F238E27FC236}">
+                <a16:creationId xmlns:a16="http://schemas.microsoft.com/office/drawing/2014/main" id="{673B967E-4426-4900-9CCB-159FEBAE7455}"/>
+              </a:ext>
+            </a:extLst>
+          </p:cNvPr>
           <p:cNvSpPr txBox="1"/>
           <p:nvPr/>
         </p:nvSpPr>
         <p:spPr>
           <a:xfrm>
-            <a:off x="790574" y="2062162"/>
-            <a:ext cx="10115551" cy="2554545"/>
+            <a:off x="790575" y="5704860"/>
+            <a:ext cx="11630025" cy="1077218"/>
           </a:xfrm>
           <a:prstGeom prst="rect">
             <a:avLst/>
@@ -3245,24 +4385,92 @@
           <a:lstStyle/>
           <a:p>
             <a:r>
-              <a:rPr lang="en-US" sz="3200" dirty="0"/>
-              <a:t>Potential users input required information of one LOL match at first 15 minutes</a:t>
-            </a:r>
-            <a:endParaRPr lang="en-US" sz="3200" dirty="0"/>
-          </a:p>
-          <a:p>
-            <a:endParaRPr lang="en-US" sz="3200" dirty="0"/>
-          </a:p>
-          <a:p>
-            <a:r>
-              <a:rPr lang="en-US" sz="3200" dirty="0"/>
-              <a:t>System predicts which side will win based on the selected model </a:t>
-            </a:r>
-            <a:endParaRPr lang="en-US" sz="3200" dirty="0"/>
+              <a:rPr lang="en-US" sz="3200" b="1" dirty="0"/>
+              <a:t>Accuracy on Testing set with Best Model(SVM) = 0.7905 &gt; 0.7</a:t>
+            </a:r>
+          </a:p>
+          <a:p>
+            <a:endParaRPr lang="en-US" sz="3200" b="1" dirty="0"/>
+          </a:p>
+        </p:txBody>
+      </p:sp>
+      <p:sp>
+        <p:nvSpPr>
+          <p:cNvPr id="11" name="TextBox 10">
+            <a:extLst>
+              <a:ext uri="{FF2B5EF4-FFF2-40B4-BE49-F238E27FC236}">
+                <a16:creationId xmlns:a16="http://schemas.microsoft.com/office/drawing/2014/main" id="{F7D2B3B2-1D3E-43D4-8CCD-B5EE6A53F70C}"/>
+              </a:ext>
+            </a:extLst>
+          </p:cNvPr>
+          <p:cNvSpPr txBox="1"/>
+          <p:nvPr/>
+        </p:nvSpPr>
+        <p:spPr>
+          <a:xfrm>
+            <a:off x="7223125" y="2090172"/>
+            <a:ext cx="4968239" cy="3046988"/>
+          </a:xfrm>
+          <a:prstGeom prst="rect">
+            <a:avLst/>
+          </a:prstGeom>
+          <a:noFill/>
+        </p:spPr>
+        <p:txBody>
+          <a:bodyPr wrap="square" rtlCol="0">
+            <a:spAutoFit/>
+          </a:bodyPr>
+          <a:lstStyle/>
+          <a:p>
+            <a:r>
+              <a:rPr lang="en-US" sz="2400" b="1" dirty="0"/>
+              <a:t>Time for Training all Models:</a:t>
+            </a:r>
+          </a:p>
+          <a:p>
+            <a:r>
+              <a:rPr lang="en-US" sz="2400" b="1" dirty="0"/>
+              <a:t>15 - 30 minutes</a:t>
+            </a:r>
+          </a:p>
+          <a:p>
+            <a:endParaRPr lang="en-US" sz="2400" b="1" dirty="0"/>
+          </a:p>
+          <a:p>
+            <a:r>
+              <a:rPr lang="en-US" sz="2400" b="1" dirty="0"/>
+              <a:t>Time for Loading Best model:</a:t>
+            </a:r>
+          </a:p>
+          <a:p>
+            <a:r>
+              <a:rPr lang="en-US" sz="2400" b="1" dirty="0"/>
+              <a:t>Approximately 1 minute</a:t>
+            </a:r>
+          </a:p>
+          <a:p>
+            <a:endParaRPr lang="en-US" sz="2400" b="1" dirty="0"/>
+          </a:p>
+          <a:p>
+            <a:r>
+              <a:rPr lang="en-US" sz="2400" b="1" dirty="0"/>
+              <a:t>Time for predicting (Response Time):</a:t>
+            </a:r>
+          </a:p>
+          <a:p>
+            <a:r>
+              <a:rPr lang="en-US" sz="2400" b="1" dirty="0"/>
+              <a:t>0.05 – 0.3 seconds</a:t>
+            </a:r>
           </a:p>
         </p:txBody>
       </p:sp>
     </p:spTree>
+    <p:extLst>
+      <p:ext uri="{BB962C8B-B14F-4D97-AF65-F5344CB8AC3E}">
+        <p14:creationId xmlns:p14="http://schemas.microsoft.com/office/powerpoint/2010/main" val="751597545"/>
+      </p:ext>
+    </p:extLst>
   </p:cSld>
   <p:clrMapOvr>
     <a:masterClrMapping/>
@@ -3289,6 +4497,896 @@
       </p:grpSpPr>
       <p:sp>
         <p:nvSpPr>
+          <p:cNvPr id="4" name="TextBox 3"/>
+          <p:cNvSpPr txBox="1"/>
+          <p:nvPr/>
+        </p:nvSpPr>
+        <p:spPr>
+          <a:xfrm>
+            <a:off x="790575" y="685800"/>
+            <a:ext cx="8916670" cy="922020"/>
+          </a:xfrm>
+          <a:prstGeom prst="rect">
+            <a:avLst/>
+          </a:prstGeom>
+          <a:noFill/>
+        </p:spPr>
+        <p:txBody>
+          <a:bodyPr wrap="square" rtlCol="0">
+            <a:spAutoFit/>
+          </a:bodyPr>
+          <a:lstStyle/>
+          <a:p>
+            <a:r>
+              <a:rPr lang="en-US" altLang="zh-CN" sz="5400" dirty="0">
+                <a:solidFill>
+                  <a:srgbClr val="2D3B45"/>
+                </a:solidFill>
+                <a:latin typeface="Lato Extended"/>
+              </a:rPr>
+              <a:t>Test Case</a:t>
+            </a:r>
+            <a:endParaRPr lang="en-US" sz="5400" dirty="0"/>
+          </a:p>
+        </p:txBody>
+      </p:sp>
+      <p:sp>
+        <p:nvSpPr>
+          <p:cNvPr id="7" name="TextBox 6">
+            <a:extLst>
+              <a:ext uri="{FF2B5EF4-FFF2-40B4-BE49-F238E27FC236}">
+                <a16:creationId xmlns:a16="http://schemas.microsoft.com/office/drawing/2014/main" id="{E5637DE3-3343-4154-B3EC-B760E5C8CBCC}"/>
+              </a:ext>
+            </a:extLst>
+          </p:cNvPr>
+          <p:cNvSpPr txBox="1"/>
+          <p:nvPr/>
+        </p:nvSpPr>
+        <p:spPr>
+          <a:xfrm>
+            <a:off x="990600" y="2009775"/>
+            <a:ext cx="7181850" cy="1590675"/>
+          </a:xfrm>
+          <a:prstGeom prst="rect">
+            <a:avLst/>
+          </a:prstGeom>
+          <a:noFill/>
+        </p:spPr>
+        <p:txBody>
+          <a:bodyPr wrap="square" rtlCol="0">
+            <a:spAutoFit/>
+          </a:bodyPr>
+          <a:lstStyle/>
+          <a:p>
+            <a:endParaRPr lang="en-US" dirty="0"/>
+          </a:p>
+        </p:txBody>
+      </p:sp>
+      <p:sp>
+        <p:nvSpPr>
+          <p:cNvPr id="8" name="TextBox 7">
+            <a:extLst>
+              <a:ext uri="{FF2B5EF4-FFF2-40B4-BE49-F238E27FC236}">
+                <a16:creationId xmlns:a16="http://schemas.microsoft.com/office/drawing/2014/main" id="{A25F863B-0D82-4C7E-BB0F-FED867268982}"/>
+              </a:ext>
+            </a:extLst>
+          </p:cNvPr>
+          <p:cNvSpPr txBox="1"/>
+          <p:nvPr/>
+        </p:nvSpPr>
+        <p:spPr>
+          <a:xfrm>
+            <a:off x="781051" y="1837432"/>
+            <a:ext cx="10410824" cy="4770537"/>
+          </a:xfrm>
+          <a:prstGeom prst="rect">
+            <a:avLst/>
+          </a:prstGeom>
+          <a:noFill/>
+        </p:spPr>
+        <p:txBody>
+          <a:bodyPr wrap="square" rtlCol="0">
+            <a:spAutoFit/>
+          </a:bodyPr>
+          <a:lstStyle/>
+          <a:p>
+            <a:pPr marL="342900" indent="-342900">
+              <a:buFont typeface="Arial" panose="020B0604020202020204" pitchFamily="34" charset="0"/>
+              <a:buChar char="•"/>
+            </a:pPr>
+            <a:r>
+              <a:rPr lang="en-US" sz="3200" dirty="0"/>
+              <a:t>Raw </a:t>
+            </a:r>
+            <a:r>
+              <a:rPr lang="en-US" sz="3200" dirty="0" err="1"/>
+              <a:t>dataframe</a:t>
+            </a:r>
+            <a:r>
+              <a:rPr lang="en-US" sz="3200" dirty="0"/>
+              <a:t> should contain all rows and all columns</a:t>
+            </a:r>
+          </a:p>
+          <a:p>
+            <a:pPr marL="342900" indent="-342900">
+              <a:buFont typeface="Arial" panose="020B0604020202020204" pitchFamily="34" charset="0"/>
+              <a:buChar char="•"/>
+            </a:pPr>
+            <a:r>
+              <a:rPr lang="en-US" sz="3200" dirty="0"/>
+              <a:t>Raw </a:t>
+            </a:r>
+            <a:r>
+              <a:rPr lang="en-US" sz="3200" dirty="0" err="1"/>
+              <a:t>dataframe</a:t>
+            </a:r>
+            <a:r>
+              <a:rPr lang="en-US" sz="3200" dirty="0"/>
+              <a:t> should not contain unsuitable data</a:t>
+            </a:r>
+          </a:p>
+          <a:p>
+            <a:pPr marL="342900" indent="-342900">
+              <a:buFont typeface="Arial" panose="020B0604020202020204" pitchFamily="34" charset="0"/>
+              <a:buChar char="•"/>
+            </a:pPr>
+            <a:r>
+              <a:rPr lang="en-US" sz="3200" dirty="0"/>
+              <a:t>Processed </a:t>
+            </a:r>
+            <a:r>
+              <a:rPr lang="en-US" sz="3200" dirty="0" err="1"/>
+              <a:t>dataframe</a:t>
+            </a:r>
+            <a:r>
+              <a:rPr lang="en-US" sz="3200" dirty="0"/>
+              <a:t> should satisfy some equations</a:t>
+            </a:r>
+          </a:p>
+          <a:p>
+            <a:pPr marL="342900" indent="-342900">
+              <a:buFont typeface="Arial" panose="020B0604020202020204" pitchFamily="34" charset="0"/>
+              <a:buChar char="•"/>
+            </a:pPr>
+            <a:r>
+              <a:rPr lang="en-US" sz="3200" dirty="0"/>
+              <a:t>Processed </a:t>
+            </a:r>
+            <a:r>
+              <a:rPr lang="en-US" sz="3200" dirty="0" err="1"/>
+              <a:t>dataframe</a:t>
+            </a:r>
+            <a:r>
+              <a:rPr lang="en-US" sz="3200" dirty="0"/>
+              <a:t> should not contain NULL values</a:t>
+            </a:r>
+          </a:p>
+          <a:p>
+            <a:pPr marL="342900" indent="-342900">
+              <a:buFont typeface="Arial" panose="020B0604020202020204" pitchFamily="34" charset="0"/>
+              <a:buChar char="•"/>
+            </a:pPr>
+            <a:r>
+              <a:rPr lang="en-US" sz="3200" dirty="0"/>
+              <a:t>Processed </a:t>
+            </a:r>
+            <a:r>
+              <a:rPr lang="en-US" sz="3200" dirty="0" err="1"/>
+              <a:t>dataframe</a:t>
+            </a:r>
+            <a:r>
+              <a:rPr lang="en-US" sz="3200" dirty="0"/>
+              <a:t> should satisfy the proportion</a:t>
+            </a:r>
+          </a:p>
+          <a:p>
+            <a:pPr marL="342900" indent="-342900">
+              <a:buFont typeface="Arial" panose="020B0604020202020204" pitchFamily="34" charset="0"/>
+              <a:buChar char="•"/>
+            </a:pPr>
+            <a:r>
+              <a:rPr lang="en-US" sz="3200" dirty="0"/>
+              <a:t>Each model accuracy should &gt; 70%</a:t>
+            </a:r>
+          </a:p>
+          <a:p>
+            <a:pPr marL="342900" indent="-342900">
+              <a:buFont typeface="Arial" panose="020B0604020202020204" pitchFamily="34" charset="0"/>
+              <a:buChar char="•"/>
+            </a:pPr>
+            <a:r>
+              <a:rPr lang="en-US" sz="3200" dirty="0"/>
+              <a:t>Each model should have 9 features</a:t>
+            </a:r>
+          </a:p>
+          <a:p>
+            <a:pPr marL="342900" indent="-342900">
+              <a:buFont typeface="Arial" panose="020B0604020202020204" pitchFamily="34" charset="0"/>
+              <a:buChar char="•"/>
+            </a:pPr>
+            <a:r>
+              <a:rPr lang="en-US" sz="3200" dirty="0"/>
+              <a:t>Best model accuracy should &gt; 70% </a:t>
+            </a:r>
+          </a:p>
+          <a:p>
+            <a:pPr marL="342900" indent="-342900">
+              <a:buFont typeface="Arial" panose="020B0604020202020204" pitchFamily="34" charset="0"/>
+              <a:buChar char="•"/>
+            </a:pPr>
+            <a:endParaRPr lang="en-US" sz="2400" dirty="0"/>
+          </a:p>
+          <a:p>
+            <a:r>
+              <a:rPr lang="en-US" sz="2400" dirty="0"/>
+              <a:t>  </a:t>
+            </a:r>
+          </a:p>
+        </p:txBody>
+      </p:sp>
+    </p:spTree>
+    <p:extLst>
+      <p:ext uri="{BB962C8B-B14F-4D97-AF65-F5344CB8AC3E}">
+        <p14:creationId xmlns:p14="http://schemas.microsoft.com/office/powerpoint/2010/main" val="754213700"/>
+      </p:ext>
+    </p:extLst>
+  </p:cSld>
+  <p:clrMapOvr>
+    <a:masterClrMapping/>
+  </p:clrMapOvr>
+</p:sld>
+</file>
+
+<file path=ppt/slides/slide13.xml><?xml version="1.0" encoding="utf-8"?>
+<p:sld xmlns:a="http://schemas.openxmlformats.org/drawingml/2006/main" xmlns:r="http://schemas.openxmlformats.org/officeDocument/2006/relationships" xmlns:p="http://schemas.openxmlformats.org/presentationml/2006/main">
+  <p:cSld>
+    <p:spTree>
+      <p:nvGrpSpPr>
+        <p:cNvPr id="1" name=""/>
+        <p:cNvGrpSpPr/>
+        <p:nvPr/>
+      </p:nvGrpSpPr>
+      <p:grpSpPr>
+        <a:xfrm>
+          <a:off x="0" y="0"/>
+          <a:ext cx="0" cy="0"/>
+          <a:chOff x="0" y="0"/>
+          <a:chExt cx="0" cy="0"/>
+        </a:xfrm>
+      </p:grpSpPr>
+      <p:sp>
+        <p:nvSpPr>
+          <p:cNvPr id="4" name="TextBox 3"/>
+          <p:cNvSpPr txBox="1"/>
+          <p:nvPr/>
+        </p:nvSpPr>
+        <p:spPr>
+          <a:xfrm>
+            <a:off x="790575" y="685800"/>
+            <a:ext cx="8916670" cy="922020"/>
+          </a:xfrm>
+          <a:prstGeom prst="rect">
+            <a:avLst/>
+          </a:prstGeom>
+          <a:noFill/>
+        </p:spPr>
+        <p:txBody>
+          <a:bodyPr wrap="square" rtlCol="0">
+            <a:spAutoFit/>
+          </a:bodyPr>
+          <a:lstStyle/>
+          <a:p>
+            <a:r>
+              <a:rPr lang="en-US" altLang="zh-CN" sz="5400" dirty="0">
+                <a:solidFill>
+                  <a:srgbClr val="2D3B45"/>
+                </a:solidFill>
+                <a:latin typeface="Lato Extended"/>
+              </a:rPr>
+              <a:t>Test Case</a:t>
+            </a:r>
+            <a:endParaRPr lang="en-US" sz="5400" dirty="0"/>
+          </a:p>
+        </p:txBody>
+      </p:sp>
+      <p:sp>
+        <p:nvSpPr>
+          <p:cNvPr id="7" name="TextBox 6">
+            <a:extLst>
+              <a:ext uri="{FF2B5EF4-FFF2-40B4-BE49-F238E27FC236}">
+                <a16:creationId xmlns:a16="http://schemas.microsoft.com/office/drawing/2014/main" id="{E5637DE3-3343-4154-B3EC-B760E5C8CBCC}"/>
+              </a:ext>
+            </a:extLst>
+          </p:cNvPr>
+          <p:cNvSpPr txBox="1"/>
+          <p:nvPr/>
+        </p:nvSpPr>
+        <p:spPr>
+          <a:xfrm>
+            <a:off x="990600" y="2009775"/>
+            <a:ext cx="7181850" cy="1590675"/>
+          </a:xfrm>
+          <a:prstGeom prst="rect">
+            <a:avLst/>
+          </a:prstGeom>
+          <a:noFill/>
+        </p:spPr>
+        <p:txBody>
+          <a:bodyPr wrap="square" rtlCol="0">
+            <a:spAutoFit/>
+          </a:bodyPr>
+          <a:lstStyle/>
+          <a:p>
+            <a:endParaRPr lang="en-US" dirty="0"/>
+          </a:p>
+        </p:txBody>
+      </p:sp>
+      <p:pic>
+        <p:nvPicPr>
+          <p:cNvPr id="3" name="Picture 2">
+            <a:extLst>
+              <a:ext uri="{FF2B5EF4-FFF2-40B4-BE49-F238E27FC236}">
+                <a16:creationId xmlns:a16="http://schemas.microsoft.com/office/drawing/2014/main" id="{2C6EE98A-E649-4D9F-860A-F41D987B5595}"/>
+              </a:ext>
+            </a:extLst>
+          </p:cNvPr>
+          <p:cNvPicPr>
+            <a:picLocks noChangeAspect="1"/>
+          </p:cNvPicPr>
+          <p:nvPr/>
+        </p:nvPicPr>
+        <p:blipFill rotWithShape="1">
+          <a:blip r:embed="rId2"/>
+          <a:srcRect t="1" r="41167" b="1439"/>
+          <a:stretch/>
+        </p:blipFill>
+        <p:spPr>
+          <a:xfrm>
+            <a:off x="1" y="2274090"/>
+            <a:ext cx="6244086" cy="2897350"/>
+          </a:xfrm>
+          <a:prstGeom prst="rect">
+            <a:avLst/>
+          </a:prstGeom>
+        </p:spPr>
+      </p:pic>
+      <p:pic>
+        <p:nvPicPr>
+          <p:cNvPr id="6" name="Picture 5">
+            <a:extLst>
+              <a:ext uri="{FF2B5EF4-FFF2-40B4-BE49-F238E27FC236}">
+                <a16:creationId xmlns:a16="http://schemas.microsoft.com/office/drawing/2014/main" id="{E2BFEB56-D394-407B-A7D5-C713B6C46362}"/>
+              </a:ext>
+            </a:extLst>
+          </p:cNvPr>
+          <p:cNvPicPr>
+            <a:picLocks noChangeAspect="1"/>
+          </p:cNvPicPr>
+          <p:nvPr/>
+        </p:nvPicPr>
+        <p:blipFill rotWithShape="1">
+          <a:blip r:embed="rId3"/>
+          <a:srcRect r="35765" b="-426"/>
+          <a:stretch/>
+        </p:blipFill>
+        <p:spPr>
+          <a:xfrm>
+            <a:off x="6217919" y="153800"/>
+            <a:ext cx="5974080" cy="6704200"/>
+          </a:xfrm>
+          <a:prstGeom prst="rect">
+            <a:avLst/>
+          </a:prstGeom>
+        </p:spPr>
+      </p:pic>
+    </p:spTree>
+    <p:extLst>
+      <p:ext uri="{BB962C8B-B14F-4D97-AF65-F5344CB8AC3E}">
+        <p14:creationId xmlns:p14="http://schemas.microsoft.com/office/powerpoint/2010/main" val="818400298"/>
+      </p:ext>
+    </p:extLst>
+  </p:cSld>
+  <p:clrMapOvr>
+    <a:masterClrMapping/>
+  </p:clrMapOvr>
+</p:sld>
+</file>
+
+<file path=ppt/slides/slide14.xml><?xml version="1.0" encoding="utf-8"?>
+<p:sld xmlns:a="http://schemas.openxmlformats.org/drawingml/2006/main" xmlns:r="http://schemas.openxmlformats.org/officeDocument/2006/relationships" xmlns:p="http://schemas.openxmlformats.org/presentationml/2006/main">
+  <p:cSld>
+    <p:spTree>
+      <p:nvGrpSpPr>
+        <p:cNvPr id="1" name=""/>
+        <p:cNvGrpSpPr/>
+        <p:nvPr/>
+      </p:nvGrpSpPr>
+      <p:grpSpPr>
+        <a:xfrm>
+          <a:off x="0" y="0"/>
+          <a:ext cx="0" cy="0"/>
+          <a:chOff x="0" y="0"/>
+          <a:chExt cx="0" cy="0"/>
+        </a:xfrm>
+      </p:grpSpPr>
+      <p:sp>
+        <p:nvSpPr>
+          <p:cNvPr id="4" name="TextBox 3"/>
+          <p:cNvSpPr txBox="1"/>
+          <p:nvPr/>
+        </p:nvSpPr>
+        <p:spPr>
+          <a:xfrm>
+            <a:off x="790574" y="685800"/>
+            <a:ext cx="3724276" cy="923330"/>
+          </a:xfrm>
+          <a:prstGeom prst="rect">
+            <a:avLst/>
+          </a:prstGeom>
+          <a:noFill/>
+        </p:spPr>
+        <p:txBody>
+          <a:bodyPr wrap="square" rtlCol="0">
+            <a:spAutoFit/>
+          </a:bodyPr>
+          <a:lstStyle/>
+          <a:p>
+            <a:r>
+              <a:rPr lang="en-US" sz="5400" dirty="0">
+                <a:solidFill>
+                  <a:srgbClr val="50575C"/>
+                </a:solidFill>
+              </a:rPr>
+              <a:t>Use Cases</a:t>
+            </a:r>
+          </a:p>
+        </p:txBody>
+      </p:sp>
+      <p:sp>
+        <p:nvSpPr>
+          <p:cNvPr id="6" name="TextBox 5"/>
+          <p:cNvSpPr txBox="1"/>
+          <p:nvPr/>
+        </p:nvSpPr>
+        <p:spPr>
+          <a:xfrm>
+            <a:off x="790574" y="2062162"/>
+            <a:ext cx="10253346" cy="3046988"/>
+          </a:xfrm>
+          <a:prstGeom prst="rect">
+            <a:avLst/>
+          </a:prstGeom>
+          <a:noFill/>
+        </p:spPr>
+        <p:txBody>
+          <a:bodyPr wrap="square" rtlCol="0">
+            <a:spAutoFit/>
+          </a:bodyPr>
+          <a:lstStyle/>
+          <a:p>
+            <a:r>
+              <a:rPr lang="en-US" sz="3200" dirty="0"/>
+              <a:t>Potential users input required information of one LOL match at first 15 minutes on website or console</a:t>
+            </a:r>
+          </a:p>
+          <a:p>
+            <a:endParaRPr lang="en-US" sz="3200" dirty="0"/>
+          </a:p>
+          <a:p>
+            <a:r>
+              <a:rPr lang="en-US" sz="3200" dirty="0"/>
+              <a:t>System predicts which side will win based on the best model</a:t>
+            </a:r>
+          </a:p>
+          <a:p>
+            <a:endParaRPr lang="en-US" sz="3200" dirty="0"/>
+          </a:p>
+          <a:p>
+            <a:r>
+              <a:rPr lang="en-US" sz="3200" dirty="0"/>
+              <a:t>User can see parameters of best model for further analysis </a:t>
+            </a:r>
+          </a:p>
+        </p:txBody>
+      </p:sp>
+    </p:spTree>
+  </p:cSld>
+  <p:clrMapOvr>
+    <a:masterClrMapping/>
+  </p:clrMapOvr>
+</p:sld>
+</file>
+
+<file path=ppt/slides/slide15.xml><?xml version="1.0" encoding="utf-8"?>
+<p:sld xmlns:a="http://schemas.openxmlformats.org/drawingml/2006/main" xmlns:r="http://schemas.openxmlformats.org/officeDocument/2006/relationships" xmlns:p="http://schemas.openxmlformats.org/presentationml/2006/main">
+  <p:cSld>
+    <p:spTree>
+      <p:nvGrpSpPr>
+        <p:cNvPr id="1" name=""/>
+        <p:cNvGrpSpPr/>
+        <p:nvPr/>
+      </p:nvGrpSpPr>
+      <p:grpSpPr>
+        <a:xfrm>
+          <a:off x="0" y="0"/>
+          <a:ext cx="0" cy="0"/>
+          <a:chOff x="0" y="0"/>
+          <a:chExt cx="0" cy="0"/>
+        </a:xfrm>
+      </p:grpSpPr>
+      <p:sp>
+        <p:nvSpPr>
+          <p:cNvPr id="4" name="TextBox 3"/>
+          <p:cNvSpPr txBox="1"/>
+          <p:nvPr/>
+        </p:nvSpPr>
+        <p:spPr>
+          <a:xfrm>
+            <a:off x="790573" y="685800"/>
+            <a:ext cx="6677027" cy="923330"/>
+          </a:xfrm>
+          <a:prstGeom prst="rect">
+            <a:avLst/>
+          </a:prstGeom>
+          <a:noFill/>
+        </p:spPr>
+        <p:txBody>
+          <a:bodyPr wrap="square" rtlCol="0">
+            <a:spAutoFit/>
+          </a:bodyPr>
+          <a:lstStyle/>
+          <a:p>
+            <a:r>
+              <a:rPr lang="en-US" sz="5400" dirty="0">
+                <a:solidFill>
+                  <a:srgbClr val="2D3B45"/>
+                </a:solidFill>
+                <a:latin typeface="Lato Extended"/>
+              </a:rPr>
+              <a:t>Goals of Project</a:t>
+            </a:r>
+            <a:endParaRPr lang="en-US" sz="5400" dirty="0"/>
+          </a:p>
+        </p:txBody>
+      </p:sp>
+      <p:sp>
+        <p:nvSpPr>
+          <p:cNvPr id="6" name="TextBox 5"/>
+          <p:cNvSpPr txBox="1"/>
+          <p:nvPr/>
+        </p:nvSpPr>
+        <p:spPr>
+          <a:xfrm>
+            <a:off x="790573" y="1843087"/>
+            <a:ext cx="10515601" cy="4031873"/>
+          </a:xfrm>
+          <a:prstGeom prst="rect">
+            <a:avLst/>
+          </a:prstGeom>
+          <a:noFill/>
+        </p:spPr>
+        <p:txBody>
+          <a:bodyPr wrap="square" rtlCol="0">
+            <a:spAutoFit/>
+          </a:bodyPr>
+          <a:lstStyle/>
+          <a:p>
+            <a:r>
+              <a:rPr lang="en-US" sz="3200" dirty="0"/>
+              <a:t>Design a completed predicting system based on match histories. </a:t>
+            </a:r>
+          </a:p>
+          <a:p>
+            <a:endParaRPr lang="en-US" sz="3200" dirty="0"/>
+          </a:p>
+          <a:p>
+            <a:r>
+              <a:rPr lang="en-US" sz="3200" dirty="0"/>
+              <a:t>Use information of first 15 minutes in the match to predict the final winner. </a:t>
+            </a:r>
+          </a:p>
+          <a:p>
+            <a:endParaRPr lang="en-US" sz="3200" dirty="0"/>
+          </a:p>
+          <a:p>
+            <a:r>
+              <a:rPr lang="en-US" sz="3200" dirty="0"/>
+              <a:t>Learn related knowledge about Scala, Spark, Machine learning and Big data.</a:t>
+            </a:r>
+          </a:p>
+        </p:txBody>
+      </p:sp>
+    </p:spTree>
+  </p:cSld>
+  <p:clrMapOvr>
+    <a:masterClrMapping/>
+  </p:clrMapOvr>
+</p:sld>
+</file>
+
+<file path=ppt/slides/slide16.xml><?xml version="1.0" encoding="utf-8"?>
+<p:sld xmlns:a="http://schemas.openxmlformats.org/drawingml/2006/main" xmlns:r="http://schemas.openxmlformats.org/officeDocument/2006/relationships" xmlns:p="http://schemas.openxmlformats.org/presentationml/2006/main">
+  <p:cSld>
+    <p:spTree>
+      <p:nvGrpSpPr>
+        <p:cNvPr id="1" name=""/>
+        <p:cNvGrpSpPr/>
+        <p:nvPr/>
+      </p:nvGrpSpPr>
+      <p:grpSpPr>
+        <a:xfrm>
+          <a:off x="0" y="0"/>
+          <a:ext cx="0" cy="0"/>
+          <a:chOff x="0" y="0"/>
+          <a:chExt cx="0" cy="0"/>
+        </a:xfrm>
+      </p:grpSpPr>
+      <p:sp>
+        <p:nvSpPr>
+          <p:cNvPr id="4" name="TextBox 3"/>
+          <p:cNvSpPr txBox="1"/>
+          <p:nvPr/>
+        </p:nvSpPr>
+        <p:spPr>
+          <a:xfrm>
+            <a:off x="790574" y="685800"/>
+            <a:ext cx="3724276" cy="923330"/>
+          </a:xfrm>
+          <a:prstGeom prst="rect">
+            <a:avLst/>
+          </a:prstGeom>
+          <a:noFill/>
+        </p:spPr>
+        <p:txBody>
+          <a:bodyPr wrap="square" rtlCol="0">
+            <a:spAutoFit/>
+          </a:bodyPr>
+          <a:lstStyle/>
+          <a:p>
+            <a:r>
+              <a:rPr lang="en-US" sz="5400" dirty="0">
+                <a:solidFill>
+                  <a:srgbClr val="50575C"/>
+                </a:solidFill>
+              </a:rPr>
+              <a:t>UI Demo</a:t>
+            </a:r>
+          </a:p>
+        </p:txBody>
+      </p:sp>
+      <p:pic>
+        <p:nvPicPr>
+          <p:cNvPr id="3" name="Picture 2">
+            <a:extLst>
+              <a:ext uri="{FF2B5EF4-FFF2-40B4-BE49-F238E27FC236}">
+                <a16:creationId xmlns:a16="http://schemas.microsoft.com/office/drawing/2014/main" id="{07A3DB15-F4A4-4609-A845-2DF0DCA0128B}"/>
+              </a:ext>
+            </a:extLst>
+          </p:cNvPr>
+          <p:cNvPicPr>
+            <a:picLocks noChangeAspect="1"/>
+          </p:cNvPicPr>
+          <p:nvPr/>
+        </p:nvPicPr>
+        <p:blipFill>
+          <a:blip r:embed="rId2"/>
+          <a:stretch>
+            <a:fillRect/>
+          </a:stretch>
+        </p:blipFill>
+        <p:spPr>
+          <a:xfrm>
+            <a:off x="790574" y="2468465"/>
+            <a:ext cx="7713346" cy="4332153"/>
+          </a:xfrm>
+          <a:prstGeom prst="rect">
+            <a:avLst/>
+          </a:prstGeom>
+        </p:spPr>
+      </p:pic>
+      <p:sp>
+        <p:nvSpPr>
+          <p:cNvPr id="5" name="TextBox 4">
+            <a:extLst>
+              <a:ext uri="{FF2B5EF4-FFF2-40B4-BE49-F238E27FC236}">
+                <a16:creationId xmlns:a16="http://schemas.microsoft.com/office/drawing/2014/main" id="{CFC3EC02-8104-4C09-BA56-6E8ABD67F132}"/>
+              </a:ext>
+            </a:extLst>
+          </p:cNvPr>
+          <p:cNvSpPr txBox="1"/>
+          <p:nvPr/>
+        </p:nvSpPr>
+        <p:spPr>
+          <a:xfrm>
+            <a:off x="790574" y="1760697"/>
+            <a:ext cx="4750676" cy="584775"/>
+          </a:xfrm>
+          <a:prstGeom prst="rect">
+            <a:avLst/>
+          </a:prstGeom>
+          <a:noFill/>
+        </p:spPr>
+        <p:txBody>
+          <a:bodyPr wrap="square" rtlCol="0">
+            <a:spAutoFit/>
+          </a:bodyPr>
+          <a:lstStyle/>
+          <a:p>
+            <a:r>
+              <a:rPr lang="en-US" sz="3200" dirty="0"/>
+              <a:t>Console:</a:t>
+            </a:r>
+            <a:r>
+              <a:rPr lang="en-US" dirty="0"/>
+              <a:t> </a:t>
+            </a:r>
+          </a:p>
+        </p:txBody>
+      </p:sp>
+    </p:spTree>
+    <p:extLst>
+      <p:ext uri="{BB962C8B-B14F-4D97-AF65-F5344CB8AC3E}">
+        <p14:creationId xmlns:p14="http://schemas.microsoft.com/office/powerpoint/2010/main" val="3853130603"/>
+      </p:ext>
+    </p:extLst>
+  </p:cSld>
+  <p:clrMapOvr>
+    <a:masterClrMapping/>
+  </p:clrMapOvr>
+</p:sld>
+</file>
+
+<file path=ppt/slides/slide17.xml><?xml version="1.0" encoding="utf-8"?>
+<p:sld xmlns:a="http://schemas.openxmlformats.org/drawingml/2006/main" xmlns:r="http://schemas.openxmlformats.org/officeDocument/2006/relationships" xmlns:p="http://schemas.openxmlformats.org/presentationml/2006/main">
+  <p:cSld>
+    <p:spTree>
+      <p:nvGrpSpPr>
+        <p:cNvPr id="1" name=""/>
+        <p:cNvGrpSpPr/>
+        <p:nvPr/>
+      </p:nvGrpSpPr>
+      <p:grpSpPr>
+        <a:xfrm>
+          <a:off x="0" y="0"/>
+          <a:ext cx="0" cy="0"/>
+          <a:chOff x="0" y="0"/>
+          <a:chExt cx="0" cy="0"/>
+        </a:xfrm>
+      </p:grpSpPr>
+      <p:sp>
+        <p:nvSpPr>
+          <p:cNvPr id="4" name="TextBox 3"/>
+          <p:cNvSpPr txBox="1"/>
+          <p:nvPr/>
+        </p:nvSpPr>
+        <p:spPr>
+          <a:xfrm>
+            <a:off x="790574" y="685800"/>
+            <a:ext cx="3724276" cy="923330"/>
+          </a:xfrm>
+          <a:prstGeom prst="rect">
+            <a:avLst/>
+          </a:prstGeom>
+          <a:noFill/>
+        </p:spPr>
+        <p:txBody>
+          <a:bodyPr wrap="square" rtlCol="0">
+            <a:spAutoFit/>
+          </a:bodyPr>
+          <a:lstStyle/>
+          <a:p>
+            <a:r>
+              <a:rPr lang="en-US" sz="5400" dirty="0">
+                <a:solidFill>
+                  <a:srgbClr val="50575C"/>
+                </a:solidFill>
+              </a:rPr>
+              <a:t>UI Demo</a:t>
+            </a:r>
+          </a:p>
+        </p:txBody>
+      </p:sp>
+      <p:sp>
+        <p:nvSpPr>
+          <p:cNvPr id="5" name="TextBox 4">
+            <a:extLst>
+              <a:ext uri="{FF2B5EF4-FFF2-40B4-BE49-F238E27FC236}">
+                <a16:creationId xmlns:a16="http://schemas.microsoft.com/office/drawing/2014/main" id="{CFC3EC02-8104-4C09-BA56-6E8ABD67F132}"/>
+              </a:ext>
+            </a:extLst>
+          </p:cNvPr>
+          <p:cNvSpPr txBox="1"/>
+          <p:nvPr/>
+        </p:nvSpPr>
+        <p:spPr>
+          <a:xfrm>
+            <a:off x="790574" y="1760697"/>
+            <a:ext cx="4750676" cy="584775"/>
+          </a:xfrm>
+          <a:prstGeom prst="rect">
+            <a:avLst/>
+          </a:prstGeom>
+          <a:noFill/>
+        </p:spPr>
+        <p:txBody>
+          <a:bodyPr wrap="square" rtlCol="0">
+            <a:spAutoFit/>
+          </a:bodyPr>
+          <a:lstStyle/>
+          <a:p>
+            <a:r>
+              <a:rPr lang="en-US" sz="3200" dirty="0"/>
+              <a:t>Website:</a:t>
+            </a:r>
+            <a:r>
+              <a:rPr lang="en-US" dirty="0"/>
+              <a:t> </a:t>
+            </a:r>
+          </a:p>
+        </p:txBody>
+      </p:sp>
+      <p:pic>
+        <p:nvPicPr>
+          <p:cNvPr id="6" name="Picture 5">
+            <a:extLst>
+              <a:ext uri="{FF2B5EF4-FFF2-40B4-BE49-F238E27FC236}">
+                <a16:creationId xmlns:a16="http://schemas.microsoft.com/office/drawing/2014/main" id="{91080BB1-657A-4744-8FA0-AB261E5B810B}"/>
+              </a:ext>
+            </a:extLst>
+          </p:cNvPr>
+          <p:cNvPicPr>
+            <a:picLocks noChangeAspect="1"/>
+          </p:cNvPicPr>
+          <p:nvPr/>
+        </p:nvPicPr>
+        <p:blipFill>
+          <a:blip r:embed="rId2"/>
+          <a:stretch>
+            <a:fillRect/>
+          </a:stretch>
+        </p:blipFill>
+        <p:spPr>
+          <a:xfrm>
+            <a:off x="3369112" y="1343364"/>
+            <a:ext cx="8393612" cy="5331756"/>
+          </a:xfrm>
+          <a:prstGeom prst="rect">
+            <a:avLst/>
+          </a:prstGeom>
+        </p:spPr>
+      </p:pic>
+    </p:spTree>
+    <p:extLst>
+      <p:ext uri="{BB962C8B-B14F-4D97-AF65-F5344CB8AC3E}">
+        <p14:creationId xmlns:p14="http://schemas.microsoft.com/office/powerpoint/2010/main" val="4288410050"/>
+      </p:ext>
+    </p:extLst>
+  </p:cSld>
+  <p:clrMapOvr>
+    <a:masterClrMapping/>
+  </p:clrMapOvr>
+</p:sld>
+</file>
+
+<file path=ppt/slides/slide18.xml><?xml version="1.0" encoding="utf-8"?>
+<p:sld xmlns:a="http://schemas.openxmlformats.org/drawingml/2006/main" xmlns:r="http://schemas.openxmlformats.org/officeDocument/2006/relationships" xmlns:p="http://schemas.openxmlformats.org/presentationml/2006/main">
+  <p:cSld>
+    <p:spTree>
+      <p:nvGrpSpPr>
+        <p:cNvPr id="1" name=""/>
+        <p:cNvGrpSpPr/>
+        <p:nvPr/>
+      </p:nvGrpSpPr>
+      <p:grpSpPr>
+        <a:xfrm>
+          <a:off x="0" y="0"/>
+          <a:ext cx="0" cy="0"/>
+          <a:chOff x="0" y="0"/>
+          <a:chExt cx="0" cy="0"/>
+        </a:xfrm>
+      </p:grpSpPr>
+      <p:sp>
+        <p:nvSpPr>
           <p:cNvPr id="3" name="Content Placeholder 2"/>
           <p:cNvSpPr>
             <a:spLocks noGrp="1"/>
@@ -3316,7 +5414,6 @@
               <a:rPr lang="en-US" sz="8000" dirty="0"/>
               <a:t>Thank You</a:t>
             </a:r>
-            <a:endParaRPr lang="en-US" sz="8000" dirty="0"/>
           </a:p>
         </p:txBody>
       </p:sp>
@@ -3347,771 +5444,19 @@
       </p:grpSpPr>
       <p:sp>
         <p:nvSpPr>
-          <p:cNvPr id="7" name="椭圆 6"/>
-          <p:cNvSpPr/>
-          <p:nvPr/>
-        </p:nvSpPr>
-        <p:spPr>
-          <a:xfrm>
-            <a:off x="774924" y="2575299"/>
-            <a:ext cx="281467" cy="281467"/>
-          </a:xfrm>
-          <a:prstGeom prst="ellipse">
-            <a:avLst/>
-          </a:prstGeom>
-          <a:solidFill>
-            <a:schemeClr val="bg2">
-              <a:lumMod val="75000"/>
-            </a:schemeClr>
-          </a:solidFill>
-          <a:ln w="25400" cap="flat" cmpd="sng" algn="ctr">
-            <a:noFill/>
-            <a:prstDash val="solid"/>
-          </a:ln>
-          <a:effectLst/>
-        </p:spPr>
-        <p:txBody>
-          <a:bodyPr rtlCol="0" anchor="ctr"/>
-          <a:lstStyle/>
-          <a:p>
-            <a:pPr algn="ctr">
-              <a:defRPr/>
-            </a:pPr>
-            <a:r>
-              <a:rPr lang="en-US" altLang="zh-CN" kern="0" dirty="0">
-                <a:solidFill>
-                  <a:srgbClr val="A06843"/>
-                </a:solidFill>
-              </a:rPr>
-              <a:t> </a:t>
-            </a:r>
-            <a:endParaRPr lang="zh-CN" altLang="en-US" kern="0" dirty="0">
-              <a:solidFill>
-                <a:srgbClr val="A06843"/>
-              </a:solidFill>
-            </a:endParaRPr>
-          </a:p>
-        </p:txBody>
-      </p:sp>
-      <p:cxnSp>
-        <p:nvCxnSpPr>
-          <p:cNvPr id="8" name="直接连接符 7"/>
-          <p:cNvCxnSpPr>
-            <a:stCxn id="7" idx="6"/>
-            <a:endCxn id="32" idx="2"/>
-          </p:cNvCxnSpPr>
-          <p:nvPr/>
-        </p:nvCxnSpPr>
-        <p:spPr>
-          <a:xfrm>
-            <a:off x="1056391" y="2716033"/>
-            <a:ext cx="10233359" cy="3339"/>
-          </a:xfrm>
-          <a:prstGeom prst="line">
-            <a:avLst/>
-          </a:prstGeom>
-          <a:solidFill>
-            <a:schemeClr val="bg2">
-              <a:lumMod val="75000"/>
-            </a:schemeClr>
-          </a:solidFill>
-          <a:ln w="19050" cap="flat" cmpd="sng" algn="ctr">
-            <a:solidFill>
-              <a:schemeClr val="tx1"/>
-            </a:solidFill>
-            <a:prstDash val="solid"/>
-          </a:ln>
-          <a:effectLst/>
-        </p:spPr>
-      </p:cxnSp>
-      <p:sp>
-        <p:nvSpPr>
-          <p:cNvPr id="9" name="椭圆 8"/>
-          <p:cNvSpPr/>
-          <p:nvPr/>
-        </p:nvSpPr>
-        <p:spPr>
-          <a:xfrm>
-            <a:off x="8546552" y="2583401"/>
-            <a:ext cx="281467" cy="281467"/>
-          </a:xfrm>
-          <a:prstGeom prst="ellipse">
-            <a:avLst/>
-          </a:prstGeom>
-          <a:solidFill>
-            <a:schemeClr val="bg2">
-              <a:lumMod val="75000"/>
-            </a:schemeClr>
-          </a:solidFill>
-          <a:ln w="25400" cap="flat" cmpd="sng" algn="ctr">
-            <a:noFill/>
-            <a:prstDash val="solid"/>
-          </a:ln>
-          <a:effectLst/>
-        </p:spPr>
-        <p:txBody>
-          <a:bodyPr rtlCol="0" anchor="ctr"/>
-          <a:lstStyle/>
-          <a:p>
-            <a:pPr algn="ctr">
-              <a:defRPr/>
-            </a:pPr>
-            <a:endParaRPr lang="zh-CN" altLang="en-US" kern="0">
-              <a:solidFill>
-                <a:srgbClr val="A06843"/>
-              </a:solidFill>
-            </a:endParaRPr>
-          </a:p>
-        </p:txBody>
-      </p:sp>
-      <p:sp>
-        <p:nvSpPr>
-          <p:cNvPr id="10" name="椭圆 9"/>
-          <p:cNvSpPr/>
-          <p:nvPr/>
-        </p:nvSpPr>
-        <p:spPr>
-          <a:xfrm>
-            <a:off x="2209175" y="2575299"/>
-            <a:ext cx="281467" cy="281467"/>
-          </a:xfrm>
-          <a:prstGeom prst="ellipse">
-            <a:avLst/>
-          </a:prstGeom>
-          <a:solidFill>
-            <a:schemeClr val="bg2">
-              <a:lumMod val="75000"/>
-            </a:schemeClr>
-          </a:solidFill>
-          <a:ln w="25400" cap="flat" cmpd="sng" algn="ctr">
-            <a:noFill/>
-            <a:prstDash val="solid"/>
-          </a:ln>
-          <a:effectLst/>
-        </p:spPr>
-        <p:txBody>
-          <a:bodyPr rtlCol="0" anchor="ctr"/>
-          <a:lstStyle/>
-          <a:p>
-            <a:pPr algn="ctr">
-              <a:defRPr/>
-            </a:pPr>
-            <a:r>
-              <a:rPr lang="en-US" altLang="zh-CN" kern="0" dirty="0">
-                <a:solidFill>
-                  <a:srgbClr val="A06843"/>
-                </a:solidFill>
-              </a:rPr>
-              <a:t>                                                                   </a:t>
-            </a:r>
-            <a:endParaRPr lang="zh-CN" altLang="en-US" kern="0" dirty="0">
-              <a:solidFill>
-                <a:srgbClr val="A06843"/>
-              </a:solidFill>
-            </a:endParaRPr>
-          </a:p>
-        </p:txBody>
-      </p:sp>
-      <p:sp>
-        <p:nvSpPr>
-          <p:cNvPr id="11" name="椭圆 10"/>
-          <p:cNvSpPr/>
-          <p:nvPr/>
-        </p:nvSpPr>
-        <p:spPr>
-          <a:xfrm>
-            <a:off x="3698197" y="2553411"/>
-            <a:ext cx="281467" cy="281467"/>
-          </a:xfrm>
-          <a:prstGeom prst="ellipse">
-            <a:avLst/>
-          </a:prstGeom>
-          <a:solidFill>
-            <a:schemeClr val="bg2">
-              <a:lumMod val="75000"/>
-            </a:schemeClr>
-          </a:solidFill>
-          <a:ln w="25400" cap="flat" cmpd="sng" algn="ctr">
-            <a:noFill/>
-            <a:prstDash val="solid"/>
-          </a:ln>
-          <a:effectLst/>
-        </p:spPr>
-        <p:txBody>
-          <a:bodyPr rtlCol="0" anchor="ctr"/>
-          <a:lstStyle/>
-          <a:p>
-            <a:pPr algn="ctr">
-              <a:defRPr/>
-            </a:pPr>
-            <a:endParaRPr lang="zh-CN" altLang="en-US" kern="0">
-              <a:solidFill>
-                <a:srgbClr val="A06843"/>
-              </a:solidFill>
-            </a:endParaRPr>
-          </a:p>
-        </p:txBody>
-      </p:sp>
-      <p:sp>
-        <p:nvSpPr>
-          <p:cNvPr id="12" name="椭圆 11"/>
-          <p:cNvSpPr/>
-          <p:nvPr/>
-        </p:nvSpPr>
-        <p:spPr>
-          <a:xfrm>
-            <a:off x="5356984" y="2566171"/>
-            <a:ext cx="281467" cy="281467"/>
-          </a:xfrm>
-          <a:prstGeom prst="ellipse">
-            <a:avLst/>
-          </a:prstGeom>
-          <a:solidFill>
-            <a:schemeClr val="bg2">
-              <a:lumMod val="75000"/>
-            </a:schemeClr>
-          </a:solidFill>
-          <a:ln w="25400" cap="flat" cmpd="sng" algn="ctr">
-            <a:noFill/>
-            <a:prstDash val="solid"/>
-          </a:ln>
-          <a:effectLst/>
-        </p:spPr>
-        <p:txBody>
-          <a:bodyPr rtlCol="0" anchor="ctr"/>
-          <a:lstStyle/>
-          <a:p>
-            <a:pPr algn="ctr">
-              <a:defRPr/>
-            </a:pPr>
-            <a:endParaRPr lang="zh-CN" altLang="en-US" kern="0">
-              <a:solidFill>
-                <a:srgbClr val="A06843"/>
-              </a:solidFill>
-            </a:endParaRPr>
-          </a:p>
-        </p:txBody>
-      </p:sp>
-      <p:sp>
-        <p:nvSpPr>
-          <p:cNvPr id="15" name="任意多边形 10"/>
-          <p:cNvSpPr/>
-          <p:nvPr/>
-        </p:nvSpPr>
-        <p:spPr>
-          <a:xfrm>
-            <a:off x="1769944" y="3088008"/>
-            <a:ext cx="1144724" cy="742950"/>
-          </a:xfrm>
-          <a:custGeom>
-            <a:avLst/>
-            <a:gdLst>
-              <a:gd name="connsiteX0" fmla="*/ 792089 w 1584176"/>
-              <a:gd name="connsiteY0" fmla="*/ 0 h 743187"/>
-              <a:gd name="connsiteX1" fmla="*/ 932822 w 1584176"/>
-              <a:gd name="connsiteY1" fmla="*/ 95115 h 743187"/>
-              <a:gd name="connsiteX2" fmla="*/ 1584176 w 1584176"/>
-              <a:gd name="connsiteY2" fmla="*/ 95115 h 743187"/>
-              <a:gd name="connsiteX3" fmla="*/ 1584176 w 1584176"/>
-              <a:gd name="connsiteY3" fmla="*/ 743187 h 743187"/>
-              <a:gd name="connsiteX4" fmla="*/ 0 w 1584176"/>
-              <a:gd name="connsiteY4" fmla="*/ 743187 h 743187"/>
-              <a:gd name="connsiteX5" fmla="*/ 0 w 1584176"/>
-              <a:gd name="connsiteY5" fmla="*/ 95115 h 743187"/>
-              <a:gd name="connsiteX6" fmla="*/ 651355 w 1584176"/>
-              <a:gd name="connsiteY6" fmla="*/ 95115 h 743187"/>
-            </a:gdLst>
-            <a:ahLst/>
-            <a:cxnLst>
-              <a:cxn ang="0">
-                <a:pos x="connsiteX0" y="connsiteY0"/>
-              </a:cxn>
-              <a:cxn ang="0">
-                <a:pos x="connsiteX1" y="connsiteY1"/>
-              </a:cxn>
-              <a:cxn ang="0">
-                <a:pos x="connsiteX2" y="connsiteY2"/>
-              </a:cxn>
-              <a:cxn ang="0">
-                <a:pos x="connsiteX3" y="connsiteY3"/>
-              </a:cxn>
-              <a:cxn ang="0">
-                <a:pos x="connsiteX4" y="connsiteY4"/>
-              </a:cxn>
-              <a:cxn ang="0">
-                <a:pos x="connsiteX5" y="connsiteY5"/>
-              </a:cxn>
-              <a:cxn ang="0">
-                <a:pos x="connsiteX6" y="connsiteY6"/>
-              </a:cxn>
-            </a:cxnLst>
-            <a:rect l="l" t="t" r="r" b="b"/>
-            <a:pathLst>
-              <a:path w="1584176" h="743187">
-                <a:moveTo>
-                  <a:pt x="792089" y="0"/>
-                </a:moveTo>
-                <a:lnTo>
-                  <a:pt x="932822" y="95115"/>
-                </a:lnTo>
-                <a:lnTo>
-                  <a:pt x="1584176" y="95115"/>
-                </a:lnTo>
-                <a:lnTo>
-                  <a:pt x="1584176" y="743187"/>
-                </a:lnTo>
-                <a:lnTo>
-                  <a:pt x="0" y="743187"/>
-                </a:lnTo>
-                <a:lnTo>
-                  <a:pt x="0" y="95115"/>
-                </a:lnTo>
-                <a:lnTo>
-                  <a:pt x="651355" y="95115"/>
-                </a:lnTo>
-                <a:close/>
-              </a:path>
-            </a:pathLst>
-          </a:custGeom>
-          <a:solidFill>
-            <a:schemeClr val="bg2">
-              <a:lumMod val="75000"/>
-            </a:schemeClr>
-          </a:solidFill>
-          <a:ln w="25400" cap="flat" cmpd="sng" algn="ctr">
-            <a:noFill/>
-            <a:prstDash val="solid"/>
-          </a:ln>
-          <a:effectLst/>
-        </p:spPr>
-        <p:txBody>
-          <a:bodyPr rtlCol="0" anchor="ctr"/>
-          <a:lstStyle/>
-          <a:p>
-            <a:pPr algn="ctr">
-              <a:defRPr/>
-            </a:pPr>
-            <a:endParaRPr lang="zh-CN" altLang="en-US" kern="0">
-              <a:solidFill>
-                <a:srgbClr val="A06843"/>
-              </a:solidFill>
-            </a:endParaRPr>
-          </a:p>
-        </p:txBody>
-      </p:sp>
-      <p:sp>
-        <p:nvSpPr>
-          <p:cNvPr id="18" name="任意多边形 13"/>
-          <p:cNvSpPr/>
-          <p:nvPr/>
-        </p:nvSpPr>
-        <p:spPr>
-          <a:xfrm>
-            <a:off x="3070928" y="3086103"/>
-            <a:ext cx="1533394" cy="742950"/>
-          </a:xfrm>
-          <a:custGeom>
-            <a:avLst/>
-            <a:gdLst>
-              <a:gd name="connsiteX0" fmla="*/ 792089 w 1584176"/>
-              <a:gd name="connsiteY0" fmla="*/ 0 h 743187"/>
-              <a:gd name="connsiteX1" fmla="*/ 932822 w 1584176"/>
-              <a:gd name="connsiteY1" fmla="*/ 95115 h 743187"/>
-              <a:gd name="connsiteX2" fmla="*/ 1584176 w 1584176"/>
-              <a:gd name="connsiteY2" fmla="*/ 95115 h 743187"/>
-              <a:gd name="connsiteX3" fmla="*/ 1584176 w 1584176"/>
-              <a:gd name="connsiteY3" fmla="*/ 743187 h 743187"/>
-              <a:gd name="connsiteX4" fmla="*/ 0 w 1584176"/>
-              <a:gd name="connsiteY4" fmla="*/ 743187 h 743187"/>
-              <a:gd name="connsiteX5" fmla="*/ 0 w 1584176"/>
-              <a:gd name="connsiteY5" fmla="*/ 95115 h 743187"/>
-              <a:gd name="connsiteX6" fmla="*/ 651355 w 1584176"/>
-              <a:gd name="connsiteY6" fmla="*/ 95115 h 743187"/>
-            </a:gdLst>
-            <a:ahLst/>
-            <a:cxnLst>
-              <a:cxn ang="0">
-                <a:pos x="connsiteX0" y="connsiteY0"/>
-              </a:cxn>
-              <a:cxn ang="0">
-                <a:pos x="connsiteX1" y="connsiteY1"/>
-              </a:cxn>
-              <a:cxn ang="0">
-                <a:pos x="connsiteX2" y="connsiteY2"/>
-              </a:cxn>
-              <a:cxn ang="0">
-                <a:pos x="connsiteX3" y="connsiteY3"/>
-              </a:cxn>
-              <a:cxn ang="0">
-                <a:pos x="connsiteX4" y="connsiteY4"/>
-              </a:cxn>
-              <a:cxn ang="0">
-                <a:pos x="connsiteX5" y="connsiteY5"/>
-              </a:cxn>
-              <a:cxn ang="0">
-                <a:pos x="connsiteX6" y="connsiteY6"/>
-              </a:cxn>
-            </a:cxnLst>
-            <a:rect l="l" t="t" r="r" b="b"/>
-            <a:pathLst>
-              <a:path w="1584176" h="743187">
-                <a:moveTo>
-                  <a:pt x="792089" y="0"/>
-                </a:moveTo>
-                <a:lnTo>
-                  <a:pt x="932822" y="95115"/>
-                </a:lnTo>
-                <a:lnTo>
-                  <a:pt x="1584176" y="95115"/>
-                </a:lnTo>
-                <a:lnTo>
-                  <a:pt x="1584176" y="743187"/>
-                </a:lnTo>
-                <a:lnTo>
-                  <a:pt x="0" y="743187"/>
-                </a:lnTo>
-                <a:lnTo>
-                  <a:pt x="0" y="95115"/>
-                </a:lnTo>
-                <a:lnTo>
-                  <a:pt x="651355" y="95115"/>
-                </a:lnTo>
-                <a:close/>
-              </a:path>
-            </a:pathLst>
-          </a:custGeom>
-          <a:solidFill>
-            <a:schemeClr val="bg2">
-              <a:lumMod val="75000"/>
-            </a:schemeClr>
-          </a:solidFill>
-          <a:ln w="25400" cap="flat" cmpd="sng" algn="ctr">
-            <a:noFill/>
-            <a:prstDash val="solid"/>
-          </a:ln>
-          <a:effectLst/>
-        </p:spPr>
-        <p:txBody>
-          <a:bodyPr rtlCol="0" anchor="ctr"/>
-          <a:lstStyle/>
-          <a:p>
-            <a:pPr algn="ctr">
-              <a:defRPr/>
-            </a:pPr>
-            <a:endParaRPr lang="zh-CN" altLang="en-US" kern="0">
-              <a:solidFill>
-                <a:srgbClr val="A06843"/>
-              </a:solidFill>
-            </a:endParaRPr>
-          </a:p>
-        </p:txBody>
-      </p:sp>
-      <p:sp>
-        <p:nvSpPr>
-          <p:cNvPr id="21" name="任意多边形 16"/>
-          <p:cNvSpPr/>
-          <p:nvPr/>
-        </p:nvSpPr>
-        <p:spPr>
-          <a:xfrm>
-            <a:off x="4762616" y="3088008"/>
-            <a:ext cx="1471482" cy="742950"/>
-          </a:xfrm>
-          <a:custGeom>
-            <a:avLst/>
-            <a:gdLst>
-              <a:gd name="connsiteX0" fmla="*/ 792089 w 1584176"/>
-              <a:gd name="connsiteY0" fmla="*/ 0 h 743187"/>
-              <a:gd name="connsiteX1" fmla="*/ 932822 w 1584176"/>
-              <a:gd name="connsiteY1" fmla="*/ 95115 h 743187"/>
-              <a:gd name="connsiteX2" fmla="*/ 1584176 w 1584176"/>
-              <a:gd name="connsiteY2" fmla="*/ 95115 h 743187"/>
-              <a:gd name="connsiteX3" fmla="*/ 1584176 w 1584176"/>
-              <a:gd name="connsiteY3" fmla="*/ 743187 h 743187"/>
-              <a:gd name="connsiteX4" fmla="*/ 0 w 1584176"/>
-              <a:gd name="connsiteY4" fmla="*/ 743187 h 743187"/>
-              <a:gd name="connsiteX5" fmla="*/ 0 w 1584176"/>
-              <a:gd name="connsiteY5" fmla="*/ 95115 h 743187"/>
-              <a:gd name="connsiteX6" fmla="*/ 651355 w 1584176"/>
-              <a:gd name="connsiteY6" fmla="*/ 95115 h 743187"/>
-            </a:gdLst>
-            <a:ahLst/>
-            <a:cxnLst>
-              <a:cxn ang="0">
-                <a:pos x="connsiteX0" y="connsiteY0"/>
-              </a:cxn>
-              <a:cxn ang="0">
-                <a:pos x="connsiteX1" y="connsiteY1"/>
-              </a:cxn>
-              <a:cxn ang="0">
-                <a:pos x="connsiteX2" y="connsiteY2"/>
-              </a:cxn>
-              <a:cxn ang="0">
-                <a:pos x="connsiteX3" y="connsiteY3"/>
-              </a:cxn>
-              <a:cxn ang="0">
-                <a:pos x="connsiteX4" y="connsiteY4"/>
-              </a:cxn>
-              <a:cxn ang="0">
-                <a:pos x="connsiteX5" y="connsiteY5"/>
-              </a:cxn>
-              <a:cxn ang="0">
-                <a:pos x="connsiteX6" y="connsiteY6"/>
-              </a:cxn>
-            </a:cxnLst>
-            <a:rect l="l" t="t" r="r" b="b"/>
-            <a:pathLst>
-              <a:path w="1584176" h="743187">
-                <a:moveTo>
-                  <a:pt x="792089" y="0"/>
-                </a:moveTo>
-                <a:lnTo>
-                  <a:pt x="932822" y="95115"/>
-                </a:lnTo>
-                <a:lnTo>
-                  <a:pt x="1584176" y="95115"/>
-                </a:lnTo>
-                <a:lnTo>
-                  <a:pt x="1584176" y="743187"/>
-                </a:lnTo>
-                <a:lnTo>
-                  <a:pt x="0" y="743187"/>
-                </a:lnTo>
-                <a:lnTo>
-                  <a:pt x="0" y="95115"/>
-                </a:lnTo>
-                <a:lnTo>
-                  <a:pt x="651355" y="95115"/>
-                </a:lnTo>
-                <a:close/>
-              </a:path>
-            </a:pathLst>
-          </a:custGeom>
-          <a:solidFill>
-            <a:schemeClr val="bg2">
-              <a:lumMod val="75000"/>
-            </a:schemeClr>
-          </a:solidFill>
-          <a:ln w="25400" cap="flat" cmpd="sng" algn="ctr">
-            <a:noFill/>
-            <a:prstDash val="solid"/>
-          </a:ln>
-          <a:effectLst/>
-        </p:spPr>
-        <p:txBody>
-          <a:bodyPr rtlCol="0" anchor="ctr"/>
-          <a:lstStyle/>
-          <a:p>
-            <a:pPr algn="ctr">
-              <a:defRPr/>
-            </a:pPr>
-            <a:endParaRPr lang="zh-CN" altLang="en-US" kern="0" dirty="0">
-              <a:solidFill>
-                <a:srgbClr val="A06843"/>
-              </a:solidFill>
-            </a:endParaRPr>
-          </a:p>
-        </p:txBody>
-      </p:sp>
-      <p:grpSp>
-        <p:nvGrpSpPr>
-          <p:cNvPr id="4" name="组合 3"/>
-          <p:cNvGrpSpPr/>
-          <p:nvPr/>
-        </p:nvGrpSpPr>
-        <p:grpSpPr>
-          <a:xfrm>
-            <a:off x="173031" y="3088008"/>
-            <a:ext cx="1534959" cy="743047"/>
-            <a:chOff x="2751286" y="3246531"/>
-            <a:chExt cx="1535430" cy="743187"/>
-          </a:xfrm>
-          <a:solidFill>
-            <a:schemeClr val="bg2">
-              <a:lumMod val="75000"/>
-            </a:schemeClr>
-          </a:solidFill>
-        </p:grpSpPr>
-        <p:sp>
-          <p:nvSpPr>
-            <p:cNvPr id="5" name="任意多边形 10"/>
-            <p:cNvSpPr/>
-            <p:nvPr/>
-          </p:nvSpPr>
-          <p:spPr>
-            <a:xfrm>
-              <a:off x="2822846" y="3246531"/>
-              <a:ext cx="1376244" cy="743187"/>
-            </a:xfrm>
-            <a:custGeom>
-              <a:avLst/>
-              <a:gdLst>
-                <a:gd name="connsiteX0" fmla="*/ 792089 w 1584176"/>
-                <a:gd name="connsiteY0" fmla="*/ 0 h 743187"/>
-                <a:gd name="connsiteX1" fmla="*/ 932822 w 1584176"/>
-                <a:gd name="connsiteY1" fmla="*/ 95115 h 743187"/>
-                <a:gd name="connsiteX2" fmla="*/ 1584176 w 1584176"/>
-                <a:gd name="connsiteY2" fmla="*/ 95115 h 743187"/>
-                <a:gd name="connsiteX3" fmla="*/ 1584176 w 1584176"/>
-                <a:gd name="connsiteY3" fmla="*/ 743187 h 743187"/>
-                <a:gd name="connsiteX4" fmla="*/ 0 w 1584176"/>
-                <a:gd name="connsiteY4" fmla="*/ 743187 h 743187"/>
-                <a:gd name="connsiteX5" fmla="*/ 0 w 1584176"/>
-                <a:gd name="connsiteY5" fmla="*/ 95115 h 743187"/>
-                <a:gd name="connsiteX6" fmla="*/ 651355 w 1584176"/>
-                <a:gd name="connsiteY6" fmla="*/ 95115 h 743187"/>
-              </a:gdLst>
-              <a:ahLst/>
-              <a:cxnLst>
-                <a:cxn ang="0">
-                  <a:pos x="connsiteX0" y="connsiteY0"/>
-                </a:cxn>
-                <a:cxn ang="0">
-                  <a:pos x="connsiteX1" y="connsiteY1"/>
-                </a:cxn>
-                <a:cxn ang="0">
-                  <a:pos x="connsiteX2" y="connsiteY2"/>
-                </a:cxn>
-                <a:cxn ang="0">
-                  <a:pos x="connsiteX3" y="connsiteY3"/>
-                </a:cxn>
-                <a:cxn ang="0">
-                  <a:pos x="connsiteX4" y="connsiteY4"/>
-                </a:cxn>
-                <a:cxn ang="0">
-                  <a:pos x="connsiteX5" y="connsiteY5"/>
-                </a:cxn>
-                <a:cxn ang="0">
-                  <a:pos x="connsiteX6" y="connsiteY6"/>
-                </a:cxn>
-              </a:cxnLst>
-              <a:rect l="l" t="t" r="r" b="b"/>
-              <a:pathLst>
-                <a:path w="1584176" h="743187">
-                  <a:moveTo>
-                    <a:pt x="792089" y="0"/>
-                  </a:moveTo>
-                  <a:lnTo>
-                    <a:pt x="932822" y="95115"/>
-                  </a:lnTo>
-                  <a:lnTo>
-                    <a:pt x="1584176" y="95115"/>
-                  </a:lnTo>
-                  <a:lnTo>
-                    <a:pt x="1584176" y="743187"/>
-                  </a:lnTo>
-                  <a:lnTo>
-                    <a:pt x="0" y="743187"/>
-                  </a:lnTo>
-                  <a:lnTo>
-                    <a:pt x="0" y="95115"/>
-                  </a:lnTo>
-                  <a:lnTo>
-                    <a:pt x="651355" y="95115"/>
-                  </a:lnTo>
-                  <a:close/>
-                </a:path>
-              </a:pathLst>
-            </a:custGeom>
-            <a:grpFill/>
-            <a:ln w="25400" cap="flat" cmpd="sng" algn="ctr">
-              <a:noFill/>
-              <a:prstDash val="solid"/>
-            </a:ln>
-            <a:effectLst/>
-          </p:spPr>
-          <p:txBody>
-            <a:bodyPr rtlCol="0" anchor="ctr"/>
-            <a:lstStyle/>
-            <a:p>
-              <a:pPr algn="ctr">
-                <a:defRPr/>
-              </a:pPr>
-              <a:endParaRPr lang="zh-CN" altLang="en-US" kern="0">
-                <a:solidFill>
-                  <a:srgbClr val="A06843"/>
-                </a:solidFill>
-              </a:endParaRPr>
-            </a:p>
-          </p:txBody>
-        </p:sp>
-        <p:sp>
-          <p:nvSpPr>
-            <p:cNvPr id="6" name="文本框 5"/>
-            <p:cNvSpPr txBox="1"/>
-            <p:nvPr/>
-          </p:nvSpPr>
-          <p:spPr>
-            <a:xfrm>
-              <a:off x="2751286" y="3460526"/>
-              <a:ext cx="1535430" cy="398855"/>
-            </a:xfrm>
-            <a:prstGeom prst="rect">
-              <a:avLst/>
-            </a:prstGeom>
-            <a:noFill/>
-            <a:ln>
-              <a:noFill/>
-            </a:ln>
-            <a:extLst>
-              <a:ext uri="{909E8E84-426E-40DD-AFC4-6F175D3DCCD1}">
-                <a14:hiddenFill xmlns:a14="http://schemas.microsoft.com/office/drawing/2010/main">
-                  <a:grpFill/>
-                </a14:hiddenFill>
-              </a:ext>
-            </a:extLst>
-          </p:spPr>
-          <p:txBody>
-            <a:bodyPr wrap="square" rtlCol="0">
-              <a:spAutoFit/>
-            </a:bodyPr>
-            <a:lstStyle/>
-            <a:p>
-              <a:pPr>
-                <a:defRPr/>
-              </a:pPr>
-              <a:r>
-                <a:rPr lang="en-US" altLang="zh-CN" sz="2000" b="1" kern="0" dirty="0">
-                  <a:solidFill>
-                    <a:schemeClr val="bg1"/>
-                  </a:solidFill>
-                </a:rPr>
-                <a:t>Introduction</a:t>
-              </a:r>
-              <a:endParaRPr lang="zh-CN" altLang="en-US" sz="2000" b="1" kern="0" dirty="0">
-                <a:solidFill>
-                  <a:schemeClr val="bg1"/>
-                </a:solidFill>
-              </a:endParaRPr>
-            </a:p>
-          </p:txBody>
-        </p:sp>
-      </p:grpSp>
-      <p:sp>
-        <p:nvSpPr>
-          <p:cNvPr id="14" name="文本框 13"/>
+          <p:cNvPr id="4" name="TextBox 3"/>
           <p:cNvSpPr txBox="1"/>
           <p:nvPr/>
         </p:nvSpPr>
         <p:spPr>
           <a:xfrm>
-            <a:off x="1486700" y="3301435"/>
-            <a:ext cx="1682115" cy="398780"/>
+            <a:off x="790574" y="685800"/>
+            <a:ext cx="3724276" cy="923330"/>
           </a:xfrm>
           <a:prstGeom prst="rect">
             <a:avLst/>
           </a:prstGeom>
           <a:noFill/>
-          <a:ln>
-            <a:noFill/>
-          </a:ln>
-          <a:extLst>
-            <a:ext uri="{909E8E84-426E-40DD-AFC4-6F175D3DCCD1}">
-              <a14:hiddenFill xmlns:a14="http://schemas.microsoft.com/office/drawing/2010/main">
-                <a:grpFill/>
-              </a14:hiddenFill>
-            </a:ext>
-          </a:extLst>
         </p:spPr>
         <p:txBody>
           <a:bodyPr wrap="square" rtlCol="0">
@@ -4119,50 +5464,62 @@
           </a:bodyPr>
           <a:lstStyle/>
           <a:p>
-            <a:pPr algn="ctr">
-              <a:defRPr/>
-            </a:pPr>
-            <a:r>
-              <a:rPr lang="en-US" altLang="zh-CN" sz="2000" b="1" kern="0" dirty="0">
+            <a:r>
+              <a:rPr lang="en-US" sz="5400" dirty="0">
                 <a:solidFill>
-                  <a:schemeClr val="bg1"/>
+                  <a:srgbClr val="50575C"/>
                 </a:solidFill>
               </a:rPr>
-              <a:t>Use Cases</a:t>
-            </a:r>
-            <a:endParaRPr lang="zh-CN" altLang="en-US" sz="2000" b="1" kern="0" dirty="0">
-              <a:solidFill>
-                <a:schemeClr val="bg1"/>
-              </a:solidFill>
-            </a:endParaRPr>
-          </a:p>
-        </p:txBody>
-      </p:sp>
-      <p:sp>
-        <p:nvSpPr>
-          <p:cNvPr id="23" name="文本框 22"/>
+              <a:t>Introduction</a:t>
+            </a:r>
+          </a:p>
+        </p:txBody>
+      </p:sp>
+      <p:pic>
+        <p:nvPicPr>
+          <p:cNvPr id="7" name="Picture 6" descr="Text, logo&#10;&#10;Description automatically generated"/>
+          <p:cNvPicPr>
+            <a:picLocks noChangeAspect="1"/>
+          </p:cNvPicPr>
+          <p:nvPr/>
+        </p:nvPicPr>
+        <p:blipFill>
+          <a:blip r:embed="rId2" cstate="print">
+            <a:extLst>
+              <a:ext uri="{28A0092B-C50C-407E-A947-70E740481C1C}">
+                <a14:useLocalDpi xmlns:a14="http://schemas.microsoft.com/office/drawing/2010/main" val="0"/>
+              </a:ext>
+            </a:extLst>
+          </a:blip>
+          <a:stretch>
+            <a:fillRect/>
+          </a:stretch>
+        </p:blipFill>
+        <p:spPr>
+          <a:xfrm>
+            <a:off x="9143587" y="685800"/>
+            <a:ext cx="2257839" cy="995331"/>
+          </a:xfrm>
+          <a:prstGeom prst="rect">
+            <a:avLst/>
+          </a:prstGeom>
+        </p:spPr>
+      </p:pic>
+      <p:sp>
+        <p:nvSpPr>
+          <p:cNvPr id="8" name="TextBox 7"/>
           <p:cNvSpPr txBox="1"/>
           <p:nvPr/>
         </p:nvSpPr>
         <p:spPr>
           <a:xfrm>
-            <a:off x="2843401" y="3302003"/>
-            <a:ext cx="1981835" cy="398780"/>
+            <a:off x="790574" y="2062162"/>
+            <a:ext cx="10653714" cy="3046988"/>
           </a:xfrm>
           <a:prstGeom prst="rect">
             <a:avLst/>
           </a:prstGeom>
           <a:noFill/>
-          <a:ln>
-            <a:noFill/>
-          </a:ln>
-          <a:extLst>
-            <a:ext uri="{909E8E84-426E-40DD-AFC4-6F175D3DCCD1}">
-              <a14:hiddenFill xmlns:a14="http://schemas.microsoft.com/office/drawing/2010/main">
-                <a:grpFill/>
-              </a14:hiddenFill>
-            </a:ext>
-          </a:extLst>
         </p:spPr>
         <p:txBody>
           <a:bodyPr wrap="square" rtlCol="0">
@@ -4170,832 +5527,102 @@
           </a:bodyPr>
           <a:lstStyle/>
           <a:p>
-            <a:pPr algn="ctr">
-              <a:defRPr/>
-            </a:pPr>
-            <a:r>
-              <a:rPr lang="en-US" altLang="zh-CN" sz="2000" b="1" kern="0" dirty="0">
+            <a:r>
+              <a:rPr lang="en-US" sz="3200" b="0" i="0" dirty="0">
                 <a:solidFill>
-                  <a:schemeClr val="bg1"/>
+                  <a:srgbClr val="202122"/>
                 </a:solidFill>
+                <a:effectLst/>
+                <a:latin typeface="Arial" panose="020B0604020202020204" pitchFamily="34" charset="0"/>
               </a:rPr>
-              <a:t>Methodology</a:t>
-            </a:r>
-            <a:endParaRPr lang="zh-CN" altLang="en-US" sz="2000" b="1" kern="0" dirty="0">
+              <a:t>Two teams 5 v 5 battle</a:t>
+            </a:r>
+            <a:endParaRPr lang="en-US" sz="3200" dirty="0">
               <a:solidFill>
-                <a:schemeClr val="bg1"/>
+                <a:srgbClr val="202122"/>
               </a:solidFill>
+              <a:latin typeface="Arial" panose="020B0604020202020204" pitchFamily="34" charset="0"/>
             </a:endParaRPr>
           </a:p>
-        </p:txBody>
-      </p:sp>
-      <p:sp>
-        <p:nvSpPr>
-          <p:cNvPr id="24" name="文本框 23"/>
-          <p:cNvSpPr txBox="1"/>
-          <p:nvPr/>
-        </p:nvSpPr>
-        <p:spPr>
-          <a:xfrm>
-            <a:off x="4444760" y="3302003"/>
-            <a:ext cx="2116455" cy="400110"/>
-          </a:xfrm>
-          <a:prstGeom prst="rect">
-            <a:avLst/>
-          </a:prstGeom>
-          <a:noFill/>
-          <a:ln>
-            <a:noFill/>
-          </a:ln>
-          <a:extLst>
-            <a:ext uri="{909E8E84-426E-40DD-AFC4-6F175D3DCCD1}">
-              <a14:hiddenFill xmlns:a14="http://schemas.microsoft.com/office/drawing/2010/main">
-                <a:grpFill/>
-              </a14:hiddenFill>
-            </a:ext>
-          </a:extLst>
-        </p:spPr>
-        <p:txBody>
-          <a:bodyPr wrap="square" rtlCol="0">
-            <a:spAutoFit/>
-          </a:bodyPr>
-          <a:lstStyle/>
-          <a:p>
-            <a:pPr algn="ctr">
-              <a:defRPr/>
-            </a:pPr>
-            <a:r>
-              <a:rPr lang="en-US" sz="2000" b="1" kern="0" dirty="0">
+          <a:p>
+            <a:endParaRPr lang="en-US" sz="3200" b="0" i="0" dirty="0">
+              <a:solidFill>
+                <a:srgbClr val="202122"/>
+              </a:solidFill>
+              <a:effectLst/>
+              <a:latin typeface="Arial" panose="020B0604020202020204" pitchFamily="34" charset="0"/>
+            </a:endParaRPr>
+          </a:p>
+          <a:p>
+            <a:r>
+              <a:rPr lang="en-US" sz="3200" b="0" i="0" dirty="0">
                 <a:solidFill>
-                  <a:schemeClr val="bg1"/>
+                  <a:srgbClr val="202122"/>
                 </a:solidFill>
+                <a:effectLst/>
+                <a:latin typeface="Arial" panose="020B0604020202020204" pitchFamily="34" charset="0"/>
               </a:rPr>
-              <a:t>Data Sources</a:t>
-            </a:r>
-            <a:endParaRPr lang="en-US" sz="2000" b="1" kern="0" dirty="0">
+              <a:t>The game is often cited as the world's largest </a:t>
+            </a:r>
+            <a:r>
+              <a:rPr lang="en-US" altLang="zh-CN" sz="3200" b="0" i="0" dirty="0" err="1">
+                <a:solidFill>
+                  <a:srgbClr val="202122"/>
+                </a:solidFill>
+                <a:effectLst/>
+                <a:latin typeface="Arial" panose="020B0604020202020204" pitchFamily="34" charset="0"/>
+              </a:rPr>
+              <a:t>esport</a:t>
+            </a:r>
+            <a:r>
+              <a:rPr lang="en-US" altLang="zh-CN" sz="3200" b="0" i="0" dirty="0">
+                <a:solidFill>
+                  <a:srgbClr val="202122"/>
+                </a:solidFill>
+                <a:effectLst/>
+                <a:latin typeface="Arial" panose="020B0604020202020204" pitchFamily="34" charset="0"/>
+              </a:rPr>
+              <a:t> (</a:t>
+            </a:r>
+            <a:r>
+              <a:rPr lang="en-US" altLang="zh-CN" sz="2800" b="0" i="0" dirty="0">
+                <a:solidFill>
+                  <a:srgbClr val="202122"/>
+                </a:solidFill>
+                <a:effectLst/>
+                <a:latin typeface="Arial" panose="020B0604020202020204" pitchFamily="34" charset="0"/>
+                <a:hlinkClick r:id="rId3"/>
+              </a:rPr>
+              <a:t>https://en.wikipedia.org/wiki/League_of_Legends</a:t>
+            </a:r>
+            <a:r>
+              <a:rPr lang="en-US" altLang="zh-CN" sz="3200" b="0" i="0" dirty="0">
+                <a:solidFill>
+                  <a:srgbClr val="202122"/>
+                </a:solidFill>
+                <a:effectLst/>
+                <a:latin typeface="Arial" panose="020B0604020202020204" pitchFamily="34" charset="0"/>
+              </a:rPr>
+              <a:t>)</a:t>
+            </a:r>
+          </a:p>
+          <a:p>
+            <a:endParaRPr lang="en-US" sz="3200" u="sng" dirty="0">
               <a:solidFill>
-                <a:schemeClr val="bg1"/>
+                <a:srgbClr val="202122"/>
               </a:solidFill>
+              <a:latin typeface="Arial" panose="020B0604020202020204" pitchFamily="34" charset="0"/>
             </a:endParaRPr>
           </a:p>
-        </p:txBody>
-      </p:sp>
-      <p:sp>
-        <p:nvSpPr>
-          <p:cNvPr id="25" name="任意多边形 16"/>
-          <p:cNvSpPr/>
-          <p:nvPr/>
-        </p:nvSpPr>
-        <p:spPr>
-          <a:xfrm>
-            <a:off x="7829118" y="3088008"/>
-            <a:ext cx="1813756" cy="742950"/>
-          </a:xfrm>
-          <a:custGeom>
-            <a:avLst/>
-            <a:gdLst>
-              <a:gd name="connsiteX0" fmla="*/ 792089 w 1584176"/>
-              <a:gd name="connsiteY0" fmla="*/ 0 h 743187"/>
-              <a:gd name="connsiteX1" fmla="*/ 932822 w 1584176"/>
-              <a:gd name="connsiteY1" fmla="*/ 95115 h 743187"/>
-              <a:gd name="connsiteX2" fmla="*/ 1584176 w 1584176"/>
-              <a:gd name="connsiteY2" fmla="*/ 95115 h 743187"/>
-              <a:gd name="connsiteX3" fmla="*/ 1584176 w 1584176"/>
-              <a:gd name="connsiteY3" fmla="*/ 743187 h 743187"/>
-              <a:gd name="connsiteX4" fmla="*/ 0 w 1584176"/>
-              <a:gd name="connsiteY4" fmla="*/ 743187 h 743187"/>
-              <a:gd name="connsiteX5" fmla="*/ 0 w 1584176"/>
-              <a:gd name="connsiteY5" fmla="*/ 95115 h 743187"/>
-              <a:gd name="connsiteX6" fmla="*/ 651355 w 1584176"/>
-              <a:gd name="connsiteY6" fmla="*/ 95115 h 743187"/>
-            </a:gdLst>
-            <a:ahLst/>
-            <a:cxnLst>
-              <a:cxn ang="0">
-                <a:pos x="connsiteX0" y="connsiteY0"/>
-              </a:cxn>
-              <a:cxn ang="0">
-                <a:pos x="connsiteX1" y="connsiteY1"/>
-              </a:cxn>
-              <a:cxn ang="0">
-                <a:pos x="connsiteX2" y="connsiteY2"/>
-              </a:cxn>
-              <a:cxn ang="0">
-                <a:pos x="connsiteX3" y="connsiteY3"/>
-              </a:cxn>
-              <a:cxn ang="0">
-                <a:pos x="connsiteX4" y="connsiteY4"/>
-              </a:cxn>
-              <a:cxn ang="0">
-                <a:pos x="connsiteX5" y="connsiteY5"/>
-              </a:cxn>
-              <a:cxn ang="0">
-                <a:pos x="connsiteX6" y="connsiteY6"/>
-              </a:cxn>
-            </a:cxnLst>
-            <a:rect l="l" t="t" r="r" b="b"/>
-            <a:pathLst>
-              <a:path w="1584176" h="743187">
-                <a:moveTo>
-                  <a:pt x="792089" y="0"/>
-                </a:moveTo>
-                <a:lnTo>
-                  <a:pt x="932822" y="95115"/>
-                </a:lnTo>
-                <a:lnTo>
-                  <a:pt x="1584176" y="95115"/>
-                </a:lnTo>
-                <a:lnTo>
-                  <a:pt x="1584176" y="743187"/>
-                </a:lnTo>
-                <a:lnTo>
-                  <a:pt x="0" y="743187"/>
-                </a:lnTo>
-                <a:lnTo>
-                  <a:pt x="0" y="95115"/>
-                </a:lnTo>
-                <a:lnTo>
-                  <a:pt x="651355" y="95115"/>
-                </a:lnTo>
-                <a:close/>
-              </a:path>
-            </a:pathLst>
-          </a:custGeom>
-          <a:solidFill>
-            <a:schemeClr val="bg2">
-              <a:lumMod val="75000"/>
-            </a:schemeClr>
-          </a:solidFill>
-          <a:ln w="25400" cap="flat" cmpd="sng" algn="ctr">
-            <a:noFill/>
-            <a:prstDash val="solid"/>
-          </a:ln>
-          <a:effectLst/>
-        </p:spPr>
-        <p:txBody>
-          <a:bodyPr rtlCol="0" anchor="ctr"/>
-          <a:lstStyle/>
-          <a:p>
-            <a:pPr algn="ctr">
-              <a:defRPr/>
-            </a:pPr>
-            <a:endParaRPr lang="zh-CN" altLang="en-US" kern="0" dirty="0">
-              <a:solidFill>
-                <a:srgbClr val="A06843"/>
-              </a:solidFill>
-            </a:endParaRPr>
-          </a:p>
-        </p:txBody>
-      </p:sp>
-      <p:sp>
-        <p:nvSpPr>
-          <p:cNvPr id="26" name="文本框 25"/>
-          <p:cNvSpPr txBox="1"/>
-          <p:nvPr/>
-        </p:nvSpPr>
-        <p:spPr>
-          <a:xfrm>
-            <a:off x="7466431" y="3302608"/>
-            <a:ext cx="2566467" cy="400110"/>
-          </a:xfrm>
-          <a:prstGeom prst="rect">
-            <a:avLst/>
-          </a:prstGeom>
-          <a:noFill/>
-          <a:ln>
-            <a:noFill/>
-          </a:ln>
-          <a:extLst>
-            <a:ext uri="{909E8E84-426E-40DD-AFC4-6F175D3DCCD1}">
-              <a14:hiddenFill xmlns:a14="http://schemas.microsoft.com/office/drawing/2010/main">
-                <a:grpFill/>
-              </a14:hiddenFill>
-            </a:ext>
-          </a:extLst>
-        </p:spPr>
-        <p:txBody>
-          <a:bodyPr wrap="square" rtlCol="0">
-            <a:spAutoFit/>
-          </a:bodyPr>
-          <a:lstStyle/>
-          <a:p>
-            <a:pPr algn="ctr">
-              <a:defRPr/>
-            </a:pPr>
-            <a:r>
-              <a:rPr lang="en-US" sz="2000" b="1" kern="0" dirty="0">
-                <a:solidFill>
-                  <a:schemeClr val="bg1"/>
-                </a:solidFill>
-              </a:rPr>
-              <a:t>Program in Scala</a:t>
-            </a:r>
-            <a:endParaRPr lang="en-US" sz="2000" b="1" kern="0" dirty="0">
-              <a:solidFill>
-                <a:schemeClr val="bg1"/>
-              </a:solidFill>
-            </a:endParaRPr>
-          </a:p>
-        </p:txBody>
-      </p:sp>
-      <p:sp>
-        <p:nvSpPr>
-          <p:cNvPr id="27" name="椭圆 26"/>
-          <p:cNvSpPr/>
-          <p:nvPr/>
-        </p:nvSpPr>
-        <p:spPr>
-          <a:xfrm>
-            <a:off x="6879725" y="2566806"/>
-            <a:ext cx="281467" cy="281467"/>
-          </a:xfrm>
-          <a:prstGeom prst="ellipse">
-            <a:avLst/>
-          </a:prstGeom>
-          <a:solidFill>
-            <a:schemeClr val="bg2">
-              <a:lumMod val="75000"/>
-            </a:schemeClr>
-          </a:solidFill>
-          <a:ln w="25400" cap="flat" cmpd="sng" algn="ctr">
-            <a:noFill/>
-            <a:prstDash val="solid"/>
-          </a:ln>
-          <a:effectLst/>
-        </p:spPr>
-        <p:txBody>
-          <a:bodyPr rtlCol="0" anchor="ctr"/>
-          <a:lstStyle/>
-          <a:p>
-            <a:pPr algn="ctr">
-              <a:defRPr/>
-            </a:pPr>
-            <a:endParaRPr lang="zh-CN" altLang="en-US" kern="0">
-              <a:solidFill>
-                <a:srgbClr val="A06843"/>
-              </a:solidFill>
-            </a:endParaRPr>
-          </a:p>
-        </p:txBody>
-      </p:sp>
-      <p:sp>
-        <p:nvSpPr>
-          <p:cNvPr id="28" name="任意多边形 16"/>
-          <p:cNvSpPr/>
-          <p:nvPr/>
-        </p:nvSpPr>
-        <p:spPr>
-          <a:xfrm>
-            <a:off x="6396024" y="3088643"/>
-            <a:ext cx="1257300" cy="742950"/>
-          </a:xfrm>
-          <a:custGeom>
-            <a:avLst/>
-            <a:gdLst>
-              <a:gd name="connsiteX0" fmla="*/ 792089 w 1584176"/>
-              <a:gd name="connsiteY0" fmla="*/ 0 h 743187"/>
-              <a:gd name="connsiteX1" fmla="*/ 932822 w 1584176"/>
-              <a:gd name="connsiteY1" fmla="*/ 95115 h 743187"/>
-              <a:gd name="connsiteX2" fmla="*/ 1584176 w 1584176"/>
-              <a:gd name="connsiteY2" fmla="*/ 95115 h 743187"/>
-              <a:gd name="connsiteX3" fmla="*/ 1584176 w 1584176"/>
-              <a:gd name="connsiteY3" fmla="*/ 743187 h 743187"/>
-              <a:gd name="connsiteX4" fmla="*/ 0 w 1584176"/>
-              <a:gd name="connsiteY4" fmla="*/ 743187 h 743187"/>
-              <a:gd name="connsiteX5" fmla="*/ 0 w 1584176"/>
-              <a:gd name="connsiteY5" fmla="*/ 95115 h 743187"/>
-              <a:gd name="connsiteX6" fmla="*/ 651355 w 1584176"/>
-              <a:gd name="connsiteY6" fmla="*/ 95115 h 743187"/>
-            </a:gdLst>
-            <a:ahLst/>
-            <a:cxnLst>
-              <a:cxn ang="0">
-                <a:pos x="connsiteX0" y="connsiteY0"/>
-              </a:cxn>
-              <a:cxn ang="0">
-                <a:pos x="connsiteX1" y="connsiteY1"/>
-              </a:cxn>
-              <a:cxn ang="0">
-                <a:pos x="connsiteX2" y="connsiteY2"/>
-              </a:cxn>
-              <a:cxn ang="0">
-                <a:pos x="connsiteX3" y="connsiteY3"/>
-              </a:cxn>
-              <a:cxn ang="0">
-                <a:pos x="connsiteX4" y="connsiteY4"/>
-              </a:cxn>
-              <a:cxn ang="0">
-                <a:pos x="connsiteX5" y="connsiteY5"/>
-              </a:cxn>
-              <a:cxn ang="0">
-                <a:pos x="connsiteX6" y="connsiteY6"/>
-              </a:cxn>
-            </a:cxnLst>
-            <a:rect l="l" t="t" r="r" b="b"/>
-            <a:pathLst>
-              <a:path w="1584176" h="743187">
-                <a:moveTo>
-                  <a:pt x="792089" y="0"/>
-                </a:moveTo>
-                <a:lnTo>
-                  <a:pt x="932822" y="95115"/>
-                </a:lnTo>
-                <a:lnTo>
-                  <a:pt x="1584176" y="95115"/>
-                </a:lnTo>
-                <a:lnTo>
-                  <a:pt x="1584176" y="743187"/>
-                </a:lnTo>
-                <a:lnTo>
-                  <a:pt x="0" y="743187"/>
-                </a:lnTo>
-                <a:lnTo>
-                  <a:pt x="0" y="95115"/>
-                </a:lnTo>
-                <a:lnTo>
-                  <a:pt x="651355" y="95115"/>
-                </a:lnTo>
-                <a:close/>
-              </a:path>
-            </a:pathLst>
-          </a:custGeom>
-          <a:solidFill>
-            <a:schemeClr val="bg2">
-              <a:lumMod val="75000"/>
-            </a:schemeClr>
-          </a:solidFill>
-          <a:ln w="25400" cap="flat" cmpd="sng" algn="ctr">
-            <a:noFill/>
-            <a:prstDash val="solid"/>
-          </a:ln>
-          <a:effectLst/>
-        </p:spPr>
-        <p:txBody>
-          <a:bodyPr rtlCol="0" anchor="ctr"/>
-          <a:lstStyle/>
-          <a:p>
-            <a:pPr algn="ctr">
-              <a:defRPr/>
-            </a:pPr>
-            <a:endParaRPr lang="zh-CN" altLang="en-US" kern="0" dirty="0">
-              <a:solidFill>
-                <a:srgbClr val="A06843"/>
-              </a:solidFill>
-            </a:endParaRPr>
-          </a:p>
-        </p:txBody>
-      </p:sp>
-      <p:sp>
-        <p:nvSpPr>
-          <p:cNvPr id="29" name="文本框 28"/>
-          <p:cNvSpPr txBox="1"/>
-          <p:nvPr/>
-        </p:nvSpPr>
-        <p:spPr>
-          <a:xfrm>
-            <a:off x="6034176" y="3302638"/>
-            <a:ext cx="1981835" cy="398780"/>
-          </a:xfrm>
-          <a:prstGeom prst="rect">
-            <a:avLst/>
-          </a:prstGeom>
-          <a:noFill/>
-          <a:ln>
-            <a:noFill/>
-          </a:ln>
-          <a:extLst>
-            <a:ext uri="{909E8E84-426E-40DD-AFC4-6F175D3DCCD1}">
-              <a14:hiddenFill xmlns:a14="http://schemas.microsoft.com/office/drawing/2010/main">
-                <a:grpFill/>
-              </a14:hiddenFill>
-            </a:ext>
-          </a:extLst>
-        </p:spPr>
-        <p:txBody>
-          <a:bodyPr wrap="square" rtlCol="0">
-            <a:spAutoFit/>
-          </a:bodyPr>
-          <a:lstStyle/>
-          <a:p>
-            <a:pPr algn="ctr">
-              <a:defRPr/>
-            </a:pPr>
-            <a:r>
-              <a:rPr lang="en-US" sz="2000" b="1" kern="0" dirty="0">
-                <a:solidFill>
-                  <a:schemeClr val="bg1"/>
-                </a:solidFill>
-              </a:rPr>
-              <a:t>Milestones</a:t>
-            </a:r>
-            <a:endParaRPr lang="en-US" sz="2000" b="1" kern="0" dirty="0">
-              <a:solidFill>
-                <a:schemeClr val="bg1"/>
-              </a:solidFill>
-            </a:endParaRPr>
-          </a:p>
-        </p:txBody>
-      </p:sp>
-      <p:sp>
-        <p:nvSpPr>
-          <p:cNvPr id="22" name="椭圆 8"/>
-          <p:cNvSpPr/>
-          <p:nvPr/>
-        </p:nvSpPr>
-        <p:spPr>
-          <a:xfrm>
-            <a:off x="10151517" y="2578638"/>
-            <a:ext cx="281467" cy="281467"/>
-          </a:xfrm>
-          <a:prstGeom prst="ellipse">
-            <a:avLst/>
-          </a:prstGeom>
-          <a:solidFill>
-            <a:schemeClr val="bg2">
-              <a:lumMod val="75000"/>
-            </a:schemeClr>
-          </a:solidFill>
-          <a:ln w="25400" cap="flat" cmpd="sng" algn="ctr">
-            <a:noFill/>
-            <a:prstDash val="solid"/>
-          </a:ln>
-          <a:effectLst/>
-        </p:spPr>
-        <p:txBody>
-          <a:bodyPr rtlCol="0" anchor="ctr"/>
-          <a:lstStyle/>
-          <a:p>
-            <a:pPr algn="ctr">
-              <a:defRPr/>
-            </a:pPr>
-            <a:endParaRPr lang="zh-CN" altLang="en-US" kern="0">
-              <a:solidFill>
-                <a:srgbClr val="A06843"/>
-              </a:solidFill>
-            </a:endParaRPr>
-          </a:p>
-        </p:txBody>
-      </p:sp>
-      <p:sp>
-        <p:nvSpPr>
-          <p:cNvPr id="30" name="任意多边形 16"/>
-          <p:cNvSpPr/>
-          <p:nvPr/>
-        </p:nvSpPr>
-        <p:spPr>
-          <a:xfrm>
-            <a:off x="9829812" y="3088008"/>
-            <a:ext cx="943652" cy="742950"/>
-          </a:xfrm>
-          <a:custGeom>
-            <a:avLst/>
-            <a:gdLst>
-              <a:gd name="connsiteX0" fmla="*/ 792089 w 1584176"/>
-              <a:gd name="connsiteY0" fmla="*/ 0 h 743187"/>
-              <a:gd name="connsiteX1" fmla="*/ 932822 w 1584176"/>
-              <a:gd name="connsiteY1" fmla="*/ 95115 h 743187"/>
-              <a:gd name="connsiteX2" fmla="*/ 1584176 w 1584176"/>
-              <a:gd name="connsiteY2" fmla="*/ 95115 h 743187"/>
-              <a:gd name="connsiteX3" fmla="*/ 1584176 w 1584176"/>
-              <a:gd name="connsiteY3" fmla="*/ 743187 h 743187"/>
-              <a:gd name="connsiteX4" fmla="*/ 0 w 1584176"/>
-              <a:gd name="connsiteY4" fmla="*/ 743187 h 743187"/>
-              <a:gd name="connsiteX5" fmla="*/ 0 w 1584176"/>
-              <a:gd name="connsiteY5" fmla="*/ 95115 h 743187"/>
-              <a:gd name="connsiteX6" fmla="*/ 651355 w 1584176"/>
-              <a:gd name="connsiteY6" fmla="*/ 95115 h 743187"/>
-            </a:gdLst>
-            <a:ahLst/>
-            <a:cxnLst>
-              <a:cxn ang="0">
-                <a:pos x="connsiteX0" y="connsiteY0"/>
-              </a:cxn>
-              <a:cxn ang="0">
-                <a:pos x="connsiteX1" y="connsiteY1"/>
-              </a:cxn>
-              <a:cxn ang="0">
-                <a:pos x="connsiteX2" y="connsiteY2"/>
-              </a:cxn>
-              <a:cxn ang="0">
-                <a:pos x="connsiteX3" y="connsiteY3"/>
-              </a:cxn>
-              <a:cxn ang="0">
-                <a:pos x="connsiteX4" y="connsiteY4"/>
-              </a:cxn>
-              <a:cxn ang="0">
-                <a:pos x="connsiteX5" y="connsiteY5"/>
-              </a:cxn>
-              <a:cxn ang="0">
-                <a:pos x="connsiteX6" y="connsiteY6"/>
-              </a:cxn>
-            </a:cxnLst>
-            <a:rect l="l" t="t" r="r" b="b"/>
-            <a:pathLst>
-              <a:path w="1584176" h="743187">
-                <a:moveTo>
-                  <a:pt x="792089" y="0"/>
-                </a:moveTo>
-                <a:lnTo>
-                  <a:pt x="932822" y="95115"/>
-                </a:lnTo>
-                <a:lnTo>
-                  <a:pt x="1584176" y="95115"/>
-                </a:lnTo>
-                <a:lnTo>
-                  <a:pt x="1584176" y="743187"/>
-                </a:lnTo>
-                <a:lnTo>
-                  <a:pt x="0" y="743187"/>
-                </a:lnTo>
-                <a:lnTo>
-                  <a:pt x="0" y="95115"/>
-                </a:lnTo>
-                <a:lnTo>
-                  <a:pt x="651355" y="95115"/>
-                </a:lnTo>
-                <a:close/>
-              </a:path>
-            </a:pathLst>
-          </a:custGeom>
-          <a:solidFill>
-            <a:schemeClr val="bg2">
-              <a:lumMod val="75000"/>
-            </a:schemeClr>
-          </a:solidFill>
-          <a:ln w="25400" cap="flat" cmpd="sng" algn="ctr">
-            <a:noFill/>
-            <a:prstDash val="solid"/>
-          </a:ln>
-          <a:effectLst/>
-        </p:spPr>
-        <p:txBody>
-          <a:bodyPr rtlCol="0" anchor="ctr"/>
-          <a:lstStyle/>
-          <a:p>
-            <a:pPr algn="ctr">
-              <a:defRPr/>
-            </a:pPr>
-            <a:endParaRPr lang="zh-CN" altLang="en-US" kern="0" dirty="0">
-              <a:solidFill>
-                <a:srgbClr val="A06843"/>
-              </a:solidFill>
-            </a:endParaRPr>
-          </a:p>
-        </p:txBody>
-      </p:sp>
-      <p:sp>
-        <p:nvSpPr>
-          <p:cNvPr id="31" name="文本框 25"/>
-          <p:cNvSpPr txBox="1"/>
-          <p:nvPr/>
-        </p:nvSpPr>
-        <p:spPr>
-          <a:xfrm>
-            <a:off x="9614677" y="3301435"/>
-            <a:ext cx="1332153" cy="400110"/>
-          </a:xfrm>
-          <a:prstGeom prst="rect">
-            <a:avLst/>
-          </a:prstGeom>
-          <a:noFill/>
-          <a:ln>
-            <a:noFill/>
-          </a:ln>
-          <a:extLst>
-            <a:ext uri="{909E8E84-426E-40DD-AFC4-6F175D3DCCD1}">
-              <a14:hiddenFill xmlns:a14="http://schemas.microsoft.com/office/drawing/2010/main">
-                <a:grpFill/>
-              </a14:hiddenFill>
-            </a:ext>
-          </a:extLst>
-        </p:spPr>
-        <p:txBody>
-          <a:bodyPr wrap="square" rtlCol="0">
-            <a:spAutoFit/>
-          </a:bodyPr>
-          <a:lstStyle/>
-          <a:p>
-            <a:pPr algn="ctr">
-              <a:defRPr/>
-            </a:pPr>
-            <a:r>
-              <a:rPr lang="en-US" sz="2000" b="1" kern="0" dirty="0">
-                <a:solidFill>
-                  <a:schemeClr val="bg1"/>
-                </a:solidFill>
-              </a:rPr>
-              <a:t>Criteria</a:t>
-            </a:r>
-            <a:endParaRPr lang="en-US" sz="2000" b="1" kern="0" dirty="0">
-              <a:solidFill>
-                <a:schemeClr val="bg1"/>
-              </a:solidFill>
-            </a:endParaRPr>
-          </a:p>
-        </p:txBody>
-      </p:sp>
-      <p:sp>
-        <p:nvSpPr>
-          <p:cNvPr id="32" name="椭圆 8"/>
-          <p:cNvSpPr/>
-          <p:nvPr/>
-        </p:nvSpPr>
-        <p:spPr>
-          <a:xfrm>
-            <a:off x="11289750" y="2578638"/>
-            <a:ext cx="281467" cy="281467"/>
-          </a:xfrm>
-          <a:prstGeom prst="ellipse">
-            <a:avLst/>
-          </a:prstGeom>
-          <a:solidFill>
-            <a:schemeClr val="bg2">
-              <a:lumMod val="75000"/>
-            </a:schemeClr>
-          </a:solidFill>
-          <a:ln w="25400" cap="flat" cmpd="sng" algn="ctr">
-            <a:noFill/>
-            <a:prstDash val="solid"/>
-          </a:ln>
-          <a:effectLst/>
-        </p:spPr>
-        <p:txBody>
-          <a:bodyPr rtlCol="0" anchor="ctr"/>
-          <a:lstStyle/>
-          <a:p>
-            <a:pPr algn="ctr">
-              <a:defRPr/>
-            </a:pPr>
-            <a:endParaRPr lang="zh-CN" altLang="en-US" kern="0">
-              <a:solidFill>
-                <a:srgbClr val="A06843"/>
-              </a:solidFill>
-            </a:endParaRPr>
-          </a:p>
-        </p:txBody>
-      </p:sp>
-      <p:sp>
-        <p:nvSpPr>
-          <p:cNvPr id="33" name="任意多边形 16"/>
-          <p:cNvSpPr/>
-          <p:nvPr/>
-        </p:nvSpPr>
-        <p:spPr>
-          <a:xfrm>
-            <a:off x="10968045" y="3088008"/>
-            <a:ext cx="943652" cy="742950"/>
-          </a:xfrm>
-          <a:custGeom>
-            <a:avLst/>
-            <a:gdLst>
-              <a:gd name="connsiteX0" fmla="*/ 792089 w 1584176"/>
-              <a:gd name="connsiteY0" fmla="*/ 0 h 743187"/>
-              <a:gd name="connsiteX1" fmla="*/ 932822 w 1584176"/>
-              <a:gd name="connsiteY1" fmla="*/ 95115 h 743187"/>
-              <a:gd name="connsiteX2" fmla="*/ 1584176 w 1584176"/>
-              <a:gd name="connsiteY2" fmla="*/ 95115 h 743187"/>
-              <a:gd name="connsiteX3" fmla="*/ 1584176 w 1584176"/>
-              <a:gd name="connsiteY3" fmla="*/ 743187 h 743187"/>
-              <a:gd name="connsiteX4" fmla="*/ 0 w 1584176"/>
-              <a:gd name="connsiteY4" fmla="*/ 743187 h 743187"/>
-              <a:gd name="connsiteX5" fmla="*/ 0 w 1584176"/>
-              <a:gd name="connsiteY5" fmla="*/ 95115 h 743187"/>
-              <a:gd name="connsiteX6" fmla="*/ 651355 w 1584176"/>
-              <a:gd name="connsiteY6" fmla="*/ 95115 h 743187"/>
-            </a:gdLst>
-            <a:ahLst/>
-            <a:cxnLst>
-              <a:cxn ang="0">
-                <a:pos x="connsiteX0" y="connsiteY0"/>
-              </a:cxn>
-              <a:cxn ang="0">
-                <a:pos x="connsiteX1" y="connsiteY1"/>
-              </a:cxn>
-              <a:cxn ang="0">
-                <a:pos x="connsiteX2" y="connsiteY2"/>
-              </a:cxn>
-              <a:cxn ang="0">
-                <a:pos x="connsiteX3" y="connsiteY3"/>
-              </a:cxn>
-              <a:cxn ang="0">
-                <a:pos x="connsiteX4" y="connsiteY4"/>
-              </a:cxn>
-              <a:cxn ang="0">
-                <a:pos x="connsiteX5" y="connsiteY5"/>
-              </a:cxn>
-              <a:cxn ang="0">
-                <a:pos x="connsiteX6" y="connsiteY6"/>
-              </a:cxn>
-            </a:cxnLst>
-            <a:rect l="l" t="t" r="r" b="b"/>
-            <a:pathLst>
-              <a:path w="1584176" h="743187">
-                <a:moveTo>
-                  <a:pt x="792089" y="0"/>
-                </a:moveTo>
-                <a:lnTo>
-                  <a:pt x="932822" y="95115"/>
-                </a:lnTo>
-                <a:lnTo>
-                  <a:pt x="1584176" y="95115"/>
-                </a:lnTo>
-                <a:lnTo>
-                  <a:pt x="1584176" y="743187"/>
-                </a:lnTo>
-                <a:lnTo>
-                  <a:pt x="0" y="743187"/>
-                </a:lnTo>
-                <a:lnTo>
-                  <a:pt x="0" y="95115"/>
-                </a:lnTo>
-                <a:lnTo>
-                  <a:pt x="651355" y="95115"/>
-                </a:lnTo>
-                <a:close/>
-              </a:path>
-            </a:pathLst>
-          </a:custGeom>
-          <a:solidFill>
-            <a:schemeClr val="bg2">
-              <a:lumMod val="75000"/>
-            </a:schemeClr>
-          </a:solidFill>
-          <a:ln w="25400" cap="flat" cmpd="sng" algn="ctr">
-            <a:noFill/>
-            <a:prstDash val="solid"/>
-          </a:ln>
-          <a:effectLst/>
-        </p:spPr>
-        <p:txBody>
-          <a:bodyPr rtlCol="0" anchor="ctr"/>
-          <a:lstStyle/>
-          <a:p>
-            <a:pPr algn="ctr">
-              <a:defRPr/>
-            </a:pPr>
-            <a:endParaRPr lang="zh-CN" altLang="en-US" kern="0" dirty="0">
-              <a:solidFill>
-                <a:srgbClr val="A06843"/>
-              </a:solidFill>
-            </a:endParaRPr>
-          </a:p>
-        </p:txBody>
-      </p:sp>
-      <p:sp>
-        <p:nvSpPr>
-          <p:cNvPr id="34" name="文本框 25"/>
-          <p:cNvSpPr txBox="1"/>
-          <p:nvPr/>
-        </p:nvSpPr>
-        <p:spPr>
-          <a:xfrm>
-            <a:off x="10752910" y="3301435"/>
-            <a:ext cx="1332153" cy="400110"/>
-          </a:xfrm>
-          <a:prstGeom prst="rect">
-            <a:avLst/>
-          </a:prstGeom>
-          <a:noFill/>
-          <a:ln>
-            <a:noFill/>
-          </a:ln>
-          <a:extLst>
-            <a:ext uri="{909E8E84-426E-40DD-AFC4-6F175D3DCCD1}">
-              <a14:hiddenFill xmlns:a14="http://schemas.microsoft.com/office/drawing/2010/main">
-                <a:grpFill/>
-              </a14:hiddenFill>
-            </a:ext>
-          </a:extLst>
-        </p:spPr>
-        <p:txBody>
-          <a:bodyPr wrap="square" rtlCol="0">
-            <a:spAutoFit/>
-          </a:bodyPr>
-          <a:lstStyle/>
-          <a:p>
-            <a:pPr algn="ctr">
-              <a:defRPr/>
-            </a:pPr>
-            <a:r>
-              <a:rPr lang="en-US" sz="2000" b="1" kern="0" dirty="0">
-                <a:solidFill>
-                  <a:schemeClr val="bg1"/>
-                </a:solidFill>
-              </a:rPr>
-              <a:t>Goals</a:t>
-            </a:r>
-            <a:endParaRPr lang="en-US" sz="2000" b="1" kern="0" dirty="0">
-              <a:solidFill>
-                <a:schemeClr val="bg1"/>
-              </a:solidFill>
-            </a:endParaRPr>
+          <a:p>
+            <a:r>
+              <a:rPr lang="en-US" sz="3200" dirty="0"/>
+              <a:t>Prediction on it will be very useful </a:t>
+            </a:r>
           </a:p>
         </p:txBody>
       </p:sp>
     </p:spTree>
-    <p:custDataLst>
-      <p:tags r:id="rId1"/>
-    </p:custDataLst>
   </p:cSld>
   <p:clrMapOvr>
     <a:masterClrMapping/>
@@ -5029,7 +5656,7 @@
         <p:spPr>
           <a:xfrm>
             <a:off x="790574" y="685800"/>
-            <a:ext cx="3724276" cy="923330"/>
+            <a:ext cx="4733926" cy="922020"/>
           </a:xfrm>
           <a:prstGeom prst="rect">
             <a:avLst/>
@@ -5042,13 +5669,18 @@
           </a:bodyPr>
           <a:lstStyle/>
           <a:p>
-            <a:r>
-              <a:rPr lang="en-US" sz="5400" dirty="0">
+            <a:pPr algn="l">
+              <a:buClrTx/>
+              <a:buSzTx/>
+              <a:buFontTx/>
+            </a:pPr>
+            <a:r>
+              <a:rPr lang="en-US" sz="5400" b="0" i="0" dirty="0">
                 <a:solidFill>
                   <a:srgbClr val="50575C"/>
                 </a:solidFill>
               </a:rPr>
-              <a:t>Introduction</a:t>
+              <a:t>Data Sources</a:t>
             </a:r>
             <a:endParaRPr lang="en-US" sz="5400" dirty="0">
               <a:solidFill>
@@ -5058,46 +5690,16 @@
           </a:p>
         </p:txBody>
       </p:sp>
-      <p:pic>
-        <p:nvPicPr>
-          <p:cNvPr id="7" name="Picture 6" descr="Text, logo&#10;&#10;Description automatically generated"/>
-          <p:cNvPicPr>
-            <a:picLocks noChangeAspect="1"/>
-          </p:cNvPicPr>
-          <p:nvPr/>
-        </p:nvPicPr>
-        <p:blipFill>
-          <a:blip r:embed="rId1" cstate="print">
-            <a:extLst>
-              <a:ext uri="{28A0092B-C50C-407E-A947-70E740481C1C}">
-                <a14:useLocalDpi xmlns:a14="http://schemas.microsoft.com/office/drawing/2010/main" val="0"/>
-              </a:ext>
-            </a:extLst>
-          </a:blip>
-          <a:stretch>
-            <a:fillRect/>
-          </a:stretch>
-        </p:blipFill>
-        <p:spPr>
-          <a:xfrm>
-            <a:off x="9143587" y="685800"/>
-            <a:ext cx="2257839" cy="995331"/>
-          </a:xfrm>
-          <a:prstGeom prst="rect">
-            <a:avLst/>
-          </a:prstGeom>
-        </p:spPr>
-      </p:pic>
-      <p:sp>
-        <p:nvSpPr>
-          <p:cNvPr id="8" name="TextBox 7"/>
+      <p:sp>
+        <p:nvSpPr>
+          <p:cNvPr id="6" name="TextBox 5"/>
           <p:cNvSpPr txBox="1"/>
           <p:nvPr/>
         </p:nvSpPr>
         <p:spPr>
           <a:xfrm>
-            <a:off x="790574" y="2062162"/>
-            <a:ext cx="10653714" cy="3046988"/>
+            <a:off x="790574" y="1835467"/>
+            <a:ext cx="10953751" cy="5015865"/>
           </a:xfrm>
           <a:prstGeom prst="rect">
             <a:avLst/>
@@ -5110,65 +5712,22 @@
           </a:bodyPr>
           <a:lstStyle/>
           <a:p>
-            <a:r>
-              <a:rPr lang="en-US" sz="3200" b="0" i="0" dirty="0">
+            <a:pPr algn="l" fontAlgn="base"/>
+            <a:r>
+              <a:rPr lang="en-US" sz="3200" i="0" dirty="0">
                 <a:solidFill>
                   <a:srgbClr val="202122"/>
                 </a:solidFill>
                 <a:effectLst/>
                 <a:latin typeface="Arial" panose="020B0604020202020204" pitchFamily="34" charset="0"/>
               </a:rPr>
-              <a:t>Two teams 5 v 5 battle</a:t>
-            </a:r>
-            <a:endParaRPr lang="en-US" sz="3200" dirty="0">
-              <a:solidFill>
-                <a:srgbClr val="202122"/>
-              </a:solidFill>
-              <a:latin typeface="Arial" panose="020B0604020202020204" pitchFamily="34" charset="0"/>
-            </a:endParaRPr>
-          </a:p>
-          <a:p>
-            <a:endParaRPr lang="en-US" sz="3200" b="0" i="0" dirty="0">
-              <a:solidFill>
-                <a:srgbClr val="202122"/>
-              </a:solidFill>
-              <a:effectLst/>
-              <a:latin typeface="Arial" panose="020B0604020202020204" pitchFamily="34" charset="0"/>
-            </a:endParaRPr>
-          </a:p>
-          <a:p>
-            <a:r>
-              <a:rPr lang="en-US" sz="3200" b="0" i="0" dirty="0">
-                <a:solidFill>
-                  <a:srgbClr val="202122"/>
-                </a:solidFill>
-                <a:effectLst/>
-                <a:latin typeface="Arial" panose="020B0604020202020204" pitchFamily="34" charset="0"/>
-              </a:rPr>
-              <a:t>The game is often cited as the world's largest </a:t>
-            </a:r>
-            <a:r>
-              <a:rPr lang="en-US" altLang="zh-CN" sz="3200" b="0" i="0" dirty="0" err="1">
-                <a:solidFill>
-                  <a:srgbClr val="202122"/>
-                </a:solidFill>
-                <a:effectLst/>
-                <a:latin typeface="Arial" panose="020B0604020202020204" pitchFamily="34" charset="0"/>
-              </a:rPr>
-              <a:t>esport</a:t>
-            </a:r>
-            <a:r>
-              <a:rPr lang="en-US" altLang="zh-CN" sz="3200" b="0" i="0" dirty="0">
-                <a:solidFill>
-                  <a:srgbClr val="202122"/>
-                </a:solidFill>
-                <a:effectLst/>
-                <a:latin typeface="Arial" panose="020B0604020202020204" pitchFamily="34" charset="0"/>
-              </a:rPr>
-              <a:t> (</a:t>
-            </a:r>
-            <a:r>
-              <a:rPr lang="en-US" altLang="zh-CN" sz="2800" b="0" i="0" dirty="0">
+              <a:t>League of Legends, Competitive matches, 2015 to 2018:</a:t>
+            </a:r>
+          </a:p>
+          <a:p>
+            <a:pPr algn="l" fontAlgn="base"/>
+            <a:r>
+              <a:rPr lang="en-US" sz="3200" i="0" dirty="0">
                 <a:solidFill>
                   <a:srgbClr val="202122"/>
                 </a:solidFill>
@@ -5176,39 +5735,145 @@
                 <a:latin typeface="Arial" panose="020B0604020202020204" pitchFamily="34" charset="0"/>
                 <a:hlinkClick r:id="rId2"/>
               </a:rPr>
-              <a:t>https://en.wikipedia.org/wiki/League_of_Legends</a:t>
-            </a:r>
-            <a:r>
-              <a:rPr lang="en-US" altLang="zh-CN" sz="3200" b="0" i="0" dirty="0">
+              <a:t>https://www.kaggle.com/chuckephron/leagueoflegends</a:t>
+            </a:r>
+            <a:endParaRPr lang="en-US" sz="3200" i="0" dirty="0">
+              <a:solidFill>
+                <a:srgbClr val="202122"/>
+              </a:solidFill>
+              <a:effectLst/>
+              <a:latin typeface="Arial" panose="020B0604020202020204" pitchFamily="34" charset="0"/>
+            </a:endParaRPr>
+          </a:p>
+          <a:p>
+            <a:pPr algn="l" fontAlgn="base"/>
+            <a:endParaRPr lang="en-US" sz="3200" dirty="0">
+              <a:solidFill>
+                <a:srgbClr val="202122"/>
+              </a:solidFill>
+              <a:effectLst/>
+              <a:latin typeface="Arial" panose="020B0604020202020204" pitchFamily="34" charset="0"/>
+            </a:endParaRPr>
+          </a:p>
+          <a:p>
+            <a:pPr algn="l" fontAlgn="base"/>
+            <a:r>
+              <a:rPr lang="en-US" sz="3200" dirty="0">
                 <a:solidFill>
                   <a:srgbClr val="202122"/>
                 </a:solidFill>
                 <a:effectLst/>
                 <a:latin typeface="Arial" panose="020B0604020202020204" pitchFamily="34" charset="0"/>
               </a:rPr>
-              <a:t>)</a:t>
-            </a:r>
-            <a:endParaRPr lang="en-US" altLang="zh-CN" sz="3200" b="0" i="0" dirty="0">
-              <a:solidFill>
-                <a:srgbClr val="202122"/>
-              </a:solidFill>
-              <a:effectLst/>
-              <a:latin typeface="Arial" panose="020B0604020202020204" pitchFamily="34" charset="0"/>
-            </a:endParaRPr>
-          </a:p>
-          <a:p>
-            <a:endParaRPr lang="en-US" sz="3200" u="sng" dirty="0">
-              <a:solidFill>
-                <a:srgbClr val="202122"/>
-              </a:solidFill>
-              <a:latin typeface="Arial" panose="020B0604020202020204" pitchFamily="34" charset="0"/>
-            </a:endParaRPr>
-          </a:p>
-          <a:p>
-            <a:r>
-              <a:rPr lang="en-US" sz="3200" dirty="0"/>
-              <a:t>Prediction on it will be very useful </a:t>
-            </a:r>
+              <a:t>There are five different datasets:</a:t>
+            </a:r>
+          </a:p>
+          <a:p>
+            <a:pPr algn="l" fontAlgn="base"/>
+            <a:r>
+              <a:rPr lang="en-US" sz="3200" dirty="0">
+                <a:solidFill>
+                  <a:srgbClr val="202122"/>
+                </a:solidFill>
+                <a:effectLst/>
+                <a:latin typeface="Arial" panose="020B0604020202020204" pitchFamily="34" charset="0"/>
+              </a:rPr>
+              <a:t>g</a:t>
+            </a:r>
+            <a:r>
+              <a:rPr lang="en-US" sz="3200" i="0" dirty="0">
+                <a:solidFill>
+                  <a:srgbClr val="202122"/>
+                </a:solidFill>
+                <a:effectLst/>
+                <a:latin typeface="Arial" panose="020B0604020202020204" pitchFamily="34" charset="0"/>
+              </a:rPr>
+              <a:t>old.csv contains 99061 rows</a:t>
+            </a:r>
+          </a:p>
+          <a:p>
+            <a:pPr algn="l" fontAlgn="base"/>
+            <a:r>
+              <a:rPr lang="en-US" sz="3200" dirty="0">
+                <a:solidFill>
+                  <a:srgbClr val="202122"/>
+                </a:solidFill>
+                <a:effectLst/>
+                <a:latin typeface="Arial" panose="020B0604020202020204" pitchFamily="34" charset="0"/>
+              </a:rPr>
+              <a:t>k</a:t>
+            </a:r>
+            <a:r>
+              <a:rPr lang="en-US" sz="3200" i="0" dirty="0">
+                <a:solidFill>
+                  <a:srgbClr val="202122"/>
+                </a:solidFill>
+                <a:effectLst/>
+                <a:latin typeface="Arial" panose="020B0604020202020204" pitchFamily="34" charset="0"/>
+              </a:rPr>
+              <a:t>ills.csv contains 191070 rows</a:t>
+            </a:r>
+          </a:p>
+          <a:p>
+            <a:pPr algn="l" fontAlgn="base"/>
+            <a:r>
+              <a:rPr lang="en-US" sz="3200" dirty="0">
+                <a:solidFill>
+                  <a:srgbClr val="202122"/>
+                </a:solidFill>
+                <a:effectLst/>
+                <a:latin typeface="Arial" panose="020B0604020202020204" pitchFamily="34" charset="0"/>
+              </a:rPr>
+              <a:t>m</a:t>
+            </a:r>
+            <a:r>
+              <a:rPr lang="en-US" sz="3200" i="0" dirty="0">
+                <a:solidFill>
+                  <a:srgbClr val="202122"/>
+                </a:solidFill>
+                <a:effectLst/>
+                <a:latin typeface="Arial" panose="020B0604020202020204" pitchFamily="34" charset="0"/>
+              </a:rPr>
+              <a:t>atchinfo.csv contains 7621 rows</a:t>
+            </a:r>
+          </a:p>
+          <a:p>
+            <a:pPr algn="l" fontAlgn="base"/>
+            <a:r>
+              <a:rPr lang="en-US" sz="3200" dirty="0">
+                <a:solidFill>
+                  <a:srgbClr val="202122"/>
+                </a:solidFill>
+                <a:effectLst/>
+                <a:latin typeface="Arial" panose="020B0604020202020204" pitchFamily="34" charset="0"/>
+              </a:rPr>
+              <a:t>mosters.csv 44249 rows</a:t>
+            </a:r>
+          </a:p>
+          <a:p>
+            <a:pPr algn="l" fontAlgn="base"/>
+            <a:r>
+              <a:rPr lang="en-US" sz="3200" dirty="0">
+                <a:solidFill>
+                  <a:srgbClr val="202122"/>
+                </a:solidFill>
+                <a:effectLst/>
+                <a:latin typeface="Arial" panose="020B0604020202020204" pitchFamily="34" charset="0"/>
+              </a:rPr>
+              <a:t>s</a:t>
+            </a:r>
+            <a:r>
+              <a:rPr lang="en-US" sz="3200" i="0" dirty="0">
+                <a:solidFill>
+                  <a:srgbClr val="202122"/>
+                </a:solidFill>
+                <a:effectLst/>
+                <a:latin typeface="Arial" panose="020B0604020202020204" pitchFamily="34" charset="0"/>
+              </a:rPr>
+              <a:t>tructures.csv 121387 rows</a:t>
+            </a:r>
+          </a:p>
+          <a:p>
             <a:endParaRPr lang="en-US" sz="3200" dirty="0"/>
           </a:p>
         </p:txBody>
@@ -5247,7 +5912,7 @@
         <p:spPr>
           <a:xfrm>
             <a:off x="790574" y="685800"/>
-            <a:ext cx="4733926" cy="922020"/>
+            <a:ext cx="4733926" cy="923330"/>
           </a:xfrm>
           <a:prstGeom prst="rect">
             <a:avLst/>
@@ -5260,18 +5925,15 @@
           </a:bodyPr>
           <a:lstStyle/>
           <a:p>
-            <a:pPr algn="l">
-              <a:buClrTx/>
-              <a:buSzTx/>
-              <a:buFontTx/>
-            </a:pPr>
             <a:r>
               <a:rPr lang="en-US" sz="5400" b="0" i="0" dirty="0">
                 <a:solidFill>
                   <a:srgbClr val="50575C"/>
                 </a:solidFill>
+                <a:effectLst/>
+                <a:latin typeface="Lato Extended"/>
               </a:rPr>
-              <a:t>Data Sources</a:t>
+              <a:t>Methodology</a:t>
             </a:r>
             <a:endParaRPr lang="en-US" sz="5400" dirty="0">
               <a:solidFill>
@@ -5283,248 +5945,716 @@
       </p:sp>
       <p:sp>
         <p:nvSpPr>
-          <p:cNvPr id="6" name="TextBox 5"/>
-          <p:cNvSpPr txBox="1"/>
+          <p:cNvPr id="2" name="Rectangle 1">
+            <a:extLst>
+              <a:ext uri="{FF2B5EF4-FFF2-40B4-BE49-F238E27FC236}">
+                <a16:creationId xmlns:a16="http://schemas.microsoft.com/office/drawing/2014/main" id="{0E1990B7-6239-469B-A423-08292CBE968C}"/>
+              </a:ext>
+            </a:extLst>
+          </p:cNvPr>
+          <p:cNvSpPr/>
           <p:nvPr/>
         </p:nvSpPr>
         <p:spPr>
           <a:xfrm>
-            <a:off x="790574" y="1835467"/>
-            <a:ext cx="10953751" cy="5015865"/>
+            <a:off x="590549" y="1914525"/>
+            <a:ext cx="1695451" cy="1047750"/>
           </a:xfrm>
           <a:prstGeom prst="rect">
             <a:avLst/>
           </a:prstGeom>
-          <a:noFill/>
-        </p:spPr>
-        <p:txBody>
-          <a:bodyPr wrap="square" rtlCol="0">
-            <a:spAutoFit/>
-          </a:bodyPr>
-          <a:lstStyle/>
-          <a:p>
-            <a:pPr algn="l" fontAlgn="base"/>
-            <a:r>
-              <a:rPr lang="en-US" sz="3200" i="0" dirty="0">
-                <a:solidFill>
-                  <a:srgbClr val="202122"/>
-                </a:solidFill>
-                <a:effectLst/>
-                <a:latin typeface="Arial" panose="020B0604020202020204" pitchFamily="34" charset="0"/>
-              </a:rPr>
-              <a:t>League of Legends, Competitive matches, 2015 to 2018:</a:t>
-            </a:r>
-            <a:endParaRPr lang="en-US" sz="3200" i="0" dirty="0">
-              <a:solidFill>
-                <a:srgbClr val="202122"/>
-              </a:solidFill>
-              <a:effectLst/>
-              <a:latin typeface="Arial" panose="020B0604020202020204" pitchFamily="34" charset="0"/>
-            </a:endParaRPr>
-          </a:p>
-          <a:p>
-            <a:pPr algn="l" fontAlgn="base"/>
-            <a:r>
-              <a:rPr lang="en-US" sz="3200" i="0" dirty="0">
-                <a:solidFill>
-                  <a:srgbClr val="202122"/>
-                </a:solidFill>
-                <a:effectLst/>
-                <a:latin typeface="Arial" panose="020B0604020202020204" pitchFamily="34" charset="0"/>
-                <a:hlinkClick r:id="rId1"/>
-              </a:rPr>
-              <a:t>https://www.kaggle.com/chuckephron/leagueoflegends</a:t>
-            </a:r>
-            <a:endParaRPr lang="en-US" sz="3200" i="0" dirty="0">
-              <a:solidFill>
-                <a:srgbClr val="202122"/>
-              </a:solidFill>
-              <a:effectLst/>
-              <a:latin typeface="Arial" panose="020B0604020202020204" pitchFamily="34" charset="0"/>
-            </a:endParaRPr>
-          </a:p>
-          <a:p>
-            <a:pPr algn="l" fontAlgn="base"/>
-            <a:endParaRPr lang="en-US" sz="3200" dirty="0">
-              <a:solidFill>
-                <a:srgbClr val="202122"/>
-              </a:solidFill>
-              <a:effectLst/>
-              <a:latin typeface="Arial" panose="020B0604020202020204" pitchFamily="34" charset="0"/>
-            </a:endParaRPr>
-          </a:p>
-          <a:p>
-            <a:pPr algn="l" fontAlgn="base"/>
-            <a:r>
-              <a:rPr lang="en-US" sz="3200" dirty="0">
-                <a:solidFill>
-                  <a:srgbClr val="202122"/>
-                </a:solidFill>
-                <a:effectLst/>
-                <a:latin typeface="Arial" panose="020B0604020202020204" pitchFamily="34" charset="0"/>
-              </a:rPr>
-              <a:t>There are </a:t>
-            </a:r>
-            <a:r>
-              <a:rPr lang="en-US" sz="3200" dirty="0">
-                <a:solidFill>
-                  <a:srgbClr val="202122"/>
-                </a:solidFill>
-                <a:effectLst/>
-                <a:latin typeface="Arial" panose="020B0604020202020204" pitchFamily="34" charset="0"/>
-              </a:rPr>
-              <a:t>five different datasets:</a:t>
-            </a:r>
-            <a:endParaRPr lang="en-US" sz="3200" dirty="0">
-              <a:solidFill>
-                <a:srgbClr val="202122"/>
-              </a:solidFill>
-              <a:effectLst/>
-              <a:latin typeface="Arial" panose="020B0604020202020204" pitchFamily="34" charset="0"/>
-            </a:endParaRPr>
-          </a:p>
-          <a:p>
-            <a:pPr algn="l" fontAlgn="base"/>
-            <a:r>
-              <a:rPr lang="en-US" sz="3200" dirty="0">
-                <a:solidFill>
-                  <a:srgbClr val="202122"/>
-                </a:solidFill>
-                <a:effectLst/>
-                <a:latin typeface="Arial" panose="020B0604020202020204" pitchFamily="34" charset="0"/>
-              </a:rPr>
-              <a:t>g</a:t>
-            </a:r>
-            <a:r>
-              <a:rPr lang="en-US" sz="3200" i="0" dirty="0">
-                <a:solidFill>
-                  <a:srgbClr val="202122"/>
-                </a:solidFill>
-                <a:effectLst/>
-                <a:latin typeface="Arial" panose="020B0604020202020204" pitchFamily="34" charset="0"/>
-              </a:rPr>
-              <a:t>old.csv contains 99061 rows</a:t>
-            </a:r>
-            <a:endParaRPr lang="en-US" sz="3200" i="0" dirty="0">
-              <a:solidFill>
-                <a:srgbClr val="202122"/>
-              </a:solidFill>
-              <a:effectLst/>
-              <a:latin typeface="Arial" panose="020B0604020202020204" pitchFamily="34" charset="0"/>
-            </a:endParaRPr>
-          </a:p>
-          <a:p>
-            <a:pPr algn="l" fontAlgn="base"/>
-            <a:r>
-              <a:rPr lang="en-US" sz="3200" dirty="0">
-                <a:solidFill>
-                  <a:srgbClr val="202122"/>
-                </a:solidFill>
-                <a:effectLst/>
-                <a:latin typeface="Arial" panose="020B0604020202020204" pitchFamily="34" charset="0"/>
-              </a:rPr>
-              <a:t>k</a:t>
-            </a:r>
-            <a:r>
-              <a:rPr lang="en-US" sz="3200" i="0" dirty="0">
-                <a:solidFill>
-                  <a:srgbClr val="202122"/>
-                </a:solidFill>
-                <a:effectLst/>
-                <a:latin typeface="Arial" panose="020B0604020202020204" pitchFamily="34" charset="0"/>
-              </a:rPr>
-              <a:t>ills.csv contains 191070 rows</a:t>
-            </a:r>
-            <a:endParaRPr lang="en-US" sz="3200" i="0" dirty="0">
-              <a:solidFill>
-                <a:srgbClr val="202122"/>
-              </a:solidFill>
-              <a:effectLst/>
-              <a:latin typeface="Arial" panose="020B0604020202020204" pitchFamily="34" charset="0"/>
-            </a:endParaRPr>
-          </a:p>
-          <a:p>
-            <a:pPr algn="l" fontAlgn="base"/>
-            <a:r>
-              <a:rPr lang="en-US" sz="3200" dirty="0">
-                <a:solidFill>
-                  <a:srgbClr val="202122"/>
-                </a:solidFill>
-                <a:effectLst/>
-                <a:latin typeface="Arial" panose="020B0604020202020204" pitchFamily="34" charset="0"/>
-              </a:rPr>
-              <a:t>m</a:t>
-            </a:r>
-            <a:r>
-              <a:rPr lang="en-US" sz="3200" i="0" dirty="0">
-                <a:solidFill>
-                  <a:srgbClr val="202122"/>
-                </a:solidFill>
-                <a:effectLst/>
-                <a:latin typeface="Arial" panose="020B0604020202020204" pitchFamily="34" charset="0"/>
-              </a:rPr>
-              <a:t>atchinfo.csv contains 7621 rows</a:t>
-            </a:r>
-            <a:endParaRPr lang="en-US" sz="3200" i="0" dirty="0">
-              <a:solidFill>
-                <a:srgbClr val="202122"/>
-              </a:solidFill>
-              <a:effectLst/>
-              <a:latin typeface="Arial" panose="020B0604020202020204" pitchFamily="34" charset="0"/>
-            </a:endParaRPr>
-          </a:p>
-          <a:p>
-            <a:pPr algn="l" fontAlgn="base"/>
-            <a:r>
-              <a:rPr lang="en-US" sz="3200" dirty="0">
-                <a:solidFill>
-                  <a:srgbClr val="202122"/>
-                </a:solidFill>
-                <a:effectLst/>
-                <a:latin typeface="Arial" panose="020B0604020202020204" pitchFamily="34" charset="0"/>
-              </a:rPr>
-              <a:t>mosters.csv 44249 rows</a:t>
-            </a:r>
-            <a:endParaRPr lang="en-US" sz="3200" dirty="0">
-              <a:solidFill>
-                <a:srgbClr val="202122"/>
-              </a:solidFill>
-              <a:effectLst/>
-              <a:latin typeface="Arial" panose="020B0604020202020204" pitchFamily="34" charset="0"/>
-            </a:endParaRPr>
-          </a:p>
-          <a:p>
-            <a:pPr algn="l" fontAlgn="base"/>
-            <a:r>
-              <a:rPr lang="en-US" sz="3200" dirty="0">
-                <a:solidFill>
-                  <a:srgbClr val="202122"/>
-                </a:solidFill>
-                <a:effectLst/>
-                <a:latin typeface="Arial" panose="020B0604020202020204" pitchFamily="34" charset="0"/>
-              </a:rPr>
-              <a:t>s</a:t>
-            </a:r>
-            <a:r>
-              <a:rPr lang="en-US" sz="3200" i="0" dirty="0">
-                <a:solidFill>
-                  <a:srgbClr val="202122"/>
-                </a:solidFill>
-                <a:effectLst/>
-                <a:latin typeface="Arial" panose="020B0604020202020204" pitchFamily="34" charset="0"/>
-              </a:rPr>
-              <a:t>tructures.csv 121387 rows</a:t>
-            </a:r>
-            <a:endParaRPr lang="en-US" sz="3200" i="0" dirty="0">
-              <a:solidFill>
-                <a:srgbClr val="202122"/>
-              </a:solidFill>
-              <a:effectLst/>
-              <a:latin typeface="Arial" panose="020B0604020202020204" pitchFamily="34" charset="0"/>
-            </a:endParaRPr>
-          </a:p>
-          <a:p>
-            <a:endParaRPr lang="en-US" sz="3200" dirty="0"/>
+          <a:solidFill>
+            <a:schemeClr val="accent1">
+              <a:lumMod val="60000"/>
+              <a:lumOff val="40000"/>
+            </a:schemeClr>
+          </a:solidFill>
+        </p:spPr>
+        <p:style>
+          <a:lnRef idx="2">
+            <a:schemeClr val="accent1">
+              <a:shade val="50000"/>
+            </a:schemeClr>
+          </a:lnRef>
+          <a:fillRef idx="1">
+            <a:schemeClr val="accent1"/>
+          </a:fillRef>
+          <a:effectRef idx="0">
+            <a:schemeClr val="accent1"/>
+          </a:effectRef>
+          <a:fontRef idx="minor">
+            <a:schemeClr val="lt1"/>
+          </a:fontRef>
+        </p:style>
+        <p:txBody>
+          <a:bodyPr rtlCol="0" anchor="ctr"/>
+          <a:lstStyle/>
+          <a:p>
+            <a:pPr algn="ctr"/>
+            <a:r>
+              <a:rPr lang="en-US" sz="2800" b="1" dirty="0"/>
+              <a:t>Raw Data</a:t>
+            </a:r>
+          </a:p>
+        </p:txBody>
+      </p:sp>
+      <p:sp>
+        <p:nvSpPr>
+          <p:cNvPr id="3" name="Arrow: Right 2">
+            <a:extLst>
+              <a:ext uri="{FF2B5EF4-FFF2-40B4-BE49-F238E27FC236}">
+                <a16:creationId xmlns:a16="http://schemas.microsoft.com/office/drawing/2014/main" id="{429FA8DF-5210-4DED-B03B-2212A32A7000}"/>
+              </a:ext>
+            </a:extLst>
+          </p:cNvPr>
+          <p:cNvSpPr/>
+          <p:nvPr/>
+        </p:nvSpPr>
+        <p:spPr>
+          <a:xfrm>
+            <a:off x="2481262" y="2033587"/>
+            <a:ext cx="2371725" cy="809625"/>
+          </a:xfrm>
+          <a:prstGeom prst="rightArrow">
+            <a:avLst/>
+          </a:prstGeom>
+          <a:solidFill>
+            <a:schemeClr val="accent1">
+              <a:lumMod val="60000"/>
+              <a:lumOff val="40000"/>
+            </a:schemeClr>
+          </a:solidFill>
+        </p:spPr>
+        <p:style>
+          <a:lnRef idx="2">
+            <a:schemeClr val="accent1">
+              <a:shade val="50000"/>
+            </a:schemeClr>
+          </a:lnRef>
+          <a:fillRef idx="1">
+            <a:schemeClr val="accent1"/>
+          </a:fillRef>
+          <a:effectRef idx="0">
+            <a:schemeClr val="accent1"/>
+          </a:effectRef>
+          <a:fontRef idx="minor">
+            <a:schemeClr val="lt1"/>
+          </a:fontRef>
+        </p:style>
+        <p:txBody>
+          <a:bodyPr rtlCol="0" anchor="ctr"/>
+          <a:lstStyle/>
+          <a:p>
+            <a:pPr algn="ctr"/>
+            <a:r>
+              <a:rPr lang="en-US" dirty="0"/>
+              <a:t>Read, Select, Extract</a:t>
+            </a:r>
+          </a:p>
+        </p:txBody>
+      </p:sp>
+      <p:sp>
+        <p:nvSpPr>
+          <p:cNvPr id="7" name="Rectangle 6">
+            <a:extLst>
+              <a:ext uri="{FF2B5EF4-FFF2-40B4-BE49-F238E27FC236}">
+                <a16:creationId xmlns:a16="http://schemas.microsoft.com/office/drawing/2014/main" id="{78835783-FFC6-4811-A4B9-1748D1C27B8C}"/>
+              </a:ext>
+            </a:extLst>
+          </p:cNvPr>
+          <p:cNvSpPr/>
+          <p:nvPr/>
+        </p:nvSpPr>
+        <p:spPr>
+          <a:xfrm>
+            <a:off x="5048249" y="1914525"/>
+            <a:ext cx="1819276" cy="1047750"/>
+          </a:xfrm>
+          <a:prstGeom prst="rect">
+            <a:avLst/>
+          </a:prstGeom>
+          <a:solidFill>
+            <a:schemeClr val="accent1">
+              <a:lumMod val="60000"/>
+              <a:lumOff val="40000"/>
+            </a:schemeClr>
+          </a:solidFill>
+        </p:spPr>
+        <p:style>
+          <a:lnRef idx="2">
+            <a:schemeClr val="accent1">
+              <a:shade val="50000"/>
+            </a:schemeClr>
+          </a:lnRef>
+          <a:fillRef idx="1">
+            <a:schemeClr val="accent1"/>
+          </a:fillRef>
+          <a:effectRef idx="0">
+            <a:schemeClr val="accent1"/>
+          </a:effectRef>
+          <a:fontRef idx="minor">
+            <a:schemeClr val="lt1"/>
+          </a:fontRef>
+        </p:style>
+        <p:txBody>
+          <a:bodyPr rtlCol="0" anchor="ctr"/>
+          <a:lstStyle/>
+          <a:p>
+            <a:pPr algn="ctr"/>
+            <a:r>
+              <a:rPr lang="en-US" sz="2800" b="1" dirty="0" err="1"/>
+              <a:t>Dataframe</a:t>
+            </a:r>
+            <a:endParaRPr lang="en-US" sz="2800" b="1" dirty="0"/>
+          </a:p>
+        </p:txBody>
+      </p:sp>
+      <p:sp>
+        <p:nvSpPr>
+          <p:cNvPr id="9" name="Arrow: Right 8">
+            <a:extLst>
+              <a:ext uri="{FF2B5EF4-FFF2-40B4-BE49-F238E27FC236}">
+                <a16:creationId xmlns:a16="http://schemas.microsoft.com/office/drawing/2014/main" id="{2AB72626-76D5-4D6E-9C6C-D96D5FC18029}"/>
+              </a:ext>
+            </a:extLst>
+          </p:cNvPr>
+          <p:cNvSpPr/>
+          <p:nvPr/>
+        </p:nvSpPr>
+        <p:spPr>
+          <a:xfrm>
+            <a:off x="7062787" y="1995486"/>
+            <a:ext cx="2566987" cy="809625"/>
+          </a:xfrm>
+          <a:prstGeom prst="rightArrow">
+            <a:avLst/>
+          </a:prstGeom>
+          <a:solidFill>
+            <a:schemeClr val="accent1">
+              <a:lumMod val="60000"/>
+              <a:lumOff val="40000"/>
+            </a:schemeClr>
+          </a:solidFill>
+        </p:spPr>
+        <p:style>
+          <a:lnRef idx="2">
+            <a:schemeClr val="accent1">
+              <a:shade val="50000"/>
+            </a:schemeClr>
+          </a:lnRef>
+          <a:fillRef idx="1">
+            <a:schemeClr val="accent1"/>
+          </a:fillRef>
+          <a:effectRef idx="0">
+            <a:schemeClr val="accent1"/>
+          </a:effectRef>
+          <a:fontRef idx="minor">
+            <a:schemeClr val="lt1"/>
+          </a:fontRef>
+        </p:style>
+        <p:txBody>
+          <a:bodyPr rtlCol="0" anchor="ctr"/>
+          <a:lstStyle/>
+          <a:p>
+            <a:pPr algn="ctr"/>
+            <a:r>
+              <a:rPr lang="en-US" dirty="0"/>
+              <a:t>Train-valid, Standardize</a:t>
+            </a:r>
+          </a:p>
+        </p:txBody>
+      </p:sp>
+      <p:sp>
+        <p:nvSpPr>
+          <p:cNvPr id="10" name="Rectangle 9">
+            <a:extLst>
+              <a:ext uri="{FF2B5EF4-FFF2-40B4-BE49-F238E27FC236}">
+                <a16:creationId xmlns:a16="http://schemas.microsoft.com/office/drawing/2014/main" id="{7E8380D5-62CD-4467-AE26-CE29E0E53BF1}"/>
+              </a:ext>
+            </a:extLst>
+          </p:cNvPr>
+          <p:cNvSpPr/>
+          <p:nvPr/>
+        </p:nvSpPr>
+        <p:spPr>
+          <a:xfrm>
+            <a:off x="9825036" y="1795462"/>
+            <a:ext cx="1819276" cy="1047750"/>
+          </a:xfrm>
+          <a:prstGeom prst="rect">
+            <a:avLst/>
+          </a:prstGeom>
+          <a:solidFill>
+            <a:schemeClr val="accent1">
+              <a:lumMod val="60000"/>
+              <a:lumOff val="40000"/>
+            </a:schemeClr>
+          </a:solidFill>
+        </p:spPr>
+        <p:style>
+          <a:lnRef idx="2">
+            <a:schemeClr val="accent1">
+              <a:shade val="50000"/>
+            </a:schemeClr>
+          </a:lnRef>
+          <a:fillRef idx="1">
+            <a:schemeClr val="accent1"/>
+          </a:fillRef>
+          <a:effectRef idx="0">
+            <a:schemeClr val="accent1"/>
+          </a:effectRef>
+          <a:fontRef idx="minor">
+            <a:schemeClr val="lt1"/>
+          </a:fontRef>
+        </p:style>
+        <p:txBody>
+          <a:bodyPr rtlCol="0" anchor="ctr"/>
+          <a:lstStyle/>
+          <a:p>
+            <a:pPr algn="ctr"/>
+            <a:r>
+              <a:rPr lang="en-US" sz="2800" b="1" dirty="0" err="1"/>
+              <a:t>MLlib</a:t>
+            </a:r>
+            <a:endParaRPr lang="en-US" sz="2800" b="1" dirty="0"/>
+          </a:p>
+        </p:txBody>
+      </p:sp>
+      <p:sp>
+        <p:nvSpPr>
+          <p:cNvPr id="13" name="Arrow: Right 12">
+            <a:extLst>
+              <a:ext uri="{FF2B5EF4-FFF2-40B4-BE49-F238E27FC236}">
+                <a16:creationId xmlns:a16="http://schemas.microsoft.com/office/drawing/2014/main" id="{F25A1870-0629-4BF0-9D87-506F95B4705D}"/>
+              </a:ext>
+            </a:extLst>
+          </p:cNvPr>
+          <p:cNvSpPr/>
+          <p:nvPr/>
+        </p:nvSpPr>
+        <p:spPr>
+          <a:xfrm>
+            <a:off x="590549" y="3681414"/>
+            <a:ext cx="1600199" cy="809625"/>
+          </a:xfrm>
+          <a:prstGeom prst="rightArrow">
+            <a:avLst/>
+          </a:prstGeom>
+          <a:solidFill>
+            <a:schemeClr val="accent1">
+              <a:lumMod val="60000"/>
+              <a:lumOff val="40000"/>
+            </a:schemeClr>
+          </a:solidFill>
+        </p:spPr>
+        <p:style>
+          <a:lnRef idx="2">
+            <a:schemeClr val="accent1">
+              <a:shade val="50000"/>
+            </a:schemeClr>
+          </a:lnRef>
+          <a:fillRef idx="1">
+            <a:schemeClr val="accent1"/>
+          </a:fillRef>
+          <a:effectRef idx="0">
+            <a:schemeClr val="accent1"/>
+          </a:effectRef>
+          <a:fontRef idx="minor">
+            <a:schemeClr val="lt1"/>
+          </a:fontRef>
+        </p:style>
+        <p:txBody>
+          <a:bodyPr rtlCol="0" anchor="ctr"/>
+          <a:lstStyle/>
+          <a:p>
+            <a:pPr algn="ctr"/>
+            <a:r>
+              <a:rPr lang="en-US" dirty="0"/>
+              <a:t>Select, Save </a:t>
+            </a:r>
+          </a:p>
+        </p:txBody>
+      </p:sp>
+      <p:sp>
+        <p:nvSpPr>
+          <p:cNvPr id="14" name="Rectangle 13">
+            <a:extLst>
+              <a:ext uri="{FF2B5EF4-FFF2-40B4-BE49-F238E27FC236}">
+                <a16:creationId xmlns:a16="http://schemas.microsoft.com/office/drawing/2014/main" id="{9950A4D4-7038-447B-8C1D-7771A7771B8F}"/>
+              </a:ext>
+            </a:extLst>
+          </p:cNvPr>
+          <p:cNvSpPr/>
+          <p:nvPr/>
+        </p:nvSpPr>
+        <p:spPr>
+          <a:xfrm>
+            <a:off x="2476497" y="3581698"/>
+            <a:ext cx="1962151" cy="1047750"/>
+          </a:xfrm>
+          <a:prstGeom prst="rect">
+            <a:avLst/>
+          </a:prstGeom>
+          <a:solidFill>
+            <a:schemeClr val="accent1">
+              <a:lumMod val="60000"/>
+              <a:lumOff val="40000"/>
+            </a:schemeClr>
+          </a:solidFill>
+        </p:spPr>
+        <p:style>
+          <a:lnRef idx="2">
+            <a:schemeClr val="accent1">
+              <a:shade val="50000"/>
+            </a:schemeClr>
+          </a:lnRef>
+          <a:fillRef idx="1">
+            <a:schemeClr val="accent1"/>
+          </a:fillRef>
+          <a:effectRef idx="0">
+            <a:schemeClr val="accent1"/>
+          </a:effectRef>
+          <a:fontRef idx="minor">
+            <a:schemeClr val="lt1"/>
+          </a:fontRef>
+        </p:style>
+        <p:txBody>
+          <a:bodyPr rtlCol="0" anchor="ctr"/>
+          <a:lstStyle/>
+          <a:p>
+            <a:pPr algn="ctr"/>
+            <a:r>
+              <a:rPr lang="en-US" sz="2800" b="1" dirty="0"/>
+              <a:t>Best Model</a:t>
+            </a:r>
+          </a:p>
+        </p:txBody>
+      </p:sp>
+      <p:sp>
+        <p:nvSpPr>
+          <p:cNvPr id="15" name="Arrow: Right 14">
+            <a:extLst>
+              <a:ext uri="{FF2B5EF4-FFF2-40B4-BE49-F238E27FC236}">
+                <a16:creationId xmlns:a16="http://schemas.microsoft.com/office/drawing/2014/main" id="{2BC479DC-6E0E-42E2-9FA9-AC47FAE7D2AB}"/>
+              </a:ext>
+            </a:extLst>
+          </p:cNvPr>
+          <p:cNvSpPr/>
+          <p:nvPr/>
+        </p:nvSpPr>
+        <p:spPr>
+          <a:xfrm>
+            <a:off x="4724397" y="3681414"/>
+            <a:ext cx="3790953" cy="809625"/>
+          </a:xfrm>
+          <a:prstGeom prst="rightArrow">
+            <a:avLst/>
+          </a:prstGeom>
+          <a:solidFill>
+            <a:schemeClr val="accent1">
+              <a:lumMod val="60000"/>
+              <a:lumOff val="40000"/>
+            </a:schemeClr>
+          </a:solidFill>
+        </p:spPr>
+        <p:style>
+          <a:lnRef idx="2">
+            <a:schemeClr val="accent1">
+              <a:shade val="50000"/>
+            </a:schemeClr>
+          </a:lnRef>
+          <a:fillRef idx="1">
+            <a:schemeClr val="accent1"/>
+          </a:fillRef>
+          <a:effectRef idx="0">
+            <a:schemeClr val="accent1"/>
+          </a:effectRef>
+          <a:fontRef idx="minor">
+            <a:schemeClr val="lt1"/>
+          </a:fontRef>
+        </p:style>
+        <p:txBody>
+          <a:bodyPr rtlCol="0" anchor="ctr"/>
+          <a:lstStyle/>
+          <a:p>
+            <a:pPr algn="ctr"/>
+            <a:r>
+              <a:rPr lang="en-US" dirty="0"/>
+              <a:t>Load, predict </a:t>
+            </a:r>
+          </a:p>
+        </p:txBody>
+      </p:sp>
+      <p:sp>
+        <p:nvSpPr>
+          <p:cNvPr id="16" name="Arrow: Bent-Up 15">
+            <a:extLst>
+              <a:ext uri="{FF2B5EF4-FFF2-40B4-BE49-F238E27FC236}">
+                <a16:creationId xmlns:a16="http://schemas.microsoft.com/office/drawing/2014/main" id="{9760BC89-1C10-42ED-A1E6-AA943D516548}"/>
+              </a:ext>
+            </a:extLst>
+          </p:cNvPr>
+          <p:cNvSpPr/>
+          <p:nvPr/>
+        </p:nvSpPr>
+        <p:spPr>
+          <a:xfrm>
+            <a:off x="6036466" y="4629448"/>
+            <a:ext cx="1631159" cy="1309393"/>
+          </a:xfrm>
+          <a:prstGeom prst="bentUpArrow">
+            <a:avLst/>
+          </a:prstGeom>
+          <a:solidFill>
+            <a:schemeClr val="accent2">
+              <a:lumMod val="60000"/>
+              <a:lumOff val="40000"/>
+            </a:schemeClr>
+          </a:solidFill>
+        </p:spPr>
+        <p:style>
+          <a:lnRef idx="2">
+            <a:schemeClr val="accent1">
+              <a:shade val="50000"/>
+            </a:schemeClr>
+          </a:lnRef>
+          <a:fillRef idx="1">
+            <a:schemeClr val="accent1"/>
+          </a:fillRef>
+          <a:effectRef idx="0">
+            <a:schemeClr val="accent1"/>
+          </a:effectRef>
+          <a:fontRef idx="minor">
+            <a:schemeClr val="lt1"/>
+          </a:fontRef>
+        </p:style>
+        <p:txBody>
+          <a:bodyPr rtlCol="0" anchor="ctr"/>
+          <a:lstStyle/>
+          <a:p>
+            <a:pPr algn="ctr"/>
+            <a:endParaRPr lang="en-US" dirty="0"/>
+          </a:p>
+        </p:txBody>
+      </p:sp>
+      <p:sp>
+        <p:nvSpPr>
+          <p:cNvPr id="17" name="Rectangle 16">
+            <a:extLst>
+              <a:ext uri="{FF2B5EF4-FFF2-40B4-BE49-F238E27FC236}">
+                <a16:creationId xmlns:a16="http://schemas.microsoft.com/office/drawing/2014/main" id="{1AD0B773-70E0-4372-AC21-BF937D3B0955}"/>
+              </a:ext>
+            </a:extLst>
+          </p:cNvPr>
+          <p:cNvSpPr/>
+          <p:nvPr/>
+        </p:nvSpPr>
+        <p:spPr>
+          <a:xfrm>
+            <a:off x="590549" y="5248871"/>
+            <a:ext cx="2143126" cy="1047750"/>
+          </a:xfrm>
+          <a:prstGeom prst="rect">
+            <a:avLst/>
+          </a:prstGeom>
+          <a:solidFill>
+            <a:schemeClr val="accent2">
+              <a:lumMod val="60000"/>
+              <a:lumOff val="40000"/>
+            </a:schemeClr>
+          </a:solidFill>
+        </p:spPr>
+        <p:style>
+          <a:lnRef idx="2">
+            <a:schemeClr val="accent1">
+              <a:shade val="50000"/>
+            </a:schemeClr>
+          </a:lnRef>
+          <a:fillRef idx="1">
+            <a:schemeClr val="accent1"/>
+          </a:fillRef>
+          <a:effectRef idx="0">
+            <a:schemeClr val="accent1"/>
+          </a:effectRef>
+          <a:fontRef idx="minor">
+            <a:schemeClr val="lt1"/>
+          </a:fontRef>
+        </p:style>
+        <p:txBody>
+          <a:bodyPr rtlCol="0" anchor="ctr"/>
+          <a:lstStyle/>
+          <a:p>
+            <a:pPr algn="ctr"/>
+            <a:r>
+              <a:rPr lang="en-US" sz="2800" b="1" dirty="0"/>
+              <a:t>User Inputs</a:t>
+            </a:r>
+          </a:p>
+        </p:txBody>
+      </p:sp>
+      <p:sp>
+        <p:nvSpPr>
+          <p:cNvPr id="18" name="Arrow: Right 17">
+            <a:extLst>
+              <a:ext uri="{FF2B5EF4-FFF2-40B4-BE49-F238E27FC236}">
+                <a16:creationId xmlns:a16="http://schemas.microsoft.com/office/drawing/2014/main" id="{4383F87D-36D2-44BB-9640-7DAB951480CB}"/>
+              </a:ext>
+            </a:extLst>
+          </p:cNvPr>
+          <p:cNvSpPr/>
+          <p:nvPr/>
+        </p:nvSpPr>
+        <p:spPr>
+          <a:xfrm>
+            <a:off x="2883696" y="5367933"/>
+            <a:ext cx="1100137" cy="809625"/>
+          </a:xfrm>
+          <a:prstGeom prst="rightArrow">
+            <a:avLst/>
+          </a:prstGeom>
+          <a:solidFill>
+            <a:schemeClr val="accent2">
+              <a:lumMod val="60000"/>
+              <a:lumOff val="40000"/>
+            </a:schemeClr>
+          </a:solidFill>
+        </p:spPr>
+        <p:style>
+          <a:lnRef idx="2">
+            <a:schemeClr val="accent1">
+              <a:shade val="50000"/>
+            </a:schemeClr>
+          </a:lnRef>
+          <a:fillRef idx="1">
+            <a:schemeClr val="accent1"/>
+          </a:fillRef>
+          <a:effectRef idx="0">
+            <a:schemeClr val="accent1"/>
+          </a:effectRef>
+          <a:fontRef idx="minor">
+            <a:schemeClr val="lt1"/>
+          </a:fontRef>
+        </p:style>
+        <p:txBody>
+          <a:bodyPr rtlCol="0" anchor="ctr"/>
+          <a:lstStyle/>
+          <a:p>
+            <a:pPr algn="ctr"/>
+            <a:r>
+              <a:rPr lang="en-US" dirty="0"/>
+              <a:t>Extract</a:t>
+            </a:r>
+          </a:p>
+        </p:txBody>
+      </p:sp>
+      <p:sp>
+        <p:nvSpPr>
+          <p:cNvPr id="19" name="Rectangle 18">
+            <a:extLst>
+              <a:ext uri="{FF2B5EF4-FFF2-40B4-BE49-F238E27FC236}">
+                <a16:creationId xmlns:a16="http://schemas.microsoft.com/office/drawing/2014/main" id="{27A49743-59D1-457F-B6D0-DA057D9B637E}"/>
+              </a:ext>
+            </a:extLst>
+          </p:cNvPr>
+          <p:cNvSpPr/>
+          <p:nvPr/>
+        </p:nvSpPr>
+        <p:spPr>
+          <a:xfrm>
+            <a:off x="4100511" y="5248871"/>
+            <a:ext cx="1819276" cy="1047750"/>
+          </a:xfrm>
+          <a:prstGeom prst="rect">
+            <a:avLst/>
+          </a:prstGeom>
+          <a:solidFill>
+            <a:schemeClr val="accent2">
+              <a:lumMod val="60000"/>
+              <a:lumOff val="40000"/>
+            </a:schemeClr>
+          </a:solidFill>
+        </p:spPr>
+        <p:style>
+          <a:lnRef idx="2">
+            <a:schemeClr val="accent1">
+              <a:shade val="50000"/>
+            </a:schemeClr>
+          </a:lnRef>
+          <a:fillRef idx="1">
+            <a:schemeClr val="accent1"/>
+          </a:fillRef>
+          <a:effectRef idx="0">
+            <a:schemeClr val="accent1"/>
+          </a:effectRef>
+          <a:fontRef idx="minor">
+            <a:schemeClr val="lt1"/>
+          </a:fontRef>
+        </p:style>
+        <p:txBody>
+          <a:bodyPr rtlCol="0" anchor="ctr"/>
+          <a:lstStyle/>
+          <a:p>
+            <a:pPr algn="ctr"/>
+            <a:r>
+              <a:rPr lang="en-US" sz="2800" b="1" dirty="0" err="1"/>
+              <a:t>Dataframe</a:t>
+            </a:r>
+            <a:endParaRPr lang="en-US" sz="2800" b="1" dirty="0"/>
+          </a:p>
+        </p:txBody>
+      </p:sp>
+      <p:sp>
+        <p:nvSpPr>
+          <p:cNvPr id="20" name="Rectangle 19">
+            <a:extLst>
+              <a:ext uri="{FF2B5EF4-FFF2-40B4-BE49-F238E27FC236}">
+                <a16:creationId xmlns:a16="http://schemas.microsoft.com/office/drawing/2014/main" id="{3D59F0A5-5997-4AEA-AD7F-4C2FEC0F60CE}"/>
+              </a:ext>
+            </a:extLst>
+          </p:cNvPr>
+          <p:cNvSpPr/>
+          <p:nvPr/>
+        </p:nvSpPr>
+        <p:spPr>
+          <a:xfrm>
+            <a:off x="8801099" y="3490914"/>
+            <a:ext cx="3086101" cy="1047750"/>
+          </a:xfrm>
+          <a:prstGeom prst="rect">
+            <a:avLst/>
+          </a:prstGeom>
+          <a:solidFill>
+            <a:schemeClr val="accent1">
+              <a:lumMod val="60000"/>
+              <a:lumOff val="40000"/>
+            </a:schemeClr>
+          </a:solidFill>
+        </p:spPr>
+        <p:style>
+          <a:lnRef idx="2">
+            <a:schemeClr val="accent1">
+              <a:shade val="50000"/>
+            </a:schemeClr>
+          </a:lnRef>
+          <a:fillRef idx="1">
+            <a:schemeClr val="accent1"/>
+          </a:fillRef>
+          <a:effectRef idx="0">
+            <a:schemeClr val="accent1"/>
+          </a:effectRef>
+          <a:fontRef idx="minor">
+            <a:schemeClr val="lt1"/>
+          </a:fontRef>
+        </p:style>
+        <p:txBody>
+          <a:bodyPr rtlCol="0" anchor="ctr"/>
+          <a:lstStyle/>
+          <a:p>
+            <a:pPr algn="ctr"/>
+            <a:r>
+              <a:rPr lang="en-US" sz="2800" b="1" dirty="0"/>
+              <a:t>Prediction Results</a:t>
+            </a:r>
           </a:p>
         </p:txBody>
       </p:sp>
@@ -5588,11 +6718,6 @@
               </a:rPr>
               <a:t>Program In Scala - 95.6%</a:t>
             </a:r>
-            <a:endParaRPr lang="en-US" sz="5400" dirty="0">
-              <a:solidFill>
-                <a:srgbClr val="50575C"/>
-              </a:solidFill>
-            </a:endParaRPr>
           </a:p>
         </p:txBody>
       </p:sp>
@@ -5622,7 +6747,6 @@
               <a:rPr lang="en-US" sz="3200" dirty="0"/>
               <a:t>Data preprocessing</a:t>
             </a:r>
-            <a:endParaRPr lang="en-US" sz="3200" dirty="0"/>
           </a:p>
           <a:p>
             <a:endParaRPr lang="en-US" sz="1600" dirty="0"/>
@@ -5632,14 +6756,12 @@
               <a:rPr lang="en-US" sz="3200" dirty="0"/>
               <a:t>Spark Mllib </a:t>
             </a:r>
-            <a:endParaRPr lang="en-US" sz="3200" dirty="0"/>
           </a:p>
           <a:p>
             <a:r>
               <a:rPr lang="en-US" sz="1600" dirty="0"/>
               <a:t> </a:t>
             </a:r>
-            <a:endParaRPr lang="en-US" sz="1600" dirty="0"/>
           </a:p>
           <a:p>
             <a:r>
@@ -5647,12 +6769,12 @@
               <a:t>Play2.X Framework </a:t>
             </a:r>
             <a:r>
-              <a:rPr lang="en-US" sz="1600" b="1" dirty="0">
+              <a:rPr lang="en-US" b="1" dirty="0">
                 <a:sym typeface="+mn-ea"/>
               </a:rPr>
-              <a:t>*Left 4.4% part of project are written by HTML and CSS</a:t>
-            </a:r>
-            <a:endParaRPr lang="en-US" sz="1600" b="1" dirty="0"/>
+              <a:t>*Left 4.4% part of codes are written by HTML and CSS</a:t>
+            </a:r>
+            <a:endParaRPr lang="en-US" b="1" dirty="0"/>
           </a:p>
           <a:p>
             <a:endParaRPr lang="en-US" sz="1600" dirty="0"/>
@@ -5662,7 +6784,6 @@
               <a:rPr lang="en-US" sz="3200" dirty="0"/>
               <a:t>All unit tests</a:t>
             </a:r>
-            <a:endParaRPr lang="en-US" sz="3200" dirty="0"/>
           </a:p>
           <a:p>
             <a:endParaRPr lang="en-US" sz="3200" dirty="0"/>
@@ -5678,7 +6799,7 @@
             </a:r>
             <a:r>
               <a:rPr lang="en-US" sz="2800" dirty="0">
-                <a:hlinkClick r:id="rId1"/>
+                <a:hlinkClick r:id="rId2"/>
               </a:rPr>
               <a:t>https://github.com/ljch9725/CSYE7200_Final_Project_Team7</a:t>
             </a:r>
@@ -5744,11 +6865,6 @@
               </a:rPr>
               <a:t>Milestones</a:t>
             </a:r>
-            <a:endParaRPr lang="en-US" sz="5400" dirty="0">
-              <a:solidFill>
-                <a:srgbClr val="50575C"/>
-              </a:solidFill>
-            </a:endParaRPr>
           </a:p>
         </p:txBody>
       </p:sp>
@@ -5791,7 +6907,6 @@
               <a:rPr lang="en-US" sz="3200" dirty="0"/>
               <a:t>  </a:t>
             </a:r>
-            <a:endParaRPr lang="en-US" sz="3200" dirty="0"/>
           </a:p>
           <a:p>
             <a:r>
@@ -5830,7 +6945,6 @@
               <a:rPr lang="en-US" sz="3200" dirty="0"/>
               <a:t>Week 5: Prepare presentation</a:t>
             </a:r>
-            <a:endParaRPr lang="en-US" sz="3200" dirty="0"/>
           </a:p>
         </p:txBody>
       </p:sp>
@@ -5894,11 +7008,6 @@
               </a:rPr>
               <a:t>Preprocess Data</a:t>
             </a:r>
-            <a:endParaRPr lang="en-US" sz="5400" b="0" i="0" dirty="0">
-              <a:solidFill>
-                <a:srgbClr val="50575C"/>
-              </a:solidFill>
-            </a:endParaRPr>
           </a:p>
         </p:txBody>
       </p:sp>
@@ -5910,8 +7019,8 @@
         </p:nvSpPr>
         <p:spPr>
           <a:xfrm>
-            <a:off x="790574" y="1787842"/>
-            <a:ext cx="10915651" cy="2061210"/>
+            <a:off x="790575" y="2275522"/>
+            <a:ext cx="11249026" cy="3046988"/>
           </a:xfrm>
           <a:prstGeom prst="rect">
             <a:avLst/>
@@ -5932,47 +7041,29 @@
             </a:r>
             <a:r>
               <a:rPr lang="en-US" sz="3200" dirty="0"/>
-              <a:t>features from five datasets.</a:t>
-            </a:r>
+              <a:t>features from five datasets by Spark SQL</a:t>
+            </a:r>
+          </a:p>
+          <a:p>
             <a:endParaRPr lang="en-US" sz="3200" dirty="0"/>
           </a:p>
           <a:p>
+            <a:r>
+              <a:rPr lang="en-US" sz="3200" dirty="0"/>
+              <a:t>Training : Validation : Testing  ≈ 6 : 3 : 1</a:t>
+            </a:r>
+          </a:p>
+          <a:p>
             <a:endParaRPr lang="en-US" sz="3200" dirty="0"/>
           </a:p>
           <a:p>
             <a:r>
               <a:rPr lang="en-US" sz="3200" dirty="0"/>
-              <a:t>The prediction dataset we got is as follow (first 6 rows):</a:t>
-            </a:r>
-            <a:endParaRPr lang="en-US" sz="3200" dirty="0"/>
-          </a:p>
-        </p:txBody>
-      </p:sp>
-      <p:pic>
-        <p:nvPicPr>
-          <p:cNvPr id="3" name="图片 2"/>
-          <p:cNvPicPr>
-            <a:picLocks noChangeAspect="1"/>
-          </p:cNvPicPr>
-          <p:nvPr/>
-        </p:nvPicPr>
-        <p:blipFill>
-          <a:blip r:embed="rId1"/>
-          <a:srcRect l="6953" t="20565" r="43479" b="53731"/>
-          <a:stretch>
-            <a:fillRect/>
-          </a:stretch>
-        </p:blipFill>
-        <p:spPr>
-          <a:xfrm>
-            <a:off x="790575" y="3976370"/>
-            <a:ext cx="8557260" cy="2496185"/>
-          </a:xfrm>
-          <a:prstGeom prst="rect">
-            <a:avLst/>
-          </a:prstGeom>
-        </p:spPr>
-      </p:pic>
+              <a:t>Standardize data by subtracting mean and over standard deviation </a:t>
+            </a:r>
+          </a:p>
+        </p:txBody>
+      </p:sp>
     </p:spTree>
   </p:cSld>
   <p:clrMapOvr>
@@ -6031,13 +7122,8 @@
                   <a:srgbClr val="50575C"/>
                 </a:solidFill>
               </a:rPr>
-              <a:t>Data Analysis</a:t>
-            </a:r>
-            <a:endParaRPr lang="en-US" sz="5400" b="0" i="0" dirty="0">
-              <a:solidFill>
-                <a:srgbClr val="50575C"/>
-              </a:solidFill>
-            </a:endParaRPr>
+              <a:t>Preprocess Data</a:t>
+            </a:r>
           </a:p>
         </p:txBody>
       </p:sp>
@@ -6049,8 +7135,8 @@
         </p:nvSpPr>
         <p:spPr>
           <a:xfrm>
-            <a:off x="790574" y="2062162"/>
-            <a:ext cx="10915651" cy="583565"/>
+            <a:off x="790574" y="1787842"/>
+            <a:ext cx="10915651" cy="584775"/>
           </a:xfrm>
           <a:prstGeom prst="rect">
             <a:avLst/>
@@ -6064,41 +7150,31 @@
           <a:lstStyle/>
           <a:p>
             <a:r>
-              <a:rPr lang="en-US" sz="3200" dirty="0">
-                <a:sym typeface="+mn-ea"/>
-              </a:rPr>
-              <a:t>Calculate the correlation of all features and </a:t>
-            </a:r>
-            <a:r>
-              <a:rPr lang="en-US" sz="3200" dirty="0">
-                <a:sym typeface="+mn-ea"/>
-              </a:rPr>
-              <a:t>label</a:t>
-            </a:r>
-            <a:endParaRPr lang="en-US" sz="3200" dirty="0">
-              <a:sym typeface="+mn-ea"/>
-            </a:endParaRPr>
+              <a:rPr lang="en-US" sz="3200" dirty="0"/>
+              <a:t>Prediction Data is shown below (first 6 columns):</a:t>
+            </a:r>
           </a:p>
         </p:txBody>
       </p:sp>
       <p:pic>
         <p:nvPicPr>
-          <p:cNvPr id="8" name="图片 7"/>
+          <p:cNvPr id="3" name="图片 2"/>
           <p:cNvPicPr>
             <a:picLocks noChangeAspect="1"/>
           </p:cNvPicPr>
           <p:nvPr/>
         </p:nvPicPr>
         <p:blipFill>
-          <a:blip r:embed="rId1"/>
+          <a:blip r:embed="rId2"/>
+          <a:srcRect l="6953" t="20565" r="43479" b="53731"/>
           <a:stretch>
             <a:fillRect/>
           </a:stretch>
         </p:blipFill>
         <p:spPr>
           <a:xfrm>
-            <a:off x="790575" y="2696210"/>
-            <a:ext cx="8225790" cy="3175000"/>
+            <a:off x="790574" y="2772350"/>
+            <a:ext cx="10244537" cy="2988370"/>
           </a:xfrm>
           <a:prstGeom prst="rect">
             <a:avLst/>
@@ -6106,6 +7182,11 @@
         </p:spPr>
       </p:pic>
     </p:spTree>
+    <p:extLst>
+      <p:ext uri="{BB962C8B-B14F-4D97-AF65-F5344CB8AC3E}">
+        <p14:creationId xmlns:p14="http://schemas.microsoft.com/office/powerpoint/2010/main" val="3360265177"/>
+      </p:ext>
+    </p:extLst>
   </p:cSld>
   <p:clrMapOvr>
     <a:masterClrMapping/>
@@ -6139,7 +7220,7 @@
         <p:spPr>
           <a:xfrm>
             <a:off x="790575" y="685800"/>
-            <a:ext cx="8916670" cy="922020"/>
+            <a:ext cx="6760210" cy="922020"/>
           </a:xfrm>
           <a:prstGeom prst="rect">
             <a:avLst/>
@@ -6152,16 +7233,19 @@
           </a:bodyPr>
           <a:lstStyle/>
           <a:p>
-            <a:r>
-              <a:rPr lang="en-US" sz="5400" dirty="0">
+            <a:pPr algn="l">
+              <a:buClrTx/>
+              <a:buSzTx/>
+              <a:buFontTx/>
+            </a:pPr>
+            <a:r>
+              <a:rPr lang="en-US" sz="5400" b="0" i="0" dirty="0">
                 <a:solidFill>
-                  <a:srgbClr val="2D3B45"/>
+                  <a:srgbClr val="50575C"/>
                 </a:solidFill>
-                <a:latin typeface="Lato Extended"/>
               </a:rPr>
-              <a:t>Acceptance Criteria</a:t>
-            </a:r>
-            <a:endParaRPr lang="en-US" sz="5400" dirty="0"/>
+              <a:t>Data Analysis</a:t>
+            </a:r>
           </a:p>
         </p:txBody>
       </p:sp>
@@ -6173,8 +7257,8 @@
         </p:nvSpPr>
         <p:spPr>
           <a:xfrm>
-            <a:off x="790574" y="1843087"/>
-            <a:ext cx="10515601" cy="1877437"/>
+            <a:off x="790574" y="2062162"/>
+            <a:ext cx="10915651" cy="583565"/>
           </a:xfrm>
           <a:prstGeom prst="rect">
             <a:avLst/>
@@ -6188,306 +7272,44 @@
           <a:lstStyle/>
           <a:p>
             <a:r>
-              <a:rPr lang="en-US" sz="3200" dirty="0"/>
-              <a:t>Confusion Matrix:</a:t>
-            </a:r>
-            <a:endParaRPr lang="en-US" sz="3200" dirty="0"/>
-          </a:p>
-          <a:p>
-            <a:endParaRPr lang="en-US" sz="2800" dirty="0"/>
-          </a:p>
-          <a:p>
-            <a:endParaRPr lang="en-US" sz="2800" dirty="0"/>
-          </a:p>
-          <a:p>
-            <a:endParaRPr lang="en-US" sz="2800" dirty="0"/>
-          </a:p>
-        </p:txBody>
-      </p:sp>
-      <p:graphicFrame>
-        <p:nvGraphicFramePr>
-          <p:cNvPr id="2" name="Table 2"/>
-          <p:cNvGraphicFramePr>
-            <a:graphicFrameLocks noGrp="1"/>
-          </p:cNvGraphicFramePr>
+              <a:rPr lang="en-US" sz="3200" dirty="0">
+                <a:sym typeface="+mn-ea"/>
+              </a:rPr>
+              <a:t>Calculate the correlation of all features and label</a:t>
+            </a:r>
+          </a:p>
+        </p:txBody>
+      </p:sp>
+      <p:pic>
+        <p:nvPicPr>
+          <p:cNvPr id="8" name="图片 7"/>
+          <p:cNvPicPr>
+            <a:picLocks noChangeAspect="1"/>
+          </p:cNvPicPr>
           <p:nvPr/>
-        </p:nvGraphicFramePr>
-        <p:xfrm>
-          <a:off x="885825" y="2687320"/>
-          <a:ext cx="8127999" cy="1483360"/>
-        </p:xfrm>
-        <a:graphic>
-          <a:graphicData uri="http://schemas.openxmlformats.org/drawingml/2006/table">
-            <a:tbl>
-              <a:tblPr firstRow="1" bandRow="1">
-                <a:tableStyleId>{5940675A-B579-460E-94D1-54222C63F5DA}</a:tableStyleId>
-              </a:tblPr>
-              <a:tblGrid>
-                <a:gridCol w="2709333"/>
-                <a:gridCol w="2709333"/>
-                <a:gridCol w="2709333"/>
-              </a:tblGrid>
-              <a:tr h="370840">
-                <a:tc>
-                  <a:txBody>
-                    <a:bodyPr/>
-                    <a:lstStyle/>
-                    <a:p>
-                      <a:pPr algn="ctr"/>
-                      <a:endParaRPr lang="en-US" dirty="0"/>
-                    </a:p>
-                  </a:txBody>
-                  <a:tcPr/>
-                </a:tc>
-                <a:tc gridSpan="2">
-                  <a:txBody>
-                    <a:bodyPr/>
-                    <a:lstStyle/>
-                    <a:p>
-                      <a:pPr algn="ctr"/>
-                      <a:r>
-                        <a:rPr lang="en-US" b="1" dirty="0"/>
-                        <a:t>True Class</a:t>
-                      </a:r>
-                      <a:endParaRPr lang="en-US" b="1" dirty="0"/>
-                    </a:p>
-                  </a:txBody>
-                  <a:tcPr/>
-                </a:tc>
-                <a:tc hMerge="1">
-                  <a:tcPr/>
-                </a:tc>
-              </a:tr>
-              <a:tr h="370840">
-                <a:tc>
-                  <a:txBody>
-                    <a:bodyPr/>
-                    <a:lstStyle/>
-                    <a:p>
-                      <a:pPr algn="ctr"/>
-                      <a:r>
-                        <a:rPr lang="en-US" b="1" dirty="0"/>
-                        <a:t>Predicted Class</a:t>
-                      </a:r>
-                      <a:endParaRPr lang="en-US" b="1" dirty="0"/>
-                    </a:p>
-                  </a:txBody>
-                  <a:tcPr/>
-                </a:tc>
-                <a:tc>
-                  <a:txBody>
-                    <a:bodyPr/>
-                    <a:lstStyle/>
-                    <a:p>
-                      <a:pPr algn="ctr"/>
-                      <a:r>
-                        <a:rPr lang="en-US" i="1" dirty="0"/>
-                        <a:t>Positive</a:t>
-                      </a:r>
-                      <a:endParaRPr lang="en-US" i="1" dirty="0"/>
-                    </a:p>
-                  </a:txBody>
-                  <a:tcPr/>
-                </a:tc>
-                <a:tc>
-                  <a:txBody>
-                    <a:bodyPr/>
-                    <a:lstStyle/>
-                    <a:p>
-                      <a:pPr algn="ctr"/>
-                      <a:r>
-                        <a:rPr lang="en-US" i="1" dirty="0"/>
-                        <a:t>Negative</a:t>
-                      </a:r>
-                      <a:endParaRPr lang="en-US" i="1" dirty="0"/>
-                    </a:p>
-                  </a:txBody>
-                  <a:tcPr/>
-                </a:tc>
-              </a:tr>
-              <a:tr h="370840">
-                <a:tc>
-                  <a:txBody>
-                    <a:bodyPr/>
-                    <a:lstStyle/>
-                    <a:p>
-                      <a:pPr algn="ctr"/>
-                      <a:r>
-                        <a:rPr lang="en-US" i="1" dirty="0"/>
-                        <a:t>Positive</a:t>
-                      </a:r>
-                      <a:endParaRPr lang="en-US" i="1" dirty="0"/>
-                    </a:p>
-                  </a:txBody>
-                  <a:tcPr/>
-                </a:tc>
-                <a:tc>
-                  <a:txBody>
-                    <a:bodyPr/>
-                    <a:lstStyle/>
-                    <a:p>
-                      <a:pPr algn="ctr"/>
-                      <a:r>
-                        <a:rPr lang="en-US" dirty="0"/>
-                        <a:t>True Positive(TP)</a:t>
-                      </a:r>
-                      <a:endParaRPr lang="en-US" dirty="0"/>
-                    </a:p>
-                  </a:txBody>
-                  <a:tcPr/>
-                </a:tc>
-                <a:tc>
-                  <a:txBody>
-                    <a:bodyPr/>
-                    <a:lstStyle/>
-                    <a:p>
-                      <a:pPr algn="ctr"/>
-                      <a:r>
-                        <a:rPr lang="en-US" dirty="0"/>
-                        <a:t>False Positive(FP)</a:t>
-                      </a:r>
-                      <a:endParaRPr lang="en-US" dirty="0"/>
-                    </a:p>
-                  </a:txBody>
-                  <a:tcPr/>
-                </a:tc>
-              </a:tr>
-              <a:tr h="370840">
-                <a:tc>
-                  <a:txBody>
-                    <a:bodyPr/>
-                    <a:lstStyle/>
-                    <a:p>
-                      <a:pPr algn="ctr"/>
-                      <a:r>
-                        <a:rPr lang="en-US" i="1" dirty="0"/>
-                        <a:t>Negative</a:t>
-                      </a:r>
-                      <a:endParaRPr lang="en-US" i="1" dirty="0"/>
-                    </a:p>
-                  </a:txBody>
-                  <a:tcPr/>
-                </a:tc>
-                <a:tc>
-                  <a:txBody>
-                    <a:bodyPr/>
-                    <a:lstStyle/>
-                    <a:p>
-                      <a:pPr algn="ctr"/>
-                      <a:r>
-                        <a:rPr lang="en-US" dirty="0"/>
-                        <a:t>False Negative(FN)</a:t>
-                      </a:r>
-                      <a:endParaRPr lang="en-US" dirty="0"/>
-                    </a:p>
-                  </a:txBody>
-                  <a:tcPr/>
-                </a:tc>
-                <a:tc>
-                  <a:txBody>
-                    <a:bodyPr/>
-                    <a:lstStyle/>
-                    <a:p>
-                      <a:pPr algn="ctr"/>
-                      <a:r>
-                        <a:rPr lang="en-US" dirty="0"/>
-                        <a:t>True Negative(TN)</a:t>
-                      </a:r>
-                      <a:endParaRPr lang="en-US" dirty="0"/>
-                    </a:p>
-                  </a:txBody>
-                  <a:tcPr/>
-                </a:tc>
-              </a:tr>
-            </a:tbl>
-          </a:graphicData>
-        </a:graphic>
-      </p:graphicFrame>
-      <p:sp>
-        <p:nvSpPr>
-          <p:cNvPr id="3" name="TextBox 2"/>
-          <p:cNvSpPr txBox="1"/>
-          <p:nvPr/>
-        </p:nvSpPr>
-        <p:spPr>
-          <a:xfrm>
-            <a:off x="885825" y="4586089"/>
-            <a:ext cx="5886452" cy="461665"/>
+        </p:nvPicPr>
+        <p:blipFill>
+          <a:blip r:embed="rId2"/>
+          <a:stretch>
+            <a:fillRect/>
+          </a:stretch>
+        </p:blipFill>
+        <p:spPr>
+          <a:xfrm>
+            <a:off x="790574" y="2696210"/>
+            <a:ext cx="9074785" cy="3502696"/>
           </a:xfrm>
           <a:prstGeom prst="rect">
             <a:avLst/>
           </a:prstGeom>
-          <a:noFill/>
-        </p:spPr>
-        <p:txBody>
-          <a:bodyPr wrap="square" rtlCol="0">
-            <a:spAutoFit/>
-          </a:bodyPr>
-          <a:lstStyle/>
-          <a:p>
-            <a:r>
-              <a:rPr lang="en-US" sz="2400" b="1" dirty="0"/>
-              <a:t>Accuracy = </a:t>
-            </a:r>
-            <a:r>
-              <a:rPr lang="en-US" sz="2400" dirty="0"/>
-              <a:t>(TP + TN)/(P + N)</a:t>
-            </a:r>
-            <a:endParaRPr lang="en-US" sz="2400" b="1" dirty="0"/>
-          </a:p>
-        </p:txBody>
-      </p:sp>
-      <p:sp>
-        <p:nvSpPr>
-          <p:cNvPr id="5" name="TextBox 4"/>
-          <p:cNvSpPr txBox="1"/>
-          <p:nvPr/>
-        </p:nvSpPr>
-        <p:spPr>
-          <a:xfrm>
-            <a:off x="885825" y="5389881"/>
-            <a:ext cx="10953750" cy="1077218"/>
-          </a:xfrm>
-          <a:prstGeom prst="rect">
-            <a:avLst/>
-          </a:prstGeom>
-          <a:noFill/>
-        </p:spPr>
-        <p:txBody>
-          <a:bodyPr wrap="square" rtlCol="0">
-            <a:spAutoFit/>
-          </a:bodyPr>
-          <a:lstStyle/>
-          <a:p>
-            <a:r>
-              <a:rPr lang="en-US" sz="3200" dirty="0"/>
-              <a:t>Accuracy &gt; 70%</a:t>
-            </a:r>
-            <a:endParaRPr lang="en-US" sz="3200" dirty="0"/>
-          </a:p>
-          <a:p>
-            <a:r>
-              <a:rPr lang="en-US" sz="3200" dirty="0"/>
-              <a:t>Response Time &lt; 4 seconds</a:t>
-            </a:r>
-            <a:endParaRPr lang="en-US" sz="3200" dirty="0"/>
-          </a:p>
-        </p:txBody>
-      </p:sp>
+        </p:spPr>
+      </p:pic>
     </p:spTree>
   </p:cSld>
   <p:clrMapOvr>
     <a:masterClrMapping/>
   </p:clrMapOvr>
 </p:sld>
-</file>
-
-<file path=ppt/tags/tag1.xml><?xml version="1.0" encoding="utf-8"?>
-<p:tagLst xmlns:p="http://schemas.openxmlformats.org/presentationml/2006/main">
-  <p:tag name="KSO_WM_BEAUTIFY_FLAG" val="#wm#"/>
-  <p:tag name="KSO_WM_TEMPLATE_CATEGORY" val="custom"/>
-  <p:tag name="KSO_WM_TEMPLATE_INDEX" val="20205176"/>
-</p:tagLst>
 </file>
 
 <file path=ppt/theme/theme1.xml><?xml version="1.0" encoding="utf-8"?>
@@ -6741,6 +7563,8 @@
       </a:bgFillStyleLst>
     </a:fmtScheme>
   </a:themeElements>
+  <a:objectDefaults/>
+  <a:extraClrSchemeLst/>
   <a:extLst>
     <a:ext uri="{05A4C25C-085E-4340-85A3-A5531E510DB2}">
       <thm15:themeFamily xmlns:thm15="http://schemas.microsoft.com/office/thememl/2012/main" name="Office Theme" id="{62F939B6-93AF-4DB8-9C6B-D6C7DFDC589F}" vid="{4A3C46E8-61CC-4603-A589-7422A47A8E4A}"/>

--- a/Predicting Winner of LOL Match(final).pptx
+++ b/Predicting Winner of LOL Match(final).pptx
@@ -8,14 +8,14 @@
     <p:sldId id="256" r:id="rId2"/>
     <p:sldId id="266" r:id="rId3"/>
     <p:sldId id="259" r:id="rId4"/>
-    <p:sldId id="282" r:id="rId5"/>
-    <p:sldId id="261" r:id="rId6"/>
-    <p:sldId id="260" r:id="rId7"/>
-    <p:sldId id="258" r:id="rId8"/>
-    <p:sldId id="279" r:id="rId9"/>
-    <p:sldId id="275" r:id="rId10"/>
-    <p:sldId id="262" r:id="rId11"/>
-    <p:sldId id="276" r:id="rId12"/>
+    <p:sldId id="261" r:id="rId5"/>
+    <p:sldId id="260" r:id="rId6"/>
+    <p:sldId id="258" r:id="rId7"/>
+    <p:sldId id="279" r:id="rId8"/>
+    <p:sldId id="275" r:id="rId9"/>
+    <p:sldId id="262" r:id="rId10"/>
+    <p:sldId id="276" r:id="rId11"/>
+    <p:sldId id="282" r:id="rId12"/>
     <p:sldId id="277" r:id="rId13"/>
     <p:sldId id="278" r:id="rId14"/>
     <p:sldId id="257" r:id="rId15"/>
@@ -138,7 +138,7 @@
 <file path=ppt/revisionInfo.xml><?xml version="1.0" encoding="utf-8"?>
 <p1510:revInfo xmlns:a="http://schemas.openxmlformats.org/drawingml/2006/main" xmlns:r="http://schemas.openxmlformats.org/officeDocument/2006/relationships" xmlns:p1510="http://schemas.microsoft.com/office/powerpoint/2015/10/main">
   <p1510:revLst>
-    <p1510:client id="{D167D064-5530-4E5F-9141-F118A2C4BDB6}" v="26" dt="2021-04-21T23:04:48.416"/>
+    <p1510:client id="{D167D064-5530-4E5F-9141-F118A2C4BDB6}" v="27" dt="2021-04-22T04:54:10.373"/>
   </p1510:revLst>
 </p1510:revInfo>
 </file>
@@ -148,7 +148,7 @@
   <pc:docChgLst>
     <pc:chgData name="Yihao Gu" userId="5bd5137a74433959" providerId="LiveId" clId="{D167D064-5530-4E5F-9141-F118A2C4BDB6}"/>
     <pc:docChg chg="undo redo custSel addSld delSld modSld sldOrd">
-      <pc:chgData name="Yihao Gu" userId="5bd5137a74433959" providerId="LiveId" clId="{D167D064-5530-4E5F-9141-F118A2C4BDB6}" dt="2021-04-21T23:11:59.645" v="2895" actId="207"/>
+      <pc:chgData name="Yihao Gu" userId="5bd5137a74433959" providerId="LiveId" clId="{D167D064-5530-4E5F-9141-F118A2C4BDB6}" dt="2021-04-22T04:54:10.373" v="2897"/>
       <pc:docMkLst>
         <pc:docMk/>
       </pc:docMkLst>
@@ -516,8 +516,8 @@
           </ac:picMkLst>
         </pc:picChg>
       </pc:sldChg>
-      <pc:sldChg chg="addSp delSp modSp add mod">
-        <pc:chgData name="Yihao Gu" userId="5bd5137a74433959" providerId="LiveId" clId="{D167D064-5530-4E5F-9141-F118A2C4BDB6}" dt="2021-04-21T23:11:59.645" v="2895" actId="207"/>
+      <pc:sldChg chg="addSp delSp modSp add del mod">
+        <pc:chgData name="Yihao Gu" userId="5bd5137a74433959" providerId="LiveId" clId="{D167D064-5530-4E5F-9141-F118A2C4BDB6}" dt="2021-04-22T04:54:03.827" v="2896" actId="2696"/>
         <pc:sldMkLst>
           <pc:docMk/>
           <pc:sldMk cId="0" sldId="282"/>
@@ -675,6 +675,13 @@
           </ac:spMkLst>
         </pc:spChg>
       </pc:sldChg>
+      <pc:sldChg chg="add">
+        <pc:chgData name="Yihao Gu" userId="5bd5137a74433959" providerId="LiveId" clId="{D167D064-5530-4E5F-9141-F118A2C4BDB6}" dt="2021-04-22T04:54:10.373" v="2897"/>
+        <pc:sldMkLst>
+          <pc:docMk/>
+          <pc:sldMk cId="1732558023" sldId="282"/>
+        </pc:sldMkLst>
+      </pc:sldChg>
     </pc:docChg>
   </pc:docChgLst>
 </pc:chgInfo>
@@ -809,7 +816,7 @@
           <a:p>
             <a:fld id="{4484884D-3559-46A8-B842-6095A8198B6D}" type="datetimeFigureOut">
               <a:rPr lang="en-US" smtClean="0"/>
-              <a:t>4/21/2021</a:t>
+              <a:t>4/22/2021</a:t>
             </a:fld>
             <a:endParaRPr lang="en-US"/>
           </a:p>
@@ -972,7 +979,7 @@
           <a:p>
             <a:fld id="{4484884D-3559-46A8-B842-6095A8198B6D}" type="datetimeFigureOut">
               <a:rPr lang="en-US" smtClean="0"/>
-              <a:t>4/21/2021</a:t>
+              <a:t>4/22/2021</a:t>
             </a:fld>
             <a:endParaRPr lang="en-US"/>
           </a:p>
@@ -1145,7 +1152,7 @@
           <a:p>
             <a:fld id="{4484884D-3559-46A8-B842-6095A8198B6D}" type="datetimeFigureOut">
               <a:rPr lang="en-US" smtClean="0"/>
-              <a:t>4/21/2021</a:t>
+              <a:t>4/22/2021</a:t>
             </a:fld>
             <a:endParaRPr lang="en-US"/>
           </a:p>
@@ -1308,7 +1315,7 @@
           <a:p>
             <a:fld id="{4484884D-3559-46A8-B842-6095A8198B6D}" type="datetimeFigureOut">
               <a:rPr lang="en-US" smtClean="0"/>
-              <a:t>4/21/2021</a:t>
+              <a:t>4/22/2021</a:t>
             </a:fld>
             <a:endParaRPr lang="en-US"/>
           </a:p>
@@ -1548,7 +1555,7 @@
           <a:p>
             <a:fld id="{4484884D-3559-46A8-B842-6095A8198B6D}" type="datetimeFigureOut">
               <a:rPr lang="en-US" smtClean="0"/>
-              <a:t>4/21/2021</a:t>
+              <a:t>4/22/2021</a:t>
             </a:fld>
             <a:endParaRPr lang="en-US"/>
           </a:p>
@@ -1772,7 +1779,7 @@
           <a:p>
             <a:fld id="{4484884D-3559-46A8-B842-6095A8198B6D}" type="datetimeFigureOut">
               <a:rPr lang="en-US" smtClean="0"/>
-              <a:t>4/21/2021</a:t>
+              <a:t>4/22/2021</a:t>
             </a:fld>
             <a:endParaRPr lang="en-US"/>
           </a:p>
@@ -2131,7 +2138,7 @@
           <a:p>
             <a:fld id="{4484884D-3559-46A8-B842-6095A8198B6D}" type="datetimeFigureOut">
               <a:rPr lang="en-US" smtClean="0"/>
-              <a:t>4/21/2021</a:t>
+              <a:t>4/22/2021</a:t>
             </a:fld>
             <a:endParaRPr lang="en-US"/>
           </a:p>
@@ -2243,7 +2250,7 @@
           <a:p>
             <a:fld id="{4484884D-3559-46A8-B842-6095A8198B6D}" type="datetimeFigureOut">
               <a:rPr lang="en-US" smtClean="0"/>
-              <a:t>4/21/2021</a:t>
+              <a:t>4/22/2021</a:t>
             </a:fld>
             <a:endParaRPr lang="en-US"/>
           </a:p>
@@ -2333,7 +2340,7 @@
           <a:p>
             <a:fld id="{4484884D-3559-46A8-B842-6095A8198B6D}" type="datetimeFigureOut">
               <a:rPr lang="en-US" smtClean="0"/>
-              <a:t>4/21/2021</a:t>
+              <a:t>4/22/2021</a:t>
             </a:fld>
             <a:endParaRPr lang="en-US"/>
           </a:p>
@@ -2603,7 +2610,7 @@
           <a:p>
             <a:fld id="{4484884D-3559-46A8-B842-6095A8198B6D}" type="datetimeFigureOut">
               <a:rPr lang="en-US" smtClean="0"/>
-              <a:t>4/21/2021</a:t>
+              <a:t>4/22/2021</a:t>
             </a:fld>
             <a:endParaRPr lang="en-US"/>
           </a:p>
@@ -2850,7 +2857,7 @@
           <a:p>
             <a:fld id="{4484884D-3559-46A8-B842-6095A8198B6D}" type="datetimeFigureOut">
               <a:rPr lang="en-US" smtClean="0"/>
-              <a:t>4/21/2021</a:t>
+              <a:t>4/22/2021</a:t>
             </a:fld>
             <a:endParaRPr lang="en-US"/>
           </a:p>
@@ -3056,7 +3063,7 @@
           <a:p>
             <a:fld id="{4484884D-3559-46A8-B842-6095A8198B6D}" type="datetimeFigureOut">
               <a:rPr lang="en-US" smtClean="0"/>
-              <a:t>4/21/2021</a:t>
+              <a:t>4/22/2021</a:t>
             </a:fld>
             <a:endParaRPr lang="en-US"/>
           </a:p>
@@ -3574,407 +3581,6 @@
 </file>
 
 <file path=ppt/slides/slide10.xml><?xml version="1.0" encoding="utf-8"?>
-<p:sld xmlns:a="http://schemas.openxmlformats.org/drawingml/2006/main" xmlns:r="http://schemas.openxmlformats.org/officeDocument/2006/relationships" xmlns:p="http://schemas.openxmlformats.org/presentationml/2006/main">
-  <p:cSld>
-    <p:spTree>
-      <p:nvGrpSpPr>
-        <p:cNvPr id="1" name=""/>
-        <p:cNvGrpSpPr/>
-        <p:nvPr/>
-      </p:nvGrpSpPr>
-      <p:grpSpPr>
-        <a:xfrm>
-          <a:off x="0" y="0"/>
-          <a:ext cx="0" cy="0"/>
-          <a:chOff x="0" y="0"/>
-          <a:chExt cx="0" cy="0"/>
-        </a:xfrm>
-      </p:grpSpPr>
-      <p:sp>
-        <p:nvSpPr>
-          <p:cNvPr id="4" name="TextBox 3"/>
-          <p:cNvSpPr txBox="1"/>
-          <p:nvPr/>
-        </p:nvSpPr>
-        <p:spPr>
-          <a:xfrm>
-            <a:off x="790575" y="685800"/>
-            <a:ext cx="8916670" cy="922020"/>
-          </a:xfrm>
-          <a:prstGeom prst="rect">
-            <a:avLst/>
-          </a:prstGeom>
-          <a:noFill/>
-        </p:spPr>
-        <p:txBody>
-          <a:bodyPr wrap="square" rtlCol="0">
-            <a:spAutoFit/>
-          </a:bodyPr>
-          <a:lstStyle/>
-          <a:p>
-            <a:r>
-              <a:rPr lang="en-US" sz="5400" dirty="0">
-                <a:solidFill>
-                  <a:srgbClr val="2D3B45"/>
-                </a:solidFill>
-                <a:latin typeface="Lato Extended"/>
-              </a:rPr>
-              <a:t>Acceptance Criteria</a:t>
-            </a:r>
-            <a:endParaRPr lang="en-US" sz="5400" dirty="0"/>
-          </a:p>
-        </p:txBody>
-      </p:sp>
-      <p:sp>
-        <p:nvSpPr>
-          <p:cNvPr id="6" name="TextBox 5"/>
-          <p:cNvSpPr txBox="1"/>
-          <p:nvPr/>
-        </p:nvSpPr>
-        <p:spPr>
-          <a:xfrm>
-            <a:off x="790574" y="1843087"/>
-            <a:ext cx="10515601" cy="1877437"/>
-          </a:xfrm>
-          <a:prstGeom prst="rect">
-            <a:avLst/>
-          </a:prstGeom>
-          <a:noFill/>
-        </p:spPr>
-        <p:txBody>
-          <a:bodyPr wrap="square" rtlCol="0">
-            <a:spAutoFit/>
-          </a:bodyPr>
-          <a:lstStyle/>
-          <a:p>
-            <a:r>
-              <a:rPr lang="en-US" sz="3200" dirty="0"/>
-              <a:t>Confusion Matrix:</a:t>
-            </a:r>
-          </a:p>
-          <a:p>
-            <a:endParaRPr lang="en-US" sz="2800" dirty="0"/>
-          </a:p>
-          <a:p>
-            <a:endParaRPr lang="en-US" sz="2800" dirty="0"/>
-          </a:p>
-          <a:p>
-            <a:endParaRPr lang="en-US" sz="2800" dirty="0"/>
-          </a:p>
-        </p:txBody>
-      </p:sp>
-      <p:graphicFrame>
-        <p:nvGraphicFramePr>
-          <p:cNvPr id="2" name="Table 2"/>
-          <p:cNvGraphicFramePr>
-            <a:graphicFrameLocks noGrp="1"/>
-          </p:cNvGraphicFramePr>
-          <p:nvPr/>
-        </p:nvGraphicFramePr>
-        <p:xfrm>
-          <a:off x="885825" y="2687320"/>
-          <a:ext cx="8127999" cy="1483360"/>
-        </p:xfrm>
-        <a:graphic>
-          <a:graphicData uri="http://schemas.openxmlformats.org/drawingml/2006/table">
-            <a:tbl>
-              <a:tblPr firstRow="1" bandRow="1">
-                <a:tableStyleId>{5940675A-B579-460E-94D1-54222C63F5DA}</a:tableStyleId>
-              </a:tblPr>
-              <a:tblGrid>
-                <a:gridCol w="2709333">
-                  <a:extLst>
-                    <a:ext uri="{9D8B030D-6E8A-4147-A177-3AD203B41FA5}">
-                      <a16:colId xmlns:a16="http://schemas.microsoft.com/office/drawing/2014/main" val="20000"/>
-                    </a:ext>
-                  </a:extLst>
-                </a:gridCol>
-                <a:gridCol w="2709333">
-                  <a:extLst>
-                    <a:ext uri="{9D8B030D-6E8A-4147-A177-3AD203B41FA5}">
-                      <a16:colId xmlns:a16="http://schemas.microsoft.com/office/drawing/2014/main" val="20001"/>
-                    </a:ext>
-                  </a:extLst>
-                </a:gridCol>
-                <a:gridCol w="2709333">
-                  <a:extLst>
-                    <a:ext uri="{9D8B030D-6E8A-4147-A177-3AD203B41FA5}">
-                      <a16:colId xmlns:a16="http://schemas.microsoft.com/office/drawing/2014/main" val="20002"/>
-                    </a:ext>
-                  </a:extLst>
-                </a:gridCol>
-              </a:tblGrid>
-              <a:tr h="370840">
-                <a:tc>
-                  <a:txBody>
-                    <a:bodyPr/>
-                    <a:lstStyle/>
-                    <a:p>
-                      <a:pPr algn="ctr"/>
-                      <a:endParaRPr lang="en-US" dirty="0"/>
-                    </a:p>
-                  </a:txBody>
-                  <a:tcPr/>
-                </a:tc>
-                <a:tc gridSpan="2">
-                  <a:txBody>
-                    <a:bodyPr/>
-                    <a:lstStyle/>
-                    <a:p>
-                      <a:pPr algn="ctr"/>
-                      <a:r>
-                        <a:rPr lang="en-US" b="1" dirty="0"/>
-                        <a:t>True Class</a:t>
-                      </a:r>
-                    </a:p>
-                  </a:txBody>
-                  <a:tcPr/>
-                </a:tc>
-                <a:tc hMerge="1">
-                  <a:txBody>
-                    <a:bodyPr/>
-                    <a:lstStyle/>
-                    <a:p>
-                      <a:endParaRPr lang="en-US"/>
-                    </a:p>
-                  </a:txBody>
-                  <a:tcPr/>
-                </a:tc>
-                <a:extLst>
-                  <a:ext uri="{0D108BD9-81ED-4DB2-BD59-A6C34878D82A}">
-                    <a16:rowId xmlns:a16="http://schemas.microsoft.com/office/drawing/2014/main" val="10000"/>
-                  </a:ext>
-                </a:extLst>
-              </a:tr>
-              <a:tr h="370840">
-                <a:tc>
-                  <a:txBody>
-                    <a:bodyPr/>
-                    <a:lstStyle/>
-                    <a:p>
-                      <a:pPr algn="ctr"/>
-                      <a:r>
-                        <a:rPr lang="en-US" b="1" dirty="0"/>
-                        <a:t>Predicted Class</a:t>
-                      </a:r>
-                    </a:p>
-                  </a:txBody>
-                  <a:tcPr/>
-                </a:tc>
-                <a:tc>
-                  <a:txBody>
-                    <a:bodyPr/>
-                    <a:lstStyle/>
-                    <a:p>
-                      <a:pPr algn="ctr"/>
-                      <a:r>
-                        <a:rPr lang="en-US" i="1" dirty="0"/>
-                        <a:t>Positive</a:t>
-                      </a:r>
-                    </a:p>
-                  </a:txBody>
-                  <a:tcPr/>
-                </a:tc>
-                <a:tc>
-                  <a:txBody>
-                    <a:bodyPr/>
-                    <a:lstStyle/>
-                    <a:p>
-                      <a:pPr algn="ctr"/>
-                      <a:r>
-                        <a:rPr lang="en-US" i="1" dirty="0"/>
-                        <a:t>Negative</a:t>
-                      </a:r>
-                    </a:p>
-                  </a:txBody>
-                  <a:tcPr/>
-                </a:tc>
-                <a:extLst>
-                  <a:ext uri="{0D108BD9-81ED-4DB2-BD59-A6C34878D82A}">
-                    <a16:rowId xmlns:a16="http://schemas.microsoft.com/office/drawing/2014/main" val="10001"/>
-                  </a:ext>
-                </a:extLst>
-              </a:tr>
-              <a:tr h="370840">
-                <a:tc>
-                  <a:txBody>
-                    <a:bodyPr/>
-                    <a:lstStyle/>
-                    <a:p>
-                      <a:pPr algn="ctr"/>
-                      <a:r>
-                        <a:rPr lang="en-US" i="1" dirty="0"/>
-                        <a:t>Positive</a:t>
-                      </a:r>
-                    </a:p>
-                  </a:txBody>
-                  <a:tcPr/>
-                </a:tc>
-                <a:tc>
-                  <a:txBody>
-                    <a:bodyPr/>
-                    <a:lstStyle/>
-                    <a:p>
-                      <a:pPr algn="ctr"/>
-                      <a:r>
-                        <a:rPr lang="en-US" dirty="0"/>
-                        <a:t>True Positive(TP)</a:t>
-                      </a:r>
-                    </a:p>
-                  </a:txBody>
-                  <a:tcPr/>
-                </a:tc>
-                <a:tc>
-                  <a:txBody>
-                    <a:bodyPr/>
-                    <a:lstStyle/>
-                    <a:p>
-                      <a:pPr algn="ctr"/>
-                      <a:r>
-                        <a:rPr lang="en-US" dirty="0"/>
-                        <a:t>False Positive(FP)</a:t>
-                      </a:r>
-                    </a:p>
-                  </a:txBody>
-                  <a:tcPr/>
-                </a:tc>
-                <a:extLst>
-                  <a:ext uri="{0D108BD9-81ED-4DB2-BD59-A6C34878D82A}">
-                    <a16:rowId xmlns:a16="http://schemas.microsoft.com/office/drawing/2014/main" val="10002"/>
-                  </a:ext>
-                </a:extLst>
-              </a:tr>
-              <a:tr h="370840">
-                <a:tc>
-                  <a:txBody>
-                    <a:bodyPr/>
-                    <a:lstStyle/>
-                    <a:p>
-                      <a:pPr algn="ctr"/>
-                      <a:r>
-                        <a:rPr lang="en-US" i="1" dirty="0"/>
-                        <a:t>Negative</a:t>
-                      </a:r>
-                    </a:p>
-                  </a:txBody>
-                  <a:tcPr/>
-                </a:tc>
-                <a:tc>
-                  <a:txBody>
-                    <a:bodyPr/>
-                    <a:lstStyle/>
-                    <a:p>
-                      <a:pPr algn="ctr"/>
-                      <a:r>
-                        <a:rPr lang="en-US" dirty="0"/>
-                        <a:t>False Negative(FN)</a:t>
-                      </a:r>
-                    </a:p>
-                  </a:txBody>
-                  <a:tcPr/>
-                </a:tc>
-                <a:tc>
-                  <a:txBody>
-                    <a:bodyPr/>
-                    <a:lstStyle/>
-                    <a:p>
-                      <a:pPr algn="ctr"/>
-                      <a:r>
-                        <a:rPr lang="en-US" dirty="0"/>
-                        <a:t>True Negative(TN)</a:t>
-                      </a:r>
-                    </a:p>
-                  </a:txBody>
-                  <a:tcPr/>
-                </a:tc>
-                <a:extLst>
-                  <a:ext uri="{0D108BD9-81ED-4DB2-BD59-A6C34878D82A}">
-                    <a16:rowId xmlns:a16="http://schemas.microsoft.com/office/drawing/2014/main" val="10003"/>
-                  </a:ext>
-                </a:extLst>
-              </a:tr>
-            </a:tbl>
-          </a:graphicData>
-        </a:graphic>
-      </p:graphicFrame>
-      <p:sp>
-        <p:nvSpPr>
-          <p:cNvPr id="3" name="TextBox 2"/>
-          <p:cNvSpPr txBox="1"/>
-          <p:nvPr/>
-        </p:nvSpPr>
-        <p:spPr>
-          <a:xfrm>
-            <a:off x="885825" y="4586089"/>
-            <a:ext cx="5886452" cy="461665"/>
-          </a:xfrm>
-          <a:prstGeom prst="rect">
-            <a:avLst/>
-          </a:prstGeom>
-          <a:noFill/>
-        </p:spPr>
-        <p:txBody>
-          <a:bodyPr wrap="square" rtlCol="0">
-            <a:spAutoFit/>
-          </a:bodyPr>
-          <a:lstStyle/>
-          <a:p>
-            <a:r>
-              <a:rPr lang="en-US" sz="2400" b="1" dirty="0"/>
-              <a:t>Accuracy = </a:t>
-            </a:r>
-            <a:r>
-              <a:rPr lang="en-US" sz="2400" dirty="0"/>
-              <a:t>(TP + TN)/(P + N)</a:t>
-            </a:r>
-            <a:endParaRPr lang="en-US" sz="2400" b="1" dirty="0"/>
-          </a:p>
-        </p:txBody>
-      </p:sp>
-      <p:sp>
-        <p:nvSpPr>
-          <p:cNvPr id="5" name="TextBox 4"/>
-          <p:cNvSpPr txBox="1"/>
-          <p:nvPr/>
-        </p:nvSpPr>
-        <p:spPr>
-          <a:xfrm>
-            <a:off x="885825" y="5389881"/>
-            <a:ext cx="10953750" cy="1077218"/>
-          </a:xfrm>
-          <a:prstGeom prst="rect">
-            <a:avLst/>
-          </a:prstGeom>
-          <a:noFill/>
-        </p:spPr>
-        <p:txBody>
-          <a:bodyPr wrap="square" rtlCol="0">
-            <a:spAutoFit/>
-          </a:bodyPr>
-          <a:lstStyle/>
-          <a:p>
-            <a:r>
-              <a:rPr lang="en-US" sz="3200" dirty="0"/>
-              <a:t>Accuracy &gt; 70%</a:t>
-            </a:r>
-          </a:p>
-          <a:p>
-            <a:r>
-              <a:rPr lang="en-US" sz="3200" dirty="0"/>
-              <a:t>Response Time &lt; 2 seconds</a:t>
-            </a:r>
-          </a:p>
-        </p:txBody>
-      </p:sp>
-    </p:spTree>
-  </p:cSld>
-  <p:clrMapOvr>
-    <a:masterClrMapping/>
-  </p:clrMapOvr>
-</p:sld>
-</file>
-
-<file path=ppt/slides/slide11.xml><?xml version="1.0" encoding="utf-8"?>
 <p:sld xmlns:a="http://schemas.openxmlformats.org/drawingml/2006/main" xmlns:r="http://schemas.openxmlformats.org/officeDocument/2006/relationships" xmlns:p="http://schemas.openxmlformats.org/presentationml/2006/main">
   <p:cSld>
     <p:spTree>
@@ -4478,6 +4084,791 @@
 </p:sld>
 </file>
 
+<file path=ppt/slides/slide11.xml><?xml version="1.0" encoding="utf-8"?>
+<p:sld xmlns:a="http://schemas.openxmlformats.org/drawingml/2006/main" xmlns:r="http://schemas.openxmlformats.org/officeDocument/2006/relationships" xmlns:p="http://schemas.openxmlformats.org/presentationml/2006/main">
+  <p:cSld>
+    <p:spTree>
+      <p:nvGrpSpPr>
+        <p:cNvPr id="1" name=""/>
+        <p:cNvGrpSpPr/>
+        <p:nvPr/>
+      </p:nvGrpSpPr>
+      <p:grpSpPr>
+        <a:xfrm>
+          <a:off x="0" y="0"/>
+          <a:ext cx="0" cy="0"/>
+          <a:chOff x="0" y="0"/>
+          <a:chExt cx="0" cy="0"/>
+        </a:xfrm>
+      </p:grpSpPr>
+      <p:sp>
+        <p:nvSpPr>
+          <p:cNvPr id="4" name="TextBox 3"/>
+          <p:cNvSpPr txBox="1"/>
+          <p:nvPr/>
+        </p:nvSpPr>
+        <p:spPr>
+          <a:xfrm>
+            <a:off x="790574" y="685800"/>
+            <a:ext cx="4733926" cy="923330"/>
+          </a:xfrm>
+          <a:prstGeom prst="rect">
+            <a:avLst/>
+          </a:prstGeom>
+          <a:noFill/>
+        </p:spPr>
+        <p:txBody>
+          <a:bodyPr wrap="square" rtlCol="0">
+            <a:spAutoFit/>
+          </a:bodyPr>
+          <a:lstStyle/>
+          <a:p>
+            <a:r>
+              <a:rPr lang="en-US" sz="5400" b="0" i="0" dirty="0">
+                <a:solidFill>
+                  <a:srgbClr val="50575C"/>
+                </a:solidFill>
+                <a:effectLst/>
+                <a:latin typeface="Lato Extended"/>
+              </a:rPr>
+              <a:t>Methodology</a:t>
+            </a:r>
+            <a:endParaRPr lang="en-US" sz="5400" dirty="0">
+              <a:solidFill>
+                <a:srgbClr val="50575C"/>
+              </a:solidFill>
+            </a:endParaRPr>
+          </a:p>
+        </p:txBody>
+      </p:sp>
+      <p:sp>
+        <p:nvSpPr>
+          <p:cNvPr id="2" name="Rectangle 1">
+            <a:extLst>
+              <a:ext uri="{FF2B5EF4-FFF2-40B4-BE49-F238E27FC236}">
+                <a16:creationId xmlns:a16="http://schemas.microsoft.com/office/drawing/2014/main" id="{0E1990B7-6239-469B-A423-08292CBE968C}"/>
+              </a:ext>
+            </a:extLst>
+          </p:cNvPr>
+          <p:cNvSpPr/>
+          <p:nvPr/>
+        </p:nvSpPr>
+        <p:spPr>
+          <a:xfrm>
+            <a:off x="590549" y="1914525"/>
+            <a:ext cx="1695451" cy="1047750"/>
+          </a:xfrm>
+          <a:prstGeom prst="rect">
+            <a:avLst/>
+          </a:prstGeom>
+          <a:solidFill>
+            <a:schemeClr val="accent1">
+              <a:lumMod val="60000"/>
+              <a:lumOff val="40000"/>
+            </a:schemeClr>
+          </a:solidFill>
+        </p:spPr>
+        <p:style>
+          <a:lnRef idx="2">
+            <a:schemeClr val="accent1">
+              <a:shade val="50000"/>
+            </a:schemeClr>
+          </a:lnRef>
+          <a:fillRef idx="1">
+            <a:schemeClr val="accent1"/>
+          </a:fillRef>
+          <a:effectRef idx="0">
+            <a:schemeClr val="accent1"/>
+          </a:effectRef>
+          <a:fontRef idx="minor">
+            <a:schemeClr val="lt1"/>
+          </a:fontRef>
+        </p:style>
+        <p:txBody>
+          <a:bodyPr rtlCol="0" anchor="ctr"/>
+          <a:lstStyle/>
+          <a:p>
+            <a:pPr algn="ctr"/>
+            <a:r>
+              <a:rPr lang="en-US" sz="2800" b="1" dirty="0"/>
+              <a:t>Raw Data</a:t>
+            </a:r>
+          </a:p>
+        </p:txBody>
+      </p:sp>
+      <p:sp>
+        <p:nvSpPr>
+          <p:cNvPr id="3" name="Arrow: Right 2">
+            <a:extLst>
+              <a:ext uri="{FF2B5EF4-FFF2-40B4-BE49-F238E27FC236}">
+                <a16:creationId xmlns:a16="http://schemas.microsoft.com/office/drawing/2014/main" id="{429FA8DF-5210-4DED-B03B-2212A32A7000}"/>
+              </a:ext>
+            </a:extLst>
+          </p:cNvPr>
+          <p:cNvSpPr/>
+          <p:nvPr/>
+        </p:nvSpPr>
+        <p:spPr>
+          <a:xfrm>
+            <a:off x="2481262" y="2033587"/>
+            <a:ext cx="2371725" cy="809625"/>
+          </a:xfrm>
+          <a:prstGeom prst="rightArrow">
+            <a:avLst/>
+          </a:prstGeom>
+          <a:solidFill>
+            <a:schemeClr val="accent1">
+              <a:lumMod val="60000"/>
+              <a:lumOff val="40000"/>
+            </a:schemeClr>
+          </a:solidFill>
+        </p:spPr>
+        <p:style>
+          <a:lnRef idx="2">
+            <a:schemeClr val="accent1">
+              <a:shade val="50000"/>
+            </a:schemeClr>
+          </a:lnRef>
+          <a:fillRef idx="1">
+            <a:schemeClr val="accent1"/>
+          </a:fillRef>
+          <a:effectRef idx="0">
+            <a:schemeClr val="accent1"/>
+          </a:effectRef>
+          <a:fontRef idx="minor">
+            <a:schemeClr val="lt1"/>
+          </a:fontRef>
+        </p:style>
+        <p:txBody>
+          <a:bodyPr rtlCol="0" anchor="ctr"/>
+          <a:lstStyle/>
+          <a:p>
+            <a:pPr algn="ctr"/>
+            <a:r>
+              <a:rPr lang="en-US" dirty="0"/>
+              <a:t>Read, Select, Extract</a:t>
+            </a:r>
+          </a:p>
+        </p:txBody>
+      </p:sp>
+      <p:sp>
+        <p:nvSpPr>
+          <p:cNvPr id="7" name="Rectangle 6">
+            <a:extLst>
+              <a:ext uri="{FF2B5EF4-FFF2-40B4-BE49-F238E27FC236}">
+                <a16:creationId xmlns:a16="http://schemas.microsoft.com/office/drawing/2014/main" id="{78835783-FFC6-4811-A4B9-1748D1C27B8C}"/>
+              </a:ext>
+            </a:extLst>
+          </p:cNvPr>
+          <p:cNvSpPr/>
+          <p:nvPr/>
+        </p:nvSpPr>
+        <p:spPr>
+          <a:xfrm>
+            <a:off x="5048249" y="1914525"/>
+            <a:ext cx="1819276" cy="1047750"/>
+          </a:xfrm>
+          <a:prstGeom prst="rect">
+            <a:avLst/>
+          </a:prstGeom>
+          <a:solidFill>
+            <a:schemeClr val="accent1">
+              <a:lumMod val="60000"/>
+              <a:lumOff val="40000"/>
+            </a:schemeClr>
+          </a:solidFill>
+        </p:spPr>
+        <p:style>
+          <a:lnRef idx="2">
+            <a:schemeClr val="accent1">
+              <a:shade val="50000"/>
+            </a:schemeClr>
+          </a:lnRef>
+          <a:fillRef idx="1">
+            <a:schemeClr val="accent1"/>
+          </a:fillRef>
+          <a:effectRef idx="0">
+            <a:schemeClr val="accent1"/>
+          </a:effectRef>
+          <a:fontRef idx="minor">
+            <a:schemeClr val="lt1"/>
+          </a:fontRef>
+        </p:style>
+        <p:txBody>
+          <a:bodyPr rtlCol="0" anchor="ctr"/>
+          <a:lstStyle/>
+          <a:p>
+            <a:pPr algn="ctr"/>
+            <a:r>
+              <a:rPr lang="en-US" sz="2800" b="1" dirty="0" err="1"/>
+              <a:t>Dataframe</a:t>
+            </a:r>
+            <a:endParaRPr lang="en-US" sz="2800" b="1" dirty="0"/>
+          </a:p>
+        </p:txBody>
+      </p:sp>
+      <p:sp>
+        <p:nvSpPr>
+          <p:cNvPr id="9" name="Arrow: Right 8">
+            <a:extLst>
+              <a:ext uri="{FF2B5EF4-FFF2-40B4-BE49-F238E27FC236}">
+                <a16:creationId xmlns:a16="http://schemas.microsoft.com/office/drawing/2014/main" id="{2AB72626-76D5-4D6E-9C6C-D96D5FC18029}"/>
+              </a:ext>
+            </a:extLst>
+          </p:cNvPr>
+          <p:cNvSpPr/>
+          <p:nvPr/>
+        </p:nvSpPr>
+        <p:spPr>
+          <a:xfrm>
+            <a:off x="7062787" y="1995486"/>
+            <a:ext cx="2566987" cy="809625"/>
+          </a:xfrm>
+          <a:prstGeom prst="rightArrow">
+            <a:avLst/>
+          </a:prstGeom>
+          <a:solidFill>
+            <a:schemeClr val="accent1">
+              <a:lumMod val="60000"/>
+              <a:lumOff val="40000"/>
+            </a:schemeClr>
+          </a:solidFill>
+        </p:spPr>
+        <p:style>
+          <a:lnRef idx="2">
+            <a:schemeClr val="accent1">
+              <a:shade val="50000"/>
+            </a:schemeClr>
+          </a:lnRef>
+          <a:fillRef idx="1">
+            <a:schemeClr val="accent1"/>
+          </a:fillRef>
+          <a:effectRef idx="0">
+            <a:schemeClr val="accent1"/>
+          </a:effectRef>
+          <a:fontRef idx="minor">
+            <a:schemeClr val="lt1"/>
+          </a:fontRef>
+        </p:style>
+        <p:txBody>
+          <a:bodyPr rtlCol="0" anchor="ctr"/>
+          <a:lstStyle/>
+          <a:p>
+            <a:pPr algn="ctr"/>
+            <a:r>
+              <a:rPr lang="en-US" dirty="0"/>
+              <a:t>Train-valid, Standardize</a:t>
+            </a:r>
+          </a:p>
+        </p:txBody>
+      </p:sp>
+      <p:sp>
+        <p:nvSpPr>
+          <p:cNvPr id="10" name="Rectangle 9">
+            <a:extLst>
+              <a:ext uri="{FF2B5EF4-FFF2-40B4-BE49-F238E27FC236}">
+                <a16:creationId xmlns:a16="http://schemas.microsoft.com/office/drawing/2014/main" id="{7E8380D5-62CD-4467-AE26-CE29E0E53BF1}"/>
+              </a:ext>
+            </a:extLst>
+          </p:cNvPr>
+          <p:cNvSpPr/>
+          <p:nvPr/>
+        </p:nvSpPr>
+        <p:spPr>
+          <a:xfrm>
+            <a:off x="9825036" y="1795462"/>
+            <a:ext cx="1819276" cy="1047750"/>
+          </a:xfrm>
+          <a:prstGeom prst="rect">
+            <a:avLst/>
+          </a:prstGeom>
+          <a:solidFill>
+            <a:schemeClr val="accent1">
+              <a:lumMod val="60000"/>
+              <a:lumOff val="40000"/>
+            </a:schemeClr>
+          </a:solidFill>
+        </p:spPr>
+        <p:style>
+          <a:lnRef idx="2">
+            <a:schemeClr val="accent1">
+              <a:shade val="50000"/>
+            </a:schemeClr>
+          </a:lnRef>
+          <a:fillRef idx="1">
+            <a:schemeClr val="accent1"/>
+          </a:fillRef>
+          <a:effectRef idx="0">
+            <a:schemeClr val="accent1"/>
+          </a:effectRef>
+          <a:fontRef idx="minor">
+            <a:schemeClr val="lt1"/>
+          </a:fontRef>
+        </p:style>
+        <p:txBody>
+          <a:bodyPr rtlCol="0" anchor="ctr"/>
+          <a:lstStyle/>
+          <a:p>
+            <a:pPr algn="ctr"/>
+            <a:r>
+              <a:rPr lang="en-US" sz="2800" b="1" dirty="0" err="1"/>
+              <a:t>MLlib</a:t>
+            </a:r>
+            <a:endParaRPr lang="en-US" sz="2800" b="1" dirty="0"/>
+          </a:p>
+        </p:txBody>
+      </p:sp>
+      <p:sp>
+        <p:nvSpPr>
+          <p:cNvPr id="13" name="Arrow: Right 12">
+            <a:extLst>
+              <a:ext uri="{FF2B5EF4-FFF2-40B4-BE49-F238E27FC236}">
+                <a16:creationId xmlns:a16="http://schemas.microsoft.com/office/drawing/2014/main" id="{F25A1870-0629-4BF0-9D87-506F95B4705D}"/>
+              </a:ext>
+            </a:extLst>
+          </p:cNvPr>
+          <p:cNvSpPr/>
+          <p:nvPr/>
+        </p:nvSpPr>
+        <p:spPr>
+          <a:xfrm>
+            <a:off x="590549" y="3681414"/>
+            <a:ext cx="1600199" cy="809625"/>
+          </a:xfrm>
+          <a:prstGeom prst="rightArrow">
+            <a:avLst/>
+          </a:prstGeom>
+          <a:solidFill>
+            <a:schemeClr val="accent1">
+              <a:lumMod val="60000"/>
+              <a:lumOff val="40000"/>
+            </a:schemeClr>
+          </a:solidFill>
+        </p:spPr>
+        <p:style>
+          <a:lnRef idx="2">
+            <a:schemeClr val="accent1">
+              <a:shade val="50000"/>
+            </a:schemeClr>
+          </a:lnRef>
+          <a:fillRef idx="1">
+            <a:schemeClr val="accent1"/>
+          </a:fillRef>
+          <a:effectRef idx="0">
+            <a:schemeClr val="accent1"/>
+          </a:effectRef>
+          <a:fontRef idx="minor">
+            <a:schemeClr val="lt1"/>
+          </a:fontRef>
+        </p:style>
+        <p:txBody>
+          <a:bodyPr rtlCol="0" anchor="ctr"/>
+          <a:lstStyle/>
+          <a:p>
+            <a:pPr algn="ctr"/>
+            <a:r>
+              <a:rPr lang="en-US" dirty="0"/>
+              <a:t>Select, Save </a:t>
+            </a:r>
+          </a:p>
+        </p:txBody>
+      </p:sp>
+      <p:sp>
+        <p:nvSpPr>
+          <p:cNvPr id="14" name="Rectangle 13">
+            <a:extLst>
+              <a:ext uri="{FF2B5EF4-FFF2-40B4-BE49-F238E27FC236}">
+                <a16:creationId xmlns:a16="http://schemas.microsoft.com/office/drawing/2014/main" id="{9950A4D4-7038-447B-8C1D-7771A7771B8F}"/>
+              </a:ext>
+            </a:extLst>
+          </p:cNvPr>
+          <p:cNvSpPr/>
+          <p:nvPr/>
+        </p:nvSpPr>
+        <p:spPr>
+          <a:xfrm>
+            <a:off x="2476497" y="3581698"/>
+            <a:ext cx="1962151" cy="1047750"/>
+          </a:xfrm>
+          <a:prstGeom prst="rect">
+            <a:avLst/>
+          </a:prstGeom>
+          <a:solidFill>
+            <a:schemeClr val="accent1">
+              <a:lumMod val="60000"/>
+              <a:lumOff val="40000"/>
+            </a:schemeClr>
+          </a:solidFill>
+        </p:spPr>
+        <p:style>
+          <a:lnRef idx="2">
+            <a:schemeClr val="accent1">
+              <a:shade val="50000"/>
+            </a:schemeClr>
+          </a:lnRef>
+          <a:fillRef idx="1">
+            <a:schemeClr val="accent1"/>
+          </a:fillRef>
+          <a:effectRef idx="0">
+            <a:schemeClr val="accent1"/>
+          </a:effectRef>
+          <a:fontRef idx="minor">
+            <a:schemeClr val="lt1"/>
+          </a:fontRef>
+        </p:style>
+        <p:txBody>
+          <a:bodyPr rtlCol="0" anchor="ctr"/>
+          <a:lstStyle/>
+          <a:p>
+            <a:pPr algn="ctr"/>
+            <a:r>
+              <a:rPr lang="en-US" sz="2800" b="1" dirty="0"/>
+              <a:t>Best Model</a:t>
+            </a:r>
+          </a:p>
+        </p:txBody>
+      </p:sp>
+      <p:sp>
+        <p:nvSpPr>
+          <p:cNvPr id="15" name="Arrow: Right 14">
+            <a:extLst>
+              <a:ext uri="{FF2B5EF4-FFF2-40B4-BE49-F238E27FC236}">
+                <a16:creationId xmlns:a16="http://schemas.microsoft.com/office/drawing/2014/main" id="{2BC479DC-6E0E-42E2-9FA9-AC47FAE7D2AB}"/>
+              </a:ext>
+            </a:extLst>
+          </p:cNvPr>
+          <p:cNvSpPr/>
+          <p:nvPr/>
+        </p:nvSpPr>
+        <p:spPr>
+          <a:xfrm>
+            <a:off x="4724397" y="3681414"/>
+            <a:ext cx="3790953" cy="809625"/>
+          </a:xfrm>
+          <a:prstGeom prst="rightArrow">
+            <a:avLst/>
+          </a:prstGeom>
+          <a:solidFill>
+            <a:schemeClr val="accent1">
+              <a:lumMod val="60000"/>
+              <a:lumOff val="40000"/>
+            </a:schemeClr>
+          </a:solidFill>
+        </p:spPr>
+        <p:style>
+          <a:lnRef idx="2">
+            <a:schemeClr val="accent1">
+              <a:shade val="50000"/>
+            </a:schemeClr>
+          </a:lnRef>
+          <a:fillRef idx="1">
+            <a:schemeClr val="accent1"/>
+          </a:fillRef>
+          <a:effectRef idx="0">
+            <a:schemeClr val="accent1"/>
+          </a:effectRef>
+          <a:fontRef idx="minor">
+            <a:schemeClr val="lt1"/>
+          </a:fontRef>
+        </p:style>
+        <p:txBody>
+          <a:bodyPr rtlCol="0" anchor="ctr"/>
+          <a:lstStyle/>
+          <a:p>
+            <a:pPr algn="ctr"/>
+            <a:r>
+              <a:rPr lang="en-US" dirty="0"/>
+              <a:t>Load, predict </a:t>
+            </a:r>
+          </a:p>
+        </p:txBody>
+      </p:sp>
+      <p:sp>
+        <p:nvSpPr>
+          <p:cNvPr id="16" name="Arrow: Bent-Up 15">
+            <a:extLst>
+              <a:ext uri="{FF2B5EF4-FFF2-40B4-BE49-F238E27FC236}">
+                <a16:creationId xmlns:a16="http://schemas.microsoft.com/office/drawing/2014/main" id="{9760BC89-1C10-42ED-A1E6-AA943D516548}"/>
+              </a:ext>
+            </a:extLst>
+          </p:cNvPr>
+          <p:cNvSpPr/>
+          <p:nvPr/>
+        </p:nvSpPr>
+        <p:spPr>
+          <a:xfrm>
+            <a:off x="6036466" y="4629448"/>
+            <a:ext cx="1631159" cy="1309393"/>
+          </a:xfrm>
+          <a:prstGeom prst="bentUpArrow">
+            <a:avLst/>
+          </a:prstGeom>
+          <a:solidFill>
+            <a:schemeClr val="accent2">
+              <a:lumMod val="60000"/>
+              <a:lumOff val="40000"/>
+            </a:schemeClr>
+          </a:solidFill>
+        </p:spPr>
+        <p:style>
+          <a:lnRef idx="2">
+            <a:schemeClr val="accent1">
+              <a:shade val="50000"/>
+            </a:schemeClr>
+          </a:lnRef>
+          <a:fillRef idx="1">
+            <a:schemeClr val="accent1"/>
+          </a:fillRef>
+          <a:effectRef idx="0">
+            <a:schemeClr val="accent1"/>
+          </a:effectRef>
+          <a:fontRef idx="minor">
+            <a:schemeClr val="lt1"/>
+          </a:fontRef>
+        </p:style>
+        <p:txBody>
+          <a:bodyPr rtlCol="0" anchor="ctr"/>
+          <a:lstStyle/>
+          <a:p>
+            <a:pPr algn="ctr"/>
+            <a:endParaRPr lang="en-US" dirty="0"/>
+          </a:p>
+        </p:txBody>
+      </p:sp>
+      <p:sp>
+        <p:nvSpPr>
+          <p:cNvPr id="17" name="Rectangle 16">
+            <a:extLst>
+              <a:ext uri="{FF2B5EF4-FFF2-40B4-BE49-F238E27FC236}">
+                <a16:creationId xmlns:a16="http://schemas.microsoft.com/office/drawing/2014/main" id="{1AD0B773-70E0-4372-AC21-BF937D3B0955}"/>
+              </a:ext>
+            </a:extLst>
+          </p:cNvPr>
+          <p:cNvSpPr/>
+          <p:nvPr/>
+        </p:nvSpPr>
+        <p:spPr>
+          <a:xfrm>
+            <a:off x="590549" y="5248871"/>
+            <a:ext cx="2143126" cy="1047750"/>
+          </a:xfrm>
+          <a:prstGeom prst="rect">
+            <a:avLst/>
+          </a:prstGeom>
+          <a:solidFill>
+            <a:schemeClr val="accent2">
+              <a:lumMod val="60000"/>
+              <a:lumOff val="40000"/>
+            </a:schemeClr>
+          </a:solidFill>
+        </p:spPr>
+        <p:style>
+          <a:lnRef idx="2">
+            <a:schemeClr val="accent1">
+              <a:shade val="50000"/>
+            </a:schemeClr>
+          </a:lnRef>
+          <a:fillRef idx="1">
+            <a:schemeClr val="accent1"/>
+          </a:fillRef>
+          <a:effectRef idx="0">
+            <a:schemeClr val="accent1"/>
+          </a:effectRef>
+          <a:fontRef idx="minor">
+            <a:schemeClr val="lt1"/>
+          </a:fontRef>
+        </p:style>
+        <p:txBody>
+          <a:bodyPr rtlCol="0" anchor="ctr"/>
+          <a:lstStyle/>
+          <a:p>
+            <a:pPr algn="ctr"/>
+            <a:r>
+              <a:rPr lang="en-US" sz="2800" b="1" dirty="0"/>
+              <a:t>User Inputs</a:t>
+            </a:r>
+          </a:p>
+        </p:txBody>
+      </p:sp>
+      <p:sp>
+        <p:nvSpPr>
+          <p:cNvPr id="18" name="Arrow: Right 17">
+            <a:extLst>
+              <a:ext uri="{FF2B5EF4-FFF2-40B4-BE49-F238E27FC236}">
+                <a16:creationId xmlns:a16="http://schemas.microsoft.com/office/drawing/2014/main" id="{4383F87D-36D2-44BB-9640-7DAB951480CB}"/>
+              </a:ext>
+            </a:extLst>
+          </p:cNvPr>
+          <p:cNvSpPr/>
+          <p:nvPr/>
+        </p:nvSpPr>
+        <p:spPr>
+          <a:xfrm>
+            <a:off x="2883696" y="5367933"/>
+            <a:ext cx="1100137" cy="809625"/>
+          </a:xfrm>
+          <a:prstGeom prst="rightArrow">
+            <a:avLst/>
+          </a:prstGeom>
+          <a:solidFill>
+            <a:schemeClr val="accent2">
+              <a:lumMod val="60000"/>
+              <a:lumOff val="40000"/>
+            </a:schemeClr>
+          </a:solidFill>
+        </p:spPr>
+        <p:style>
+          <a:lnRef idx="2">
+            <a:schemeClr val="accent1">
+              <a:shade val="50000"/>
+            </a:schemeClr>
+          </a:lnRef>
+          <a:fillRef idx="1">
+            <a:schemeClr val="accent1"/>
+          </a:fillRef>
+          <a:effectRef idx="0">
+            <a:schemeClr val="accent1"/>
+          </a:effectRef>
+          <a:fontRef idx="minor">
+            <a:schemeClr val="lt1"/>
+          </a:fontRef>
+        </p:style>
+        <p:txBody>
+          <a:bodyPr rtlCol="0" anchor="ctr"/>
+          <a:lstStyle/>
+          <a:p>
+            <a:pPr algn="ctr"/>
+            <a:r>
+              <a:rPr lang="en-US" dirty="0"/>
+              <a:t>Extract</a:t>
+            </a:r>
+          </a:p>
+        </p:txBody>
+      </p:sp>
+      <p:sp>
+        <p:nvSpPr>
+          <p:cNvPr id="19" name="Rectangle 18">
+            <a:extLst>
+              <a:ext uri="{FF2B5EF4-FFF2-40B4-BE49-F238E27FC236}">
+                <a16:creationId xmlns:a16="http://schemas.microsoft.com/office/drawing/2014/main" id="{27A49743-59D1-457F-B6D0-DA057D9B637E}"/>
+              </a:ext>
+            </a:extLst>
+          </p:cNvPr>
+          <p:cNvSpPr/>
+          <p:nvPr/>
+        </p:nvSpPr>
+        <p:spPr>
+          <a:xfrm>
+            <a:off x="4100511" y="5248871"/>
+            <a:ext cx="1819276" cy="1047750"/>
+          </a:xfrm>
+          <a:prstGeom prst="rect">
+            <a:avLst/>
+          </a:prstGeom>
+          <a:solidFill>
+            <a:schemeClr val="accent2">
+              <a:lumMod val="60000"/>
+              <a:lumOff val="40000"/>
+            </a:schemeClr>
+          </a:solidFill>
+        </p:spPr>
+        <p:style>
+          <a:lnRef idx="2">
+            <a:schemeClr val="accent1">
+              <a:shade val="50000"/>
+            </a:schemeClr>
+          </a:lnRef>
+          <a:fillRef idx="1">
+            <a:schemeClr val="accent1"/>
+          </a:fillRef>
+          <a:effectRef idx="0">
+            <a:schemeClr val="accent1"/>
+          </a:effectRef>
+          <a:fontRef idx="minor">
+            <a:schemeClr val="lt1"/>
+          </a:fontRef>
+        </p:style>
+        <p:txBody>
+          <a:bodyPr rtlCol="0" anchor="ctr"/>
+          <a:lstStyle/>
+          <a:p>
+            <a:pPr algn="ctr"/>
+            <a:r>
+              <a:rPr lang="en-US" sz="2800" b="1" dirty="0" err="1"/>
+              <a:t>Dataframe</a:t>
+            </a:r>
+            <a:endParaRPr lang="en-US" sz="2800" b="1" dirty="0"/>
+          </a:p>
+        </p:txBody>
+      </p:sp>
+      <p:sp>
+        <p:nvSpPr>
+          <p:cNvPr id="20" name="Rectangle 19">
+            <a:extLst>
+              <a:ext uri="{FF2B5EF4-FFF2-40B4-BE49-F238E27FC236}">
+                <a16:creationId xmlns:a16="http://schemas.microsoft.com/office/drawing/2014/main" id="{3D59F0A5-5997-4AEA-AD7F-4C2FEC0F60CE}"/>
+              </a:ext>
+            </a:extLst>
+          </p:cNvPr>
+          <p:cNvSpPr/>
+          <p:nvPr/>
+        </p:nvSpPr>
+        <p:spPr>
+          <a:xfrm>
+            <a:off x="8801099" y="3490914"/>
+            <a:ext cx="3086101" cy="1047750"/>
+          </a:xfrm>
+          <a:prstGeom prst="rect">
+            <a:avLst/>
+          </a:prstGeom>
+          <a:solidFill>
+            <a:schemeClr val="accent1">
+              <a:lumMod val="60000"/>
+              <a:lumOff val="40000"/>
+            </a:schemeClr>
+          </a:solidFill>
+        </p:spPr>
+        <p:style>
+          <a:lnRef idx="2">
+            <a:schemeClr val="accent1">
+              <a:shade val="50000"/>
+            </a:schemeClr>
+          </a:lnRef>
+          <a:fillRef idx="1">
+            <a:schemeClr val="accent1"/>
+          </a:fillRef>
+          <a:effectRef idx="0">
+            <a:schemeClr val="accent1"/>
+          </a:effectRef>
+          <a:fontRef idx="minor">
+            <a:schemeClr val="lt1"/>
+          </a:fontRef>
+        </p:style>
+        <p:txBody>
+          <a:bodyPr rtlCol="0" anchor="ctr"/>
+          <a:lstStyle/>
+          <a:p>
+            <a:pPr algn="ctr"/>
+            <a:r>
+              <a:rPr lang="en-US" sz="2800" b="1" dirty="0"/>
+              <a:t>Prediction Results</a:t>
+            </a:r>
+          </a:p>
+        </p:txBody>
+      </p:sp>
+    </p:spTree>
+    <p:extLst>
+      <p:ext uri="{BB962C8B-B14F-4D97-AF65-F5344CB8AC3E}">
+        <p14:creationId xmlns:p14="http://schemas.microsoft.com/office/powerpoint/2010/main" val="1732558023"/>
+      </p:ext>
+    </p:extLst>
+  </p:cSld>
+  <p:clrMapOvr>
+    <a:masterClrMapping/>
+  </p:clrMapOvr>
+</p:sld>
+</file>
+
 <file path=ppt/slides/slide12.xml><?xml version="1.0" encoding="utf-8"?>
 <p:sld xmlns:a="http://schemas.openxmlformats.org/drawingml/2006/main" xmlns:r="http://schemas.openxmlformats.org/officeDocument/2006/relationships" xmlns:p="http://schemas.openxmlformats.org/presentationml/2006/main">
   <p:cSld>
@@ -5911,8 +6302,8 @@
         </p:nvSpPr>
         <p:spPr>
           <a:xfrm>
-            <a:off x="790574" y="685800"/>
-            <a:ext cx="4733926" cy="923330"/>
+            <a:off x="790575" y="685800"/>
+            <a:ext cx="8070215" cy="922020"/>
           </a:xfrm>
           <a:prstGeom prst="rect">
             <a:avLst/>
@@ -5925,736 +6316,108 @@
           </a:bodyPr>
           <a:lstStyle/>
           <a:p>
-            <a:r>
-              <a:rPr lang="en-US" sz="5400" b="0" i="0" dirty="0">
+            <a:pPr algn="l">
+              <a:buClrTx/>
+              <a:buSzTx/>
+              <a:buFontTx/>
+            </a:pPr>
+            <a:r>
+              <a:rPr lang="en-US" sz="5400" dirty="0">
                 <a:solidFill>
                   <a:srgbClr val="50575C"/>
                 </a:solidFill>
-                <a:effectLst/>
-                <a:latin typeface="Lato Extended"/>
               </a:rPr>
-              <a:t>Methodology</a:t>
-            </a:r>
-            <a:endParaRPr lang="en-US" sz="5400" dirty="0">
-              <a:solidFill>
-                <a:srgbClr val="50575C"/>
-              </a:solidFill>
-            </a:endParaRPr>
-          </a:p>
-        </p:txBody>
-      </p:sp>
-      <p:sp>
-        <p:nvSpPr>
-          <p:cNvPr id="2" name="Rectangle 1">
-            <a:extLst>
-              <a:ext uri="{FF2B5EF4-FFF2-40B4-BE49-F238E27FC236}">
-                <a16:creationId xmlns:a16="http://schemas.microsoft.com/office/drawing/2014/main" id="{0E1990B7-6239-469B-A423-08292CBE968C}"/>
-              </a:ext>
-            </a:extLst>
-          </p:cNvPr>
-          <p:cNvSpPr/>
+              <a:t>Program In Scala - 95.6%</a:t>
+            </a:r>
+          </a:p>
+        </p:txBody>
+      </p:sp>
+      <p:sp>
+        <p:nvSpPr>
+          <p:cNvPr id="6" name="TextBox 5"/>
+          <p:cNvSpPr txBox="1"/>
           <p:nvPr/>
         </p:nvSpPr>
         <p:spPr>
           <a:xfrm>
-            <a:off x="590549" y="1914525"/>
-            <a:ext cx="1695451" cy="1047750"/>
+            <a:off x="790574" y="1843087"/>
+            <a:ext cx="10515601" cy="4646295"/>
           </a:xfrm>
           <a:prstGeom prst="rect">
             <a:avLst/>
           </a:prstGeom>
-          <a:solidFill>
-            <a:schemeClr val="accent1">
-              <a:lumMod val="60000"/>
-              <a:lumOff val="40000"/>
-            </a:schemeClr>
-          </a:solidFill>
-        </p:spPr>
-        <p:style>
-          <a:lnRef idx="2">
-            <a:schemeClr val="accent1">
-              <a:shade val="50000"/>
-            </a:schemeClr>
-          </a:lnRef>
-          <a:fillRef idx="1">
-            <a:schemeClr val="accent1"/>
-          </a:fillRef>
-          <a:effectRef idx="0">
-            <a:schemeClr val="accent1"/>
-          </a:effectRef>
-          <a:fontRef idx="minor">
-            <a:schemeClr val="lt1"/>
-          </a:fontRef>
-        </p:style>
-        <p:txBody>
-          <a:bodyPr rtlCol="0" anchor="ctr"/>
-          <a:lstStyle/>
-          <a:p>
-            <a:pPr algn="ctr"/>
-            <a:r>
-              <a:rPr lang="en-US" sz="2800" b="1" dirty="0"/>
-              <a:t>Raw Data</a:t>
-            </a:r>
-          </a:p>
-        </p:txBody>
-      </p:sp>
-      <p:sp>
-        <p:nvSpPr>
-          <p:cNvPr id="3" name="Arrow: Right 2">
-            <a:extLst>
-              <a:ext uri="{FF2B5EF4-FFF2-40B4-BE49-F238E27FC236}">
-                <a16:creationId xmlns:a16="http://schemas.microsoft.com/office/drawing/2014/main" id="{429FA8DF-5210-4DED-B03B-2212A32A7000}"/>
-              </a:ext>
-            </a:extLst>
-          </p:cNvPr>
-          <p:cNvSpPr/>
-          <p:nvPr/>
-        </p:nvSpPr>
-        <p:spPr>
-          <a:xfrm>
-            <a:off x="2481262" y="2033587"/>
-            <a:ext cx="2371725" cy="809625"/>
-          </a:xfrm>
-          <a:prstGeom prst="rightArrow">
-            <a:avLst/>
-          </a:prstGeom>
-          <a:solidFill>
-            <a:schemeClr val="accent1">
-              <a:lumMod val="60000"/>
-              <a:lumOff val="40000"/>
-            </a:schemeClr>
-          </a:solidFill>
-        </p:spPr>
-        <p:style>
-          <a:lnRef idx="2">
-            <a:schemeClr val="accent1">
-              <a:shade val="50000"/>
-            </a:schemeClr>
-          </a:lnRef>
-          <a:fillRef idx="1">
-            <a:schemeClr val="accent1"/>
-          </a:fillRef>
-          <a:effectRef idx="0">
-            <a:schemeClr val="accent1"/>
-          </a:effectRef>
-          <a:fontRef idx="minor">
-            <a:schemeClr val="lt1"/>
-          </a:fontRef>
-        </p:style>
-        <p:txBody>
-          <a:bodyPr rtlCol="0" anchor="ctr"/>
-          <a:lstStyle/>
-          <a:p>
-            <a:pPr algn="ctr"/>
-            <a:r>
-              <a:rPr lang="en-US" dirty="0"/>
-              <a:t>Read, Select, Extract</a:t>
-            </a:r>
-          </a:p>
-        </p:txBody>
-      </p:sp>
-      <p:sp>
-        <p:nvSpPr>
-          <p:cNvPr id="7" name="Rectangle 6">
-            <a:extLst>
-              <a:ext uri="{FF2B5EF4-FFF2-40B4-BE49-F238E27FC236}">
-                <a16:creationId xmlns:a16="http://schemas.microsoft.com/office/drawing/2014/main" id="{78835783-FFC6-4811-A4B9-1748D1C27B8C}"/>
-              </a:ext>
-            </a:extLst>
-          </p:cNvPr>
-          <p:cNvSpPr/>
-          <p:nvPr/>
-        </p:nvSpPr>
-        <p:spPr>
-          <a:xfrm>
-            <a:off x="5048249" y="1914525"/>
-            <a:ext cx="1819276" cy="1047750"/>
-          </a:xfrm>
-          <a:prstGeom prst="rect">
-            <a:avLst/>
-          </a:prstGeom>
-          <a:solidFill>
-            <a:schemeClr val="accent1">
-              <a:lumMod val="60000"/>
-              <a:lumOff val="40000"/>
-            </a:schemeClr>
-          </a:solidFill>
-        </p:spPr>
-        <p:style>
-          <a:lnRef idx="2">
-            <a:schemeClr val="accent1">
-              <a:shade val="50000"/>
-            </a:schemeClr>
-          </a:lnRef>
-          <a:fillRef idx="1">
-            <a:schemeClr val="accent1"/>
-          </a:fillRef>
-          <a:effectRef idx="0">
-            <a:schemeClr val="accent1"/>
-          </a:effectRef>
-          <a:fontRef idx="minor">
-            <a:schemeClr val="lt1"/>
-          </a:fontRef>
-        </p:style>
-        <p:txBody>
-          <a:bodyPr rtlCol="0" anchor="ctr"/>
-          <a:lstStyle/>
-          <a:p>
-            <a:pPr algn="ctr"/>
-            <a:r>
-              <a:rPr lang="en-US" sz="2800" b="1" dirty="0" err="1"/>
-              <a:t>Dataframe</a:t>
-            </a:r>
-            <a:endParaRPr lang="en-US" sz="2800" b="1" dirty="0"/>
-          </a:p>
-        </p:txBody>
-      </p:sp>
-      <p:sp>
-        <p:nvSpPr>
-          <p:cNvPr id="9" name="Arrow: Right 8">
-            <a:extLst>
-              <a:ext uri="{FF2B5EF4-FFF2-40B4-BE49-F238E27FC236}">
-                <a16:creationId xmlns:a16="http://schemas.microsoft.com/office/drawing/2014/main" id="{2AB72626-76D5-4D6E-9C6C-D96D5FC18029}"/>
-              </a:ext>
-            </a:extLst>
-          </p:cNvPr>
-          <p:cNvSpPr/>
-          <p:nvPr/>
-        </p:nvSpPr>
-        <p:spPr>
-          <a:xfrm>
-            <a:off x="7062787" y="1995486"/>
-            <a:ext cx="2566987" cy="809625"/>
-          </a:xfrm>
-          <a:prstGeom prst="rightArrow">
-            <a:avLst/>
-          </a:prstGeom>
-          <a:solidFill>
-            <a:schemeClr val="accent1">
-              <a:lumMod val="60000"/>
-              <a:lumOff val="40000"/>
-            </a:schemeClr>
-          </a:solidFill>
-        </p:spPr>
-        <p:style>
-          <a:lnRef idx="2">
-            <a:schemeClr val="accent1">
-              <a:shade val="50000"/>
-            </a:schemeClr>
-          </a:lnRef>
-          <a:fillRef idx="1">
-            <a:schemeClr val="accent1"/>
-          </a:fillRef>
-          <a:effectRef idx="0">
-            <a:schemeClr val="accent1"/>
-          </a:effectRef>
-          <a:fontRef idx="minor">
-            <a:schemeClr val="lt1"/>
-          </a:fontRef>
-        </p:style>
-        <p:txBody>
-          <a:bodyPr rtlCol="0" anchor="ctr"/>
-          <a:lstStyle/>
-          <a:p>
-            <a:pPr algn="ctr"/>
-            <a:r>
-              <a:rPr lang="en-US" dirty="0"/>
-              <a:t>Train-valid, Standardize</a:t>
-            </a:r>
-          </a:p>
-        </p:txBody>
-      </p:sp>
-      <p:sp>
-        <p:nvSpPr>
-          <p:cNvPr id="10" name="Rectangle 9">
-            <a:extLst>
-              <a:ext uri="{FF2B5EF4-FFF2-40B4-BE49-F238E27FC236}">
-                <a16:creationId xmlns:a16="http://schemas.microsoft.com/office/drawing/2014/main" id="{7E8380D5-62CD-4467-AE26-CE29E0E53BF1}"/>
-              </a:ext>
-            </a:extLst>
-          </p:cNvPr>
-          <p:cNvSpPr/>
-          <p:nvPr/>
-        </p:nvSpPr>
-        <p:spPr>
-          <a:xfrm>
-            <a:off x="9825036" y="1795462"/>
-            <a:ext cx="1819276" cy="1047750"/>
-          </a:xfrm>
-          <a:prstGeom prst="rect">
-            <a:avLst/>
-          </a:prstGeom>
-          <a:solidFill>
-            <a:schemeClr val="accent1">
-              <a:lumMod val="60000"/>
-              <a:lumOff val="40000"/>
-            </a:schemeClr>
-          </a:solidFill>
-        </p:spPr>
-        <p:style>
-          <a:lnRef idx="2">
-            <a:schemeClr val="accent1">
-              <a:shade val="50000"/>
-            </a:schemeClr>
-          </a:lnRef>
-          <a:fillRef idx="1">
-            <a:schemeClr val="accent1"/>
-          </a:fillRef>
-          <a:effectRef idx="0">
-            <a:schemeClr val="accent1"/>
-          </a:effectRef>
-          <a:fontRef idx="minor">
-            <a:schemeClr val="lt1"/>
-          </a:fontRef>
-        </p:style>
-        <p:txBody>
-          <a:bodyPr rtlCol="0" anchor="ctr"/>
-          <a:lstStyle/>
-          <a:p>
-            <a:pPr algn="ctr"/>
-            <a:r>
-              <a:rPr lang="en-US" sz="2800" b="1" dirty="0" err="1"/>
-              <a:t>MLlib</a:t>
-            </a:r>
-            <a:endParaRPr lang="en-US" sz="2800" b="1" dirty="0"/>
-          </a:p>
-        </p:txBody>
-      </p:sp>
-      <p:sp>
-        <p:nvSpPr>
-          <p:cNvPr id="13" name="Arrow: Right 12">
-            <a:extLst>
-              <a:ext uri="{FF2B5EF4-FFF2-40B4-BE49-F238E27FC236}">
-                <a16:creationId xmlns:a16="http://schemas.microsoft.com/office/drawing/2014/main" id="{F25A1870-0629-4BF0-9D87-506F95B4705D}"/>
-              </a:ext>
-            </a:extLst>
-          </p:cNvPr>
-          <p:cNvSpPr/>
-          <p:nvPr/>
-        </p:nvSpPr>
-        <p:spPr>
-          <a:xfrm>
-            <a:off x="590549" y="3681414"/>
-            <a:ext cx="1600199" cy="809625"/>
-          </a:xfrm>
-          <a:prstGeom prst="rightArrow">
-            <a:avLst/>
-          </a:prstGeom>
-          <a:solidFill>
-            <a:schemeClr val="accent1">
-              <a:lumMod val="60000"/>
-              <a:lumOff val="40000"/>
-            </a:schemeClr>
-          </a:solidFill>
-        </p:spPr>
-        <p:style>
-          <a:lnRef idx="2">
-            <a:schemeClr val="accent1">
-              <a:shade val="50000"/>
-            </a:schemeClr>
-          </a:lnRef>
-          <a:fillRef idx="1">
-            <a:schemeClr val="accent1"/>
-          </a:fillRef>
-          <a:effectRef idx="0">
-            <a:schemeClr val="accent1"/>
-          </a:effectRef>
-          <a:fontRef idx="minor">
-            <a:schemeClr val="lt1"/>
-          </a:fontRef>
-        </p:style>
-        <p:txBody>
-          <a:bodyPr rtlCol="0" anchor="ctr"/>
-          <a:lstStyle/>
-          <a:p>
-            <a:pPr algn="ctr"/>
-            <a:r>
-              <a:rPr lang="en-US" dirty="0"/>
-              <a:t>Select, Save </a:t>
-            </a:r>
-          </a:p>
-        </p:txBody>
-      </p:sp>
-      <p:sp>
-        <p:nvSpPr>
-          <p:cNvPr id="14" name="Rectangle 13">
-            <a:extLst>
-              <a:ext uri="{FF2B5EF4-FFF2-40B4-BE49-F238E27FC236}">
-                <a16:creationId xmlns:a16="http://schemas.microsoft.com/office/drawing/2014/main" id="{9950A4D4-7038-447B-8C1D-7771A7771B8F}"/>
-              </a:ext>
-            </a:extLst>
-          </p:cNvPr>
-          <p:cNvSpPr/>
-          <p:nvPr/>
-        </p:nvSpPr>
-        <p:spPr>
-          <a:xfrm>
-            <a:off x="2476497" y="3581698"/>
-            <a:ext cx="1962151" cy="1047750"/>
-          </a:xfrm>
-          <a:prstGeom prst="rect">
-            <a:avLst/>
-          </a:prstGeom>
-          <a:solidFill>
-            <a:schemeClr val="accent1">
-              <a:lumMod val="60000"/>
-              <a:lumOff val="40000"/>
-            </a:schemeClr>
-          </a:solidFill>
-        </p:spPr>
-        <p:style>
-          <a:lnRef idx="2">
-            <a:schemeClr val="accent1">
-              <a:shade val="50000"/>
-            </a:schemeClr>
-          </a:lnRef>
-          <a:fillRef idx="1">
-            <a:schemeClr val="accent1"/>
-          </a:fillRef>
-          <a:effectRef idx="0">
-            <a:schemeClr val="accent1"/>
-          </a:effectRef>
-          <a:fontRef idx="minor">
-            <a:schemeClr val="lt1"/>
-          </a:fontRef>
-        </p:style>
-        <p:txBody>
-          <a:bodyPr rtlCol="0" anchor="ctr"/>
-          <a:lstStyle/>
-          <a:p>
-            <a:pPr algn="ctr"/>
-            <a:r>
-              <a:rPr lang="en-US" sz="2800" b="1" dirty="0"/>
-              <a:t>Best Model</a:t>
-            </a:r>
-          </a:p>
-        </p:txBody>
-      </p:sp>
-      <p:sp>
-        <p:nvSpPr>
-          <p:cNvPr id="15" name="Arrow: Right 14">
-            <a:extLst>
-              <a:ext uri="{FF2B5EF4-FFF2-40B4-BE49-F238E27FC236}">
-                <a16:creationId xmlns:a16="http://schemas.microsoft.com/office/drawing/2014/main" id="{2BC479DC-6E0E-42E2-9FA9-AC47FAE7D2AB}"/>
-              </a:ext>
-            </a:extLst>
-          </p:cNvPr>
-          <p:cNvSpPr/>
-          <p:nvPr/>
-        </p:nvSpPr>
-        <p:spPr>
-          <a:xfrm>
-            <a:off x="4724397" y="3681414"/>
-            <a:ext cx="3790953" cy="809625"/>
-          </a:xfrm>
-          <a:prstGeom prst="rightArrow">
-            <a:avLst/>
-          </a:prstGeom>
-          <a:solidFill>
-            <a:schemeClr val="accent1">
-              <a:lumMod val="60000"/>
-              <a:lumOff val="40000"/>
-            </a:schemeClr>
-          </a:solidFill>
-        </p:spPr>
-        <p:style>
-          <a:lnRef idx="2">
-            <a:schemeClr val="accent1">
-              <a:shade val="50000"/>
-            </a:schemeClr>
-          </a:lnRef>
-          <a:fillRef idx="1">
-            <a:schemeClr val="accent1"/>
-          </a:fillRef>
-          <a:effectRef idx="0">
-            <a:schemeClr val="accent1"/>
-          </a:effectRef>
-          <a:fontRef idx="minor">
-            <a:schemeClr val="lt1"/>
-          </a:fontRef>
-        </p:style>
-        <p:txBody>
-          <a:bodyPr rtlCol="0" anchor="ctr"/>
-          <a:lstStyle/>
-          <a:p>
-            <a:pPr algn="ctr"/>
-            <a:r>
-              <a:rPr lang="en-US" dirty="0"/>
-              <a:t>Load, predict </a:t>
-            </a:r>
-          </a:p>
-        </p:txBody>
-      </p:sp>
-      <p:sp>
-        <p:nvSpPr>
-          <p:cNvPr id="16" name="Arrow: Bent-Up 15">
-            <a:extLst>
-              <a:ext uri="{FF2B5EF4-FFF2-40B4-BE49-F238E27FC236}">
-                <a16:creationId xmlns:a16="http://schemas.microsoft.com/office/drawing/2014/main" id="{9760BC89-1C10-42ED-A1E6-AA943D516548}"/>
-              </a:ext>
-            </a:extLst>
-          </p:cNvPr>
-          <p:cNvSpPr/>
-          <p:nvPr/>
-        </p:nvSpPr>
-        <p:spPr>
-          <a:xfrm>
-            <a:off x="6036466" y="4629448"/>
-            <a:ext cx="1631159" cy="1309393"/>
-          </a:xfrm>
-          <a:prstGeom prst="bentUpArrow">
-            <a:avLst/>
-          </a:prstGeom>
-          <a:solidFill>
-            <a:schemeClr val="accent2">
-              <a:lumMod val="60000"/>
-              <a:lumOff val="40000"/>
-            </a:schemeClr>
-          </a:solidFill>
-        </p:spPr>
-        <p:style>
-          <a:lnRef idx="2">
-            <a:schemeClr val="accent1">
-              <a:shade val="50000"/>
-            </a:schemeClr>
-          </a:lnRef>
-          <a:fillRef idx="1">
-            <a:schemeClr val="accent1"/>
-          </a:fillRef>
-          <a:effectRef idx="0">
-            <a:schemeClr val="accent1"/>
-          </a:effectRef>
-          <a:fontRef idx="minor">
-            <a:schemeClr val="lt1"/>
-          </a:fontRef>
-        </p:style>
-        <p:txBody>
-          <a:bodyPr rtlCol="0" anchor="ctr"/>
-          <a:lstStyle/>
-          <a:p>
-            <a:pPr algn="ctr"/>
-            <a:endParaRPr lang="en-US" dirty="0"/>
-          </a:p>
-        </p:txBody>
-      </p:sp>
-      <p:sp>
-        <p:nvSpPr>
-          <p:cNvPr id="17" name="Rectangle 16">
-            <a:extLst>
-              <a:ext uri="{FF2B5EF4-FFF2-40B4-BE49-F238E27FC236}">
-                <a16:creationId xmlns:a16="http://schemas.microsoft.com/office/drawing/2014/main" id="{1AD0B773-70E0-4372-AC21-BF937D3B0955}"/>
-              </a:ext>
-            </a:extLst>
-          </p:cNvPr>
-          <p:cNvSpPr/>
-          <p:nvPr/>
-        </p:nvSpPr>
-        <p:spPr>
-          <a:xfrm>
-            <a:off x="590549" y="5248871"/>
-            <a:ext cx="2143126" cy="1047750"/>
-          </a:xfrm>
-          <a:prstGeom prst="rect">
-            <a:avLst/>
-          </a:prstGeom>
-          <a:solidFill>
-            <a:schemeClr val="accent2">
-              <a:lumMod val="60000"/>
-              <a:lumOff val="40000"/>
-            </a:schemeClr>
-          </a:solidFill>
-        </p:spPr>
-        <p:style>
-          <a:lnRef idx="2">
-            <a:schemeClr val="accent1">
-              <a:shade val="50000"/>
-            </a:schemeClr>
-          </a:lnRef>
-          <a:fillRef idx="1">
-            <a:schemeClr val="accent1"/>
-          </a:fillRef>
-          <a:effectRef idx="0">
-            <a:schemeClr val="accent1"/>
-          </a:effectRef>
-          <a:fontRef idx="minor">
-            <a:schemeClr val="lt1"/>
-          </a:fontRef>
-        </p:style>
-        <p:txBody>
-          <a:bodyPr rtlCol="0" anchor="ctr"/>
-          <a:lstStyle/>
-          <a:p>
-            <a:pPr algn="ctr"/>
-            <a:r>
-              <a:rPr lang="en-US" sz="2800" b="1" dirty="0"/>
-              <a:t>User Inputs</a:t>
-            </a:r>
-          </a:p>
-        </p:txBody>
-      </p:sp>
-      <p:sp>
-        <p:nvSpPr>
-          <p:cNvPr id="18" name="Arrow: Right 17">
-            <a:extLst>
-              <a:ext uri="{FF2B5EF4-FFF2-40B4-BE49-F238E27FC236}">
-                <a16:creationId xmlns:a16="http://schemas.microsoft.com/office/drawing/2014/main" id="{4383F87D-36D2-44BB-9640-7DAB951480CB}"/>
-              </a:ext>
-            </a:extLst>
-          </p:cNvPr>
-          <p:cNvSpPr/>
-          <p:nvPr/>
-        </p:nvSpPr>
-        <p:spPr>
-          <a:xfrm>
-            <a:off x="2883696" y="5367933"/>
-            <a:ext cx="1100137" cy="809625"/>
-          </a:xfrm>
-          <a:prstGeom prst="rightArrow">
-            <a:avLst/>
-          </a:prstGeom>
-          <a:solidFill>
-            <a:schemeClr val="accent2">
-              <a:lumMod val="60000"/>
-              <a:lumOff val="40000"/>
-            </a:schemeClr>
-          </a:solidFill>
-        </p:spPr>
-        <p:style>
-          <a:lnRef idx="2">
-            <a:schemeClr val="accent1">
-              <a:shade val="50000"/>
-            </a:schemeClr>
-          </a:lnRef>
-          <a:fillRef idx="1">
-            <a:schemeClr val="accent1"/>
-          </a:fillRef>
-          <a:effectRef idx="0">
-            <a:schemeClr val="accent1"/>
-          </a:effectRef>
-          <a:fontRef idx="minor">
-            <a:schemeClr val="lt1"/>
-          </a:fontRef>
-        </p:style>
-        <p:txBody>
-          <a:bodyPr rtlCol="0" anchor="ctr"/>
-          <a:lstStyle/>
-          <a:p>
-            <a:pPr algn="ctr"/>
-            <a:r>
-              <a:rPr lang="en-US" dirty="0"/>
-              <a:t>Extract</a:t>
-            </a:r>
-          </a:p>
-        </p:txBody>
-      </p:sp>
-      <p:sp>
-        <p:nvSpPr>
-          <p:cNvPr id="19" name="Rectangle 18">
-            <a:extLst>
-              <a:ext uri="{FF2B5EF4-FFF2-40B4-BE49-F238E27FC236}">
-                <a16:creationId xmlns:a16="http://schemas.microsoft.com/office/drawing/2014/main" id="{27A49743-59D1-457F-B6D0-DA057D9B637E}"/>
-              </a:ext>
-            </a:extLst>
-          </p:cNvPr>
-          <p:cNvSpPr/>
-          <p:nvPr/>
-        </p:nvSpPr>
-        <p:spPr>
-          <a:xfrm>
-            <a:off x="4100511" y="5248871"/>
-            <a:ext cx="1819276" cy="1047750"/>
-          </a:xfrm>
-          <a:prstGeom prst="rect">
-            <a:avLst/>
-          </a:prstGeom>
-          <a:solidFill>
-            <a:schemeClr val="accent2">
-              <a:lumMod val="60000"/>
-              <a:lumOff val="40000"/>
-            </a:schemeClr>
-          </a:solidFill>
-        </p:spPr>
-        <p:style>
-          <a:lnRef idx="2">
-            <a:schemeClr val="accent1">
-              <a:shade val="50000"/>
-            </a:schemeClr>
-          </a:lnRef>
-          <a:fillRef idx="1">
-            <a:schemeClr val="accent1"/>
-          </a:fillRef>
-          <a:effectRef idx="0">
-            <a:schemeClr val="accent1"/>
-          </a:effectRef>
-          <a:fontRef idx="minor">
-            <a:schemeClr val="lt1"/>
-          </a:fontRef>
-        </p:style>
-        <p:txBody>
-          <a:bodyPr rtlCol="0" anchor="ctr"/>
-          <a:lstStyle/>
-          <a:p>
-            <a:pPr algn="ctr"/>
-            <a:r>
-              <a:rPr lang="en-US" sz="2800" b="1" dirty="0" err="1"/>
-              <a:t>Dataframe</a:t>
-            </a:r>
-            <a:endParaRPr lang="en-US" sz="2800" b="1" dirty="0"/>
-          </a:p>
-        </p:txBody>
-      </p:sp>
-      <p:sp>
-        <p:nvSpPr>
-          <p:cNvPr id="20" name="Rectangle 19">
-            <a:extLst>
-              <a:ext uri="{FF2B5EF4-FFF2-40B4-BE49-F238E27FC236}">
-                <a16:creationId xmlns:a16="http://schemas.microsoft.com/office/drawing/2014/main" id="{3D59F0A5-5997-4AEA-AD7F-4C2FEC0F60CE}"/>
-              </a:ext>
-            </a:extLst>
-          </p:cNvPr>
-          <p:cNvSpPr/>
-          <p:nvPr/>
-        </p:nvSpPr>
-        <p:spPr>
-          <a:xfrm>
-            <a:off x="8801099" y="3490914"/>
-            <a:ext cx="3086101" cy="1047750"/>
-          </a:xfrm>
-          <a:prstGeom prst="rect">
-            <a:avLst/>
-          </a:prstGeom>
-          <a:solidFill>
-            <a:schemeClr val="accent1">
-              <a:lumMod val="60000"/>
-              <a:lumOff val="40000"/>
-            </a:schemeClr>
-          </a:solidFill>
-        </p:spPr>
-        <p:style>
-          <a:lnRef idx="2">
-            <a:schemeClr val="accent1">
-              <a:shade val="50000"/>
-            </a:schemeClr>
-          </a:lnRef>
-          <a:fillRef idx="1">
-            <a:schemeClr val="accent1"/>
-          </a:fillRef>
-          <a:effectRef idx="0">
-            <a:schemeClr val="accent1"/>
-          </a:effectRef>
-          <a:fontRef idx="minor">
-            <a:schemeClr val="lt1"/>
-          </a:fontRef>
-        </p:style>
-        <p:txBody>
-          <a:bodyPr rtlCol="0" anchor="ctr"/>
-          <a:lstStyle/>
-          <a:p>
-            <a:pPr algn="ctr"/>
-            <a:r>
-              <a:rPr lang="en-US" sz="2800" b="1" dirty="0"/>
-              <a:t>Prediction Results</a:t>
-            </a:r>
+          <a:noFill/>
+        </p:spPr>
+        <p:txBody>
+          <a:bodyPr wrap="square" rtlCol="0">
+            <a:spAutoFit/>
+          </a:bodyPr>
+          <a:lstStyle/>
+          <a:p>
+            <a:r>
+              <a:rPr lang="en-US" sz="3200" dirty="0"/>
+              <a:t>Data preprocessing</a:t>
+            </a:r>
+          </a:p>
+          <a:p>
+            <a:endParaRPr lang="en-US" sz="1600" dirty="0"/>
+          </a:p>
+          <a:p>
+            <a:r>
+              <a:rPr lang="en-US" sz="3200" dirty="0"/>
+              <a:t>Spark Mllib </a:t>
+            </a:r>
+          </a:p>
+          <a:p>
+            <a:r>
+              <a:rPr lang="en-US" sz="1600" dirty="0"/>
+              <a:t> </a:t>
+            </a:r>
+          </a:p>
+          <a:p>
+            <a:r>
+              <a:rPr lang="en-US" sz="3200" dirty="0"/>
+              <a:t>Play2.X Framework </a:t>
+            </a:r>
+            <a:r>
+              <a:rPr lang="en-US" b="1" dirty="0">
+                <a:sym typeface="+mn-ea"/>
+              </a:rPr>
+              <a:t>*Left 4.4% part of codes are written by HTML and CSS</a:t>
+            </a:r>
+            <a:endParaRPr lang="en-US" b="1" dirty="0"/>
+          </a:p>
+          <a:p>
+            <a:endParaRPr lang="en-US" sz="1600" dirty="0"/>
+          </a:p>
+          <a:p>
+            <a:r>
+              <a:rPr lang="en-US" sz="3200" dirty="0"/>
+              <a:t>All unit tests</a:t>
+            </a:r>
+          </a:p>
+          <a:p>
+            <a:endParaRPr lang="en-US" sz="3200" dirty="0"/>
+          </a:p>
+          <a:p>
+            <a:r>
+              <a:rPr lang="en-US" sz="3200" dirty="0" err="1"/>
+              <a:t>Github</a:t>
+            </a:r>
+            <a:r>
+              <a:rPr lang="en-US" sz="3200" dirty="0"/>
+              <a:t> Repository: </a:t>
+            </a:r>
+            <a:r>
+              <a:rPr lang="en-US" sz="2800" dirty="0">
+                <a:hlinkClick r:id="rId2"/>
+              </a:rPr>
+              <a:t>https://github.com/ljch9725/CSYE7200_Final_Project_Team7</a:t>
+            </a:r>
+            <a:endParaRPr lang="en-US" sz="2800" dirty="0"/>
+          </a:p>
+          <a:p>
+            <a:endParaRPr lang="en-US" sz="2800" dirty="0"/>
           </a:p>
         </p:txBody>
       </p:sp>
@@ -6691,8 +6454,8 @@
         </p:nvSpPr>
         <p:spPr>
           <a:xfrm>
-            <a:off x="790575" y="685800"/>
-            <a:ext cx="8070215" cy="922020"/>
+            <a:off x="790574" y="685800"/>
+            <a:ext cx="4733926" cy="922020"/>
           </a:xfrm>
           <a:prstGeom prst="rect">
             <a:avLst/>
@@ -6705,18 +6468,13 @@
           </a:bodyPr>
           <a:lstStyle/>
           <a:p>
-            <a:pPr algn="l">
-              <a:buClrTx/>
-              <a:buSzTx/>
-              <a:buFontTx/>
-            </a:pPr>
             <a:r>
               <a:rPr lang="en-US" sz="5400" dirty="0">
                 <a:solidFill>
                   <a:srgbClr val="50575C"/>
                 </a:solidFill>
               </a:rPr>
-              <a:t>Program In Scala - 95.6%</a:t>
+              <a:t>Milestones</a:t>
             </a:r>
           </a:p>
         </p:txBody>
@@ -6729,8 +6487,8 @@
         </p:nvSpPr>
         <p:spPr>
           <a:xfrm>
-            <a:off x="790574" y="1843087"/>
-            <a:ext cx="10515601" cy="4646295"/>
+            <a:off x="790574" y="1715452"/>
+            <a:ext cx="9677401" cy="5015865"/>
           </a:xfrm>
           <a:prstGeom prst="rect">
             <a:avLst/>
@@ -6745,68 +6503,59 @@
           <a:p>
             <a:r>
               <a:rPr lang="en-US" sz="3200" dirty="0"/>
-              <a:t>Data preprocessing</a:t>
-            </a:r>
-          </a:p>
-          <a:p>
-            <a:endParaRPr lang="en-US" sz="1600" dirty="0"/>
-          </a:p>
-          <a:p>
-            <a:r>
-              <a:rPr lang="en-US" sz="3200" dirty="0"/>
-              <a:t>Spark Mllib </a:t>
-            </a:r>
-          </a:p>
-          <a:p>
-            <a:r>
-              <a:rPr lang="en-US" sz="1600" dirty="0"/>
-              <a:t> </a:t>
-            </a:r>
-          </a:p>
-          <a:p>
-            <a:r>
-              <a:rPr lang="en-US" sz="3200" dirty="0"/>
-              <a:t>Play2.X Framework </a:t>
-            </a:r>
-            <a:r>
-              <a:rPr lang="en-US" b="1" dirty="0">
+              <a:t>Week 1: Self-learn related Spark, Scala and Play skills. </a:t>
+            </a:r>
+            <a:r>
+              <a:rPr lang="en-US" sz="3200" dirty="0">
                 <a:sym typeface="+mn-ea"/>
               </a:rPr>
-              <a:t>*Left 4.4% part of codes are written by HTML and CSS</a:t>
-            </a:r>
-            <a:endParaRPr lang="en-US" b="1" dirty="0"/>
-          </a:p>
-          <a:p>
-            <a:endParaRPr lang="en-US" sz="1600" dirty="0"/>
+              <a:t>Clean data and do data analysis. Implement data unit test </a:t>
+            </a:r>
+            <a:endParaRPr lang="en-US" sz="3200" dirty="0"/>
           </a:p>
           <a:p>
             <a:r>
               <a:rPr lang="en-US" sz="3200" dirty="0"/>
-              <a:t>All unit tests</a:t>
-            </a:r>
-          </a:p>
-          <a:p>
+              <a:t>  </a:t>
+            </a:r>
+          </a:p>
+          <a:p>
+            <a:r>
+              <a:rPr lang="en-US" sz="3200" dirty="0"/>
+              <a:t>Week 2-3: </a:t>
+            </a:r>
+            <a:r>
+              <a:rPr lang="en-US" sz="3200" dirty="0">
+                <a:sym typeface="+mn-ea"/>
+              </a:rPr>
+              <a:t>Select all possible models; train models and get the best model. Implement model unit test.</a:t>
+            </a:r>
             <a:endParaRPr lang="en-US" sz="3200" dirty="0"/>
           </a:p>
           <a:p>
-            <a:r>
-              <a:rPr lang="en-US" sz="3200" dirty="0" err="1"/>
-              <a:t>Github</a:t>
-            </a:r>
+            <a:endParaRPr lang="en-US" sz="3200" dirty="0"/>
+          </a:p>
+          <a:p>
             <a:r>
               <a:rPr lang="en-US" sz="3200" dirty="0"/>
-              <a:t> Repository: </a:t>
-            </a:r>
-            <a:r>
-              <a:rPr lang="en-US" sz="2800" dirty="0">
-                <a:hlinkClick r:id="rId2"/>
+              <a:t>Week 4: </a:t>
+            </a:r>
+            <a:r>
+              <a:rPr lang="en-US" sz="3200" dirty="0">
+                <a:sym typeface="+mn-ea"/>
               </a:rPr>
-              <a:t>https://github.com/ljch9725/CSYE7200_Final_Project_Team7</a:t>
-            </a:r>
-            <a:endParaRPr lang="en-US" sz="2800" dirty="0"/>
-          </a:p>
-          <a:p>
-            <a:endParaRPr lang="en-US" sz="2800" dirty="0"/>
+              <a:t>Implement UI by Play framework. Add comments and optimize codes.</a:t>
+            </a:r>
+            <a:endParaRPr lang="en-US" sz="3200" dirty="0"/>
+          </a:p>
+          <a:p>
+            <a:endParaRPr lang="en-US" sz="3200" dirty="0"/>
+          </a:p>
+          <a:p>
+            <a:r>
+              <a:rPr lang="en-US" sz="3200" dirty="0"/>
+              <a:t>Week 5: Prepare presentation</a:t>
+            </a:r>
           </a:p>
         </p:txBody>
       </p:sp>
@@ -6843,8 +6592,8 @@
         </p:nvSpPr>
         <p:spPr>
           <a:xfrm>
-            <a:off x="790574" y="685800"/>
-            <a:ext cx="4733926" cy="922020"/>
+            <a:off x="790575" y="685800"/>
+            <a:ext cx="6760210" cy="922020"/>
           </a:xfrm>
           <a:prstGeom prst="rect">
             <a:avLst/>
@@ -6857,13 +6606,18 @@
           </a:bodyPr>
           <a:lstStyle/>
           <a:p>
-            <a:r>
-              <a:rPr lang="en-US" sz="5400" dirty="0">
+            <a:pPr algn="l">
+              <a:buClrTx/>
+              <a:buSzTx/>
+              <a:buFontTx/>
+            </a:pPr>
+            <a:r>
+              <a:rPr lang="en-US" sz="5400" b="0" i="0" dirty="0">
                 <a:solidFill>
                   <a:srgbClr val="50575C"/>
                 </a:solidFill>
               </a:rPr>
-              <a:t>Milestones</a:t>
+              <a:t>Preprocess Data</a:t>
             </a:r>
           </a:p>
         </p:txBody>
@@ -6876,8 +6630,8 @@
         </p:nvSpPr>
         <p:spPr>
           <a:xfrm>
-            <a:off x="790574" y="1715452"/>
-            <a:ext cx="9677401" cy="5015865"/>
+            <a:off x="790575" y="2275522"/>
+            <a:ext cx="11249026" cy="3046988"/>
           </a:xfrm>
           <a:prstGeom prst="rect">
             <a:avLst/>
@@ -6891,59 +6645,32 @@
           <a:lstStyle/>
           <a:p>
             <a:r>
-              <a:rPr lang="en-US" sz="3200" dirty="0"/>
-              <a:t>Week 1: Self-learn related Spark, Scala and Play skills. </a:t>
-            </a:r>
-            <a:r>
               <a:rPr lang="en-US" sz="3200" dirty="0">
                 <a:sym typeface="+mn-ea"/>
               </a:rPr>
-              <a:t>Clean data and do data analysis. Implement data unit test </a:t>
-            </a:r>
+              <a:t>Select and extract useful information as </a:t>
+            </a:r>
+            <a:r>
+              <a:rPr lang="en-US" sz="3200" dirty="0"/>
+              <a:t>features from five datasets by Spark SQL</a:t>
+            </a:r>
+          </a:p>
+          <a:p>
             <a:endParaRPr lang="en-US" sz="3200" dirty="0"/>
           </a:p>
           <a:p>
             <a:r>
               <a:rPr lang="en-US" sz="3200" dirty="0"/>
-              <a:t>  </a:t>
-            </a:r>
+              <a:t>Training : Validation : Testing  ≈ 6 : 3 : 1</a:t>
+            </a:r>
+          </a:p>
+          <a:p>
+            <a:endParaRPr lang="en-US" sz="3200" dirty="0"/>
           </a:p>
           <a:p>
             <a:r>
               <a:rPr lang="en-US" sz="3200" dirty="0"/>
-              <a:t>Week 2-3: </a:t>
-            </a:r>
-            <a:r>
-              <a:rPr lang="en-US" sz="3200" dirty="0">
-                <a:sym typeface="+mn-ea"/>
-              </a:rPr>
-              <a:t>Select all possible models; train models and get the best model. Implement model unit test.</a:t>
-            </a:r>
-            <a:endParaRPr lang="en-US" sz="3200" dirty="0"/>
-          </a:p>
-          <a:p>
-            <a:endParaRPr lang="en-US" sz="3200" dirty="0"/>
-          </a:p>
-          <a:p>
-            <a:r>
-              <a:rPr lang="en-US" sz="3200" dirty="0"/>
-              <a:t>Week 4: </a:t>
-            </a:r>
-            <a:r>
-              <a:rPr lang="en-US" sz="3200" dirty="0">
-                <a:sym typeface="+mn-ea"/>
-              </a:rPr>
-              <a:t>Implement UI by Play framework. Add comments and optimize codes.</a:t>
-            </a:r>
-            <a:endParaRPr lang="en-US" sz="3200" dirty="0"/>
-          </a:p>
-          <a:p>
-            <a:endParaRPr lang="en-US" sz="3200" dirty="0"/>
-          </a:p>
-          <a:p>
-            <a:r>
-              <a:rPr lang="en-US" sz="3200" dirty="0"/>
-              <a:t>Week 5: Prepare presentation</a:t>
+              <a:t>Standardize data by subtracting mean and over standard deviation </a:t>
             </a:r>
           </a:p>
         </p:txBody>
@@ -7019,8 +6746,8 @@
         </p:nvSpPr>
         <p:spPr>
           <a:xfrm>
-            <a:off x="790575" y="2275522"/>
-            <a:ext cx="11249026" cy="3046988"/>
+            <a:off x="790574" y="1787842"/>
+            <a:ext cx="10915651" cy="584775"/>
           </a:xfrm>
           <a:prstGeom prst="rect">
             <a:avLst/>
@@ -7034,37 +6761,43 @@
           <a:lstStyle/>
           <a:p>
             <a:r>
-              <a:rPr lang="en-US" sz="3200" dirty="0">
-                <a:sym typeface="+mn-ea"/>
-              </a:rPr>
-              <a:t>Select and extract useful information as </a:t>
-            </a:r>
-            <a:r>
               <a:rPr lang="en-US" sz="3200" dirty="0"/>
-              <a:t>features from five datasets by Spark SQL</a:t>
-            </a:r>
-          </a:p>
-          <a:p>
-            <a:endParaRPr lang="en-US" sz="3200" dirty="0"/>
-          </a:p>
-          <a:p>
-            <a:r>
-              <a:rPr lang="en-US" sz="3200" dirty="0"/>
-              <a:t>Training : Validation : Testing  ≈ 6 : 3 : 1</a:t>
-            </a:r>
-          </a:p>
-          <a:p>
-            <a:endParaRPr lang="en-US" sz="3200" dirty="0"/>
-          </a:p>
-          <a:p>
-            <a:r>
-              <a:rPr lang="en-US" sz="3200" dirty="0"/>
-              <a:t>Standardize data by subtracting mean and over standard deviation </a:t>
-            </a:r>
-          </a:p>
-        </p:txBody>
-      </p:sp>
+              <a:t>Prediction Data is shown below (first 6 columns):</a:t>
+            </a:r>
+          </a:p>
+        </p:txBody>
+      </p:sp>
+      <p:pic>
+        <p:nvPicPr>
+          <p:cNvPr id="3" name="图片 2"/>
+          <p:cNvPicPr>
+            <a:picLocks noChangeAspect="1"/>
+          </p:cNvPicPr>
+          <p:nvPr/>
+        </p:nvPicPr>
+        <p:blipFill>
+          <a:blip r:embed="rId2"/>
+          <a:srcRect l="6953" t="20565" r="43479" b="53731"/>
+          <a:stretch>
+            <a:fillRect/>
+          </a:stretch>
+        </p:blipFill>
+        <p:spPr>
+          <a:xfrm>
+            <a:off x="790574" y="2772350"/>
+            <a:ext cx="10244537" cy="2988370"/>
+          </a:xfrm>
+          <a:prstGeom prst="rect">
+            <a:avLst/>
+          </a:prstGeom>
+        </p:spPr>
+      </p:pic>
     </p:spTree>
+    <p:extLst>
+      <p:ext uri="{BB962C8B-B14F-4D97-AF65-F5344CB8AC3E}">
+        <p14:creationId xmlns:p14="http://schemas.microsoft.com/office/powerpoint/2010/main" val="3360265177"/>
+      </p:ext>
+    </p:extLst>
   </p:cSld>
   <p:clrMapOvr>
     <a:masterClrMapping/>
@@ -7122,7 +6855,7 @@
                   <a:srgbClr val="50575C"/>
                 </a:solidFill>
               </a:rPr>
-              <a:t>Preprocess Data</a:t>
+              <a:t>Data Analysis</a:t>
             </a:r>
           </a:p>
         </p:txBody>
@@ -7135,8 +6868,8 @@
         </p:nvSpPr>
         <p:spPr>
           <a:xfrm>
-            <a:off x="790574" y="1787842"/>
-            <a:ext cx="10915651" cy="584775"/>
+            <a:off x="790574" y="2062162"/>
+            <a:ext cx="10915651" cy="583565"/>
           </a:xfrm>
           <a:prstGeom prst="rect">
             <a:avLst/>
@@ -7150,15 +6883,17 @@
           <a:lstStyle/>
           <a:p>
             <a:r>
-              <a:rPr lang="en-US" sz="3200" dirty="0"/>
-              <a:t>Prediction Data is shown below (first 6 columns):</a:t>
+              <a:rPr lang="en-US" sz="3200" dirty="0">
+                <a:sym typeface="+mn-ea"/>
+              </a:rPr>
+              <a:t>Calculate the correlation of all features and label</a:t>
             </a:r>
           </a:p>
         </p:txBody>
       </p:sp>
       <p:pic>
         <p:nvPicPr>
-          <p:cNvPr id="3" name="图片 2"/>
+          <p:cNvPr id="8" name="图片 7"/>
           <p:cNvPicPr>
             <a:picLocks noChangeAspect="1"/>
           </p:cNvPicPr>
@@ -7166,15 +6901,14 @@
         </p:nvPicPr>
         <p:blipFill>
           <a:blip r:embed="rId2"/>
-          <a:srcRect l="6953" t="20565" r="43479" b="53731"/>
           <a:stretch>
             <a:fillRect/>
           </a:stretch>
         </p:blipFill>
         <p:spPr>
           <a:xfrm>
-            <a:off x="790574" y="2772350"/>
-            <a:ext cx="10244537" cy="2988370"/>
+            <a:off x="790574" y="2696210"/>
+            <a:ext cx="9074785" cy="3502696"/>
           </a:xfrm>
           <a:prstGeom prst="rect">
             <a:avLst/>
@@ -7182,11 +6916,6 @@
         </p:spPr>
       </p:pic>
     </p:spTree>
-    <p:extLst>
-      <p:ext uri="{BB962C8B-B14F-4D97-AF65-F5344CB8AC3E}">
-        <p14:creationId xmlns:p14="http://schemas.microsoft.com/office/powerpoint/2010/main" val="3360265177"/>
-      </p:ext>
-    </p:extLst>
   </p:cSld>
   <p:clrMapOvr>
     <a:masterClrMapping/>
@@ -7220,7 +6949,7 @@
         <p:spPr>
           <a:xfrm>
             <a:off x="790575" y="685800"/>
-            <a:ext cx="6760210" cy="922020"/>
+            <a:ext cx="8916670" cy="922020"/>
           </a:xfrm>
           <a:prstGeom prst="rect">
             <a:avLst/>
@@ -7233,19 +6962,16 @@
           </a:bodyPr>
           <a:lstStyle/>
           <a:p>
-            <a:pPr algn="l">
-              <a:buClrTx/>
-              <a:buSzTx/>
-              <a:buFontTx/>
-            </a:pPr>
-            <a:r>
-              <a:rPr lang="en-US" sz="5400" b="0" i="0" dirty="0">
+            <a:r>
+              <a:rPr lang="en-US" sz="5400" dirty="0">
                 <a:solidFill>
-                  <a:srgbClr val="50575C"/>
+                  <a:srgbClr val="2D3B45"/>
                 </a:solidFill>
+                <a:latin typeface="Lato Extended"/>
               </a:rPr>
-              <a:t>Data Analysis</a:t>
-            </a:r>
+              <a:t>Acceptance Criteria</a:t>
+            </a:r>
+            <a:endParaRPr lang="en-US" sz="5400" dirty="0"/>
           </a:p>
         </p:txBody>
       </p:sp>
@@ -7257,8 +6983,8 @@
         </p:nvSpPr>
         <p:spPr>
           <a:xfrm>
-            <a:off x="790574" y="2062162"/>
-            <a:ext cx="10915651" cy="583565"/>
+            <a:off x="790574" y="1843087"/>
+            <a:ext cx="10515601" cy="1877437"/>
           </a:xfrm>
           <a:prstGeom prst="rect">
             <a:avLst/>
@@ -7272,38 +6998,324 @@
           <a:lstStyle/>
           <a:p>
             <a:r>
-              <a:rPr lang="en-US" sz="3200" dirty="0">
-                <a:sym typeface="+mn-ea"/>
-              </a:rPr>
-              <a:t>Calculate the correlation of all features and label</a:t>
-            </a:r>
-          </a:p>
-        </p:txBody>
-      </p:sp>
-      <p:pic>
-        <p:nvPicPr>
-          <p:cNvPr id="8" name="图片 7"/>
-          <p:cNvPicPr>
-            <a:picLocks noChangeAspect="1"/>
-          </p:cNvPicPr>
+              <a:rPr lang="en-US" sz="3200" dirty="0"/>
+              <a:t>Confusion Matrix:</a:t>
+            </a:r>
+          </a:p>
+          <a:p>
+            <a:endParaRPr lang="en-US" sz="2800" dirty="0"/>
+          </a:p>
+          <a:p>
+            <a:endParaRPr lang="en-US" sz="2800" dirty="0"/>
+          </a:p>
+          <a:p>
+            <a:endParaRPr lang="en-US" sz="2800" dirty="0"/>
+          </a:p>
+        </p:txBody>
+      </p:sp>
+      <p:graphicFrame>
+        <p:nvGraphicFramePr>
+          <p:cNvPr id="2" name="Table 2"/>
+          <p:cNvGraphicFramePr>
+            <a:graphicFrameLocks noGrp="1"/>
+          </p:cNvGraphicFramePr>
           <p:nvPr/>
-        </p:nvPicPr>
-        <p:blipFill>
-          <a:blip r:embed="rId2"/>
-          <a:stretch>
-            <a:fillRect/>
-          </a:stretch>
-        </p:blipFill>
-        <p:spPr>
-          <a:xfrm>
-            <a:off x="790574" y="2696210"/>
-            <a:ext cx="9074785" cy="3502696"/>
+        </p:nvGraphicFramePr>
+        <p:xfrm>
+          <a:off x="885825" y="2687320"/>
+          <a:ext cx="8127999" cy="1483360"/>
+        </p:xfrm>
+        <a:graphic>
+          <a:graphicData uri="http://schemas.openxmlformats.org/drawingml/2006/table">
+            <a:tbl>
+              <a:tblPr firstRow="1" bandRow="1">
+                <a:tableStyleId>{5940675A-B579-460E-94D1-54222C63F5DA}</a:tableStyleId>
+              </a:tblPr>
+              <a:tblGrid>
+                <a:gridCol w="2709333">
+                  <a:extLst>
+                    <a:ext uri="{9D8B030D-6E8A-4147-A177-3AD203B41FA5}">
+                      <a16:colId xmlns:a16="http://schemas.microsoft.com/office/drawing/2014/main" val="20000"/>
+                    </a:ext>
+                  </a:extLst>
+                </a:gridCol>
+                <a:gridCol w="2709333">
+                  <a:extLst>
+                    <a:ext uri="{9D8B030D-6E8A-4147-A177-3AD203B41FA5}">
+                      <a16:colId xmlns:a16="http://schemas.microsoft.com/office/drawing/2014/main" val="20001"/>
+                    </a:ext>
+                  </a:extLst>
+                </a:gridCol>
+                <a:gridCol w="2709333">
+                  <a:extLst>
+                    <a:ext uri="{9D8B030D-6E8A-4147-A177-3AD203B41FA5}">
+                      <a16:colId xmlns:a16="http://schemas.microsoft.com/office/drawing/2014/main" val="20002"/>
+                    </a:ext>
+                  </a:extLst>
+                </a:gridCol>
+              </a:tblGrid>
+              <a:tr h="370840">
+                <a:tc>
+                  <a:txBody>
+                    <a:bodyPr/>
+                    <a:lstStyle/>
+                    <a:p>
+                      <a:pPr algn="ctr"/>
+                      <a:endParaRPr lang="en-US" dirty="0"/>
+                    </a:p>
+                  </a:txBody>
+                  <a:tcPr/>
+                </a:tc>
+                <a:tc gridSpan="2">
+                  <a:txBody>
+                    <a:bodyPr/>
+                    <a:lstStyle/>
+                    <a:p>
+                      <a:pPr algn="ctr"/>
+                      <a:r>
+                        <a:rPr lang="en-US" b="1" dirty="0"/>
+                        <a:t>True Class</a:t>
+                      </a:r>
+                    </a:p>
+                  </a:txBody>
+                  <a:tcPr/>
+                </a:tc>
+                <a:tc hMerge="1">
+                  <a:txBody>
+                    <a:bodyPr/>
+                    <a:lstStyle/>
+                    <a:p>
+                      <a:endParaRPr lang="en-US"/>
+                    </a:p>
+                  </a:txBody>
+                  <a:tcPr/>
+                </a:tc>
+                <a:extLst>
+                  <a:ext uri="{0D108BD9-81ED-4DB2-BD59-A6C34878D82A}">
+                    <a16:rowId xmlns:a16="http://schemas.microsoft.com/office/drawing/2014/main" val="10000"/>
+                  </a:ext>
+                </a:extLst>
+              </a:tr>
+              <a:tr h="370840">
+                <a:tc>
+                  <a:txBody>
+                    <a:bodyPr/>
+                    <a:lstStyle/>
+                    <a:p>
+                      <a:pPr algn="ctr"/>
+                      <a:r>
+                        <a:rPr lang="en-US" b="1" dirty="0"/>
+                        <a:t>Predicted Class</a:t>
+                      </a:r>
+                    </a:p>
+                  </a:txBody>
+                  <a:tcPr/>
+                </a:tc>
+                <a:tc>
+                  <a:txBody>
+                    <a:bodyPr/>
+                    <a:lstStyle/>
+                    <a:p>
+                      <a:pPr algn="ctr"/>
+                      <a:r>
+                        <a:rPr lang="en-US" i="1" dirty="0"/>
+                        <a:t>Positive</a:t>
+                      </a:r>
+                    </a:p>
+                  </a:txBody>
+                  <a:tcPr/>
+                </a:tc>
+                <a:tc>
+                  <a:txBody>
+                    <a:bodyPr/>
+                    <a:lstStyle/>
+                    <a:p>
+                      <a:pPr algn="ctr"/>
+                      <a:r>
+                        <a:rPr lang="en-US" i="1" dirty="0"/>
+                        <a:t>Negative</a:t>
+                      </a:r>
+                    </a:p>
+                  </a:txBody>
+                  <a:tcPr/>
+                </a:tc>
+                <a:extLst>
+                  <a:ext uri="{0D108BD9-81ED-4DB2-BD59-A6C34878D82A}">
+                    <a16:rowId xmlns:a16="http://schemas.microsoft.com/office/drawing/2014/main" val="10001"/>
+                  </a:ext>
+                </a:extLst>
+              </a:tr>
+              <a:tr h="370840">
+                <a:tc>
+                  <a:txBody>
+                    <a:bodyPr/>
+                    <a:lstStyle/>
+                    <a:p>
+                      <a:pPr algn="ctr"/>
+                      <a:r>
+                        <a:rPr lang="en-US" i="1" dirty="0"/>
+                        <a:t>Positive</a:t>
+                      </a:r>
+                    </a:p>
+                  </a:txBody>
+                  <a:tcPr/>
+                </a:tc>
+                <a:tc>
+                  <a:txBody>
+                    <a:bodyPr/>
+                    <a:lstStyle/>
+                    <a:p>
+                      <a:pPr algn="ctr"/>
+                      <a:r>
+                        <a:rPr lang="en-US" dirty="0"/>
+                        <a:t>True Positive(TP)</a:t>
+                      </a:r>
+                    </a:p>
+                  </a:txBody>
+                  <a:tcPr/>
+                </a:tc>
+                <a:tc>
+                  <a:txBody>
+                    <a:bodyPr/>
+                    <a:lstStyle/>
+                    <a:p>
+                      <a:pPr algn="ctr"/>
+                      <a:r>
+                        <a:rPr lang="en-US" dirty="0"/>
+                        <a:t>False Positive(FP)</a:t>
+                      </a:r>
+                    </a:p>
+                  </a:txBody>
+                  <a:tcPr/>
+                </a:tc>
+                <a:extLst>
+                  <a:ext uri="{0D108BD9-81ED-4DB2-BD59-A6C34878D82A}">
+                    <a16:rowId xmlns:a16="http://schemas.microsoft.com/office/drawing/2014/main" val="10002"/>
+                  </a:ext>
+                </a:extLst>
+              </a:tr>
+              <a:tr h="370840">
+                <a:tc>
+                  <a:txBody>
+                    <a:bodyPr/>
+                    <a:lstStyle/>
+                    <a:p>
+                      <a:pPr algn="ctr"/>
+                      <a:r>
+                        <a:rPr lang="en-US" i="1" dirty="0"/>
+                        <a:t>Negative</a:t>
+                      </a:r>
+                    </a:p>
+                  </a:txBody>
+                  <a:tcPr/>
+                </a:tc>
+                <a:tc>
+                  <a:txBody>
+                    <a:bodyPr/>
+                    <a:lstStyle/>
+                    <a:p>
+                      <a:pPr algn="ctr"/>
+                      <a:r>
+                        <a:rPr lang="en-US" dirty="0"/>
+                        <a:t>False Negative(FN)</a:t>
+                      </a:r>
+                    </a:p>
+                  </a:txBody>
+                  <a:tcPr/>
+                </a:tc>
+                <a:tc>
+                  <a:txBody>
+                    <a:bodyPr/>
+                    <a:lstStyle/>
+                    <a:p>
+                      <a:pPr algn="ctr"/>
+                      <a:r>
+                        <a:rPr lang="en-US" dirty="0"/>
+                        <a:t>True Negative(TN)</a:t>
+                      </a:r>
+                    </a:p>
+                  </a:txBody>
+                  <a:tcPr/>
+                </a:tc>
+                <a:extLst>
+                  <a:ext uri="{0D108BD9-81ED-4DB2-BD59-A6C34878D82A}">
+                    <a16:rowId xmlns:a16="http://schemas.microsoft.com/office/drawing/2014/main" val="10003"/>
+                  </a:ext>
+                </a:extLst>
+              </a:tr>
+            </a:tbl>
+          </a:graphicData>
+        </a:graphic>
+      </p:graphicFrame>
+      <p:sp>
+        <p:nvSpPr>
+          <p:cNvPr id="3" name="TextBox 2"/>
+          <p:cNvSpPr txBox="1"/>
+          <p:nvPr/>
+        </p:nvSpPr>
+        <p:spPr>
+          <a:xfrm>
+            <a:off x="885825" y="4586089"/>
+            <a:ext cx="5886452" cy="461665"/>
           </a:xfrm>
           <a:prstGeom prst="rect">
             <a:avLst/>
           </a:prstGeom>
-        </p:spPr>
-      </p:pic>
+          <a:noFill/>
+        </p:spPr>
+        <p:txBody>
+          <a:bodyPr wrap="square" rtlCol="0">
+            <a:spAutoFit/>
+          </a:bodyPr>
+          <a:lstStyle/>
+          <a:p>
+            <a:r>
+              <a:rPr lang="en-US" sz="2400" b="1" dirty="0"/>
+              <a:t>Accuracy = </a:t>
+            </a:r>
+            <a:r>
+              <a:rPr lang="en-US" sz="2400" dirty="0"/>
+              <a:t>(TP + TN)/(P + N)</a:t>
+            </a:r>
+            <a:endParaRPr lang="en-US" sz="2400" b="1" dirty="0"/>
+          </a:p>
+        </p:txBody>
+      </p:sp>
+      <p:sp>
+        <p:nvSpPr>
+          <p:cNvPr id="5" name="TextBox 4"/>
+          <p:cNvSpPr txBox="1"/>
+          <p:nvPr/>
+        </p:nvSpPr>
+        <p:spPr>
+          <a:xfrm>
+            <a:off x="885825" y="5389881"/>
+            <a:ext cx="10953750" cy="1077218"/>
+          </a:xfrm>
+          <a:prstGeom prst="rect">
+            <a:avLst/>
+          </a:prstGeom>
+          <a:noFill/>
+        </p:spPr>
+        <p:txBody>
+          <a:bodyPr wrap="square" rtlCol="0">
+            <a:spAutoFit/>
+          </a:bodyPr>
+          <a:lstStyle/>
+          <a:p>
+            <a:r>
+              <a:rPr lang="en-US" sz="3200" dirty="0"/>
+              <a:t>Accuracy &gt; 70%</a:t>
+            </a:r>
+          </a:p>
+          <a:p>
+            <a:r>
+              <a:rPr lang="en-US" sz="3200" dirty="0"/>
+              <a:t>Response Time &lt; 2 seconds</a:t>
+            </a:r>
+          </a:p>
+        </p:txBody>
+      </p:sp>
     </p:spTree>
   </p:cSld>
   <p:clrMapOvr>

--- a/Predicting Winner of LOL Match(final).pptx
+++ b/Predicting Winner of LOL Match(final).pptx
@@ -148,7 +148,7 @@
   <pc:docChgLst>
     <pc:chgData name="Yihao Gu" userId="5bd5137a74433959" providerId="LiveId" clId="{D167D064-5530-4E5F-9141-F118A2C4BDB6}"/>
     <pc:docChg chg="undo redo custSel addSld delSld modSld sldOrd">
-      <pc:chgData name="Yihao Gu" userId="5bd5137a74433959" providerId="LiveId" clId="{D167D064-5530-4E5F-9141-F118A2C4BDB6}" dt="2021-04-22T04:54:10.373" v="2897"/>
+      <pc:chgData name="Yihao Gu" userId="5bd5137a74433959" providerId="LiveId" clId="{D167D064-5530-4E5F-9141-F118A2C4BDB6}" dt="2021-04-22T15:47:53.439" v="2904" actId="113"/>
       <pc:docMkLst>
         <pc:docMk/>
       </pc:docMkLst>
@@ -251,7 +251,7 @@
         </pc:picChg>
       </pc:sldChg>
       <pc:sldChg chg="addSp delSp modSp add mod">
-        <pc:chgData name="Yihao Gu" userId="5bd5137a74433959" providerId="LiveId" clId="{D167D064-5530-4E5F-9141-F118A2C4BDB6}" dt="2021-04-21T22:21:47.877" v="2155" actId="20577"/>
+        <pc:chgData name="Yihao Gu" userId="5bd5137a74433959" providerId="LiveId" clId="{D167D064-5530-4E5F-9141-F118A2C4BDB6}" dt="2021-04-22T15:47:53.439" v="2904" actId="113"/>
         <pc:sldMkLst>
           <pc:docMk/>
           <pc:sldMk cId="751597545" sldId="276"/>
@@ -321,7 +321,7 @@
           </ac:graphicFrameMkLst>
         </pc:graphicFrameChg>
         <pc:graphicFrameChg chg="add mod modGraphic">
-          <ac:chgData name="Yihao Gu" userId="5bd5137a74433959" providerId="LiveId" clId="{D167D064-5530-4E5F-9141-F118A2C4BDB6}" dt="2021-04-21T20:04:23.414" v="999" actId="1076"/>
+          <ac:chgData name="Yihao Gu" userId="5bd5137a74433959" providerId="LiveId" clId="{D167D064-5530-4E5F-9141-F118A2C4BDB6}" dt="2021-04-22T15:47:53.439" v="2904" actId="113"/>
           <ac:graphicFrameMkLst>
             <pc:docMk/>
             <pc:sldMk cId="751597545" sldId="276"/>
@@ -516,17 +516,24 @@
           </ac:picMkLst>
         </pc:picChg>
       </pc:sldChg>
+      <pc:sldChg chg="add">
+        <pc:chgData name="Yihao Gu" userId="5bd5137a74433959" providerId="LiveId" clId="{D167D064-5530-4E5F-9141-F118A2C4BDB6}" dt="2021-04-22T04:54:10.373" v="2897"/>
+        <pc:sldMkLst>
+          <pc:docMk/>
+          <pc:sldMk cId="1732558023" sldId="282"/>
+        </pc:sldMkLst>
+      </pc:sldChg>
       <pc:sldChg chg="addSp delSp modSp add del mod">
         <pc:chgData name="Yihao Gu" userId="5bd5137a74433959" providerId="LiveId" clId="{D167D064-5530-4E5F-9141-F118A2C4BDB6}" dt="2021-04-22T04:54:03.827" v="2896" actId="2696"/>
         <pc:sldMkLst>
           <pc:docMk/>
-          <pc:sldMk cId="0" sldId="282"/>
+          <pc:sldMk cId="1732558023" sldId="282"/>
         </pc:sldMkLst>
         <pc:spChg chg="add mod">
           <ac:chgData name="Yihao Gu" userId="5bd5137a74433959" providerId="LiveId" clId="{D167D064-5530-4E5F-9141-F118A2C4BDB6}" dt="2021-04-21T23:10:37.857" v="2892" actId="207"/>
           <ac:spMkLst>
             <pc:docMk/>
-            <pc:sldMk cId="0" sldId="282"/>
+            <pc:sldMk cId="1732558023" sldId="282"/>
             <ac:spMk id="2" creationId="{0E1990B7-6239-469B-A423-08292CBE968C}"/>
           </ac:spMkLst>
         </pc:spChg>
@@ -534,7 +541,7 @@
           <ac:chgData name="Yihao Gu" userId="5bd5137a74433959" providerId="LiveId" clId="{D167D064-5530-4E5F-9141-F118A2C4BDB6}" dt="2021-04-21T23:10:37.857" v="2892" actId="207"/>
           <ac:spMkLst>
             <pc:docMk/>
-            <pc:sldMk cId="0" sldId="282"/>
+            <pc:sldMk cId="1732558023" sldId="282"/>
             <ac:spMk id="3" creationId="{429FA8DF-5210-4DED-B03B-2212A32A7000}"/>
           </ac:spMkLst>
         </pc:spChg>
@@ -542,7 +549,7 @@
           <ac:chgData name="Yihao Gu" userId="5bd5137a74433959" providerId="LiveId" clId="{D167D064-5530-4E5F-9141-F118A2C4BDB6}" dt="2021-04-21T23:02:40.932" v="2791" actId="1076"/>
           <ac:spMkLst>
             <pc:docMk/>
-            <pc:sldMk cId="0" sldId="282"/>
+            <pc:sldMk cId="1732558023" sldId="282"/>
             <ac:spMk id="4" creationId="{00000000-0000-0000-0000-000000000000}"/>
           </ac:spMkLst>
         </pc:spChg>
@@ -550,7 +557,7 @@
           <ac:chgData name="Yihao Gu" userId="5bd5137a74433959" providerId="LiveId" clId="{D167D064-5530-4E5F-9141-F118A2C4BDB6}" dt="2021-04-21T22:57:31.170" v="2617" actId="478"/>
           <ac:spMkLst>
             <pc:docMk/>
-            <pc:sldMk cId="0" sldId="282"/>
+            <pc:sldMk cId="1732558023" sldId="282"/>
             <ac:spMk id="5" creationId="{E7C0AB7C-0276-441B-8C77-9F1E1A2F7FD8}"/>
           </ac:spMkLst>
         </pc:spChg>
@@ -558,7 +565,7 @@
           <ac:chgData name="Yihao Gu" userId="5bd5137a74433959" providerId="LiveId" clId="{D167D064-5530-4E5F-9141-F118A2C4BDB6}" dt="2021-04-21T22:43:07.808" v="2377" actId="478"/>
           <ac:spMkLst>
             <pc:docMk/>
-            <pc:sldMk cId="0" sldId="282"/>
+            <pc:sldMk cId="1732558023" sldId="282"/>
             <ac:spMk id="6" creationId="{00000000-0000-0000-0000-000000000000}"/>
           </ac:spMkLst>
         </pc:spChg>
@@ -566,7 +573,7 @@
           <ac:chgData name="Yihao Gu" userId="5bd5137a74433959" providerId="LiveId" clId="{D167D064-5530-4E5F-9141-F118A2C4BDB6}" dt="2021-04-21T23:10:37.857" v="2892" actId="207"/>
           <ac:spMkLst>
             <pc:docMk/>
-            <pc:sldMk cId="0" sldId="282"/>
+            <pc:sldMk cId="1732558023" sldId="282"/>
             <ac:spMk id="7" creationId="{78835783-FFC6-4811-A4B9-1748D1C27B8C}"/>
           </ac:spMkLst>
         </pc:spChg>
@@ -574,7 +581,7 @@
           <ac:chgData name="Yihao Gu" userId="5bd5137a74433959" providerId="LiveId" clId="{D167D064-5530-4E5F-9141-F118A2C4BDB6}" dt="2021-04-21T22:53:01.228" v="2477" actId="478"/>
           <ac:spMkLst>
             <pc:docMk/>
-            <pc:sldMk cId="0" sldId="282"/>
+            <pc:sldMk cId="1732558023" sldId="282"/>
             <ac:spMk id="8" creationId="{27BF5B48-962F-43E6-8551-FC00D489919D}"/>
           </ac:spMkLst>
         </pc:spChg>
@@ -582,7 +589,7 @@
           <ac:chgData name="Yihao Gu" userId="5bd5137a74433959" providerId="LiveId" clId="{D167D064-5530-4E5F-9141-F118A2C4BDB6}" dt="2021-04-21T23:10:37.857" v="2892" actId="207"/>
           <ac:spMkLst>
             <pc:docMk/>
-            <pc:sldMk cId="0" sldId="282"/>
+            <pc:sldMk cId="1732558023" sldId="282"/>
             <ac:spMk id="9" creationId="{2AB72626-76D5-4D6E-9C6C-D96D5FC18029}"/>
           </ac:spMkLst>
         </pc:spChg>
@@ -590,7 +597,7 @@
           <ac:chgData name="Yihao Gu" userId="5bd5137a74433959" providerId="LiveId" clId="{D167D064-5530-4E5F-9141-F118A2C4BDB6}" dt="2021-04-21T23:10:37.857" v="2892" actId="207"/>
           <ac:spMkLst>
             <pc:docMk/>
-            <pc:sldMk cId="0" sldId="282"/>
+            <pc:sldMk cId="1732558023" sldId="282"/>
             <ac:spMk id="10" creationId="{7E8380D5-62CD-4467-AE26-CE29E0E53BF1}"/>
           </ac:spMkLst>
         </pc:spChg>
@@ -598,7 +605,7 @@
           <ac:chgData name="Yihao Gu" userId="5bd5137a74433959" providerId="LiveId" clId="{D167D064-5530-4E5F-9141-F118A2C4BDB6}" dt="2021-04-21T22:56:58.248" v="2612" actId="478"/>
           <ac:spMkLst>
             <pc:docMk/>
-            <pc:sldMk cId="0" sldId="282"/>
+            <pc:sldMk cId="1732558023" sldId="282"/>
             <ac:spMk id="11" creationId="{EEB4D741-B75C-40D8-9E46-3729FE848108}"/>
           </ac:spMkLst>
         </pc:spChg>
@@ -606,7 +613,7 @@
           <ac:chgData name="Yihao Gu" userId="5bd5137a74433959" providerId="LiveId" clId="{D167D064-5530-4E5F-9141-F118A2C4BDB6}" dt="2021-04-21T22:57:50.045" v="2620" actId="478"/>
           <ac:spMkLst>
             <pc:docMk/>
-            <pc:sldMk cId="0" sldId="282"/>
+            <pc:sldMk cId="1732558023" sldId="282"/>
             <ac:spMk id="12" creationId="{DD0A734D-8623-412D-BDCC-E7297E33766E}"/>
           </ac:spMkLst>
         </pc:spChg>
@@ -614,7 +621,7 @@
           <ac:chgData name="Yihao Gu" userId="5bd5137a74433959" providerId="LiveId" clId="{D167D064-5530-4E5F-9141-F118A2C4BDB6}" dt="2021-04-21T23:10:37.857" v="2892" actId="207"/>
           <ac:spMkLst>
             <pc:docMk/>
-            <pc:sldMk cId="0" sldId="282"/>
+            <pc:sldMk cId="1732558023" sldId="282"/>
             <ac:spMk id="13" creationId="{F25A1870-0629-4BF0-9D87-506F95B4705D}"/>
           </ac:spMkLst>
         </pc:spChg>
@@ -622,7 +629,7 @@
           <ac:chgData name="Yihao Gu" userId="5bd5137a74433959" providerId="LiveId" clId="{D167D064-5530-4E5F-9141-F118A2C4BDB6}" dt="2021-04-21T23:10:37.857" v="2892" actId="207"/>
           <ac:spMkLst>
             <pc:docMk/>
-            <pc:sldMk cId="0" sldId="282"/>
+            <pc:sldMk cId="1732558023" sldId="282"/>
             <ac:spMk id="14" creationId="{9950A4D4-7038-447B-8C1D-7771A7771B8F}"/>
           </ac:spMkLst>
         </pc:spChg>
@@ -630,7 +637,7 @@
           <ac:chgData name="Yihao Gu" userId="5bd5137a74433959" providerId="LiveId" clId="{D167D064-5530-4E5F-9141-F118A2C4BDB6}" dt="2021-04-21T23:10:37.857" v="2892" actId="207"/>
           <ac:spMkLst>
             <pc:docMk/>
-            <pc:sldMk cId="0" sldId="282"/>
+            <pc:sldMk cId="1732558023" sldId="282"/>
             <ac:spMk id="15" creationId="{2BC479DC-6E0E-42E2-9FA9-AC47FAE7D2AB}"/>
           </ac:spMkLst>
         </pc:spChg>
@@ -638,7 +645,7 @@
           <ac:chgData name="Yihao Gu" userId="5bd5137a74433959" providerId="LiveId" clId="{D167D064-5530-4E5F-9141-F118A2C4BDB6}" dt="2021-04-21T23:11:59.645" v="2895" actId="207"/>
           <ac:spMkLst>
             <pc:docMk/>
-            <pc:sldMk cId="0" sldId="282"/>
+            <pc:sldMk cId="1732558023" sldId="282"/>
             <ac:spMk id="16" creationId="{9760BC89-1C10-42ED-A1E6-AA943D516548}"/>
           </ac:spMkLst>
         </pc:spChg>
@@ -646,7 +653,7 @@
           <ac:chgData name="Yihao Gu" userId="5bd5137a74433959" providerId="LiveId" clId="{D167D064-5530-4E5F-9141-F118A2C4BDB6}" dt="2021-04-21T23:11:59.645" v="2895" actId="207"/>
           <ac:spMkLst>
             <pc:docMk/>
-            <pc:sldMk cId="0" sldId="282"/>
+            <pc:sldMk cId="1732558023" sldId="282"/>
             <ac:spMk id="17" creationId="{1AD0B773-70E0-4372-AC21-BF937D3B0955}"/>
           </ac:spMkLst>
         </pc:spChg>
@@ -654,7 +661,7 @@
           <ac:chgData name="Yihao Gu" userId="5bd5137a74433959" providerId="LiveId" clId="{D167D064-5530-4E5F-9141-F118A2C4BDB6}" dt="2021-04-21T23:11:59.645" v="2895" actId="207"/>
           <ac:spMkLst>
             <pc:docMk/>
-            <pc:sldMk cId="0" sldId="282"/>
+            <pc:sldMk cId="1732558023" sldId="282"/>
             <ac:spMk id="18" creationId="{4383F87D-36D2-44BB-9640-7DAB951480CB}"/>
           </ac:spMkLst>
         </pc:spChg>
@@ -662,7 +669,7 @@
           <ac:chgData name="Yihao Gu" userId="5bd5137a74433959" providerId="LiveId" clId="{D167D064-5530-4E5F-9141-F118A2C4BDB6}" dt="2021-04-21T23:11:59.645" v="2895" actId="207"/>
           <ac:spMkLst>
             <pc:docMk/>
-            <pc:sldMk cId="0" sldId="282"/>
+            <pc:sldMk cId="1732558023" sldId="282"/>
             <ac:spMk id="19" creationId="{27A49743-59D1-457F-B6D0-DA057D9B637E}"/>
           </ac:spMkLst>
         </pc:spChg>
@@ -670,17 +677,10 @@
           <ac:chgData name="Yihao Gu" userId="5bd5137a74433959" providerId="LiveId" clId="{D167D064-5530-4E5F-9141-F118A2C4BDB6}" dt="2021-04-21T23:10:37.857" v="2892" actId="207"/>
           <ac:spMkLst>
             <pc:docMk/>
-            <pc:sldMk cId="0" sldId="282"/>
+            <pc:sldMk cId="1732558023" sldId="282"/>
             <ac:spMk id="20" creationId="{3D59F0A5-5997-4AEA-AD7F-4C2FEC0F60CE}"/>
           </ac:spMkLst>
         </pc:spChg>
-      </pc:sldChg>
-      <pc:sldChg chg="add">
-        <pc:chgData name="Yihao Gu" userId="5bd5137a74433959" providerId="LiveId" clId="{D167D064-5530-4E5F-9141-F118A2C4BDB6}" dt="2021-04-22T04:54:10.373" v="2897"/>
-        <pc:sldMkLst>
-          <pc:docMk/>
-          <pc:sldMk cId="1732558023" sldId="282"/>
-        </pc:sldMkLst>
       </pc:sldChg>
     </pc:docChg>
   </pc:docChgLst>
@@ -3647,7 +3647,7 @@
           <p:nvPr>
             <p:extLst>
               <p:ext uri="{D42A27DB-BD31-4B8C-83A1-F6EECF244321}">
-                <p14:modId xmlns:p14="http://schemas.microsoft.com/office/powerpoint/2010/main" val="4083340670"/>
+                <p14:modId xmlns:p14="http://schemas.microsoft.com/office/powerpoint/2010/main" val="221406994"/>
               </p:ext>
             </p:extLst>
           </p:nvPr>
@@ -3757,7 +3757,7 @@
                       <a:pPr algn="ctr"/>
                       <a:r>
                         <a:rPr lang="en-US" b="1" dirty="0"/>
-                        <a:t>Support Vector Machine(Linear)</a:t>
+                        <a:t>***Support Vector Machine(Linear)</a:t>
                       </a:r>
                     </a:p>
                   </a:txBody>
@@ -3769,6 +3769,10 @@
                     <a:lstStyle/>
                     <a:p>
                       <a:pPr algn="ctr"/>
+                      <a:r>
+                        <a:rPr lang="en-US" b="1" dirty="0"/>
+                        <a:t>***</a:t>
+                      </a:r>
                       <a:r>
                         <a:rPr lang="en-US" b="0" dirty="0"/>
                         <a:t>0.7930</a:t>
